--- a/documents/presentation.pptx
+++ b/documents/presentation.pptx
@@ -17,8 +17,8 @@
     <p:sldId id="269" r:id="rId8"/>
     <p:sldId id="270" r:id="rId9"/>
     <p:sldId id="272" r:id="rId10"/>
-    <p:sldId id="271" r:id="rId11"/>
-    <p:sldId id="268" r:id="rId12"/>
+    <p:sldId id="268" r:id="rId11"/>
+    <p:sldId id="274" r:id="rId12"/>
     <p:sldId id="264" r:id="rId13"/>
   </p:sldIdLst>
   <p:sldSz cx="9144000" cy="6858000" type="screen4x3"/>
@@ -233,7 +233,8 @@
           <a:p>
             <a:fld id="{D761A794-15E8-4C19-9429-90557F78B1C8}" type="datetimeFigureOut">
               <a:rPr lang="fr-FR" smtClean="0"/>
-              <a:t>13/01/2010</a:t>
+              <a:pPr/>
+              <a:t>14/01/2010</a:t>
             </a:fld>
             <a:endParaRPr lang="fr-CH"/>
           </a:p>
@@ -394,6 +395,7 @@
           <a:p>
             <a:fld id="{BA64795F-8A88-462F-B7DA-E81DC07A4301}" type="slidenum">
               <a:rPr lang="fr-CH" smtClean="0"/>
+              <a:pPr/>
               <a:t>‹N°›</a:t>
             </a:fld>
             <a:endParaRPr lang="fr-CH"/>
@@ -565,6 +567,7 @@
           <a:p>
             <a:fld id="{BA64795F-8A88-462F-B7DA-E81DC07A4301}" type="slidenum">
               <a:rPr lang="fr-CH" smtClean="0"/>
+              <a:pPr/>
               <a:t>1</a:t>
             </a:fld>
             <a:endParaRPr lang="fr-CH"/>
@@ -710,7 +713,8 @@
           <a:p>
             <a:fld id="{1FD82F67-3604-455A-AA94-463E3F4A9835}" type="datetime1">
               <a:rPr lang="fr-CH" smtClean="0"/>
-              <a:t>13.01.2010</a:t>
+              <a:pPr/>
+              <a:t>14.01.2010</a:t>
             </a:fld>
             <a:endParaRPr lang="fr-FR"/>
           </a:p>
@@ -895,7 +899,8 @@
           <a:p>
             <a:fld id="{55B3CD59-5DD5-41C3-B883-761C206A7252}" type="datetime1">
               <a:rPr lang="fr-CH" smtClean="0"/>
-              <a:t>13.01.2010</a:t>
+              <a:pPr/>
+              <a:t>14.01.2010</a:t>
             </a:fld>
             <a:endParaRPr lang="fr-FR"/>
           </a:p>
@@ -1090,7 +1095,8 @@
           <a:p>
             <a:fld id="{3B04A12F-0005-45B2-8940-F8EFEAD0E451}" type="datetime1">
               <a:rPr lang="fr-CH" smtClean="0"/>
-              <a:t>13.01.2010</a:t>
+              <a:pPr/>
+              <a:t>14.01.2010</a:t>
             </a:fld>
             <a:endParaRPr lang="fr-FR"/>
           </a:p>
@@ -1404,7 +1410,8 @@
           <a:p>
             <a:fld id="{529FBE9A-CF7D-433F-8346-C0E52BDADA61}" type="datetime1">
               <a:rPr lang="fr-CH" smtClean="0"/>
-              <a:t>13.01.2010</a:t>
+              <a:pPr/>
+              <a:t>14.01.2010</a:t>
             </a:fld>
             <a:endParaRPr lang="fr-FR"/>
           </a:p>
@@ -1586,7 +1593,8 @@
           <a:p>
             <a:fld id="{FE683641-4180-4030-9871-18F1FE65C087}" type="datetime1">
               <a:rPr lang="fr-CH" smtClean="0"/>
-              <a:t>13.01.2010</a:t>
+              <a:pPr/>
+              <a:t>14.01.2010</a:t>
             </a:fld>
             <a:endParaRPr lang="fr-FR"/>
           </a:p>
@@ -1781,7 +1789,8 @@
           <a:p>
             <a:fld id="{DE3EECC3-BAC3-4A29-8636-7743FF9A3806}" type="datetime1">
               <a:rPr lang="fr-CH" smtClean="0"/>
-              <a:t>13.01.2010</a:t>
+              <a:pPr/>
+              <a:t>14.01.2010</a:t>
             </a:fld>
             <a:endParaRPr lang="fr-FR"/>
           </a:p>
@@ -1988,7 +1997,8 @@
           <a:p>
             <a:fld id="{F154968F-2762-4F3B-BC70-F7C39B89A9B8}" type="datetime1">
               <a:rPr lang="fr-CH" smtClean="0"/>
-              <a:t>13.01.2010</a:t>
+              <a:pPr/>
+              <a:t>14.01.2010</a:t>
             </a:fld>
             <a:endParaRPr lang="fr-FR"/>
           </a:p>
@@ -2291,7 +2301,8 @@
           <a:p>
             <a:fld id="{05BFEB41-E5CB-4CD1-9B55-92701C8EBC84}" type="datetime1">
               <a:rPr lang="fr-CH" smtClean="0"/>
-              <a:t>13.01.2010</a:t>
+              <a:pPr/>
+              <a:t>14.01.2010</a:t>
             </a:fld>
             <a:endParaRPr lang="fr-FR"/>
           </a:p>
@@ -2728,7 +2739,8 @@
           <a:p>
             <a:fld id="{2F6C9831-039A-4F5C-8AD2-A3AB876185B4}" type="datetime1">
               <a:rPr lang="fr-CH" smtClean="0"/>
-              <a:t>13.01.2010</a:t>
+              <a:pPr/>
+              <a:t>14.01.2010</a:t>
             </a:fld>
             <a:endParaRPr lang="fr-FR"/>
           </a:p>
@@ -2861,7 +2873,8 @@
           <a:p>
             <a:fld id="{DFFDC1B0-BD04-46D2-99EE-B853352D89B2}" type="datetime1">
               <a:rPr lang="fr-CH" smtClean="0"/>
-              <a:t>13.01.2010</a:t>
+              <a:pPr/>
+              <a:t>14.01.2010</a:t>
             </a:fld>
             <a:endParaRPr lang="fr-FR"/>
           </a:p>
@@ -2971,7 +2984,8 @@
           <a:p>
             <a:fld id="{0EE68050-7145-4A91-894E-A242682B636F}" type="datetime1">
               <a:rPr lang="fr-CH" smtClean="0"/>
-              <a:t>13.01.2010</a:t>
+              <a:pPr/>
+              <a:t>14.01.2010</a:t>
             </a:fld>
             <a:endParaRPr lang="fr-FR"/>
           </a:p>
@@ -3263,7 +3277,8 @@
           <a:p>
             <a:fld id="{3A01947D-F275-402E-B528-25DF2F067B3A}" type="datetime1">
               <a:rPr lang="fr-CH" smtClean="0"/>
-              <a:t>13.01.2010</a:t>
+              <a:pPr/>
+              <a:t>14.01.2010</a:t>
             </a:fld>
             <a:endParaRPr lang="fr-FR"/>
           </a:p>
@@ -3531,7 +3546,8 @@
           <a:p>
             <a:fld id="{99628070-4574-4C78-8FCC-ABF8CA883542}" type="datetime1">
               <a:rPr lang="fr-CH" smtClean="0"/>
-              <a:t>13.01.2010</a:t>
+              <a:pPr/>
+              <a:t>14.01.2010</a:t>
             </a:fld>
             <a:endParaRPr lang="fr-FR"/>
           </a:p>
@@ -3783,7 +3799,8 @@
           <a:p>
             <a:fld id="{0EBF62BA-94E3-4FC8-A8F1-27E713C8C858}" type="datetime1">
               <a:rPr lang="fr-CH" smtClean="0"/>
-              <a:t>13.01.2010</a:t>
+              <a:pPr/>
+              <a:t>14.01.2010</a:t>
             </a:fld>
             <a:endParaRPr lang="fr-FR"/>
           </a:p>
@@ -4406,8 +4423,8 @@
         </p:blipFill>
         <p:spPr bwMode="auto">
           <a:xfrm>
-            <a:off x="3352800" y="2819400"/>
-            <a:ext cx="2590800" cy="2095500"/>
+            <a:off x="3122601" y="2727469"/>
+            <a:ext cx="2898798" cy="2344616"/>
           </a:xfrm>
           <a:prstGeom prst="rect">
             <a:avLst/>
@@ -4690,7 +4707,7 @@
         </p:blipFill>
         <p:spPr>
           <a:xfrm>
-            <a:off x="647700" y="5638800"/>
+            <a:off x="647700" y="5768813"/>
             <a:ext cx="1714500" cy="544714"/>
           </a:xfrm>
           <a:prstGeom prst="rect">
@@ -4712,7 +4729,7 @@
         </p:blipFill>
         <p:spPr>
           <a:xfrm>
-            <a:off x="7467600" y="5638800"/>
+            <a:off x="7467600" y="5768813"/>
             <a:ext cx="1064834" cy="542925"/>
           </a:xfrm>
           <a:prstGeom prst="rect">
@@ -4757,7 +4774,7 @@
       </p:grpSpPr>
       <p:sp>
         <p:nvSpPr>
-          <p:cNvPr id="30724" name="Rectangle 4"/>
+          <p:cNvPr id="27652" name="Rectangle 4"/>
           <p:cNvSpPr>
             <a:spLocks noChangeArrowheads="1"/>
           </p:cNvSpPr>
@@ -4801,7 +4818,7 @@
       </p:sp>
       <p:sp>
         <p:nvSpPr>
-          <p:cNvPr id="30725" name="Text Box 5"/>
+          <p:cNvPr id="27653" name="Text Box 5"/>
           <p:cNvSpPr txBox="1">
             <a:spLocks noChangeArrowheads="1"/>
           </p:cNvSpPr>
@@ -4832,7 +4849,7 @@
           <a:p>
             <a:pPr algn="ctr"/>
             <a:r>
-              <a:rPr lang="fr-CH" sz="2000" b="1" u="none" dirty="0">
+              <a:rPr lang="fr-CH" sz="2000" b="1" u="none">
                 <a:solidFill>
                   <a:schemeClr val="bg1"/>
                 </a:solidFill>
@@ -4843,9 +4860,9 @@
                 </a:effectLst>
                 <a:latin typeface="Trebuchet MS" pitchFamily="34" charset="0"/>
               </a:rPr>
-              <a:t>AVENIR DU PROJET</a:t>
-            </a:r>
-            <a:endParaRPr lang="fr-FR" sz="2000" b="1" u="none" dirty="0">
+              <a:t>CONCLUSION</a:t>
+            </a:r>
+            <a:endParaRPr lang="fr-FR" sz="2000" b="1" u="none">
               <a:solidFill>
                 <a:schemeClr val="bg1"/>
               </a:solidFill>
@@ -4861,7 +4878,44 @@
       </p:sp>
       <p:sp>
         <p:nvSpPr>
-          <p:cNvPr id="30802" name="Rectangle 82"/>
+          <p:cNvPr id="27656" name="Rectangle 8"/>
+          <p:cNvSpPr>
+            <a:spLocks noChangeArrowheads="1"/>
+          </p:cNvSpPr>
+          <p:nvPr/>
+        </p:nvSpPr>
+        <p:spPr bwMode="auto">
+          <a:xfrm>
+            <a:off x="0" y="703263"/>
+            <a:ext cx="184150" cy="366712"/>
+          </a:xfrm>
+          <a:prstGeom prst="rect">
+            <a:avLst/>
+          </a:prstGeom>
+          <a:noFill/>
+          <a:ln w="9525">
+            <a:noFill/>
+            <a:miter lim="800000"/>
+            <a:headEnd/>
+            <a:tailEnd/>
+          </a:ln>
+          <a:effectLst/>
+        </p:spPr>
+        <p:txBody>
+          <a:bodyPr wrap="none" anchor="ctr">
+            <a:spAutoFit/>
+          </a:bodyPr>
+          <a:lstStyle/>
+          <a:p>
+            <a:endParaRPr lang="fr-FR" u="none">
+              <a:latin typeface="Trebuchet MS" pitchFamily="34" charset="0"/>
+            </a:endParaRPr>
+          </a:p>
+        </p:txBody>
+      </p:sp>
+      <p:sp>
+        <p:nvSpPr>
+          <p:cNvPr id="27755" name="Rectangle 107"/>
           <p:cNvSpPr>
             <a:spLocks noChangeArrowheads="1"/>
           </p:cNvSpPr>
@@ -4906,7 +4960,7 @@
       </p:sp>
       <p:sp>
         <p:nvSpPr>
-          <p:cNvPr id="30803" name="Rectangle 83"/>
+          <p:cNvPr id="27756" name="Rectangle 108"/>
           <p:cNvSpPr>
             <a:spLocks noChangeArrowheads="1"/>
           </p:cNvSpPr>
@@ -4951,7 +5005,7 @@
       </p:sp>
       <p:sp>
         <p:nvSpPr>
-          <p:cNvPr id="32" name="Espace réservé du numéro de diapositive 31"/>
+          <p:cNvPr id="24" name="Espace réservé du numéro de diapositive 23"/>
           <p:cNvSpPr>
             <a:spLocks noGrp="1"/>
           </p:cNvSpPr>
@@ -4959,27 +5013,53 @@
             <p:ph type="sldNum" sz="quarter" idx="12"/>
           </p:nvPr>
         </p:nvSpPr>
-        <p:spPr/>
+        <p:spPr>
+          <a:xfrm>
+            <a:off x="6553200" y="6384972"/>
+            <a:ext cx="2133600" cy="476250"/>
+          </a:xfrm>
+        </p:spPr>
         <p:txBody>
           <a:bodyPr/>
           <a:lstStyle/>
           <a:p>
             <a:fld id="{420F5742-7484-4AFF-BE5C-C36DF30CE89D}" type="slidenum">
-              <a:rPr lang="fr-FR" smtClean="0"/>
+              <a:rPr lang="fr-FR" smtClean="0">
+                <a:solidFill>
+                  <a:schemeClr val="tx1">
+                    <a:lumMod val="65000"/>
+                    <a:lumOff val="35000"/>
+                  </a:schemeClr>
+                </a:solidFill>
+              </a:rPr>
               <a:pPr/>
               <a:t>10</a:t>
             </a:fld>
             <a:r>
-              <a:rPr lang="fr-FR" dirty="0" smtClean="0"/>
+              <a:rPr lang="fr-FR" dirty="0" smtClean="0">
+                <a:solidFill>
+                  <a:schemeClr val="tx1">
+                    <a:lumMod val="65000"/>
+                    <a:lumOff val="35000"/>
+                  </a:schemeClr>
+                </a:solidFill>
+              </a:rPr>
               <a:t>/11</a:t>
             </a:r>
-            <a:endParaRPr lang="fr-FR" dirty="0"/>
-          </a:p>
-        </p:txBody>
-      </p:sp>
-      <p:sp>
-        <p:nvSpPr>
-          <p:cNvPr id="33" name="Espace réservé de la date 32"/>
+            <a:endParaRPr lang="fr-FR" dirty="0">
+              <a:solidFill>
+                <a:schemeClr val="tx1">
+                  <a:lumMod val="65000"/>
+                  <a:lumOff val="35000"/>
+                </a:schemeClr>
+              </a:solidFill>
+            </a:endParaRPr>
+          </a:p>
+        </p:txBody>
+      </p:sp>
+      <p:sp>
+        <p:nvSpPr>
+          <p:cNvPr id="25" name="Espace réservé de la date 24"/>
           <p:cNvSpPr>
             <a:spLocks noGrp="1"/>
           </p:cNvSpPr>
@@ -4987,22 +5067,42 @@
             <p:ph type="dt" sz="half" idx="10"/>
           </p:nvPr>
         </p:nvSpPr>
-        <p:spPr/>
+        <p:spPr>
+          <a:xfrm>
+            <a:off x="457200" y="6384972"/>
+            <a:ext cx="2133600" cy="476250"/>
+          </a:xfrm>
+        </p:spPr>
         <p:txBody>
           <a:bodyPr/>
           <a:lstStyle/>
           <a:p>
-            <a:fld id="{E187F234-1A08-43DF-9DF4-8219E399273A}" type="datetime1">
-              <a:rPr lang="fr-CH" smtClean="0"/>
-              <a:t>13.01.2010</a:t>
+            <a:fld id="{16201E59-A73C-443E-9C03-DEC2A3D4E2AE}" type="datetime1">
+              <a:rPr lang="fr-CH" smtClean="0">
+                <a:solidFill>
+                  <a:schemeClr val="tx1">
+                    <a:lumMod val="65000"/>
+                    <a:lumOff val="35000"/>
+                  </a:schemeClr>
+                </a:solidFill>
+              </a:rPr>
+              <a:pPr/>
+              <a:t>14.01.2010</a:t>
             </a:fld>
-            <a:endParaRPr lang="fr-FR"/>
-          </a:p>
-        </p:txBody>
-      </p:sp>
-      <p:sp>
-        <p:nvSpPr>
-          <p:cNvPr id="34" name="Espace réservé du pied de page 33"/>
+            <a:endParaRPr lang="fr-FR" dirty="0">
+              <a:solidFill>
+                <a:schemeClr val="tx1">
+                  <a:lumMod val="65000"/>
+                  <a:lumOff val="35000"/>
+                </a:schemeClr>
+              </a:solidFill>
+            </a:endParaRPr>
+          </a:p>
+        </p:txBody>
+      </p:sp>
+      <p:sp>
+        <p:nvSpPr>
+          <p:cNvPr id="26" name="Espace réservé du pied de page 25"/>
           <p:cNvSpPr>
             <a:spLocks noGrp="1"/>
           </p:cNvSpPr>
@@ -5010,19 +5110,396 @@
             <p:ph type="ftr" sz="quarter" idx="11"/>
           </p:nvPr>
         </p:nvSpPr>
-        <p:spPr/>
+        <p:spPr>
+          <a:xfrm>
+            <a:off x="3124200" y="6384972"/>
+            <a:ext cx="2895600" cy="476250"/>
+          </a:xfrm>
+        </p:spPr>
         <p:txBody>
           <a:bodyPr/>
           <a:lstStyle/>
           <a:p>
             <a:r>
-              <a:rPr lang="fr-FR" smtClean="0"/>
+              <a:rPr lang="fr-FR" smtClean="0">
+                <a:solidFill>
+                  <a:schemeClr val="tx1">
+                    <a:lumMod val="65000"/>
+                    <a:lumOff val="35000"/>
+                  </a:schemeClr>
+                </a:solidFill>
+              </a:rPr>
               <a:t>ADO - PPZ - LFH</a:t>
             </a:r>
-            <a:endParaRPr lang="fr-FR"/>
-          </a:p>
-        </p:txBody>
-      </p:sp>
+            <a:endParaRPr lang="fr-FR">
+              <a:solidFill>
+                <a:schemeClr val="tx1">
+                  <a:lumMod val="65000"/>
+                  <a:lumOff val="35000"/>
+                </a:schemeClr>
+              </a:solidFill>
+            </a:endParaRPr>
+          </a:p>
+        </p:txBody>
+      </p:sp>
+      <p:sp>
+        <p:nvSpPr>
+          <p:cNvPr id="10" name="Text Box 49"/>
+          <p:cNvSpPr txBox="1">
+            <a:spLocks noChangeArrowheads="1"/>
+          </p:cNvSpPr>
+          <p:nvPr/>
+        </p:nvSpPr>
+        <p:spPr bwMode="auto">
+          <a:xfrm>
+            <a:off x="3786196" y="1421631"/>
+            <a:ext cx="2667000" cy="4445769"/>
+          </a:xfrm>
+          <a:prstGeom prst="rect">
+            <a:avLst/>
+          </a:prstGeom>
+          <a:noFill/>
+          <a:ln w="9525">
+            <a:noFill/>
+            <a:miter lim="800000"/>
+            <a:headEnd/>
+            <a:tailEnd/>
+          </a:ln>
+          <a:effectLst/>
+        </p:spPr>
+        <p:txBody>
+          <a:bodyPr wrap="square" anchor="ctr">
+            <a:spAutoFit/>
+          </a:bodyPr>
+          <a:lstStyle/>
+          <a:p>
+            <a:pPr marL="342900" indent="-342900">
+              <a:lnSpc>
+                <a:spcPct val="270000"/>
+              </a:lnSpc>
+            </a:pPr>
+            <a:r>
+              <a:rPr lang="fr-FR" u="none" dirty="0" smtClean="0">
+                <a:latin typeface="Trebuchet MS" pitchFamily="34" charset="0"/>
+              </a:rPr>
+              <a:t>Etat du projet</a:t>
+            </a:r>
+          </a:p>
+          <a:p>
+            <a:pPr marL="342900" indent="-342900">
+              <a:lnSpc>
+                <a:spcPct val="270000"/>
+              </a:lnSpc>
+            </a:pPr>
+            <a:r>
+              <a:rPr lang="fr-FR" u="none" dirty="0" smtClean="0">
+                <a:latin typeface="Trebuchet MS" pitchFamily="34" charset="0"/>
+              </a:rPr>
+              <a:t>Objectifs atteints</a:t>
+            </a:r>
+            <a:endParaRPr lang="fr-FR" u="none" dirty="0" smtClean="0">
+              <a:latin typeface="Trebuchet MS" pitchFamily="34" charset="0"/>
+            </a:endParaRPr>
+          </a:p>
+          <a:p>
+            <a:pPr marL="342900" indent="-342900">
+              <a:lnSpc>
+                <a:spcPct val="270000"/>
+              </a:lnSpc>
+            </a:pPr>
+            <a:r>
+              <a:rPr lang="fr-FR" u="none" dirty="0" smtClean="0">
+                <a:latin typeface="Trebuchet MS" pitchFamily="34" charset="0"/>
+              </a:rPr>
+              <a:t>Points positifs/négatifs</a:t>
+            </a:r>
+          </a:p>
+          <a:p>
+            <a:pPr marL="342900" indent="-342900">
+              <a:lnSpc>
+                <a:spcPct val="270000"/>
+              </a:lnSpc>
+            </a:pPr>
+            <a:r>
+              <a:rPr lang="fr-FR" u="none" dirty="0" smtClean="0">
+                <a:latin typeface="Trebuchet MS" pitchFamily="34" charset="0"/>
+              </a:rPr>
+              <a:t>Avenir du projet</a:t>
+            </a:r>
+          </a:p>
+          <a:p>
+            <a:pPr marL="342900" indent="-342900">
+              <a:lnSpc>
+                <a:spcPct val="270000"/>
+              </a:lnSpc>
+            </a:pPr>
+            <a:r>
+              <a:rPr lang="fr-FR" u="none" dirty="0" smtClean="0">
+                <a:latin typeface="Trebuchet MS" pitchFamily="34" charset="0"/>
+              </a:rPr>
+              <a:t>Futurs contributeurs</a:t>
+            </a:r>
+          </a:p>
+          <a:p>
+            <a:pPr marL="342900" indent="-342900">
+              <a:lnSpc>
+                <a:spcPct val="270000"/>
+              </a:lnSpc>
+            </a:pPr>
+            <a:r>
+              <a:rPr lang="fr-FR" u="none" dirty="0" smtClean="0">
+                <a:latin typeface="Trebuchet MS" pitchFamily="34" charset="0"/>
+              </a:rPr>
+              <a:t>Remerciements</a:t>
+            </a:r>
+          </a:p>
+        </p:txBody>
+      </p:sp>
+      <p:pic>
+        <p:nvPicPr>
+          <p:cNvPr id="1027" name="Picture 3" descr="C:\Documents and Settings\Administrateur\Bureau\images\gui_scripting.png"/>
+          <p:cNvPicPr>
+            <a:picLocks noChangeAspect="1" noChangeArrowheads="1"/>
+          </p:cNvPicPr>
+          <p:nvPr/>
+        </p:nvPicPr>
+        <p:blipFill>
+          <a:blip r:embed="rId2" cstate="print"/>
+          <a:srcRect/>
+          <a:stretch>
+            <a:fillRect/>
+          </a:stretch>
+        </p:blipFill>
+        <p:spPr bwMode="auto">
+          <a:xfrm>
+            <a:off x="2970196" y="1676399"/>
+            <a:ext cx="468000" cy="468000"/>
+          </a:xfrm>
+          <a:prstGeom prst="rect">
+            <a:avLst/>
+          </a:prstGeom>
+          <a:ln>
+            <a:noFill/>
+          </a:ln>
+          <a:effectLst>
+            <a:outerShdw blurRad="292100" dist="139700" dir="2700000" algn="tl" rotWithShape="0">
+              <a:srgbClr val="333333">
+                <a:alpha val="65000"/>
+              </a:srgbClr>
+            </a:outerShdw>
+          </a:effectLst>
+        </p:spPr>
+      </p:pic>
+      <p:pic>
+        <p:nvPicPr>
+          <p:cNvPr id="1028" name="Picture 4" descr="C:\Documents and Settings\Administrateur\Bureau\images\Objectives.png"/>
+          <p:cNvPicPr>
+            <a:picLocks noChangeAspect="1" noChangeArrowheads="1"/>
+          </p:cNvPicPr>
+          <p:nvPr/>
+        </p:nvPicPr>
+        <p:blipFill>
+          <a:blip r:embed="rId3" cstate="print"/>
+          <a:srcRect/>
+          <a:stretch>
+            <a:fillRect/>
+          </a:stretch>
+        </p:blipFill>
+        <p:spPr bwMode="auto">
+          <a:xfrm>
+            <a:off x="2972097" y="2427286"/>
+            <a:ext cx="468000" cy="468000"/>
+          </a:xfrm>
+          <a:prstGeom prst="rect">
+            <a:avLst/>
+          </a:prstGeom>
+          <a:ln>
+            <a:noFill/>
+          </a:ln>
+          <a:effectLst>
+            <a:outerShdw blurRad="292100" dist="139700" dir="2700000" algn="tl" rotWithShape="0">
+              <a:srgbClr val="333333">
+                <a:alpha val="65000"/>
+              </a:srgbClr>
+            </a:outerShdw>
+          </a:effectLst>
+        </p:spPr>
+      </p:pic>
+      <p:pic>
+        <p:nvPicPr>
+          <p:cNvPr id="1033" name="Picture 9" descr="C:\Documents and Settings\Administrateur\Bureau\images\negative.png"/>
+          <p:cNvPicPr>
+            <a:picLocks noChangeAspect="1" noChangeArrowheads="1"/>
+          </p:cNvPicPr>
+          <p:nvPr/>
+        </p:nvPicPr>
+        <p:blipFill>
+          <a:blip r:embed="rId4" cstate="print"/>
+          <a:srcRect/>
+          <a:stretch>
+            <a:fillRect/>
+          </a:stretch>
+        </p:blipFill>
+        <p:spPr bwMode="auto">
+          <a:xfrm>
+            <a:off x="3113096" y="3302000"/>
+            <a:ext cx="288000" cy="288000"/>
+          </a:xfrm>
+          <a:prstGeom prst="rect">
+            <a:avLst/>
+          </a:prstGeom>
+          <a:ln>
+            <a:noFill/>
+          </a:ln>
+          <a:effectLst>
+            <a:outerShdw blurRad="292100" dist="139700" dir="2700000" algn="tl" rotWithShape="0">
+              <a:srgbClr val="333333">
+                <a:alpha val="65000"/>
+              </a:srgbClr>
+            </a:outerShdw>
+          </a:effectLst>
+        </p:spPr>
+      </p:pic>
+      <p:pic>
+        <p:nvPicPr>
+          <p:cNvPr id="1032" name="Picture 8" descr="C:\Documents and Settings\Administrateur\Bureau\images\positive.png"/>
+          <p:cNvPicPr>
+            <a:picLocks noChangeAspect="1" noChangeArrowheads="1"/>
+          </p:cNvPicPr>
+          <p:nvPr/>
+        </p:nvPicPr>
+        <p:blipFill>
+          <a:blip r:embed="rId5" cstate="print"/>
+          <a:srcRect/>
+          <a:stretch>
+            <a:fillRect/>
+          </a:stretch>
+        </p:blipFill>
+        <p:spPr bwMode="auto">
+          <a:xfrm>
+            <a:off x="2935296" y="3200400"/>
+            <a:ext cx="288000" cy="288000"/>
+          </a:xfrm>
+          <a:prstGeom prst="rect">
+            <a:avLst/>
+          </a:prstGeom>
+          <a:ln>
+            <a:noFill/>
+          </a:ln>
+          <a:effectLst>
+            <a:outerShdw blurRad="292100" dist="139700" dir="2700000" algn="tl" rotWithShape="0">
+              <a:srgbClr val="333333">
+                <a:alpha val="65000"/>
+              </a:srgbClr>
+            </a:outerShdw>
+          </a:effectLst>
+        </p:spPr>
+      </p:pic>
+      <p:pic>
+        <p:nvPicPr>
+          <p:cNvPr id="1034" name="Picture 10" descr="C:\Documents and Settings\Administrateur\Bureau\images\jumelles-trouver-chercher-icone-6074-96.png"/>
+          <p:cNvPicPr>
+            <a:picLocks noChangeAspect="1" noChangeArrowheads="1"/>
+          </p:cNvPicPr>
+          <p:nvPr/>
+        </p:nvPicPr>
+        <p:blipFill>
+          <a:blip r:embed="rId6" cstate="print"/>
+          <a:srcRect/>
+          <a:stretch>
+            <a:fillRect/>
+          </a:stretch>
+        </p:blipFill>
+        <p:spPr bwMode="auto">
+          <a:xfrm>
+            <a:off x="2928916" y="3871912"/>
+            <a:ext cx="504000" cy="504000"/>
+          </a:xfrm>
+          <a:prstGeom prst="rect">
+            <a:avLst/>
+          </a:prstGeom>
+          <a:ln>
+            <a:noFill/>
+          </a:ln>
+          <a:effectLst>
+            <a:outerShdw blurRad="292100" dist="139700" dir="2700000" algn="tl" rotWithShape="0">
+              <a:srgbClr val="333333">
+                <a:alpha val="65000"/>
+              </a:srgbClr>
+            </a:outerShdw>
+          </a:effectLst>
+        </p:spPr>
+      </p:pic>
+      <p:pic>
+        <p:nvPicPr>
+          <p:cNvPr id="1035" name="Picture 11" descr="C:\Documents and Settings\Administrateur\Bureau\images\communautaires-aide-icone-8333-128.png"/>
+          <p:cNvPicPr>
+            <a:picLocks noChangeAspect="1" noChangeArrowheads="1"/>
+          </p:cNvPicPr>
+          <p:nvPr/>
+        </p:nvPicPr>
+        <p:blipFill>
+          <a:blip r:embed="rId7" cstate="print"/>
+          <a:srcRect/>
+          <a:stretch>
+            <a:fillRect/>
+          </a:stretch>
+        </p:blipFill>
+        <p:spPr bwMode="auto">
+          <a:xfrm>
+            <a:off x="2958300" y="4633929"/>
+            <a:ext cx="468000" cy="468000"/>
+          </a:xfrm>
+          <a:prstGeom prst="rect">
+            <a:avLst/>
+          </a:prstGeom>
+          <a:ln>
+            <a:noFill/>
+          </a:ln>
+          <a:effectLst>
+            <a:outerShdw blurRad="292100" dist="139700" dir="2700000" algn="tl" rotWithShape="0">
+              <a:srgbClr val="333333">
+                <a:alpha val="65000"/>
+              </a:srgbClr>
+            </a:outerShdw>
+          </a:effectLst>
+        </p:spPr>
+      </p:pic>
+      <p:pic>
+        <p:nvPicPr>
+          <p:cNvPr id="1036" name="Picture 12" descr="C:\Documents and Settings\Administrateur\Bureau\images\fleur-heureux-smiley-icone-7501-128.png"/>
+          <p:cNvPicPr>
+            <a:picLocks noChangeAspect="1" noChangeArrowheads="1"/>
+          </p:cNvPicPr>
+          <p:nvPr/>
+        </p:nvPicPr>
+        <p:blipFill>
+          <a:blip r:embed="rId8" cstate="print"/>
+          <a:srcRect/>
+          <a:stretch>
+            <a:fillRect/>
+          </a:stretch>
+        </p:blipFill>
+        <p:spPr bwMode="auto">
+          <a:xfrm>
+            <a:off x="2972097" y="5370569"/>
+            <a:ext cx="468000" cy="468000"/>
+          </a:xfrm>
+          <a:prstGeom prst="rect">
+            <a:avLst/>
+          </a:prstGeom>
+          <a:ln>
+            <a:noFill/>
+          </a:ln>
+          <a:effectLst>
+            <a:outerShdw blurRad="292100" dist="139700" dir="2700000" algn="tl" rotWithShape="0">
+              <a:srgbClr val="333333">
+                <a:alpha val="65000"/>
+              </a:srgbClr>
+            </a:outerShdw>
+          </a:effectLst>
+        </p:spPr>
+      </p:pic>
     </p:spTree>
   </p:cSld>
   <p:clrMapOvr>
@@ -5034,9 +5511,91 @@
   <p:timing>
     <p:tnLst>
       <p:par>
-        <p:cTn id="1" dur="indefinite" restart="never" nodeType="tmRoot"/>
+        <p:cTn id="1" dur="indefinite" restart="never" nodeType="tmRoot">
+          <p:childTnLst>
+            <p:seq concurrent="1" nextAc="seek">
+              <p:cTn id="2" dur="indefinite" nodeType="mainSeq">
+                <p:childTnLst>
+                  <p:par>
+                    <p:cTn id="3" fill="hold">
+                      <p:stCondLst>
+                        <p:cond delay="indefinite"/>
+                        <p:cond evt="onBegin" delay="0">
+                          <p:tn val="2"/>
+                        </p:cond>
+                      </p:stCondLst>
+                      <p:childTnLst>
+                        <p:par>
+                          <p:cTn id="4" fill="hold">
+                            <p:stCondLst>
+                              <p:cond delay="0"/>
+                            </p:stCondLst>
+                            <p:childTnLst>
+                              <p:par>
+                                <p:cTn id="5" presetID="10" presetClass="entr" presetSubtype="0" fill="hold" grpId="0" nodeType="withEffect">
+                                  <p:stCondLst>
+                                    <p:cond delay="0"/>
+                                  </p:stCondLst>
+                                  <p:childTnLst>
+                                    <p:set>
+                                      <p:cBhvr>
+                                        <p:cTn id="6" dur="1" fill="hold">
+                                          <p:stCondLst>
+                                            <p:cond delay="0"/>
+                                          </p:stCondLst>
+                                        </p:cTn>
+                                        <p:tgtEl>
+                                          <p:spTgt spid="10"/>
+                                        </p:tgtEl>
+                                        <p:attrNameLst>
+                                          <p:attrName>style.visibility</p:attrName>
+                                        </p:attrNameLst>
+                                      </p:cBhvr>
+                                      <p:to>
+                                        <p:strVal val="visible"/>
+                                      </p:to>
+                                    </p:set>
+                                    <p:animEffect transition="in" filter="fade">
+                                      <p:cBhvr>
+                                        <p:cTn id="7" dur="500"/>
+                                        <p:tgtEl>
+                                          <p:spTgt spid="10"/>
+                                        </p:tgtEl>
+                                      </p:cBhvr>
+                                    </p:animEffect>
+                                  </p:childTnLst>
+                                </p:cTn>
+                              </p:par>
+                            </p:childTnLst>
+                          </p:cTn>
+                        </p:par>
+                      </p:childTnLst>
+                    </p:cTn>
+                  </p:par>
+                </p:childTnLst>
+              </p:cTn>
+              <p:prevCondLst>
+                <p:cond evt="onPrev" delay="0">
+                  <p:tgtEl>
+                    <p:sldTgt/>
+                  </p:tgtEl>
+                </p:cond>
+              </p:prevCondLst>
+              <p:nextCondLst>
+                <p:cond evt="onNext" delay="0">
+                  <p:tgtEl>
+                    <p:sldTgt/>
+                  </p:tgtEl>
+                </p:cond>
+              </p:nextCondLst>
+            </p:seq>
+          </p:childTnLst>
+        </p:cTn>
       </p:par>
     </p:tnLst>
+    <p:bldLst>
+      <p:bldP spid="10" grpId="0"/>
+    </p:bldLst>
   </p:timing>
 </p:sld>
 </file>
@@ -5135,7 +5694,7 @@
           <a:p>
             <a:pPr algn="ctr"/>
             <a:r>
-              <a:rPr lang="fr-CH" sz="2000" b="1" u="none">
+              <a:rPr lang="fr-CH" sz="2000" b="1" u="none" dirty="0" smtClean="0">
                 <a:solidFill>
                   <a:schemeClr val="bg1"/>
                 </a:solidFill>
@@ -5146,9 +5705,9 @@
                 </a:effectLst>
                 <a:latin typeface="Trebuchet MS" pitchFamily="34" charset="0"/>
               </a:rPr>
-              <a:t>CONCLUSION</a:t>
-            </a:r>
-            <a:endParaRPr lang="fr-FR" sz="2000" b="1" u="none">
+              <a:t>DEMONSTRATION [AURELIEN]</a:t>
+            </a:r>
+            <a:endParaRPr lang="fr-FR" sz="2000" b="1" u="none" dirty="0">
               <a:solidFill>
                 <a:schemeClr val="bg1"/>
               </a:solidFill>
@@ -5299,21 +5858,47 @@
             <p:ph type="sldNum" sz="quarter" idx="12"/>
           </p:nvPr>
         </p:nvSpPr>
-        <p:spPr/>
+        <p:spPr>
+          <a:xfrm>
+            <a:off x="6553200" y="6384972"/>
+            <a:ext cx="2133600" cy="476250"/>
+          </a:xfrm>
+        </p:spPr>
         <p:txBody>
           <a:bodyPr/>
           <a:lstStyle/>
           <a:p>
             <a:fld id="{420F5742-7484-4AFF-BE5C-C36DF30CE89D}" type="slidenum">
-              <a:rPr lang="fr-FR" smtClean="0"/>
+              <a:rPr lang="fr-FR" smtClean="0">
+                <a:solidFill>
+                  <a:schemeClr val="tx1">
+                    <a:lumMod val="65000"/>
+                    <a:lumOff val="35000"/>
+                  </a:schemeClr>
+                </a:solidFill>
+              </a:rPr>
               <a:pPr/>
               <a:t>11</a:t>
             </a:fld>
             <a:r>
-              <a:rPr lang="fr-FR" dirty="0" smtClean="0"/>
+              <a:rPr lang="fr-FR" dirty="0" smtClean="0">
+                <a:solidFill>
+                  <a:schemeClr val="tx1">
+                    <a:lumMod val="65000"/>
+                    <a:lumOff val="35000"/>
+                  </a:schemeClr>
+                </a:solidFill>
+              </a:rPr>
               <a:t>/11</a:t>
             </a:r>
-            <a:endParaRPr lang="fr-FR" dirty="0"/>
+            <a:endParaRPr lang="fr-FR" dirty="0">
+              <a:solidFill>
+                <a:schemeClr val="tx1">
+                  <a:lumMod val="65000"/>
+                  <a:lumOff val="35000"/>
+                </a:schemeClr>
+              </a:solidFill>
+            </a:endParaRPr>
           </a:p>
         </p:txBody>
       </p:sp>
@@ -5327,16 +5912,36 @@
             <p:ph type="dt" sz="half" idx="10"/>
           </p:nvPr>
         </p:nvSpPr>
-        <p:spPr/>
+        <p:spPr>
+          <a:xfrm>
+            <a:off x="457200" y="6384972"/>
+            <a:ext cx="2133600" cy="476250"/>
+          </a:xfrm>
+        </p:spPr>
         <p:txBody>
           <a:bodyPr/>
           <a:lstStyle/>
           <a:p>
             <a:fld id="{16201E59-A73C-443E-9C03-DEC2A3D4E2AE}" type="datetime1">
-              <a:rPr lang="fr-CH" smtClean="0"/>
-              <a:t>13.01.2010</a:t>
+              <a:rPr lang="fr-CH" smtClean="0">
+                <a:solidFill>
+                  <a:schemeClr val="tx1">
+                    <a:lumMod val="65000"/>
+                    <a:lumOff val="35000"/>
+                  </a:schemeClr>
+                </a:solidFill>
+              </a:rPr>
+              <a:pPr/>
+              <a:t>14.01.2010</a:t>
             </a:fld>
-            <a:endParaRPr lang="fr-FR"/>
+            <a:endParaRPr lang="fr-FR" dirty="0">
+              <a:solidFill>
+                <a:schemeClr val="tx1">
+                  <a:lumMod val="65000"/>
+                  <a:lumOff val="35000"/>
+                </a:schemeClr>
+              </a:solidFill>
+            </a:endParaRPr>
           </a:p>
         </p:txBody>
       </p:sp>
@@ -5350,19 +5955,64 @@
             <p:ph type="ftr" sz="quarter" idx="11"/>
           </p:nvPr>
         </p:nvSpPr>
-        <p:spPr/>
+        <p:spPr>
+          <a:xfrm>
+            <a:off x="3124200" y="6384972"/>
+            <a:ext cx="2895600" cy="476250"/>
+          </a:xfrm>
+        </p:spPr>
         <p:txBody>
           <a:bodyPr/>
           <a:lstStyle/>
           <a:p>
             <a:r>
-              <a:rPr lang="fr-FR" smtClean="0"/>
+              <a:rPr lang="fr-FR" smtClean="0">
+                <a:solidFill>
+                  <a:schemeClr val="tx1">
+                    <a:lumMod val="65000"/>
+                    <a:lumOff val="35000"/>
+                  </a:schemeClr>
+                </a:solidFill>
+              </a:rPr>
               <a:t>ADO - PPZ - LFH</a:t>
             </a:r>
-            <a:endParaRPr lang="fr-FR"/>
-          </a:p>
-        </p:txBody>
-      </p:sp>
+            <a:endParaRPr lang="fr-FR">
+              <a:solidFill>
+                <a:schemeClr val="tx1">
+                  <a:lumMod val="65000"/>
+                  <a:lumOff val="35000"/>
+                </a:schemeClr>
+              </a:solidFill>
+            </a:endParaRPr>
+          </a:p>
+        </p:txBody>
+      </p:sp>
+      <p:pic>
+        <p:nvPicPr>
+          <p:cNvPr id="2051" name="Picture 3" descr="C:\Documents and Settings\Administrateur\Bureau\images\14.01.png"/>
+          <p:cNvPicPr>
+            <a:picLocks noChangeAspect="1" noChangeArrowheads="1"/>
+          </p:cNvPicPr>
+          <p:nvPr/>
+        </p:nvPicPr>
+        <p:blipFill>
+          <a:blip r:embed="rId2" cstate="print"/>
+          <a:srcRect/>
+          <a:stretch>
+            <a:fillRect/>
+          </a:stretch>
+        </p:blipFill>
+        <p:spPr bwMode="auto">
+          <a:xfrm>
+            <a:off x="1717851" y="1603350"/>
+            <a:ext cx="5811702" cy="4564125"/>
+          </a:xfrm>
+          <a:prstGeom prst="rect">
+            <a:avLst/>
+          </a:prstGeom>
+          <a:noFill/>
+        </p:spPr>
+      </p:pic>
     </p:spTree>
   </p:cSld>
   <p:clrMapOvr>
@@ -5602,10 +6252,10 @@
         </p:nvGrpSpPr>
         <p:grpSpPr bwMode="auto">
           <a:xfrm>
-            <a:off x="228600" y="1508125"/>
-            <a:ext cx="8153400" cy="4511675"/>
-            <a:chOff x="144" y="950"/>
-            <a:chExt cx="5136" cy="2842"/>
+            <a:off x="719138" y="1508125"/>
+            <a:ext cx="7662863" cy="4511675"/>
+            <a:chOff x="453" y="950"/>
+            <a:chExt cx="4827" cy="2842"/>
           </a:xfrm>
         </p:grpSpPr>
         <p:sp>
@@ -5794,8 +6444,8 @@
             <p:nvPr/>
           </p:nvSpPr>
           <p:spPr bwMode="auto">
-            <a:xfrm rot="-1945535">
-              <a:off x="1536" y="2678"/>
+            <a:xfrm rot="19654465">
+              <a:off x="1716" y="2336"/>
               <a:ext cx="288" cy="576"/>
             </a:xfrm>
             <a:prstGeom prst="rect">
@@ -5817,7 +6467,7 @@
             <a:lstStyle/>
             <a:p>
               <a:r>
-                <a:rPr lang="fr-CH" sz="5400" b="1" u="none">
+                <a:rPr lang="fr-CH" sz="5400" b="1" u="none" dirty="0">
                   <a:solidFill>
                     <a:srgbClr val="5F5F5F"/>
                   </a:solidFill>
@@ -5830,7 +6480,7 @@
                 </a:rPr>
                 <a:t>?</a:t>
               </a:r>
-              <a:endParaRPr lang="fr-FR" sz="5400" b="1" u="none">
+              <a:endParaRPr lang="fr-FR" sz="5400" b="1" u="none" dirty="0">
                 <a:solidFill>
                   <a:srgbClr val="5F5F5F"/>
                 </a:solidFill>
@@ -5972,7 +6622,7 @@
           </p:nvSpPr>
           <p:spPr bwMode="auto">
             <a:xfrm rot="598621">
-              <a:off x="144" y="2774"/>
+              <a:off x="453" y="2611"/>
               <a:ext cx="288" cy="826"/>
             </a:xfrm>
             <a:prstGeom prst="rect">
@@ -5994,7 +6644,7 @@
             <a:lstStyle/>
             <a:p>
               <a:r>
-                <a:rPr lang="fr-CH" sz="8000" b="1" u="none">
+                <a:rPr lang="fr-CH" sz="8000" b="1" u="none" dirty="0">
                   <a:solidFill>
                     <a:srgbClr val="5F5F5F"/>
                   </a:solidFill>
@@ -6007,7 +6657,7 @@
                 </a:rPr>
                 <a:t>?</a:t>
               </a:r>
-              <a:endParaRPr lang="fr-FR" sz="8000" b="1" u="none">
+              <a:endParaRPr lang="fr-FR" sz="8000" b="1" u="none" dirty="0">
                 <a:solidFill>
                   <a:srgbClr val="5F5F5F"/>
                 </a:solidFill>
@@ -6386,21 +7036,47 @@
             <p:ph type="sldNum" sz="quarter" idx="12"/>
           </p:nvPr>
         </p:nvSpPr>
-        <p:spPr/>
+        <p:spPr>
+          <a:xfrm>
+            <a:off x="6553200" y="6384972"/>
+            <a:ext cx="2133600" cy="476250"/>
+          </a:xfrm>
+        </p:spPr>
         <p:txBody>
           <a:bodyPr/>
           <a:lstStyle/>
           <a:p>
             <a:fld id="{D355F375-7DFD-484A-B427-E78E26E1C2CE}" type="slidenum">
-              <a:rPr lang="fr-FR" smtClean="0"/>
+              <a:rPr lang="fr-FR" smtClean="0">
+                <a:solidFill>
+                  <a:schemeClr val="tx1">
+                    <a:lumMod val="65000"/>
+                    <a:lumOff val="35000"/>
+                  </a:schemeClr>
+                </a:solidFill>
+              </a:rPr>
               <a:pPr/>
               <a:t>12</a:t>
             </a:fld>
             <a:r>
-              <a:rPr lang="fr-FR" dirty="0" smtClean="0"/>
+              <a:rPr lang="fr-FR" dirty="0" smtClean="0">
+                <a:solidFill>
+                  <a:schemeClr val="tx1">
+                    <a:lumMod val="65000"/>
+                    <a:lumOff val="35000"/>
+                  </a:schemeClr>
+                </a:solidFill>
+              </a:rPr>
               <a:t>/11</a:t>
             </a:r>
-            <a:endParaRPr lang="fr-FR" dirty="0"/>
+            <a:endParaRPr lang="fr-FR" dirty="0">
+              <a:solidFill>
+                <a:schemeClr val="tx1">
+                  <a:lumMod val="65000"/>
+                  <a:lumOff val="35000"/>
+                </a:schemeClr>
+              </a:solidFill>
+            </a:endParaRPr>
           </a:p>
         </p:txBody>
       </p:sp>
@@ -6414,16 +7090,36 @@
             <p:ph type="dt" sz="half" idx="10"/>
           </p:nvPr>
         </p:nvSpPr>
-        <p:spPr/>
+        <p:spPr>
+          <a:xfrm>
+            <a:off x="457200" y="6384972"/>
+            <a:ext cx="2133600" cy="476250"/>
+          </a:xfrm>
+        </p:spPr>
         <p:txBody>
           <a:bodyPr/>
           <a:lstStyle/>
           <a:p>
             <a:fld id="{89B5F8C9-A4FE-4DA3-9DF5-E9758EAF1C0F}" type="datetime1">
-              <a:rPr lang="fr-CH" smtClean="0"/>
-              <a:t>13.01.2010</a:t>
+              <a:rPr lang="fr-CH" smtClean="0">
+                <a:solidFill>
+                  <a:schemeClr val="tx1">
+                    <a:lumMod val="65000"/>
+                    <a:lumOff val="35000"/>
+                  </a:schemeClr>
+                </a:solidFill>
+              </a:rPr>
+              <a:pPr/>
+              <a:t>14.01.2010</a:t>
             </a:fld>
-            <a:endParaRPr lang="fr-FR"/>
+            <a:endParaRPr lang="fr-FR">
+              <a:solidFill>
+                <a:schemeClr val="tx1">
+                  <a:lumMod val="65000"/>
+                  <a:lumOff val="35000"/>
+                </a:schemeClr>
+              </a:solidFill>
+            </a:endParaRPr>
           </a:p>
         </p:txBody>
       </p:sp>
@@ -6437,16 +7133,35 @@
             <p:ph type="ftr" sz="quarter" idx="11"/>
           </p:nvPr>
         </p:nvSpPr>
-        <p:spPr/>
+        <p:spPr>
+          <a:xfrm>
+            <a:off x="3124200" y="6384972"/>
+            <a:ext cx="2895600" cy="476250"/>
+          </a:xfrm>
+        </p:spPr>
         <p:txBody>
           <a:bodyPr/>
           <a:lstStyle/>
           <a:p>
             <a:r>
-              <a:rPr lang="fr-FR" smtClean="0"/>
+              <a:rPr lang="fr-FR" smtClean="0">
+                <a:solidFill>
+                  <a:schemeClr val="tx1">
+                    <a:lumMod val="65000"/>
+                    <a:lumOff val="35000"/>
+                  </a:schemeClr>
+                </a:solidFill>
+              </a:rPr>
               <a:t>ADO - PPZ - LFH</a:t>
             </a:r>
-            <a:endParaRPr lang="fr-FR"/>
+            <a:endParaRPr lang="fr-FR">
+              <a:solidFill>
+                <a:schemeClr val="tx1">
+                  <a:lumMod val="65000"/>
+                  <a:lumOff val="35000"/>
+                </a:schemeClr>
+              </a:solidFill>
+            </a:endParaRPr>
           </a:p>
         </p:txBody>
       </p:sp>
@@ -6767,21 +7482,47 @@
             <p:ph type="sldNum" sz="quarter" idx="12"/>
           </p:nvPr>
         </p:nvSpPr>
-        <p:spPr/>
+        <p:spPr>
+          <a:xfrm>
+            <a:off x="6553200" y="6384972"/>
+            <a:ext cx="2133600" cy="476250"/>
+          </a:xfrm>
+        </p:spPr>
         <p:txBody>
           <a:bodyPr/>
           <a:lstStyle/>
           <a:p>
             <a:fld id="{D355F375-7DFD-484A-B427-E78E26E1C2CE}" type="slidenum">
-              <a:rPr lang="fr-FR" smtClean="0"/>
+              <a:rPr lang="fr-FR" smtClean="0">
+                <a:solidFill>
+                  <a:schemeClr val="tx1">
+                    <a:lumMod val="65000"/>
+                    <a:lumOff val="35000"/>
+                  </a:schemeClr>
+                </a:solidFill>
+              </a:rPr>
               <a:pPr/>
               <a:t>2</a:t>
             </a:fld>
             <a:r>
-              <a:rPr lang="fr-FR" dirty="0" smtClean="0"/>
+              <a:rPr lang="fr-FR" dirty="0" smtClean="0">
+                <a:solidFill>
+                  <a:schemeClr val="tx1">
+                    <a:lumMod val="65000"/>
+                    <a:lumOff val="35000"/>
+                  </a:schemeClr>
+                </a:solidFill>
+              </a:rPr>
               <a:t>/11</a:t>
             </a:r>
-            <a:endParaRPr lang="fr-FR" dirty="0"/>
+            <a:endParaRPr lang="fr-FR" dirty="0">
+              <a:solidFill>
+                <a:schemeClr val="tx1">
+                  <a:lumMod val="65000"/>
+                  <a:lumOff val="35000"/>
+                </a:schemeClr>
+              </a:solidFill>
+            </a:endParaRPr>
           </a:p>
         </p:txBody>
       </p:sp>
@@ -6795,16 +7536,36 @@
             <p:ph type="dt" sz="half" idx="10"/>
           </p:nvPr>
         </p:nvSpPr>
-        <p:spPr/>
+        <p:spPr>
+          <a:xfrm>
+            <a:off x="457200" y="6384972"/>
+            <a:ext cx="2133600" cy="476250"/>
+          </a:xfrm>
+        </p:spPr>
         <p:txBody>
           <a:bodyPr/>
           <a:lstStyle/>
           <a:p>
             <a:fld id="{CA9D27E8-796E-461E-A617-2F4F4AC24117}" type="datetime1">
-              <a:rPr lang="fr-CH" smtClean="0"/>
-              <a:t>13.01.2010</a:t>
+              <a:rPr lang="fr-CH" smtClean="0">
+                <a:solidFill>
+                  <a:schemeClr val="tx1">
+                    <a:lumMod val="65000"/>
+                    <a:lumOff val="35000"/>
+                  </a:schemeClr>
+                </a:solidFill>
+              </a:rPr>
+              <a:pPr/>
+              <a:t>14.01.2010</a:t>
             </a:fld>
-            <a:endParaRPr lang="fr-FR"/>
+            <a:endParaRPr lang="fr-FR" dirty="0">
+              <a:solidFill>
+                <a:schemeClr val="tx1">
+                  <a:lumMod val="65000"/>
+                  <a:lumOff val="35000"/>
+                </a:schemeClr>
+              </a:solidFill>
+            </a:endParaRPr>
           </a:p>
         </p:txBody>
       </p:sp>
@@ -6818,16 +7579,35 @@
             <p:ph type="ftr" sz="quarter" idx="11"/>
           </p:nvPr>
         </p:nvSpPr>
-        <p:spPr/>
+        <p:spPr>
+          <a:xfrm>
+            <a:off x="3124200" y="6384972"/>
+            <a:ext cx="2895600" cy="476250"/>
+          </a:xfrm>
+        </p:spPr>
         <p:txBody>
           <a:bodyPr/>
           <a:lstStyle/>
           <a:p>
             <a:r>
-              <a:rPr lang="fr-FR" smtClean="0"/>
+              <a:rPr lang="fr-FR" smtClean="0">
+                <a:solidFill>
+                  <a:schemeClr val="tx1">
+                    <a:lumMod val="65000"/>
+                    <a:lumOff val="35000"/>
+                  </a:schemeClr>
+                </a:solidFill>
+              </a:rPr>
               <a:t>ADO - PPZ - LFH</a:t>
             </a:r>
-            <a:endParaRPr lang="fr-FR"/>
+            <a:endParaRPr lang="fr-FR">
+              <a:solidFill>
+                <a:schemeClr val="tx1">
+                  <a:lumMod val="65000"/>
+                  <a:lumOff val="35000"/>
+                </a:schemeClr>
+              </a:solidFill>
+            </a:endParaRPr>
           </a:p>
         </p:txBody>
       </p:sp>
@@ -6841,8 +7621,8 @@
         </p:nvSpPr>
         <p:spPr bwMode="auto">
           <a:xfrm>
-            <a:off x="2133600" y="1806982"/>
-            <a:ext cx="4953000" cy="3831818"/>
+            <a:off x="2271681" y="1493811"/>
+            <a:ext cx="4953000" cy="4662815"/>
           </a:xfrm>
           <a:prstGeom prst="rect">
             <a:avLst/>
@@ -7023,6 +7803,40 @@
               </a:rPr>
               <a:t>Conclusion</a:t>
             </a:r>
+          </a:p>
+          <a:p>
+            <a:pPr marL="342900" indent="-342900">
+              <a:lnSpc>
+                <a:spcPct val="150000"/>
+              </a:lnSpc>
+              <a:buAutoNum type="arabicPeriod"/>
+            </a:pPr>
+            <a:r>
+              <a:rPr lang="fr-FR" u="none" dirty="0" smtClean="0">
+                <a:latin typeface="Trebuchet MS" pitchFamily="34" charset="0"/>
+              </a:rPr>
+              <a:t>Présentation du jeu</a:t>
+            </a:r>
+            <a:endParaRPr lang="fr-FR" u="none" dirty="0" smtClean="0">
+              <a:latin typeface="Trebuchet MS" pitchFamily="34" charset="0"/>
+            </a:endParaRPr>
+          </a:p>
+          <a:p>
+            <a:pPr marL="342900" indent="-342900">
+              <a:lnSpc>
+                <a:spcPct val="150000"/>
+              </a:lnSpc>
+              <a:buAutoNum type="arabicPeriod"/>
+            </a:pPr>
+            <a:r>
+              <a:rPr lang="fr-FR" u="none" dirty="0" smtClean="0">
+                <a:latin typeface="Trebuchet MS" pitchFamily="34" charset="0"/>
+              </a:rPr>
+              <a:t>Questions</a:t>
+            </a:r>
+            <a:endParaRPr lang="fr-FR" u="none" dirty="0" smtClean="0">
+              <a:latin typeface="Trebuchet MS" pitchFamily="34" charset="0"/>
+            </a:endParaRPr>
           </a:p>
         </p:txBody>
       </p:sp>
@@ -7346,21 +8160,47 @@
             <p:ph type="sldNum" sz="quarter" idx="12"/>
           </p:nvPr>
         </p:nvSpPr>
-        <p:spPr/>
+        <p:spPr>
+          <a:xfrm>
+            <a:off x="6553200" y="6384972"/>
+            <a:ext cx="2133600" cy="476250"/>
+          </a:xfrm>
+        </p:spPr>
         <p:txBody>
           <a:bodyPr/>
           <a:lstStyle/>
           <a:p>
             <a:fld id="{D355F375-7DFD-484A-B427-E78E26E1C2CE}" type="slidenum">
-              <a:rPr lang="fr-FR" smtClean="0"/>
+              <a:rPr lang="fr-FR" smtClean="0">
+                <a:solidFill>
+                  <a:schemeClr val="tx1">
+                    <a:lumMod val="65000"/>
+                    <a:lumOff val="35000"/>
+                  </a:schemeClr>
+                </a:solidFill>
+              </a:rPr>
               <a:pPr/>
               <a:t>3</a:t>
             </a:fld>
             <a:r>
-              <a:rPr lang="fr-FR" dirty="0" smtClean="0"/>
+              <a:rPr lang="fr-FR" dirty="0" smtClean="0">
+                <a:solidFill>
+                  <a:schemeClr val="tx1">
+                    <a:lumMod val="65000"/>
+                    <a:lumOff val="35000"/>
+                  </a:schemeClr>
+                </a:solidFill>
+              </a:rPr>
               <a:t>/11</a:t>
             </a:r>
-            <a:endParaRPr lang="fr-FR" dirty="0"/>
+            <a:endParaRPr lang="fr-FR" dirty="0">
+              <a:solidFill>
+                <a:schemeClr val="tx1">
+                  <a:lumMod val="65000"/>
+                  <a:lumOff val="35000"/>
+                </a:schemeClr>
+              </a:solidFill>
+            </a:endParaRPr>
           </a:p>
         </p:txBody>
       </p:sp>
@@ -7374,16 +8214,36 @@
             <p:ph type="dt" sz="half" idx="10"/>
           </p:nvPr>
         </p:nvSpPr>
-        <p:spPr/>
+        <p:spPr>
+          <a:xfrm>
+            <a:off x="457200" y="6384972"/>
+            <a:ext cx="2133600" cy="476250"/>
+          </a:xfrm>
+        </p:spPr>
         <p:txBody>
           <a:bodyPr/>
           <a:lstStyle/>
           <a:p>
             <a:fld id="{CA9D27E8-796E-461E-A617-2F4F4AC24117}" type="datetime1">
-              <a:rPr lang="fr-CH" smtClean="0"/>
-              <a:t>13.01.2010</a:t>
+              <a:rPr lang="fr-CH" smtClean="0">
+                <a:solidFill>
+                  <a:schemeClr val="tx1">
+                    <a:lumMod val="65000"/>
+                    <a:lumOff val="35000"/>
+                  </a:schemeClr>
+                </a:solidFill>
+              </a:rPr>
+              <a:pPr/>
+              <a:t>14.01.2010</a:t>
             </a:fld>
-            <a:endParaRPr lang="fr-FR"/>
+            <a:endParaRPr lang="fr-FR" dirty="0">
+              <a:solidFill>
+                <a:schemeClr val="tx1">
+                  <a:lumMod val="65000"/>
+                  <a:lumOff val="35000"/>
+                </a:schemeClr>
+              </a:solidFill>
+            </a:endParaRPr>
           </a:p>
         </p:txBody>
       </p:sp>
@@ -7397,16 +8257,35 @@
             <p:ph type="ftr" sz="quarter" idx="11"/>
           </p:nvPr>
         </p:nvSpPr>
-        <p:spPr/>
+        <p:spPr>
+          <a:xfrm>
+            <a:off x="3124200" y="6384972"/>
+            <a:ext cx="2895600" cy="476250"/>
+          </a:xfrm>
+        </p:spPr>
         <p:txBody>
           <a:bodyPr/>
           <a:lstStyle/>
           <a:p>
             <a:r>
-              <a:rPr lang="fr-FR" smtClean="0"/>
+              <a:rPr lang="fr-FR" smtClean="0">
+                <a:solidFill>
+                  <a:schemeClr val="tx1">
+                    <a:lumMod val="65000"/>
+                    <a:lumOff val="35000"/>
+                  </a:schemeClr>
+                </a:solidFill>
+              </a:rPr>
               <a:t>ADO - PPZ - LFH</a:t>
             </a:r>
-            <a:endParaRPr lang="fr-FR"/>
+            <a:endParaRPr lang="fr-FR">
+              <a:solidFill>
+                <a:schemeClr val="tx1">
+                  <a:lumMod val="65000"/>
+                  <a:lumOff val="35000"/>
+                </a:schemeClr>
+              </a:solidFill>
+            </a:endParaRPr>
           </a:p>
         </p:txBody>
       </p:sp>
@@ -7686,21 +8565,47 @@
             <p:ph type="sldNum" sz="quarter" idx="12"/>
           </p:nvPr>
         </p:nvSpPr>
-        <p:spPr/>
+        <p:spPr>
+          <a:xfrm>
+            <a:off x="6553200" y="6384972"/>
+            <a:ext cx="2133600" cy="476250"/>
+          </a:xfrm>
+        </p:spPr>
         <p:txBody>
           <a:bodyPr/>
           <a:lstStyle/>
           <a:p>
             <a:fld id="{420F5742-7484-4AFF-BE5C-C36DF30CE89D}" type="slidenum">
-              <a:rPr lang="fr-FR" smtClean="0"/>
+              <a:rPr lang="fr-FR" smtClean="0">
+                <a:solidFill>
+                  <a:schemeClr val="tx1">
+                    <a:lumMod val="65000"/>
+                    <a:lumOff val="35000"/>
+                  </a:schemeClr>
+                </a:solidFill>
+              </a:rPr>
               <a:pPr/>
               <a:t>4</a:t>
             </a:fld>
             <a:r>
-              <a:rPr lang="fr-FR" dirty="0" smtClean="0"/>
+              <a:rPr lang="fr-FR" dirty="0" smtClean="0">
+                <a:solidFill>
+                  <a:schemeClr val="tx1">
+                    <a:lumMod val="65000"/>
+                    <a:lumOff val="35000"/>
+                  </a:schemeClr>
+                </a:solidFill>
+              </a:rPr>
               <a:t>/11</a:t>
             </a:r>
-            <a:endParaRPr lang="fr-FR" dirty="0"/>
+            <a:endParaRPr lang="fr-FR" dirty="0">
+              <a:solidFill>
+                <a:schemeClr val="tx1">
+                  <a:lumMod val="65000"/>
+                  <a:lumOff val="35000"/>
+                </a:schemeClr>
+              </a:solidFill>
+            </a:endParaRPr>
           </a:p>
         </p:txBody>
       </p:sp>
@@ -7714,16 +8619,36 @@
             <p:ph type="dt" sz="half" idx="10"/>
           </p:nvPr>
         </p:nvSpPr>
-        <p:spPr/>
+        <p:spPr>
+          <a:xfrm>
+            <a:off x="457200" y="6384972"/>
+            <a:ext cx="2133600" cy="476250"/>
+          </a:xfrm>
+        </p:spPr>
         <p:txBody>
           <a:bodyPr/>
           <a:lstStyle/>
           <a:p>
             <a:fld id="{C4F21400-70EF-4FB9-BD50-1366C864B184}" type="datetime1">
-              <a:rPr lang="fr-CH" smtClean="0"/>
-              <a:t>13.01.2010</a:t>
+              <a:rPr lang="fr-CH" smtClean="0">
+                <a:solidFill>
+                  <a:schemeClr val="tx1">
+                    <a:lumMod val="65000"/>
+                    <a:lumOff val="35000"/>
+                  </a:schemeClr>
+                </a:solidFill>
+              </a:rPr>
+              <a:pPr/>
+              <a:t>14.01.2010</a:t>
             </a:fld>
-            <a:endParaRPr lang="fr-FR"/>
+            <a:endParaRPr lang="fr-FR">
+              <a:solidFill>
+                <a:schemeClr val="tx1">
+                  <a:lumMod val="65000"/>
+                  <a:lumOff val="35000"/>
+                </a:schemeClr>
+              </a:solidFill>
+            </a:endParaRPr>
           </a:p>
         </p:txBody>
       </p:sp>
@@ -7737,16 +8662,35 @@
             <p:ph type="ftr" sz="quarter" idx="11"/>
           </p:nvPr>
         </p:nvSpPr>
-        <p:spPr/>
+        <p:spPr>
+          <a:xfrm>
+            <a:off x="3124200" y="6384972"/>
+            <a:ext cx="2895600" cy="476250"/>
+          </a:xfrm>
+        </p:spPr>
         <p:txBody>
           <a:bodyPr/>
           <a:lstStyle/>
           <a:p>
             <a:r>
-              <a:rPr lang="fr-FR" smtClean="0"/>
+              <a:rPr lang="fr-FR" smtClean="0">
+                <a:solidFill>
+                  <a:schemeClr val="tx1">
+                    <a:lumMod val="65000"/>
+                    <a:lumOff val="35000"/>
+                  </a:schemeClr>
+                </a:solidFill>
+              </a:rPr>
               <a:t>ADO - PPZ - LFH</a:t>
             </a:r>
-            <a:endParaRPr lang="fr-FR"/>
+            <a:endParaRPr lang="fr-FR">
+              <a:solidFill>
+                <a:schemeClr val="tx1">
+                  <a:lumMod val="65000"/>
+                  <a:lumOff val="35000"/>
+                </a:schemeClr>
+              </a:solidFill>
+            </a:endParaRPr>
           </a:p>
         </p:txBody>
       </p:sp>
@@ -7872,7 +8816,21 @@
                 </a:effectLst>
                 <a:latin typeface="Trebuchet MS" pitchFamily="34" charset="0"/>
               </a:rPr>
-              <a:t>CONCEPTS ALGORITHMIQUES</a:t>
+              <a:t>CONCEPTS </a:t>
+            </a:r>
+            <a:r>
+              <a:rPr lang="fr-FR" sz="2000" b="1" u="none" dirty="0" smtClean="0">
+                <a:solidFill>
+                  <a:schemeClr val="bg1"/>
+                </a:solidFill>
+                <a:effectLst>
+                  <a:outerShdw blurRad="38100" dist="38100" dir="2700000" algn="tl">
+                    <a:srgbClr val="C0C0C0"/>
+                  </a:outerShdw>
+                </a:effectLst>
+                <a:latin typeface="Trebuchet MS" pitchFamily="34" charset="0"/>
+              </a:rPr>
+              <a:t>ALGORITHMIQUES [PIERRE-DO]</a:t>
             </a:r>
             <a:endParaRPr lang="fr-FR" sz="2000" b="1" u="none" dirty="0">
               <a:solidFill>
@@ -7988,21 +8946,47 @@
             <p:ph type="sldNum" sz="quarter" idx="12"/>
           </p:nvPr>
         </p:nvSpPr>
-        <p:spPr/>
+        <p:spPr>
+          <a:xfrm>
+            <a:off x="6553200" y="6384972"/>
+            <a:ext cx="2133600" cy="476250"/>
+          </a:xfrm>
+        </p:spPr>
         <p:txBody>
           <a:bodyPr/>
           <a:lstStyle/>
           <a:p>
             <a:fld id="{420F5742-7484-4AFF-BE5C-C36DF30CE89D}" type="slidenum">
-              <a:rPr lang="fr-FR" smtClean="0"/>
+              <a:rPr lang="fr-FR" smtClean="0">
+                <a:solidFill>
+                  <a:schemeClr val="tx1">
+                    <a:lumMod val="65000"/>
+                    <a:lumOff val="35000"/>
+                  </a:schemeClr>
+                </a:solidFill>
+              </a:rPr>
               <a:pPr/>
               <a:t>5</a:t>
             </a:fld>
             <a:r>
-              <a:rPr lang="fr-FR" dirty="0" smtClean="0"/>
+              <a:rPr lang="fr-FR" dirty="0" smtClean="0">
+                <a:solidFill>
+                  <a:schemeClr val="tx1">
+                    <a:lumMod val="65000"/>
+                    <a:lumOff val="35000"/>
+                  </a:schemeClr>
+                </a:solidFill>
+              </a:rPr>
               <a:t>/11</a:t>
             </a:r>
-            <a:endParaRPr lang="fr-FR" dirty="0"/>
+            <a:endParaRPr lang="fr-FR" dirty="0">
+              <a:solidFill>
+                <a:schemeClr val="tx1">
+                  <a:lumMod val="65000"/>
+                  <a:lumOff val="35000"/>
+                </a:schemeClr>
+              </a:solidFill>
+            </a:endParaRPr>
           </a:p>
         </p:txBody>
       </p:sp>
@@ -8016,16 +9000,36 @@
             <p:ph type="dt" sz="half" idx="10"/>
           </p:nvPr>
         </p:nvSpPr>
-        <p:spPr/>
+        <p:spPr>
+          <a:xfrm>
+            <a:off x="457200" y="6384972"/>
+            <a:ext cx="2133600" cy="476250"/>
+          </a:xfrm>
+        </p:spPr>
         <p:txBody>
           <a:bodyPr/>
           <a:lstStyle/>
           <a:p>
             <a:fld id="{B5EB10F7-E815-401D-95A5-6717D625711B}" type="datetime1">
-              <a:rPr lang="fr-CH" smtClean="0"/>
-              <a:t>13.01.2010</a:t>
+              <a:rPr lang="fr-CH" smtClean="0">
+                <a:solidFill>
+                  <a:schemeClr val="tx1">
+                    <a:lumMod val="65000"/>
+                    <a:lumOff val="35000"/>
+                  </a:schemeClr>
+                </a:solidFill>
+              </a:rPr>
+              <a:pPr/>
+              <a:t>14.01.2010</a:t>
             </a:fld>
-            <a:endParaRPr lang="fr-FR"/>
+            <a:endParaRPr lang="fr-FR">
+              <a:solidFill>
+                <a:schemeClr val="tx1">
+                  <a:lumMod val="65000"/>
+                  <a:lumOff val="35000"/>
+                </a:schemeClr>
+              </a:solidFill>
+            </a:endParaRPr>
           </a:p>
         </p:txBody>
       </p:sp>
@@ -8039,16 +9043,35 @@
             <p:ph type="ftr" sz="quarter" idx="11"/>
           </p:nvPr>
         </p:nvSpPr>
-        <p:spPr/>
+        <p:spPr>
+          <a:xfrm>
+            <a:off x="3124200" y="6384972"/>
+            <a:ext cx="2895600" cy="476250"/>
+          </a:xfrm>
+        </p:spPr>
         <p:txBody>
           <a:bodyPr/>
           <a:lstStyle/>
           <a:p>
             <a:r>
-              <a:rPr lang="fr-FR" smtClean="0"/>
+              <a:rPr lang="fr-FR" smtClean="0">
+                <a:solidFill>
+                  <a:schemeClr val="tx1">
+                    <a:lumMod val="65000"/>
+                    <a:lumOff val="35000"/>
+                  </a:schemeClr>
+                </a:solidFill>
+              </a:rPr>
               <a:t>ADO - PPZ - LFH</a:t>
             </a:r>
-            <a:endParaRPr lang="fr-FR"/>
+            <a:endParaRPr lang="fr-FR">
+              <a:solidFill>
+                <a:schemeClr val="tx1">
+                  <a:lumMod val="65000"/>
+                  <a:lumOff val="35000"/>
+                </a:schemeClr>
+              </a:solidFill>
+            </a:endParaRPr>
           </a:p>
         </p:txBody>
       </p:sp>
@@ -8084,15 +9107,7 @@
             </a:r>
             <a:r>
               <a:rPr lang="fr-CH" u="none" dirty="0" smtClean="0"/>
-              <a:t>Graphe et algorithme </a:t>
-            </a:r>
-            <a:r>
-              <a:rPr lang="fr-CH" u="none" dirty="0" smtClean="0"/>
-              <a:t>ACPC</a:t>
-            </a:r>
-            <a:r>
-              <a:rPr lang="fr-CH" u="none" dirty="0" smtClean="0"/>
-              <a:t> (</a:t>
+              <a:t>Graphe et algorithme ACPC (</a:t>
             </a:r>
             <a:r>
               <a:rPr lang="fr-CH" u="none" dirty="0" err="1" smtClean="0"/>
@@ -8312,21 +9327,47 @@
             <p:ph type="sldNum" sz="quarter" idx="12"/>
           </p:nvPr>
         </p:nvSpPr>
-        <p:spPr/>
+        <p:spPr>
+          <a:xfrm>
+            <a:off x="6553200" y="6384972"/>
+            <a:ext cx="2133600" cy="476250"/>
+          </a:xfrm>
+        </p:spPr>
         <p:txBody>
           <a:bodyPr/>
           <a:lstStyle/>
           <a:p>
             <a:fld id="{420F5742-7484-4AFF-BE5C-C36DF30CE89D}" type="slidenum">
-              <a:rPr lang="fr-FR" smtClean="0"/>
+              <a:rPr lang="fr-FR" smtClean="0">
+                <a:solidFill>
+                  <a:schemeClr val="tx1">
+                    <a:lumMod val="65000"/>
+                    <a:lumOff val="35000"/>
+                  </a:schemeClr>
+                </a:solidFill>
+              </a:rPr>
               <a:pPr/>
               <a:t>6</a:t>
             </a:fld>
             <a:r>
-              <a:rPr lang="fr-FR" dirty="0" smtClean="0"/>
+              <a:rPr lang="fr-FR" dirty="0" smtClean="0">
+                <a:solidFill>
+                  <a:schemeClr val="tx1">
+                    <a:lumMod val="65000"/>
+                    <a:lumOff val="35000"/>
+                  </a:schemeClr>
+                </a:solidFill>
+              </a:rPr>
               <a:t>/11</a:t>
             </a:r>
-            <a:endParaRPr lang="fr-FR" dirty="0"/>
+            <a:endParaRPr lang="fr-FR" dirty="0">
+              <a:solidFill>
+                <a:schemeClr val="tx1">
+                  <a:lumMod val="65000"/>
+                  <a:lumOff val="35000"/>
+                </a:schemeClr>
+              </a:solidFill>
+            </a:endParaRPr>
           </a:p>
         </p:txBody>
       </p:sp>
@@ -8340,16 +9381,36 @@
             <p:ph type="dt" sz="half" idx="10"/>
           </p:nvPr>
         </p:nvSpPr>
-        <p:spPr/>
+        <p:spPr>
+          <a:xfrm>
+            <a:off x="457200" y="6384972"/>
+            <a:ext cx="2133600" cy="476250"/>
+          </a:xfrm>
+        </p:spPr>
         <p:txBody>
           <a:bodyPr/>
           <a:lstStyle/>
           <a:p>
             <a:fld id="{D3D5CAE2-8D26-4FEA-92BD-591A5553A1EE}" type="datetime1">
-              <a:rPr lang="fr-CH" smtClean="0"/>
-              <a:t>13.01.2010</a:t>
+              <a:rPr lang="fr-CH" smtClean="0">
+                <a:solidFill>
+                  <a:schemeClr val="tx1">
+                    <a:lumMod val="65000"/>
+                    <a:lumOff val="35000"/>
+                  </a:schemeClr>
+                </a:solidFill>
+              </a:rPr>
+              <a:pPr/>
+              <a:t>14.01.2010</a:t>
             </a:fld>
-            <a:endParaRPr lang="fr-FR"/>
+            <a:endParaRPr lang="fr-FR">
+              <a:solidFill>
+                <a:schemeClr val="tx1">
+                  <a:lumMod val="65000"/>
+                  <a:lumOff val="35000"/>
+                </a:schemeClr>
+              </a:solidFill>
+            </a:endParaRPr>
           </a:p>
         </p:txBody>
       </p:sp>
@@ -8363,16 +9424,35 @@
             <p:ph type="ftr" sz="quarter" idx="11"/>
           </p:nvPr>
         </p:nvSpPr>
-        <p:spPr/>
+        <p:spPr>
+          <a:xfrm>
+            <a:off x="3124200" y="6384972"/>
+            <a:ext cx="2895600" cy="476250"/>
+          </a:xfrm>
+        </p:spPr>
         <p:txBody>
           <a:bodyPr/>
           <a:lstStyle/>
           <a:p>
             <a:r>
-              <a:rPr lang="fr-FR" smtClean="0"/>
+              <a:rPr lang="fr-FR" smtClean="0">
+                <a:solidFill>
+                  <a:schemeClr val="tx1">
+                    <a:lumMod val="65000"/>
+                    <a:lumOff val="35000"/>
+                  </a:schemeClr>
+                </a:solidFill>
+              </a:rPr>
               <a:t>ADO - PPZ - LFH</a:t>
             </a:r>
-            <a:endParaRPr lang="fr-FR"/>
+            <a:endParaRPr lang="fr-FR">
+              <a:solidFill>
+                <a:schemeClr val="tx1">
+                  <a:lumMod val="65000"/>
+                  <a:lumOff val="35000"/>
+                </a:schemeClr>
+              </a:solidFill>
+            </a:endParaRPr>
           </a:p>
         </p:txBody>
       </p:sp>
@@ -8420,7 +9500,21 @@
                 </a:effectLst>
                 <a:latin typeface="Trebuchet MS" pitchFamily="34" charset="0"/>
               </a:rPr>
-              <a:t>GRAPHE ET ALGORITHME ACPC</a:t>
+              <a:t>GRAPHE ET ALGORITHME </a:t>
+            </a:r>
+            <a:r>
+              <a:rPr lang="fr-FR" sz="2000" b="1" u="none" dirty="0" smtClean="0">
+                <a:solidFill>
+                  <a:schemeClr val="bg1"/>
+                </a:solidFill>
+                <a:effectLst>
+                  <a:outerShdw blurRad="38100" dist="38100" dir="2700000" algn="tl">
+                    <a:srgbClr val="C0C0C0"/>
+                  </a:outerShdw>
+                </a:effectLst>
+                <a:latin typeface="Trebuchet MS" pitchFamily="34" charset="0"/>
+              </a:rPr>
+              <a:t>ACPC (DIJKSTRA) [PIERRE-DO]</a:t>
             </a:r>
             <a:endParaRPr lang="fr-FR" sz="2000" b="1" u="none" dirty="0">
               <a:solidFill>
@@ -8614,21 +9708,47 @@
             <p:ph type="sldNum" sz="quarter" idx="12"/>
           </p:nvPr>
         </p:nvSpPr>
-        <p:spPr/>
+        <p:spPr>
+          <a:xfrm>
+            <a:off x="6553200" y="6384972"/>
+            <a:ext cx="2133600" cy="476250"/>
+          </a:xfrm>
+        </p:spPr>
         <p:txBody>
           <a:bodyPr/>
           <a:lstStyle/>
           <a:p>
             <a:fld id="{420F5742-7484-4AFF-BE5C-C36DF30CE89D}" type="slidenum">
-              <a:rPr lang="fr-FR" smtClean="0"/>
+              <a:rPr lang="fr-FR" smtClean="0">
+                <a:solidFill>
+                  <a:schemeClr val="tx1">
+                    <a:lumMod val="65000"/>
+                    <a:lumOff val="35000"/>
+                  </a:schemeClr>
+                </a:solidFill>
+              </a:rPr>
               <a:pPr/>
               <a:t>7</a:t>
             </a:fld>
             <a:r>
-              <a:rPr lang="fr-FR" dirty="0" smtClean="0"/>
+              <a:rPr lang="fr-FR" dirty="0" smtClean="0">
+                <a:solidFill>
+                  <a:schemeClr val="tx1">
+                    <a:lumMod val="65000"/>
+                    <a:lumOff val="35000"/>
+                  </a:schemeClr>
+                </a:solidFill>
+              </a:rPr>
               <a:t>/11</a:t>
             </a:r>
-            <a:endParaRPr lang="fr-FR" dirty="0"/>
+            <a:endParaRPr lang="fr-FR" dirty="0">
+              <a:solidFill>
+                <a:schemeClr val="tx1">
+                  <a:lumMod val="65000"/>
+                  <a:lumOff val="35000"/>
+                </a:schemeClr>
+              </a:solidFill>
+            </a:endParaRPr>
           </a:p>
         </p:txBody>
       </p:sp>
@@ -8642,16 +9762,36 @@
             <p:ph type="dt" sz="half" idx="10"/>
           </p:nvPr>
         </p:nvSpPr>
-        <p:spPr/>
+        <p:spPr>
+          <a:xfrm>
+            <a:off x="457200" y="6384972"/>
+            <a:ext cx="2133600" cy="476250"/>
+          </a:xfrm>
+        </p:spPr>
         <p:txBody>
           <a:bodyPr/>
           <a:lstStyle/>
           <a:p>
             <a:fld id="{C30AF161-DDFB-4518-87CD-DB6F6072CA36}" type="datetime1">
-              <a:rPr lang="fr-CH" smtClean="0"/>
-              <a:t>13.01.2010</a:t>
+              <a:rPr lang="fr-CH" smtClean="0">
+                <a:solidFill>
+                  <a:schemeClr val="tx1">
+                    <a:lumMod val="65000"/>
+                    <a:lumOff val="35000"/>
+                  </a:schemeClr>
+                </a:solidFill>
+              </a:rPr>
+              <a:pPr/>
+              <a:t>14.01.2010</a:t>
             </a:fld>
-            <a:endParaRPr lang="fr-FR"/>
+            <a:endParaRPr lang="fr-FR">
+              <a:solidFill>
+                <a:schemeClr val="tx1">
+                  <a:lumMod val="65000"/>
+                  <a:lumOff val="35000"/>
+                </a:schemeClr>
+              </a:solidFill>
+            </a:endParaRPr>
           </a:p>
         </p:txBody>
       </p:sp>
@@ -8665,16 +9805,35 @@
             <p:ph type="ftr" sz="quarter" idx="11"/>
           </p:nvPr>
         </p:nvSpPr>
-        <p:spPr/>
+        <p:spPr>
+          <a:xfrm>
+            <a:off x="3124200" y="6384972"/>
+            <a:ext cx="2895600" cy="476250"/>
+          </a:xfrm>
+        </p:spPr>
         <p:txBody>
           <a:bodyPr/>
           <a:lstStyle/>
           <a:p>
             <a:r>
-              <a:rPr lang="fr-FR" smtClean="0"/>
+              <a:rPr lang="fr-FR" smtClean="0">
+                <a:solidFill>
+                  <a:schemeClr val="tx1">
+                    <a:lumMod val="65000"/>
+                    <a:lumOff val="35000"/>
+                  </a:schemeClr>
+                </a:solidFill>
+              </a:rPr>
               <a:t>ADO - PPZ - LFH</a:t>
             </a:r>
-            <a:endParaRPr lang="fr-FR"/>
+            <a:endParaRPr lang="fr-FR">
+              <a:solidFill>
+                <a:schemeClr val="tx1">
+                  <a:lumMod val="65000"/>
+                  <a:lumOff val="35000"/>
+                </a:schemeClr>
+              </a:solidFill>
+            </a:endParaRPr>
           </a:p>
         </p:txBody>
       </p:sp>
@@ -8722,7 +9881,21 @@
                 </a:effectLst>
                 <a:latin typeface="Trebuchet MS" pitchFamily="34" charset="0"/>
               </a:rPr>
-              <a:t>MAILLAGE DYNAMIQUE</a:t>
+              <a:t>MAILLAGE </a:t>
+            </a:r>
+            <a:r>
+              <a:rPr lang="fr-FR" sz="2000" b="1" u="none" dirty="0" smtClean="0">
+                <a:solidFill>
+                  <a:schemeClr val="bg1"/>
+                </a:solidFill>
+                <a:effectLst>
+                  <a:outerShdw blurRad="38100" dist="38100" dir="2700000" algn="tl">
+                    <a:srgbClr val="C0C0C0"/>
+                  </a:outerShdw>
+                </a:effectLst>
+                <a:latin typeface="Trebuchet MS" pitchFamily="34" charset="0"/>
+              </a:rPr>
+              <a:t>DYNAMIQUE [PIERRE-DO]</a:t>
             </a:r>
             <a:endParaRPr lang="fr-FR" sz="2000" b="1" u="none" dirty="0">
               <a:solidFill>
@@ -8916,21 +10089,47 @@
             <p:ph type="sldNum" sz="quarter" idx="12"/>
           </p:nvPr>
         </p:nvSpPr>
-        <p:spPr/>
+        <p:spPr>
+          <a:xfrm>
+            <a:off x="6553200" y="6384972"/>
+            <a:ext cx="2133600" cy="476250"/>
+          </a:xfrm>
+        </p:spPr>
         <p:txBody>
           <a:bodyPr/>
           <a:lstStyle/>
           <a:p>
             <a:fld id="{81C47DC9-EC34-4064-A444-5DA14B88EED2}" type="slidenum">
-              <a:rPr lang="fr-FR" smtClean="0"/>
+              <a:rPr lang="fr-FR" smtClean="0">
+                <a:solidFill>
+                  <a:schemeClr val="tx1">
+                    <a:lumMod val="65000"/>
+                    <a:lumOff val="35000"/>
+                  </a:schemeClr>
+                </a:solidFill>
+              </a:rPr>
               <a:pPr/>
               <a:t>8</a:t>
             </a:fld>
             <a:r>
-              <a:rPr lang="fr-FR" dirty="0" smtClean="0"/>
+              <a:rPr lang="fr-FR" dirty="0" smtClean="0">
+                <a:solidFill>
+                  <a:schemeClr val="tx1">
+                    <a:lumMod val="65000"/>
+                    <a:lumOff val="35000"/>
+                  </a:schemeClr>
+                </a:solidFill>
+              </a:rPr>
               <a:t>/11</a:t>
             </a:r>
-            <a:endParaRPr lang="fr-FR" dirty="0"/>
+            <a:endParaRPr lang="fr-FR" dirty="0">
+              <a:solidFill>
+                <a:schemeClr val="tx1">
+                  <a:lumMod val="65000"/>
+                  <a:lumOff val="35000"/>
+                </a:schemeClr>
+              </a:solidFill>
+            </a:endParaRPr>
           </a:p>
         </p:txBody>
       </p:sp>
@@ -8944,16 +10143,36 @@
             <p:ph type="dt" sz="half" idx="10"/>
           </p:nvPr>
         </p:nvSpPr>
-        <p:spPr/>
+        <p:spPr>
+          <a:xfrm>
+            <a:off x="457200" y="6384972"/>
+            <a:ext cx="2133600" cy="476250"/>
+          </a:xfrm>
+        </p:spPr>
         <p:txBody>
           <a:bodyPr/>
           <a:lstStyle/>
           <a:p>
             <a:fld id="{F29294AF-8558-4D43-8C8C-7FA1E6073AB3}" type="datetime1">
-              <a:rPr lang="fr-CH" smtClean="0"/>
-              <a:t>13.01.2010</a:t>
+              <a:rPr lang="fr-CH" smtClean="0">
+                <a:solidFill>
+                  <a:schemeClr val="tx1">
+                    <a:lumMod val="65000"/>
+                    <a:lumOff val="35000"/>
+                  </a:schemeClr>
+                </a:solidFill>
+              </a:rPr>
+              <a:pPr/>
+              <a:t>14.01.2010</a:t>
             </a:fld>
-            <a:endParaRPr lang="fr-FR"/>
+            <a:endParaRPr lang="fr-FR">
+              <a:solidFill>
+                <a:schemeClr val="tx1">
+                  <a:lumMod val="65000"/>
+                  <a:lumOff val="35000"/>
+                </a:schemeClr>
+              </a:solidFill>
+            </a:endParaRPr>
           </a:p>
         </p:txBody>
       </p:sp>
@@ -8967,16 +10186,35 @@
             <p:ph type="ftr" sz="quarter" idx="11"/>
           </p:nvPr>
         </p:nvSpPr>
-        <p:spPr/>
+        <p:spPr>
+          <a:xfrm>
+            <a:off x="3124200" y="6384972"/>
+            <a:ext cx="2895600" cy="476250"/>
+          </a:xfrm>
+        </p:spPr>
         <p:txBody>
           <a:bodyPr/>
           <a:lstStyle/>
           <a:p>
             <a:r>
-              <a:rPr lang="fr-FR" smtClean="0"/>
+              <a:rPr lang="fr-FR" smtClean="0">
+                <a:solidFill>
+                  <a:schemeClr val="tx1">
+                    <a:lumMod val="65000"/>
+                    <a:lumOff val="35000"/>
+                  </a:schemeClr>
+                </a:solidFill>
+              </a:rPr>
               <a:t>ADO - PPZ - LFH</a:t>
             </a:r>
-            <a:endParaRPr lang="fr-FR"/>
+            <a:endParaRPr lang="fr-FR">
+              <a:solidFill>
+                <a:schemeClr val="tx1">
+                  <a:lumMod val="65000"/>
+                  <a:lumOff val="35000"/>
+                </a:schemeClr>
+              </a:solidFill>
+            </a:endParaRPr>
           </a:p>
         </p:txBody>
       </p:sp>
@@ -9024,7 +10262,21 @@
                 </a:effectLst>
                 <a:latin typeface="Trebuchet MS" pitchFamily="34" charset="0"/>
               </a:rPr>
-              <a:t>MODELE MVC</a:t>
+              <a:t>MODELE </a:t>
+            </a:r>
+            <a:r>
+              <a:rPr lang="fr-FR" sz="2000" b="1" u="none" dirty="0" smtClean="0">
+                <a:solidFill>
+                  <a:schemeClr val="bg1"/>
+                </a:solidFill>
+                <a:effectLst>
+                  <a:outerShdw blurRad="38100" dist="38100" dir="2700000" algn="tl">
+                    <a:srgbClr val="C0C0C0"/>
+                  </a:outerShdw>
+                </a:effectLst>
+                <a:latin typeface="Trebuchet MS" pitchFamily="34" charset="0"/>
+              </a:rPr>
+              <a:t>MVC [AURELIEN]</a:t>
             </a:r>
             <a:endParaRPr lang="fr-FR" sz="2000" b="1" u="none" dirty="0">
               <a:solidFill>
@@ -9301,7 +10553,21 @@
                 </a:effectLst>
                 <a:latin typeface="Trebuchet MS" pitchFamily="34" charset="0"/>
               </a:rPr>
-              <a:t>STRUCTURE DU CODE</a:t>
+              <a:t>STRUCTURE DU </a:t>
+            </a:r>
+            <a:r>
+              <a:rPr lang="fr-CH" sz="2000" b="1" u="none" dirty="0" smtClean="0">
+                <a:solidFill>
+                  <a:schemeClr val="bg1"/>
+                </a:solidFill>
+                <a:effectLst>
+                  <a:outerShdw blurRad="38100" dist="38100" dir="2700000" algn="tl">
+                    <a:srgbClr val="C0C0C0"/>
+                  </a:outerShdw>
+                </a:effectLst>
+                <a:latin typeface="Trebuchet MS" pitchFamily="34" charset="0"/>
+              </a:rPr>
+              <a:t>CODE [AURELIEN]</a:t>
             </a:r>
             <a:endParaRPr lang="fr-FR" sz="2000" b="1" u="none" dirty="0">
               <a:solidFill>
@@ -9327,21 +10593,47 @@
             <p:ph type="sldNum" sz="quarter" idx="12"/>
           </p:nvPr>
         </p:nvSpPr>
-        <p:spPr/>
+        <p:spPr>
+          <a:xfrm>
+            <a:off x="6553200" y="6384972"/>
+            <a:ext cx="2133600" cy="476250"/>
+          </a:xfrm>
+        </p:spPr>
         <p:txBody>
           <a:bodyPr/>
           <a:lstStyle/>
           <a:p>
             <a:fld id="{420F5742-7484-4AFF-BE5C-C36DF30CE89D}" type="slidenum">
-              <a:rPr lang="fr-FR" smtClean="0"/>
+              <a:rPr lang="fr-FR" smtClean="0">
+                <a:solidFill>
+                  <a:schemeClr val="tx1">
+                    <a:lumMod val="65000"/>
+                    <a:lumOff val="35000"/>
+                  </a:schemeClr>
+                </a:solidFill>
+              </a:rPr>
               <a:pPr/>
               <a:t>9</a:t>
             </a:fld>
             <a:r>
-              <a:rPr lang="fr-FR" dirty="0" smtClean="0"/>
+              <a:rPr lang="fr-FR" dirty="0" smtClean="0">
+                <a:solidFill>
+                  <a:schemeClr val="tx1">
+                    <a:lumMod val="65000"/>
+                    <a:lumOff val="35000"/>
+                  </a:schemeClr>
+                </a:solidFill>
+              </a:rPr>
               <a:t>/11</a:t>
             </a:r>
-            <a:endParaRPr lang="fr-FR" dirty="0"/>
+            <a:endParaRPr lang="fr-FR" dirty="0">
+              <a:solidFill>
+                <a:schemeClr val="tx1">
+                  <a:lumMod val="65000"/>
+                  <a:lumOff val="35000"/>
+                </a:schemeClr>
+              </a:solidFill>
+            </a:endParaRPr>
           </a:p>
         </p:txBody>
       </p:sp>
@@ -9355,16 +10647,36 @@
             <p:ph type="dt" sz="half" idx="10"/>
           </p:nvPr>
         </p:nvSpPr>
-        <p:spPr/>
+        <p:spPr>
+          <a:xfrm>
+            <a:off x="457200" y="6384972"/>
+            <a:ext cx="2133600" cy="476250"/>
+          </a:xfrm>
+        </p:spPr>
         <p:txBody>
           <a:bodyPr/>
           <a:lstStyle/>
           <a:p>
             <a:fld id="{357275CD-44DC-4CD4-BA57-161A992B0A41}" type="datetime1">
-              <a:rPr lang="fr-CH" smtClean="0"/>
-              <a:t>13.01.2010</a:t>
+              <a:rPr lang="fr-CH" smtClean="0">
+                <a:solidFill>
+                  <a:schemeClr val="tx1">
+                    <a:lumMod val="65000"/>
+                    <a:lumOff val="35000"/>
+                  </a:schemeClr>
+                </a:solidFill>
+              </a:rPr>
+              <a:pPr/>
+              <a:t>14.01.2010</a:t>
             </a:fld>
-            <a:endParaRPr lang="fr-FR"/>
+            <a:endParaRPr lang="fr-FR">
+              <a:solidFill>
+                <a:schemeClr val="tx1">
+                  <a:lumMod val="65000"/>
+                  <a:lumOff val="35000"/>
+                </a:schemeClr>
+              </a:solidFill>
+            </a:endParaRPr>
           </a:p>
         </p:txBody>
       </p:sp>
@@ -9378,16 +10690,35 @@
             <p:ph type="ftr" sz="quarter" idx="11"/>
           </p:nvPr>
         </p:nvSpPr>
-        <p:spPr/>
+        <p:spPr>
+          <a:xfrm>
+            <a:off x="3124200" y="6384972"/>
+            <a:ext cx="2895600" cy="476250"/>
+          </a:xfrm>
+        </p:spPr>
         <p:txBody>
           <a:bodyPr/>
           <a:lstStyle/>
           <a:p>
             <a:r>
-              <a:rPr lang="fr-FR" smtClean="0"/>
+              <a:rPr lang="fr-FR" smtClean="0">
+                <a:solidFill>
+                  <a:schemeClr val="tx1">
+                    <a:lumMod val="65000"/>
+                    <a:lumOff val="35000"/>
+                  </a:schemeClr>
+                </a:solidFill>
+              </a:rPr>
               <a:t>ADO - PPZ - LFH</a:t>
             </a:r>
-            <a:endParaRPr lang="fr-FR"/>
+            <a:endParaRPr lang="fr-FR">
+              <a:solidFill>
+                <a:schemeClr val="tx1">
+                  <a:lumMod val="65000"/>
+                  <a:lumOff val="35000"/>
+                </a:schemeClr>
+              </a:solidFill>
+            </a:endParaRPr>
           </a:p>
         </p:txBody>
       </p:sp>

--- a/documents/presentation.pptx
+++ b/documents/presentation.pptx
@@ -234,7 +234,7 @@
             <a:fld id="{D761A794-15E8-4C19-9429-90557F78B1C8}" type="datetimeFigureOut">
               <a:rPr lang="fr-FR" smtClean="0"/>
               <a:pPr/>
-              <a:t>14/01/2010</a:t>
+              <a:t>17/01/2010</a:t>
             </a:fld>
             <a:endParaRPr lang="fr-CH"/>
           </a:p>
@@ -714,7 +714,7 @@
             <a:fld id="{1FD82F67-3604-455A-AA94-463E3F4A9835}" type="datetime1">
               <a:rPr lang="fr-CH" smtClean="0"/>
               <a:pPr/>
-              <a:t>14.01.2010</a:t>
+              <a:t>17.01.2010</a:t>
             </a:fld>
             <a:endParaRPr lang="fr-FR"/>
           </a:p>
@@ -900,7 +900,7 @@
             <a:fld id="{55B3CD59-5DD5-41C3-B883-761C206A7252}" type="datetime1">
               <a:rPr lang="fr-CH" smtClean="0"/>
               <a:pPr/>
-              <a:t>14.01.2010</a:t>
+              <a:t>17.01.2010</a:t>
             </a:fld>
             <a:endParaRPr lang="fr-FR"/>
           </a:p>
@@ -1096,7 +1096,7 @@
             <a:fld id="{3B04A12F-0005-45B2-8940-F8EFEAD0E451}" type="datetime1">
               <a:rPr lang="fr-CH" smtClean="0"/>
               <a:pPr/>
-              <a:t>14.01.2010</a:t>
+              <a:t>17.01.2010</a:t>
             </a:fld>
             <a:endParaRPr lang="fr-FR"/>
           </a:p>
@@ -1411,7 +1411,7 @@
             <a:fld id="{529FBE9A-CF7D-433F-8346-C0E52BDADA61}" type="datetime1">
               <a:rPr lang="fr-CH" smtClean="0"/>
               <a:pPr/>
-              <a:t>14.01.2010</a:t>
+              <a:t>17.01.2010</a:t>
             </a:fld>
             <a:endParaRPr lang="fr-FR"/>
           </a:p>
@@ -1594,7 +1594,7 @@
             <a:fld id="{FE683641-4180-4030-9871-18F1FE65C087}" type="datetime1">
               <a:rPr lang="fr-CH" smtClean="0"/>
               <a:pPr/>
-              <a:t>14.01.2010</a:t>
+              <a:t>17.01.2010</a:t>
             </a:fld>
             <a:endParaRPr lang="fr-FR"/>
           </a:p>
@@ -1790,7 +1790,7 @@
             <a:fld id="{DE3EECC3-BAC3-4A29-8636-7743FF9A3806}" type="datetime1">
               <a:rPr lang="fr-CH" smtClean="0"/>
               <a:pPr/>
-              <a:t>14.01.2010</a:t>
+              <a:t>17.01.2010</a:t>
             </a:fld>
             <a:endParaRPr lang="fr-FR"/>
           </a:p>
@@ -1998,7 +1998,7 @@
             <a:fld id="{F154968F-2762-4F3B-BC70-F7C39B89A9B8}" type="datetime1">
               <a:rPr lang="fr-CH" smtClean="0"/>
               <a:pPr/>
-              <a:t>14.01.2010</a:t>
+              <a:t>17.01.2010</a:t>
             </a:fld>
             <a:endParaRPr lang="fr-FR"/>
           </a:p>
@@ -2302,7 +2302,7 @@
             <a:fld id="{05BFEB41-E5CB-4CD1-9B55-92701C8EBC84}" type="datetime1">
               <a:rPr lang="fr-CH" smtClean="0"/>
               <a:pPr/>
-              <a:t>14.01.2010</a:t>
+              <a:t>17.01.2010</a:t>
             </a:fld>
             <a:endParaRPr lang="fr-FR"/>
           </a:p>
@@ -2740,7 +2740,7 @@
             <a:fld id="{2F6C9831-039A-4F5C-8AD2-A3AB876185B4}" type="datetime1">
               <a:rPr lang="fr-CH" smtClean="0"/>
               <a:pPr/>
-              <a:t>14.01.2010</a:t>
+              <a:t>17.01.2010</a:t>
             </a:fld>
             <a:endParaRPr lang="fr-FR"/>
           </a:p>
@@ -2874,7 +2874,7 @@
             <a:fld id="{DFFDC1B0-BD04-46D2-99EE-B853352D89B2}" type="datetime1">
               <a:rPr lang="fr-CH" smtClean="0"/>
               <a:pPr/>
-              <a:t>14.01.2010</a:t>
+              <a:t>17.01.2010</a:t>
             </a:fld>
             <a:endParaRPr lang="fr-FR"/>
           </a:p>
@@ -2985,7 +2985,7 @@
             <a:fld id="{0EE68050-7145-4A91-894E-A242682B636F}" type="datetime1">
               <a:rPr lang="fr-CH" smtClean="0"/>
               <a:pPr/>
-              <a:t>14.01.2010</a:t>
+              <a:t>17.01.2010</a:t>
             </a:fld>
             <a:endParaRPr lang="fr-FR"/>
           </a:p>
@@ -3278,7 +3278,7 @@
             <a:fld id="{3A01947D-F275-402E-B528-25DF2F067B3A}" type="datetime1">
               <a:rPr lang="fr-CH" smtClean="0"/>
               <a:pPr/>
-              <a:t>14.01.2010</a:t>
+              <a:t>17.01.2010</a:t>
             </a:fld>
             <a:endParaRPr lang="fr-FR"/>
           </a:p>
@@ -3547,7 +3547,7 @@
             <a:fld id="{99628070-4574-4C78-8FCC-ABF8CA883542}" type="datetime1">
               <a:rPr lang="fr-CH" smtClean="0"/>
               <a:pPr/>
-              <a:t>14.01.2010</a:t>
+              <a:t>17.01.2010</a:t>
             </a:fld>
             <a:endParaRPr lang="fr-FR"/>
           </a:p>
@@ -3800,7 +3800,7 @@
             <a:fld id="{0EBF62BA-94E3-4FC8-A8F1-27E713C8C858}" type="datetime1">
               <a:rPr lang="fr-CH" smtClean="0"/>
               <a:pPr/>
-              <a:t>14.01.2010</a:t>
+              <a:t>17.01.2010</a:t>
             </a:fld>
             <a:endParaRPr lang="fr-FR"/>
           </a:p>
@@ -5087,7 +5087,7 @@
                 </a:solidFill>
               </a:rPr>
               <a:pPr/>
-              <a:t>14.01.2010</a:t>
+              <a:t>17.01.2010</a:t>
             </a:fld>
             <a:endParaRPr lang="fr-FR" dirty="0">
               <a:solidFill>
@@ -5197,9 +5197,6 @@
               </a:rPr>
               <a:t>Objectifs atteints</a:t>
             </a:r>
-            <a:endParaRPr lang="fr-FR" u="none" dirty="0" smtClean="0">
-              <a:latin typeface="Trebuchet MS" pitchFamily="34" charset="0"/>
-            </a:endParaRPr>
           </a:p>
           <a:p>
             <a:pPr marL="342900" indent="-342900">
@@ -5932,7 +5929,7 @@
                 </a:solidFill>
               </a:rPr>
               <a:pPr/>
-              <a:t>14.01.2010</a:t>
+              <a:t>17.01.2010</a:t>
             </a:fld>
             <a:endParaRPr lang="fr-FR" dirty="0">
               <a:solidFill>
@@ -7110,7 +7107,7 @@
                 </a:solidFill>
               </a:rPr>
               <a:pPr/>
-              <a:t>14.01.2010</a:t>
+              <a:t>17.01.2010</a:t>
             </a:fld>
             <a:endParaRPr lang="fr-FR">
               <a:solidFill>
@@ -7556,7 +7553,7 @@
                 </a:solidFill>
               </a:rPr>
               <a:pPr/>
-              <a:t>14.01.2010</a:t>
+              <a:t>17.01.2010</a:t>
             </a:fld>
             <a:endParaRPr lang="fr-FR" dirty="0">
               <a:solidFill>
@@ -7621,7 +7618,7 @@
         </p:nvSpPr>
         <p:spPr bwMode="auto">
           <a:xfrm>
-            <a:off x="2271681" y="1493811"/>
+            <a:off x="1189059" y="1457298"/>
             <a:ext cx="4953000" cy="4662815"/>
           </a:xfrm>
           <a:prstGeom prst="rect">
@@ -7817,9 +7814,6 @@
               </a:rPr>
               <a:t>Présentation du jeu</a:t>
             </a:r>
-            <a:endParaRPr lang="fr-FR" u="none" dirty="0" smtClean="0">
-              <a:latin typeface="Trebuchet MS" pitchFamily="34" charset="0"/>
-            </a:endParaRPr>
           </a:p>
           <a:p>
             <a:pPr marL="342900" indent="-342900">
@@ -7834,12 +7828,35 @@
               </a:rPr>
               <a:t>Questions</a:t>
             </a:r>
-            <a:endParaRPr lang="fr-FR" u="none" dirty="0" smtClean="0">
-              <a:latin typeface="Trebuchet MS" pitchFamily="34" charset="0"/>
-            </a:endParaRPr>
-          </a:p>
-        </p:txBody>
-      </p:sp>
+          </a:p>
+        </p:txBody>
+      </p:sp>
+      <p:pic>
+        <p:nvPicPr>
+          <p:cNvPr id="11" name="Picture 2" descr="C:\Documents and Settings\Administrateur\Bureau\verifier-des-taches-todo-ecrivez-icone-4160-128.png"/>
+          <p:cNvPicPr>
+            <a:picLocks noChangeAspect="1" noChangeArrowheads="1"/>
+          </p:cNvPicPr>
+          <p:nvPr/>
+        </p:nvPicPr>
+        <p:blipFill>
+          <a:blip r:embed="rId2" cstate="print"/>
+          <a:srcRect/>
+          <a:stretch>
+            <a:fillRect/>
+          </a:stretch>
+        </p:blipFill>
+        <p:spPr bwMode="auto">
+          <a:xfrm>
+            <a:off x="5813442" y="3721104"/>
+            <a:ext cx="1898676" cy="1898676"/>
+          </a:xfrm>
+          <a:prstGeom prst="rect">
+            <a:avLst/>
+          </a:prstGeom>
+          <a:noFill/>
+        </p:spPr>
+      </p:pic>
     </p:spTree>
   </p:cSld>
   <p:clrMapOvr>
@@ -8234,7 +8251,7 @@
                 </a:solidFill>
               </a:rPr>
               <a:pPr/>
-              <a:t>14.01.2010</a:t>
+              <a:t>17.01.2010</a:t>
             </a:fld>
             <a:endParaRPr lang="fr-FR" dirty="0">
               <a:solidFill>
@@ -8291,14 +8308,14 @@
       </p:sp>
       <p:sp>
         <p:nvSpPr>
-          <p:cNvPr id="10" name="ZoneTexte 9"/>
+          <p:cNvPr id="11" name="ZoneTexte 10"/>
           <p:cNvSpPr txBox="1"/>
           <p:nvPr/>
         </p:nvSpPr>
         <p:spPr>
           <a:xfrm>
-            <a:off x="2209800" y="1676400"/>
-            <a:ext cx="5791200" cy="923330"/>
+            <a:off x="1322344" y="1676376"/>
+            <a:ext cx="2057448" cy="369332"/>
           </a:xfrm>
           <a:prstGeom prst="rect">
             <a:avLst/>
@@ -8311,22 +8328,455 @@
           </a:bodyPr>
           <a:lstStyle/>
           <a:p>
-            <a:pPr marL="342900" indent="-342900"/>
-            <a:r>
-              <a:rPr lang="fr-CH" u="none" dirty="0" smtClean="0"/>
-              <a:t>Répartition des tâches</a:t>
-            </a:r>
-          </a:p>
-          <a:p>
-            <a:pPr marL="342900" indent="-342900"/>
-            <a:endParaRPr lang="fr-CH" u="none" dirty="0"/>
-          </a:p>
-          <a:p>
-            <a:pPr marL="342900" indent="-342900"/>
-            <a:endParaRPr lang="fr-CH" u="none" dirty="0" smtClean="0"/>
-          </a:p>
-        </p:txBody>
-      </p:sp>
+            <a:pPr>
+              <a:buFont typeface="Arial" pitchFamily="34" charset="0"/>
+              <a:buChar char="•"/>
+            </a:pPr>
+            <a:r>
+              <a:rPr lang="fr-CH" b="1" u="none" dirty="0" smtClean="0"/>
+              <a:t>  Participants</a:t>
+            </a:r>
+            <a:endParaRPr lang="fr-CH" b="1" u="none" dirty="0"/>
+          </a:p>
+        </p:txBody>
+      </p:sp>
+      <p:sp>
+        <p:nvSpPr>
+          <p:cNvPr id="15" name="ZoneTexte 14"/>
+          <p:cNvSpPr txBox="1"/>
+          <p:nvPr/>
+        </p:nvSpPr>
+        <p:spPr>
+          <a:xfrm>
+            <a:off x="4368841" y="1578990"/>
+            <a:ext cx="3781434" cy="1338828"/>
+          </a:xfrm>
+          <a:prstGeom prst="rect">
+            <a:avLst/>
+          </a:prstGeom>
+          <a:noFill/>
+        </p:spPr>
+        <p:txBody>
+          <a:bodyPr wrap="square" rtlCol="0">
+            <a:spAutoFit/>
+          </a:bodyPr>
+          <a:lstStyle/>
+          <a:p>
+            <a:pPr>
+              <a:lnSpc>
+                <a:spcPct val="150000"/>
+              </a:lnSpc>
+            </a:pPr>
+            <a:r>
+              <a:rPr lang="es-ES" u="none" dirty="0" err="1" smtClean="0"/>
+              <a:t>Aurélien</a:t>
+            </a:r>
+            <a:r>
+              <a:rPr lang="es-ES" u="none" dirty="0" smtClean="0"/>
+              <a:t> </a:t>
+            </a:r>
+            <a:r>
+              <a:rPr lang="es-ES" u="none" dirty="0" smtClean="0"/>
+              <a:t>Da Campo</a:t>
+            </a:r>
+          </a:p>
+          <a:p>
+            <a:pPr>
+              <a:lnSpc>
+                <a:spcPct val="150000"/>
+              </a:lnSpc>
+            </a:pPr>
+            <a:r>
+              <a:rPr lang="es-ES" u="none" dirty="0" smtClean="0"/>
+              <a:t>Pierre -Dominique </a:t>
+            </a:r>
+            <a:r>
+              <a:rPr lang="es-ES" u="none" dirty="0" err="1" smtClean="0"/>
+              <a:t>Putallaz</a:t>
+            </a:r>
+            <a:endParaRPr lang="es-ES" u="none" dirty="0" smtClean="0"/>
+          </a:p>
+          <a:p>
+            <a:pPr>
+              <a:lnSpc>
+                <a:spcPct val="150000"/>
+              </a:lnSpc>
+            </a:pPr>
+            <a:r>
+              <a:rPr lang="es-ES" u="none" dirty="0" smtClean="0"/>
+              <a:t>Lazhar </a:t>
+            </a:r>
+            <a:r>
+              <a:rPr lang="es-ES" u="none" dirty="0" smtClean="0"/>
+              <a:t>Farjallah (Chef de </a:t>
+            </a:r>
+            <a:r>
+              <a:rPr lang="es-ES" u="none" dirty="0" err="1" smtClean="0"/>
+              <a:t>projet</a:t>
+            </a:r>
+            <a:r>
+              <a:rPr lang="es-ES" u="none" dirty="0" smtClean="0"/>
+              <a:t>)</a:t>
+            </a:r>
+            <a:endParaRPr lang="es-ES" u="none" dirty="0" smtClean="0"/>
+          </a:p>
+        </p:txBody>
+      </p:sp>
+      <p:sp>
+        <p:nvSpPr>
+          <p:cNvPr id="16" name="ZoneTexte 15"/>
+          <p:cNvSpPr txBox="1"/>
+          <p:nvPr/>
+        </p:nvSpPr>
+        <p:spPr>
+          <a:xfrm>
+            <a:off x="1322343" y="3258588"/>
+            <a:ext cx="3046498" cy="369332"/>
+          </a:xfrm>
+          <a:prstGeom prst="rect">
+            <a:avLst/>
+          </a:prstGeom>
+          <a:noFill/>
+        </p:spPr>
+        <p:txBody>
+          <a:bodyPr wrap="square" rtlCol="0">
+            <a:spAutoFit/>
+          </a:bodyPr>
+          <a:lstStyle/>
+          <a:p>
+            <a:pPr>
+              <a:buFont typeface="Arial" pitchFamily="34" charset="0"/>
+              <a:buChar char="•"/>
+            </a:pPr>
+            <a:r>
+              <a:rPr lang="fr-CH" b="1" u="none" dirty="0" smtClean="0"/>
+              <a:t>  Répartition des tâches</a:t>
+            </a:r>
+            <a:endParaRPr lang="fr-CH" b="1" u="none" dirty="0"/>
+          </a:p>
+        </p:txBody>
+      </p:sp>
+      <p:sp>
+        <p:nvSpPr>
+          <p:cNvPr id="17" name="ZoneTexte 16"/>
+          <p:cNvSpPr txBox="1"/>
+          <p:nvPr/>
+        </p:nvSpPr>
+        <p:spPr>
+          <a:xfrm>
+            <a:off x="4368841" y="3171707"/>
+            <a:ext cx="3781434" cy="1754326"/>
+          </a:xfrm>
+          <a:prstGeom prst="rect">
+            <a:avLst/>
+          </a:prstGeom>
+          <a:noFill/>
+        </p:spPr>
+        <p:txBody>
+          <a:bodyPr wrap="square" rtlCol="0">
+            <a:spAutoFit/>
+          </a:bodyPr>
+          <a:lstStyle/>
+          <a:p>
+            <a:pPr>
+              <a:lnSpc>
+                <a:spcPct val="150000"/>
+              </a:lnSpc>
+            </a:pPr>
+            <a:r>
+              <a:rPr lang="es-ES" u="none" dirty="0" smtClean="0"/>
+              <a:t>Interface </a:t>
+            </a:r>
+            <a:r>
+              <a:rPr lang="es-ES" u="none" dirty="0" err="1" smtClean="0"/>
+              <a:t>graphique</a:t>
+            </a:r>
+            <a:endParaRPr lang="es-ES" u="none" dirty="0" smtClean="0"/>
+          </a:p>
+          <a:p>
+            <a:pPr>
+              <a:lnSpc>
+                <a:spcPct val="150000"/>
+              </a:lnSpc>
+            </a:pPr>
+            <a:r>
+              <a:rPr lang="es-ES" u="none" dirty="0" err="1" smtClean="0"/>
+              <a:t>Algorithmique</a:t>
+            </a:r>
+            <a:endParaRPr lang="es-ES" u="none" dirty="0" smtClean="0"/>
+          </a:p>
+          <a:p>
+            <a:pPr>
+              <a:lnSpc>
+                <a:spcPct val="150000"/>
+              </a:lnSpc>
+            </a:pPr>
+            <a:r>
+              <a:rPr lang="es-ES" u="none" dirty="0" err="1" smtClean="0"/>
+              <a:t>Rédaction</a:t>
+            </a:r>
+            <a:r>
+              <a:rPr lang="es-ES" u="none" dirty="0" smtClean="0"/>
+              <a:t>, </a:t>
+            </a:r>
+            <a:r>
+              <a:rPr lang="es-ES" u="none" dirty="0" err="1" smtClean="0"/>
+              <a:t>suivi</a:t>
+            </a:r>
+            <a:r>
+              <a:rPr lang="es-ES" u="none" dirty="0" smtClean="0"/>
+              <a:t>, </a:t>
+            </a:r>
+            <a:r>
+              <a:rPr lang="es-ES" u="none" dirty="0" err="1" smtClean="0"/>
+              <a:t>développement</a:t>
+            </a:r>
+            <a:endParaRPr lang="es-ES" u="none" dirty="0" smtClean="0"/>
+          </a:p>
+          <a:p>
+            <a:pPr>
+              <a:lnSpc>
+                <a:spcPct val="150000"/>
+              </a:lnSpc>
+            </a:pPr>
+            <a:endParaRPr lang="es-ES" u="none" dirty="0" smtClean="0"/>
+          </a:p>
+        </p:txBody>
+      </p:sp>
+      <p:sp>
+        <p:nvSpPr>
+          <p:cNvPr id="18" name="ZoneTexte 17"/>
+          <p:cNvSpPr txBox="1"/>
+          <p:nvPr/>
+        </p:nvSpPr>
+        <p:spPr>
+          <a:xfrm>
+            <a:off x="1322343" y="4705253"/>
+            <a:ext cx="3046498" cy="369332"/>
+          </a:xfrm>
+          <a:prstGeom prst="rect">
+            <a:avLst/>
+          </a:prstGeom>
+          <a:noFill/>
+        </p:spPr>
+        <p:txBody>
+          <a:bodyPr wrap="square" rtlCol="0">
+            <a:spAutoFit/>
+          </a:bodyPr>
+          <a:lstStyle/>
+          <a:p>
+            <a:pPr>
+              <a:buFont typeface="Arial" pitchFamily="34" charset="0"/>
+              <a:buChar char="•"/>
+            </a:pPr>
+            <a:r>
+              <a:rPr lang="fr-CH" b="1" u="none" dirty="0" smtClean="0"/>
+              <a:t>  Objectifs</a:t>
+            </a:r>
+            <a:endParaRPr lang="fr-CH" b="1" u="none" dirty="0"/>
+          </a:p>
+        </p:txBody>
+      </p:sp>
+      <p:sp>
+        <p:nvSpPr>
+          <p:cNvPr id="19" name="ZoneTexte 18"/>
+          <p:cNvSpPr txBox="1"/>
+          <p:nvPr/>
+        </p:nvSpPr>
+        <p:spPr>
+          <a:xfrm>
+            <a:off x="4368840" y="4609569"/>
+            <a:ext cx="4365643" cy="1338828"/>
+          </a:xfrm>
+          <a:prstGeom prst="rect">
+            <a:avLst/>
+          </a:prstGeom>
+          <a:noFill/>
+        </p:spPr>
+        <p:txBody>
+          <a:bodyPr wrap="square" rtlCol="0">
+            <a:spAutoFit/>
+          </a:bodyPr>
+          <a:lstStyle/>
+          <a:p>
+            <a:pPr>
+              <a:lnSpc>
+                <a:spcPct val="150000"/>
+              </a:lnSpc>
+            </a:pPr>
+            <a:r>
+              <a:rPr lang="es-ES" u="none" dirty="0" err="1" smtClean="0"/>
+              <a:t>Illustrer</a:t>
+            </a:r>
+            <a:r>
+              <a:rPr lang="es-ES" u="none" dirty="0" smtClean="0"/>
+              <a:t> les </a:t>
+            </a:r>
+            <a:r>
+              <a:rPr lang="es-ES" u="none" dirty="0" err="1" smtClean="0"/>
+              <a:t>graphes</a:t>
+            </a:r>
+            <a:r>
+              <a:rPr lang="es-ES" u="none" dirty="0" smtClean="0"/>
+              <a:t>; </a:t>
+            </a:r>
+            <a:r>
+              <a:rPr lang="es-ES" u="none" dirty="0" err="1" smtClean="0"/>
+              <a:t>utiliser</a:t>
+            </a:r>
+            <a:r>
+              <a:rPr lang="es-ES" u="none" dirty="0" smtClean="0"/>
+              <a:t> les </a:t>
+            </a:r>
+            <a:r>
+              <a:rPr lang="es-ES" u="none" dirty="0" err="1" smtClean="0"/>
+              <a:t>algorithmes</a:t>
+            </a:r>
+            <a:r>
+              <a:rPr lang="es-ES" u="none" dirty="0" smtClean="0"/>
+              <a:t> du </a:t>
+            </a:r>
+            <a:r>
+              <a:rPr lang="es-ES" u="none" dirty="0" err="1" smtClean="0"/>
+              <a:t>cours</a:t>
+            </a:r>
+            <a:r>
+              <a:rPr lang="es-ES" u="none" dirty="0" smtClean="0"/>
+              <a:t>; </a:t>
+            </a:r>
+            <a:r>
+              <a:rPr lang="es-ES" u="none" dirty="0" err="1" smtClean="0"/>
+              <a:t>librairies</a:t>
+            </a:r>
+            <a:r>
+              <a:rPr lang="es-ES" u="none" dirty="0" smtClean="0"/>
+              <a:t> externes; </a:t>
+            </a:r>
+            <a:r>
+              <a:rPr lang="es-ES" u="none" dirty="0" err="1" smtClean="0"/>
+              <a:t>design</a:t>
+            </a:r>
+            <a:r>
+              <a:rPr lang="es-ES" u="none" dirty="0" smtClean="0"/>
+              <a:t> </a:t>
+            </a:r>
+            <a:r>
+              <a:rPr lang="es-ES" u="none" dirty="0" err="1" smtClean="0"/>
+              <a:t>pattern</a:t>
+            </a:r>
+            <a:r>
+              <a:rPr lang="es-ES" u="none" dirty="0" smtClean="0"/>
+              <a:t> MVC </a:t>
+            </a:r>
+            <a:endParaRPr lang="es-ES" u="none" dirty="0" smtClean="0"/>
+          </a:p>
+        </p:txBody>
+      </p:sp>
+      <p:pic>
+        <p:nvPicPr>
+          <p:cNvPr id="20" name="Picture 11" descr="C:\Documents and Settings\Administrateur\Bureau\images\communautaires-aide-icone-8333-128.png"/>
+          <p:cNvPicPr>
+            <a:picLocks noChangeAspect="1" noChangeArrowheads="1"/>
+          </p:cNvPicPr>
+          <p:nvPr/>
+        </p:nvPicPr>
+        <p:blipFill>
+          <a:blip r:embed="rId2" cstate="print"/>
+          <a:srcRect/>
+          <a:stretch>
+            <a:fillRect/>
+          </a:stretch>
+        </p:blipFill>
+        <p:spPr bwMode="auto">
+          <a:xfrm>
+            <a:off x="744804" y="1603350"/>
+            <a:ext cx="468000" cy="468000"/>
+          </a:xfrm>
+          <a:prstGeom prst="rect">
+            <a:avLst/>
+          </a:prstGeom>
+          <a:ln>
+            <a:noFill/>
+          </a:ln>
+          <a:effectLst>
+            <a:outerShdw blurRad="292100" dist="139700" dir="2700000" algn="tl" rotWithShape="0">
+              <a:srgbClr val="333333">
+                <a:alpha val="65000"/>
+              </a:srgbClr>
+            </a:outerShdw>
+          </a:effectLst>
+        </p:spPr>
+      </p:pic>
+      <p:pic>
+        <p:nvPicPr>
+          <p:cNvPr id="1027" name="Picture 3" descr="C:\Documents and Settings\Administrateur\Bureau\accessoires-redacteur-en-chef-texte-icone-3655-128.png"/>
+          <p:cNvPicPr>
+            <a:picLocks noChangeAspect="1" noChangeArrowheads="1"/>
+          </p:cNvPicPr>
+          <p:nvPr/>
+        </p:nvPicPr>
+        <p:blipFill>
+          <a:blip r:embed="rId3" cstate="print"/>
+          <a:srcRect/>
+          <a:stretch>
+            <a:fillRect/>
+          </a:stretch>
+        </p:blipFill>
+        <p:spPr bwMode="auto">
+          <a:xfrm>
+            <a:off x="738135" y="3209922"/>
+            <a:ext cx="459807" cy="459807"/>
+          </a:xfrm>
+          <a:prstGeom prst="rect">
+            <a:avLst/>
+          </a:prstGeom>
+          <a:ln>
+            <a:noFill/>
+          </a:ln>
+          <a:effectLst>
+            <a:outerShdw blurRad="292100" dist="139700" dir="2700000" algn="tl" rotWithShape="0">
+              <a:srgbClr val="333333">
+                <a:alpha val="65000"/>
+              </a:srgbClr>
+            </a:outerShdw>
+          </a:effectLst>
+        </p:spPr>
+      </p:pic>
+      <p:pic>
+        <p:nvPicPr>
+          <p:cNvPr id="21" name="Picture 2" descr="C:\Documents and Settings\Administrateur\Bureau\but-icone-4271-48.png"/>
+          <p:cNvPicPr>
+            <a:picLocks noChangeAspect="1" noChangeArrowheads="1"/>
+          </p:cNvPicPr>
+          <p:nvPr/>
+        </p:nvPicPr>
+        <p:blipFill>
+          <a:blip r:embed="rId4" cstate="print"/>
+          <a:srcRect/>
+          <a:stretch>
+            <a:fillRect/>
+          </a:stretch>
+        </p:blipFill>
+        <p:spPr bwMode="auto">
+          <a:xfrm>
+            <a:off x="708291" y="4633929"/>
+            <a:ext cx="541026" cy="541026"/>
+          </a:xfrm>
+          <a:prstGeom prst="rect">
+            <a:avLst/>
+          </a:prstGeom>
+          <a:ln>
+            <a:noFill/>
+          </a:ln>
+          <a:effectLst>
+            <a:outerShdw blurRad="292100" dist="139700" dir="2700000" algn="tl" rotWithShape="0">
+              <a:srgbClr val="333333">
+                <a:alpha val="65000"/>
+              </a:srgbClr>
+            </a:outerShdw>
+          </a:effectLst>
+        </p:spPr>
+      </p:pic>
     </p:spTree>
   </p:cSld>
   <p:clrMapOvr>
@@ -8639,7 +9089,7 @@
                 </a:solidFill>
               </a:rPr>
               <a:pPr/>
-              <a:t>14.01.2010</a:t>
+              <a:t>17.01.2010</a:t>
             </a:fld>
             <a:endParaRPr lang="fr-FR">
               <a:solidFill>
@@ -8691,6 +9141,302 @@
                 </a:schemeClr>
               </a:solidFill>
             </a:endParaRPr>
+          </a:p>
+        </p:txBody>
+      </p:sp>
+      <p:pic>
+        <p:nvPicPr>
+          <p:cNvPr id="3074" name="Picture 2" descr="C:\Documents and Settings\Administrateur\Bureau\de-dialogue-question-icone-7210-128.png"/>
+          <p:cNvPicPr>
+            <a:picLocks noChangeAspect="1" noChangeArrowheads="1"/>
+          </p:cNvPicPr>
+          <p:nvPr/>
+        </p:nvPicPr>
+        <p:blipFill>
+          <a:blip r:embed="rId2" cstate="print"/>
+          <a:srcRect/>
+          <a:stretch>
+            <a:fillRect/>
+          </a:stretch>
+        </p:blipFill>
+        <p:spPr bwMode="auto">
+          <a:xfrm>
+            <a:off x="1214391" y="3359919"/>
+            <a:ext cx="1425594" cy="1425594"/>
+          </a:xfrm>
+          <a:prstGeom prst="rect">
+            <a:avLst/>
+          </a:prstGeom>
+          <a:noFill/>
+        </p:spPr>
+      </p:pic>
+      <p:sp>
+        <p:nvSpPr>
+          <p:cNvPr id="10" name="Pensées 9"/>
+          <p:cNvSpPr/>
+          <p:nvPr/>
+        </p:nvSpPr>
+        <p:spPr bwMode="auto">
+          <a:xfrm>
+            <a:off x="2318951" y="2666173"/>
+            <a:ext cx="1058054" cy="820748"/>
+          </a:xfrm>
+          <a:prstGeom prst="cloudCallout">
+            <a:avLst>
+              <a:gd name="adj1" fmla="val -44932"/>
+              <a:gd name="adj2" fmla="val 109635"/>
+            </a:avLst>
+          </a:prstGeom>
+          <a:solidFill>
+            <a:schemeClr val="bg1">
+              <a:lumMod val="85000"/>
+            </a:schemeClr>
+          </a:solidFill>
+          <a:ln w="9525" cap="flat" cmpd="sng" algn="ctr">
+            <a:solidFill>
+              <a:schemeClr val="tx1"/>
+            </a:solidFill>
+            <a:prstDash val="solid"/>
+            <a:round/>
+            <a:headEnd type="none" w="med" len="med"/>
+            <a:tailEnd type="none" w="med" len="med"/>
+          </a:ln>
+          <a:effectLst/>
+        </p:spPr>
+        <p:txBody>
+          <a:bodyPr vert="horz" wrap="square" lIns="91440" tIns="45720" rIns="91440" bIns="45720" numCol="1" rtlCol="0" anchor="t" anchorCtr="0" compatLnSpc="1">
+            <a:prstTxWarp prst="textNoShape">
+              <a:avLst/>
+            </a:prstTxWarp>
+          </a:bodyPr>
+          <a:lstStyle/>
+          <a:p>
+            <a:pPr marL="0" marR="0" indent="0" algn="l" defTabSz="914400" rtl="0" eaLnBrk="1" fontAlgn="base" latinLnBrk="0" hangingPunct="1">
+              <a:lnSpc>
+                <a:spcPct val="100000"/>
+              </a:lnSpc>
+              <a:spcBef>
+                <a:spcPct val="0"/>
+              </a:spcBef>
+              <a:spcAft>
+                <a:spcPct val="0"/>
+              </a:spcAft>
+              <a:buClrTx/>
+              <a:buSzTx/>
+              <a:buFontTx/>
+              <a:buNone/>
+              <a:tabLst/>
+            </a:pPr>
+            <a:endParaRPr kumimoji="0" lang="fr-CH" sz="1400" b="0" i="0" u="none" strike="noStrike" cap="none" normalizeH="0" baseline="0" dirty="0" smtClean="0">
+              <a:ln>
+                <a:noFill/>
+              </a:ln>
+              <a:solidFill>
+                <a:schemeClr val="tx1"/>
+              </a:solidFill>
+              <a:effectLst/>
+              <a:latin typeface="Arial" charset="0"/>
+            </a:endParaRPr>
+          </a:p>
+        </p:txBody>
+      </p:sp>
+      <p:sp>
+        <p:nvSpPr>
+          <p:cNvPr id="11" name="ZoneTexte 10"/>
+          <p:cNvSpPr txBox="1"/>
+          <p:nvPr/>
+        </p:nvSpPr>
+        <p:spPr>
+          <a:xfrm>
+            <a:off x="2382807" y="2948312"/>
+            <a:ext cx="1168416" cy="261610"/>
+          </a:xfrm>
+          <a:prstGeom prst="rect">
+            <a:avLst/>
+          </a:prstGeom>
+          <a:noFill/>
+        </p:spPr>
+        <p:txBody>
+          <a:bodyPr wrap="square" rtlCol="0">
+            <a:spAutoFit/>
+          </a:bodyPr>
+          <a:lstStyle/>
+          <a:p>
+            <a:r>
+              <a:rPr lang="fr-CH" sz="1100" u="none" dirty="0" err="1" smtClean="0"/>
+              <a:t>Tower</a:t>
+            </a:r>
+            <a:r>
+              <a:rPr lang="fr-CH" sz="1100" u="none" dirty="0" smtClean="0"/>
+              <a:t> </a:t>
+            </a:r>
+            <a:r>
+              <a:rPr lang="fr-CH" sz="1100" u="none" dirty="0" smtClean="0"/>
+              <a:t>q</a:t>
+            </a:r>
+            <a:r>
+              <a:rPr lang="fr-CH" sz="1100" u="none" dirty="0" smtClean="0"/>
+              <a:t>uoi?</a:t>
+            </a:r>
+            <a:endParaRPr lang="fr-CH" sz="1100" u="none" dirty="0"/>
+          </a:p>
+        </p:txBody>
+      </p:sp>
+      <p:sp>
+        <p:nvSpPr>
+          <p:cNvPr id="12" name="ZoneTexte 11"/>
+          <p:cNvSpPr txBox="1"/>
+          <p:nvPr/>
+        </p:nvSpPr>
+        <p:spPr>
+          <a:xfrm>
+            <a:off x="4660108" y="1492785"/>
+            <a:ext cx="3786183" cy="4247317"/>
+          </a:xfrm>
+          <a:prstGeom prst="rect">
+            <a:avLst/>
+          </a:prstGeom>
+          <a:noFill/>
+        </p:spPr>
+        <p:txBody>
+          <a:bodyPr wrap="square" rtlCol="0">
+            <a:spAutoFit/>
+          </a:bodyPr>
+          <a:lstStyle/>
+          <a:p>
+            <a:pPr>
+              <a:lnSpc>
+                <a:spcPct val="250000"/>
+              </a:lnSpc>
+              <a:buFont typeface="Arial" pitchFamily="34" charset="0"/>
+              <a:buChar char="•"/>
+            </a:pPr>
+            <a:r>
+              <a:rPr lang="fr-CH" u="none" dirty="0" smtClean="0"/>
+              <a:t> </a:t>
+            </a:r>
+            <a:r>
+              <a:rPr lang="fr-CH" u="none" dirty="0" smtClean="0"/>
+              <a:t> Bref historique</a:t>
+            </a:r>
+          </a:p>
+          <a:p>
+            <a:pPr>
+              <a:lnSpc>
+                <a:spcPct val="250000"/>
+              </a:lnSpc>
+              <a:buFont typeface="Arial" pitchFamily="34" charset="0"/>
+              <a:buChar char="•"/>
+            </a:pPr>
+            <a:r>
+              <a:rPr lang="fr-CH" u="none" dirty="0" smtClean="0"/>
+              <a:t>  But du jeu</a:t>
+            </a:r>
+          </a:p>
+          <a:p>
+            <a:pPr>
+              <a:lnSpc>
+                <a:spcPct val="250000"/>
+              </a:lnSpc>
+              <a:buFont typeface="Arial" pitchFamily="34" charset="0"/>
+              <a:buChar char="•"/>
+            </a:pPr>
+            <a:r>
+              <a:rPr lang="fr-CH" u="none" dirty="0" smtClean="0"/>
+              <a:t> </a:t>
+            </a:r>
+            <a:r>
+              <a:rPr lang="fr-CH" u="none" dirty="0" smtClean="0"/>
+              <a:t> Les tours (ou </a:t>
+            </a:r>
+            <a:r>
+              <a:rPr lang="fr-CH" i="1" u="none" dirty="0" smtClean="0"/>
+              <a:t>« </a:t>
+            </a:r>
+            <a:r>
+              <a:rPr lang="fr-CH" i="1" u="none" dirty="0" err="1" smtClean="0"/>
+              <a:t>towers</a:t>
+            </a:r>
+            <a:r>
+              <a:rPr lang="fr-CH" i="1" u="none" dirty="0" smtClean="0"/>
+              <a:t> »</a:t>
+            </a:r>
+            <a:r>
+              <a:rPr lang="fr-CH" u="none" dirty="0" smtClean="0"/>
+              <a:t>)</a:t>
+            </a:r>
+          </a:p>
+          <a:p>
+            <a:pPr>
+              <a:lnSpc>
+                <a:spcPct val="250000"/>
+              </a:lnSpc>
+              <a:buFont typeface="Arial" pitchFamily="34" charset="0"/>
+              <a:buChar char="•"/>
+            </a:pPr>
+            <a:r>
+              <a:rPr lang="fr-CH" u="none" dirty="0" smtClean="0"/>
+              <a:t> </a:t>
+            </a:r>
+            <a:r>
+              <a:rPr lang="fr-CH" u="none" dirty="0" smtClean="0"/>
+              <a:t> Les créatures (</a:t>
+            </a:r>
+            <a:r>
+              <a:rPr lang="fr-CH" i="1" u="none" dirty="0" smtClean="0"/>
+              <a:t>ou « mobs »</a:t>
+            </a:r>
+            <a:r>
+              <a:rPr lang="fr-CH" u="none" dirty="0" smtClean="0"/>
+              <a:t>)</a:t>
+            </a:r>
+          </a:p>
+          <a:p>
+            <a:pPr>
+              <a:lnSpc>
+                <a:spcPct val="250000"/>
+              </a:lnSpc>
+              <a:buFont typeface="Arial" pitchFamily="34" charset="0"/>
+              <a:buChar char="•"/>
+            </a:pPr>
+            <a:r>
+              <a:rPr lang="fr-CH" u="none" dirty="0" smtClean="0"/>
+              <a:t> </a:t>
+            </a:r>
+            <a:r>
+              <a:rPr lang="fr-CH" u="none" dirty="0" smtClean="0"/>
+              <a:t> Les techniques</a:t>
+            </a:r>
+          </a:p>
+          <a:p>
+            <a:pPr>
+              <a:lnSpc>
+                <a:spcPct val="250000"/>
+              </a:lnSpc>
+              <a:buFont typeface="Arial" pitchFamily="34" charset="0"/>
+              <a:buChar char="•"/>
+            </a:pPr>
+            <a:r>
+              <a:rPr lang="fr-CH" u="none" dirty="0" smtClean="0"/>
+              <a:t> </a:t>
+            </a:r>
+            <a:r>
+              <a:rPr lang="fr-CH" u="none" dirty="0" smtClean="0"/>
+              <a:t> Autres </a:t>
+            </a:r>
+            <a:r>
+              <a:rPr lang="fr-CH" i="1" u="none" dirty="0" err="1" smtClean="0"/>
+              <a:t>Tower</a:t>
+            </a:r>
+            <a:r>
+              <a:rPr lang="fr-CH" i="1" u="none" dirty="0" smtClean="0"/>
+              <a:t> </a:t>
+            </a:r>
+            <a:r>
+              <a:rPr lang="fr-CH" i="1" u="none" dirty="0" err="1" smtClean="0"/>
+              <a:t>Defenses</a:t>
+            </a:r>
+            <a:endParaRPr lang="fr-CH" i="1" u="none" dirty="0"/>
           </a:p>
         </p:txBody>
       </p:sp>
@@ -8816,21 +9562,7 @@
                 </a:effectLst>
                 <a:latin typeface="Trebuchet MS" pitchFamily="34" charset="0"/>
               </a:rPr>
-              <a:t>CONCEPTS </a:t>
-            </a:r>
-            <a:r>
-              <a:rPr lang="fr-FR" sz="2000" b="1" u="none" dirty="0" smtClean="0">
-                <a:solidFill>
-                  <a:schemeClr val="bg1"/>
-                </a:solidFill>
-                <a:effectLst>
-                  <a:outerShdw blurRad="38100" dist="38100" dir="2700000" algn="tl">
-                    <a:srgbClr val="C0C0C0"/>
-                  </a:outerShdw>
-                </a:effectLst>
-                <a:latin typeface="Trebuchet MS" pitchFamily="34" charset="0"/>
-              </a:rPr>
-              <a:t>ALGORITHMIQUES [PIERRE-DO]</a:t>
+              <a:t>CONCEPTS ALGORITHMIQUES [PIERRE-DO]</a:t>
             </a:r>
             <a:endParaRPr lang="fr-FR" sz="2000" b="1" u="none" dirty="0">
               <a:solidFill>
@@ -9020,7 +9752,7 @@
                 </a:solidFill>
               </a:rPr>
               <a:pPr/>
-              <a:t>14.01.2010</a:t>
+              <a:t>17.01.2010</a:t>
             </a:fld>
             <a:endParaRPr lang="fr-FR">
               <a:solidFill>
@@ -9401,7 +10133,7 @@
                 </a:solidFill>
               </a:rPr>
               <a:pPr/>
-              <a:t>14.01.2010</a:t>
+              <a:t>17.01.2010</a:t>
             </a:fld>
             <a:endParaRPr lang="fr-FR">
               <a:solidFill>
@@ -9500,21 +10232,7 @@
                 </a:effectLst>
                 <a:latin typeface="Trebuchet MS" pitchFamily="34" charset="0"/>
               </a:rPr>
-              <a:t>GRAPHE ET ALGORITHME </a:t>
-            </a:r>
-            <a:r>
-              <a:rPr lang="fr-FR" sz="2000" b="1" u="none" dirty="0" smtClean="0">
-                <a:solidFill>
-                  <a:schemeClr val="bg1"/>
-                </a:solidFill>
-                <a:effectLst>
-                  <a:outerShdw blurRad="38100" dist="38100" dir="2700000" algn="tl">
-                    <a:srgbClr val="C0C0C0"/>
-                  </a:outerShdw>
-                </a:effectLst>
-                <a:latin typeface="Trebuchet MS" pitchFamily="34" charset="0"/>
-              </a:rPr>
-              <a:t>ACPC (DIJKSTRA) [PIERRE-DO]</a:t>
+              <a:t>GRAPHE ET ALGORITHME ACPC (DIJKSTRA) [PIERRE-DO]</a:t>
             </a:r>
             <a:endParaRPr lang="fr-FR" sz="2000" b="1" u="none" dirty="0">
               <a:solidFill>
@@ -9782,7 +10500,7 @@
                 </a:solidFill>
               </a:rPr>
               <a:pPr/>
-              <a:t>14.01.2010</a:t>
+              <a:t>17.01.2010</a:t>
             </a:fld>
             <a:endParaRPr lang="fr-FR">
               <a:solidFill>
@@ -9881,21 +10599,7 @@
                 </a:effectLst>
                 <a:latin typeface="Trebuchet MS" pitchFamily="34" charset="0"/>
               </a:rPr>
-              <a:t>MAILLAGE </a:t>
-            </a:r>
-            <a:r>
-              <a:rPr lang="fr-FR" sz="2000" b="1" u="none" dirty="0" smtClean="0">
-                <a:solidFill>
-                  <a:schemeClr val="bg1"/>
-                </a:solidFill>
-                <a:effectLst>
-                  <a:outerShdw blurRad="38100" dist="38100" dir="2700000" algn="tl">
-                    <a:srgbClr val="C0C0C0"/>
-                  </a:outerShdw>
-                </a:effectLst>
-                <a:latin typeface="Trebuchet MS" pitchFamily="34" charset="0"/>
-              </a:rPr>
-              <a:t>DYNAMIQUE [PIERRE-DO]</a:t>
+              <a:t>MAILLAGE DYNAMIQUE [PIERRE-DO]</a:t>
             </a:r>
             <a:endParaRPr lang="fr-FR" sz="2000" b="1" u="none" dirty="0">
               <a:solidFill>
@@ -10163,7 +10867,7 @@
                 </a:solidFill>
               </a:rPr>
               <a:pPr/>
-              <a:t>14.01.2010</a:t>
+              <a:t>17.01.2010</a:t>
             </a:fld>
             <a:endParaRPr lang="fr-FR">
               <a:solidFill>
@@ -10262,21 +10966,7 @@
                 </a:effectLst>
                 <a:latin typeface="Trebuchet MS" pitchFamily="34" charset="0"/>
               </a:rPr>
-              <a:t>MODELE </a:t>
-            </a:r>
-            <a:r>
-              <a:rPr lang="fr-FR" sz="2000" b="1" u="none" dirty="0" smtClean="0">
-                <a:solidFill>
-                  <a:schemeClr val="bg1"/>
-                </a:solidFill>
-                <a:effectLst>
-                  <a:outerShdw blurRad="38100" dist="38100" dir="2700000" algn="tl">
-                    <a:srgbClr val="C0C0C0"/>
-                  </a:outerShdw>
-                </a:effectLst>
-                <a:latin typeface="Trebuchet MS" pitchFamily="34" charset="0"/>
-              </a:rPr>
-              <a:t>MVC [AURELIEN]</a:t>
+              <a:t>MODELE MVC [AURELIEN]</a:t>
             </a:r>
             <a:endParaRPr lang="fr-FR" sz="2000" b="1" u="none" dirty="0">
               <a:solidFill>
@@ -10553,21 +11243,7 @@
                 </a:effectLst>
                 <a:latin typeface="Trebuchet MS" pitchFamily="34" charset="0"/>
               </a:rPr>
-              <a:t>STRUCTURE DU </a:t>
-            </a:r>
-            <a:r>
-              <a:rPr lang="fr-CH" sz="2000" b="1" u="none" dirty="0" smtClean="0">
-                <a:solidFill>
-                  <a:schemeClr val="bg1"/>
-                </a:solidFill>
-                <a:effectLst>
-                  <a:outerShdw blurRad="38100" dist="38100" dir="2700000" algn="tl">
-                    <a:srgbClr val="C0C0C0"/>
-                  </a:outerShdw>
-                </a:effectLst>
-                <a:latin typeface="Trebuchet MS" pitchFamily="34" charset="0"/>
-              </a:rPr>
-              <a:t>CODE [AURELIEN]</a:t>
+              <a:t>STRUCTURE DU CODE [AURELIEN]</a:t>
             </a:r>
             <a:endParaRPr lang="fr-FR" sz="2000" b="1" u="none" dirty="0">
               <a:solidFill>
@@ -10667,7 +11343,7 @@
                 </a:solidFill>
               </a:rPr>
               <a:pPr/>
-              <a:t>14.01.2010</a:t>
+              <a:t>17.01.2010</a:t>
             </a:fld>
             <a:endParaRPr lang="fr-FR">
               <a:solidFill>

--- a/documents/presentation.pptx
+++ b/documents/presentation.pptx
@@ -5,7 +5,7 @@
     <p:sldMasterId id="2147483648" r:id="rId1"/>
   </p:sldMasterIdLst>
   <p:notesMasterIdLst>
-    <p:notesMasterId r:id="rId14"/>
+    <p:notesMasterId r:id="rId15"/>
   </p:notesMasterIdLst>
   <p:sldIdLst>
     <p:sldId id="256" r:id="rId2"/>
@@ -15,11 +15,12 @@
     <p:sldId id="266" r:id="rId6"/>
     <p:sldId id="267" r:id="rId7"/>
     <p:sldId id="269" r:id="rId8"/>
-    <p:sldId id="270" r:id="rId9"/>
-    <p:sldId id="272" r:id="rId10"/>
-    <p:sldId id="268" r:id="rId11"/>
-    <p:sldId id="274" r:id="rId12"/>
-    <p:sldId id="264" r:id="rId13"/>
+    <p:sldId id="275" r:id="rId9"/>
+    <p:sldId id="270" r:id="rId10"/>
+    <p:sldId id="272" r:id="rId11"/>
+    <p:sldId id="268" r:id="rId12"/>
+    <p:sldId id="274" r:id="rId13"/>
+    <p:sldId id="264" r:id="rId14"/>
   </p:sldIdLst>
   <p:sldSz cx="9144000" cy="6858000" type="screen4x3"/>
   <p:notesSz cx="6797675" cy="9874250"/>
@@ -151,6 +152,3100 @@
 </p:presentation>
 </file>
 
+<file path=ppt/diagrams/colors1.xml><?xml version="1.0" encoding="utf-8"?>
+<dgm:colorsDef xmlns:dgm="http://schemas.openxmlformats.org/drawingml/2006/diagram" xmlns:a="http://schemas.openxmlformats.org/drawingml/2006/main" uniqueId="urn:microsoft.com/office/officeart/2005/8/colors/accent1_2">
+  <dgm:title val=""/>
+  <dgm:desc val=""/>
+  <dgm:catLst>
+    <dgm:cat type="accent1" pri="11200"/>
+  </dgm:catLst>
+  <dgm:styleLbl name="node0">
+    <dgm:fillClrLst meth="repeat">
+      <a:schemeClr val="accent1"/>
+    </dgm:fillClrLst>
+    <dgm:linClrLst meth="repeat">
+      <a:schemeClr val="lt1"/>
+    </dgm:linClrLst>
+    <dgm:effectClrLst/>
+    <dgm:txLinClrLst/>
+    <dgm:txFillClrLst/>
+    <dgm:txEffectClrLst/>
+  </dgm:styleLbl>
+  <dgm:styleLbl name="alignNode1">
+    <dgm:fillClrLst meth="repeat">
+      <a:schemeClr val="accent1"/>
+    </dgm:fillClrLst>
+    <dgm:linClrLst meth="repeat">
+      <a:schemeClr val="accent1"/>
+    </dgm:linClrLst>
+    <dgm:effectClrLst/>
+    <dgm:txLinClrLst/>
+    <dgm:txFillClrLst/>
+    <dgm:txEffectClrLst/>
+  </dgm:styleLbl>
+  <dgm:styleLbl name="node1">
+    <dgm:fillClrLst meth="repeat">
+      <a:schemeClr val="accent1"/>
+    </dgm:fillClrLst>
+    <dgm:linClrLst meth="repeat">
+      <a:schemeClr val="lt1"/>
+    </dgm:linClrLst>
+    <dgm:effectClrLst/>
+    <dgm:txLinClrLst/>
+    <dgm:txFillClrLst/>
+    <dgm:txEffectClrLst/>
+  </dgm:styleLbl>
+  <dgm:styleLbl name="lnNode1">
+    <dgm:fillClrLst meth="repeat">
+      <a:schemeClr val="accent1"/>
+    </dgm:fillClrLst>
+    <dgm:linClrLst meth="repeat">
+      <a:schemeClr val="lt1"/>
+    </dgm:linClrLst>
+    <dgm:effectClrLst/>
+    <dgm:txLinClrLst/>
+    <dgm:txFillClrLst/>
+    <dgm:txEffectClrLst/>
+  </dgm:styleLbl>
+  <dgm:styleLbl name="vennNode1">
+    <dgm:fillClrLst meth="repeat">
+      <a:schemeClr val="accent1">
+        <a:alpha val="50000"/>
+      </a:schemeClr>
+    </dgm:fillClrLst>
+    <dgm:linClrLst meth="repeat">
+      <a:schemeClr val="lt1"/>
+    </dgm:linClrLst>
+    <dgm:effectClrLst/>
+    <dgm:txLinClrLst/>
+    <dgm:txFillClrLst/>
+    <dgm:txEffectClrLst/>
+  </dgm:styleLbl>
+  <dgm:styleLbl name="node2">
+    <dgm:fillClrLst meth="repeat">
+      <a:schemeClr val="accent1"/>
+    </dgm:fillClrLst>
+    <dgm:linClrLst meth="repeat">
+      <a:schemeClr val="lt1"/>
+    </dgm:linClrLst>
+    <dgm:effectClrLst/>
+    <dgm:txLinClrLst/>
+    <dgm:txFillClrLst/>
+    <dgm:txEffectClrLst/>
+  </dgm:styleLbl>
+  <dgm:styleLbl name="node3">
+    <dgm:fillClrLst meth="repeat">
+      <a:schemeClr val="accent1"/>
+    </dgm:fillClrLst>
+    <dgm:linClrLst meth="repeat">
+      <a:schemeClr val="lt1"/>
+    </dgm:linClrLst>
+    <dgm:effectClrLst/>
+    <dgm:txLinClrLst/>
+    <dgm:txFillClrLst/>
+    <dgm:txEffectClrLst/>
+  </dgm:styleLbl>
+  <dgm:styleLbl name="node4">
+    <dgm:fillClrLst meth="repeat">
+      <a:schemeClr val="accent1"/>
+    </dgm:fillClrLst>
+    <dgm:linClrLst meth="repeat">
+      <a:schemeClr val="lt1"/>
+    </dgm:linClrLst>
+    <dgm:effectClrLst/>
+    <dgm:txLinClrLst/>
+    <dgm:txFillClrLst/>
+    <dgm:txEffectClrLst/>
+  </dgm:styleLbl>
+  <dgm:styleLbl name="fgImgPlace1">
+    <dgm:fillClrLst meth="repeat">
+      <a:schemeClr val="accent1">
+        <a:tint val="50000"/>
+      </a:schemeClr>
+    </dgm:fillClrLst>
+    <dgm:linClrLst meth="repeat">
+      <a:schemeClr val="lt1"/>
+    </dgm:linClrLst>
+    <dgm:effectClrLst/>
+    <dgm:txLinClrLst/>
+    <dgm:txFillClrLst meth="repeat">
+      <a:schemeClr val="lt1"/>
+    </dgm:txFillClrLst>
+    <dgm:txEffectClrLst/>
+  </dgm:styleLbl>
+  <dgm:styleLbl name="alignImgPlace1">
+    <dgm:fillClrLst meth="repeat">
+      <a:schemeClr val="accent1">
+        <a:tint val="50000"/>
+      </a:schemeClr>
+    </dgm:fillClrLst>
+    <dgm:linClrLst meth="repeat">
+      <a:schemeClr val="lt1"/>
+    </dgm:linClrLst>
+    <dgm:effectClrLst/>
+    <dgm:txLinClrLst/>
+    <dgm:txFillClrLst meth="repeat">
+      <a:schemeClr val="lt1"/>
+    </dgm:txFillClrLst>
+    <dgm:txEffectClrLst/>
+  </dgm:styleLbl>
+  <dgm:styleLbl name="bgImgPlace1">
+    <dgm:fillClrLst meth="repeat">
+      <a:schemeClr val="accent1">
+        <a:tint val="50000"/>
+      </a:schemeClr>
+    </dgm:fillClrLst>
+    <dgm:linClrLst meth="repeat">
+      <a:schemeClr val="lt1"/>
+    </dgm:linClrLst>
+    <dgm:effectClrLst/>
+    <dgm:txLinClrLst/>
+    <dgm:txFillClrLst meth="repeat">
+      <a:schemeClr val="lt1"/>
+    </dgm:txFillClrLst>
+    <dgm:txEffectClrLst/>
+  </dgm:styleLbl>
+  <dgm:styleLbl name="sibTrans2D1">
+    <dgm:fillClrLst meth="repeat">
+      <a:schemeClr val="accent1">
+        <a:tint val="60000"/>
+      </a:schemeClr>
+    </dgm:fillClrLst>
+    <dgm:linClrLst meth="repeat">
+      <a:schemeClr val="accent1">
+        <a:tint val="60000"/>
+      </a:schemeClr>
+    </dgm:linClrLst>
+    <dgm:effectClrLst/>
+    <dgm:txLinClrLst/>
+    <dgm:txFillClrLst/>
+    <dgm:txEffectClrLst/>
+  </dgm:styleLbl>
+  <dgm:styleLbl name="fgSibTrans2D1">
+    <dgm:fillClrLst meth="repeat">
+      <a:schemeClr val="accent1">
+        <a:tint val="60000"/>
+      </a:schemeClr>
+    </dgm:fillClrLst>
+    <dgm:linClrLst meth="repeat">
+      <a:schemeClr val="accent1">
+        <a:tint val="60000"/>
+      </a:schemeClr>
+    </dgm:linClrLst>
+    <dgm:effectClrLst/>
+    <dgm:txLinClrLst/>
+    <dgm:txFillClrLst/>
+    <dgm:txEffectClrLst/>
+  </dgm:styleLbl>
+  <dgm:styleLbl name="bgSibTrans2D1">
+    <dgm:fillClrLst meth="repeat">
+      <a:schemeClr val="accent1">
+        <a:tint val="60000"/>
+      </a:schemeClr>
+    </dgm:fillClrLst>
+    <dgm:linClrLst meth="repeat">
+      <a:schemeClr val="accent1">
+        <a:tint val="60000"/>
+      </a:schemeClr>
+    </dgm:linClrLst>
+    <dgm:effectClrLst/>
+    <dgm:txLinClrLst/>
+    <dgm:txFillClrLst/>
+    <dgm:txEffectClrLst/>
+  </dgm:styleLbl>
+  <dgm:styleLbl name="sibTrans1D1">
+    <dgm:fillClrLst meth="repeat">
+      <a:schemeClr val="accent1"/>
+    </dgm:fillClrLst>
+    <dgm:linClrLst meth="repeat">
+      <a:schemeClr val="accent1"/>
+    </dgm:linClrLst>
+    <dgm:effectClrLst/>
+    <dgm:txLinClrLst/>
+    <dgm:txFillClrLst meth="repeat">
+      <a:schemeClr val="tx1"/>
+    </dgm:txFillClrLst>
+    <dgm:txEffectClrLst/>
+  </dgm:styleLbl>
+  <dgm:styleLbl name="callout">
+    <dgm:fillClrLst meth="repeat">
+      <a:schemeClr val="accent1"/>
+    </dgm:fillClrLst>
+    <dgm:linClrLst meth="repeat">
+      <a:schemeClr val="accent1">
+        <a:tint val="50000"/>
+      </a:schemeClr>
+    </dgm:linClrLst>
+    <dgm:effectClrLst/>
+    <dgm:txLinClrLst/>
+    <dgm:txFillClrLst meth="repeat">
+      <a:schemeClr val="tx1"/>
+    </dgm:txFillClrLst>
+    <dgm:txEffectClrLst/>
+  </dgm:styleLbl>
+  <dgm:styleLbl name="asst0">
+    <dgm:fillClrLst meth="repeat">
+      <a:schemeClr val="accent1"/>
+    </dgm:fillClrLst>
+    <dgm:linClrLst meth="repeat">
+      <a:schemeClr val="lt1"/>
+    </dgm:linClrLst>
+    <dgm:effectClrLst/>
+    <dgm:txLinClrLst/>
+    <dgm:txFillClrLst/>
+    <dgm:txEffectClrLst/>
+  </dgm:styleLbl>
+  <dgm:styleLbl name="asst1">
+    <dgm:fillClrLst meth="repeat">
+      <a:schemeClr val="accent1"/>
+    </dgm:fillClrLst>
+    <dgm:linClrLst meth="repeat">
+      <a:schemeClr val="lt1"/>
+    </dgm:linClrLst>
+    <dgm:effectClrLst/>
+    <dgm:txLinClrLst/>
+    <dgm:txFillClrLst/>
+    <dgm:txEffectClrLst/>
+  </dgm:styleLbl>
+  <dgm:styleLbl name="asst2">
+    <dgm:fillClrLst meth="repeat">
+      <a:schemeClr val="accent1"/>
+    </dgm:fillClrLst>
+    <dgm:linClrLst meth="repeat">
+      <a:schemeClr val="lt1"/>
+    </dgm:linClrLst>
+    <dgm:effectClrLst/>
+    <dgm:txLinClrLst/>
+    <dgm:txFillClrLst/>
+    <dgm:txEffectClrLst/>
+  </dgm:styleLbl>
+  <dgm:styleLbl name="asst3">
+    <dgm:fillClrLst meth="repeat">
+      <a:schemeClr val="accent1"/>
+    </dgm:fillClrLst>
+    <dgm:linClrLst meth="repeat">
+      <a:schemeClr val="lt1"/>
+    </dgm:linClrLst>
+    <dgm:effectClrLst/>
+    <dgm:txLinClrLst/>
+    <dgm:txFillClrLst/>
+    <dgm:txEffectClrLst/>
+  </dgm:styleLbl>
+  <dgm:styleLbl name="asst4">
+    <dgm:fillClrLst meth="repeat">
+      <a:schemeClr val="accent1"/>
+    </dgm:fillClrLst>
+    <dgm:linClrLst meth="repeat">
+      <a:schemeClr val="lt1"/>
+    </dgm:linClrLst>
+    <dgm:effectClrLst/>
+    <dgm:txLinClrLst/>
+    <dgm:txFillClrLst/>
+    <dgm:txEffectClrLst/>
+  </dgm:styleLbl>
+  <dgm:styleLbl name="parChTrans2D1">
+    <dgm:fillClrLst meth="repeat">
+      <a:schemeClr val="accent1">
+        <a:tint val="60000"/>
+      </a:schemeClr>
+    </dgm:fillClrLst>
+    <dgm:linClrLst meth="repeat">
+      <a:schemeClr val="accent1">
+        <a:tint val="60000"/>
+      </a:schemeClr>
+    </dgm:linClrLst>
+    <dgm:effectClrLst/>
+    <dgm:txLinClrLst/>
+    <dgm:txFillClrLst meth="repeat">
+      <a:schemeClr val="lt1"/>
+    </dgm:txFillClrLst>
+    <dgm:txEffectClrLst/>
+  </dgm:styleLbl>
+  <dgm:styleLbl name="parChTrans2D2">
+    <dgm:fillClrLst meth="repeat">
+      <a:schemeClr val="accent1"/>
+    </dgm:fillClrLst>
+    <dgm:linClrLst meth="repeat">
+      <a:schemeClr val="accent1"/>
+    </dgm:linClrLst>
+    <dgm:effectClrLst/>
+    <dgm:txLinClrLst/>
+    <dgm:txFillClrLst meth="repeat">
+      <a:schemeClr val="lt1"/>
+    </dgm:txFillClrLst>
+    <dgm:txEffectClrLst/>
+  </dgm:styleLbl>
+  <dgm:styleLbl name="parChTrans2D3">
+    <dgm:fillClrLst meth="repeat">
+      <a:schemeClr val="accent1"/>
+    </dgm:fillClrLst>
+    <dgm:linClrLst meth="repeat">
+      <a:schemeClr val="accent1"/>
+    </dgm:linClrLst>
+    <dgm:effectClrLst/>
+    <dgm:txLinClrLst/>
+    <dgm:txFillClrLst meth="repeat">
+      <a:schemeClr val="lt1"/>
+    </dgm:txFillClrLst>
+    <dgm:txEffectClrLst/>
+  </dgm:styleLbl>
+  <dgm:styleLbl name="parChTrans2D4">
+    <dgm:fillClrLst meth="repeat">
+      <a:schemeClr val="accent1"/>
+    </dgm:fillClrLst>
+    <dgm:linClrLst meth="repeat">
+      <a:schemeClr val="accent1"/>
+    </dgm:linClrLst>
+    <dgm:effectClrLst/>
+    <dgm:txLinClrLst/>
+    <dgm:txFillClrLst meth="repeat">
+      <a:schemeClr val="lt1"/>
+    </dgm:txFillClrLst>
+    <dgm:txEffectClrLst/>
+  </dgm:styleLbl>
+  <dgm:styleLbl name="parChTrans1D1">
+    <dgm:fillClrLst meth="repeat">
+      <a:schemeClr val="accent1"/>
+    </dgm:fillClrLst>
+    <dgm:linClrLst meth="repeat">
+      <a:schemeClr val="accent1">
+        <a:shade val="60000"/>
+      </a:schemeClr>
+    </dgm:linClrLst>
+    <dgm:effectClrLst/>
+    <dgm:txLinClrLst/>
+    <dgm:txFillClrLst meth="repeat">
+      <a:schemeClr val="tx1"/>
+    </dgm:txFillClrLst>
+    <dgm:txEffectClrLst/>
+  </dgm:styleLbl>
+  <dgm:styleLbl name="parChTrans1D2">
+    <dgm:fillClrLst meth="repeat">
+      <a:schemeClr val="accent1"/>
+    </dgm:fillClrLst>
+    <dgm:linClrLst meth="repeat">
+      <a:schemeClr val="accent1">
+        <a:shade val="60000"/>
+      </a:schemeClr>
+    </dgm:linClrLst>
+    <dgm:effectClrLst/>
+    <dgm:txLinClrLst/>
+    <dgm:txFillClrLst meth="repeat">
+      <a:schemeClr val="tx1"/>
+    </dgm:txFillClrLst>
+    <dgm:txEffectClrLst/>
+  </dgm:styleLbl>
+  <dgm:styleLbl name="parChTrans1D3">
+    <dgm:fillClrLst meth="repeat">
+      <a:schemeClr val="accent1"/>
+    </dgm:fillClrLst>
+    <dgm:linClrLst meth="repeat">
+      <a:schemeClr val="accent1">
+        <a:shade val="80000"/>
+      </a:schemeClr>
+    </dgm:linClrLst>
+    <dgm:effectClrLst/>
+    <dgm:txLinClrLst/>
+    <dgm:txFillClrLst meth="repeat">
+      <a:schemeClr val="tx1"/>
+    </dgm:txFillClrLst>
+    <dgm:txEffectClrLst/>
+  </dgm:styleLbl>
+  <dgm:styleLbl name="parChTrans1D4">
+    <dgm:fillClrLst meth="repeat">
+      <a:schemeClr val="accent1"/>
+    </dgm:fillClrLst>
+    <dgm:linClrLst meth="repeat">
+      <a:schemeClr val="accent1">
+        <a:shade val="80000"/>
+      </a:schemeClr>
+    </dgm:linClrLst>
+    <dgm:effectClrLst/>
+    <dgm:txLinClrLst/>
+    <dgm:txFillClrLst meth="repeat">
+      <a:schemeClr val="tx1"/>
+    </dgm:txFillClrLst>
+    <dgm:txEffectClrLst/>
+  </dgm:styleLbl>
+  <dgm:styleLbl name="fgAcc1">
+    <dgm:fillClrLst meth="repeat">
+      <a:schemeClr val="lt1">
+        <a:alpha val="90000"/>
+      </a:schemeClr>
+    </dgm:fillClrLst>
+    <dgm:linClrLst meth="repeat">
+      <a:schemeClr val="accent1"/>
+    </dgm:linClrLst>
+    <dgm:effectClrLst/>
+    <dgm:txLinClrLst/>
+    <dgm:txFillClrLst meth="repeat">
+      <a:schemeClr val="dk1"/>
+    </dgm:txFillClrLst>
+    <dgm:txEffectClrLst/>
+  </dgm:styleLbl>
+  <dgm:styleLbl name="conFgAcc1">
+    <dgm:fillClrLst meth="repeat">
+      <a:schemeClr val="lt1">
+        <a:alpha val="90000"/>
+      </a:schemeClr>
+    </dgm:fillClrLst>
+    <dgm:linClrLst meth="repeat">
+      <a:schemeClr val="accent1"/>
+    </dgm:linClrLst>
+    <dgm:effectClrLst/>
+    <dgm:txLinClrLst/>
+    <dgm:txFillClrLst meth="repeat">
+      <a:schemeClr val="dk1"/>
+    </dgm:txFillClrLst>
+    <dgm:txEffectClrLst/>
+  </dgm:styleLbl>
+  <dgm:styleLbl name="alignAcc1">
+    <dgm:fillClrLst meth="repeat">
+      <a:schemeClr val="lt1">
+        <a:alpha val="90000"/>
+      </a:schemeClr>
+    </dgm:fillClrLst>
+    <dgm:linClrLst meth="repeat">
+      <a:schemeClr val="accent1"/>
+    </dgm:linClrLst>
+    <dgm:effectClrLst/>
+    <dgm:txLinClrLst/>
+    <dgm:txFillClrLst meth="repeat">
+      <a:schemeClr val="dk1"/>
+    </dgm:txFillClrLst>
+    <dgm:txEffectClrLst/>
+  </dgm:styleLbl>
+  <dgm:styleLbl name="trAlignAcc1">
+    <dgm:fillClrLst meth="repeat">
+      <a:schemeClr val="lt1">
+        <a:alpha val="40000"/>
+      </a:schemeClr>
+    </dgm:fillClrLst>
+    <dgm:linClrLst meth="repeat">
+      <a:schemeClr val="accent1"/>
+    </dgm:linClrLst>
+    <dgm:effectClrLst/>
+    <dgm:txLinClrLst/>
+    <dgm:txFillClrLst meth="repeat">
+      <a:schemeClr val="dk1"/>
+    </dgm:txFillClrLst>
+    <dgm:txEffectClrLst/>
+  </dgm:styleLbl>
+  <dgm:styleLbl name="bgAcc1">
+    <dgm:fillClrLst meth="repeat">
+      <a:schemeClr val="lt1">
+        <a:alpha val="90000"/>
+      </a:schemeClr>
+    </dgm:fillClrLst>
+    <dgm:linClrLst meth="repeat">
+      <a:schemeClr val="accent1"/>
+    </dgm:linClrLst>
+    <dgm:effectClrLst/>
+    <dgm:txLinClrLst/>
+    <dgm:txFillClrLst meth="repeat">
+      <a:schemeClr val="dk1"/>
+    </dgm:txFillClrLst>
+    <dgm:txEffectClrLst/>
+  </dgm:styleLbl>
+  <dgm:styleLbl name="solidFgAcc1">
+    <dgm:fillClrLst meth="repeat">
+      <a:schemeClr val="lt1"/>
+    </dgm:fillClrLst>
+    <dgm:linClrLst meth="repeat">
+      <a:schemeClr val="accent1"/>
+    </dgm:linClrLst>
+    <dgm:effectClrLst/>
+    <dgm:txLinClrLst/>
+    <dgm:txFillClrLst meth="repeat">
+      <a:schemeClr val="dk1"/>
+    </dgm:txFillClrLst>
+    <dgm:txEffectClrLst/>
+  </dgm:styleLbl>
+  <dgm:styleLbl name="solidAlignAcc1">
+    <dgm:fillClrLst meth="repeat">
+      <a:schemeClr val="lt1"/>
+    </dgm:fillClrLst>
+    <dgm:linClrLst meth="repeat">
+      <a:schemeClr val="accent1"/>
+    </dgm:linClrLst>
+    <dgm:effectClrLst/>
+    <dgm:txLinClrLst/>
+    <dgm:txFillClrLst meth="repeat">
+      <a:schemeClr val="dk1"/>
+    </dgm:txFillClrLst>
+    <dgm:txEffectClrLst/>
+  </dgm:styleLbl>
+  <dgm:styleLbl name="solidBgAcc1">
+    <dgm:fillClrLst meth="repeat">
+      <a:schemeClr val="lt1"/>
+    </dgm:fillClrLst>
+    <dgm:linClrLst meth="repeat">
+      <a:schemeClr val="accent1"/>
+    </dgm:linClrLst>
+    <dgm:effectClrLst/>
+    <dgm:txLinClrLst/>
+    <dgm:txFillClrLst meth="repeat">
+      <a:schemeClr val="dk1"/>
+    </dgm:txFillClrLst>
+    <dgm:txEffectClrLst/>
+  </dgm:styleLbl>
+  <dgm:styleLbl name="fgAccFollowNode1">
+    <dgm:fillClrLst meth="repeat">
+      <a:schemeClr val="accent1">
+        <a:alpha val="90000"/>
+        <a:tint val="40000"/>
+      </a:schemeClr>
+    </dgm:fillClrLst>
+    <dgm:linClrLst meth="repeat">
+      <a:schemeClr val="accent1">
+        <a:alpha val="90000"/>
+        <a:tint val="40000"/>
+      </a:schemeClr>
+    </dgm:linClrLst>
+    <dgm:effectClrLst/>
+    <dgm:txLinClrLst/>
+    <dgm:txFillClrLst meth="repeat">
+      <a:schemeClr val="dk1"/>
+    </dgm:txFillClrLst>
+    <dgm:txEffectClrLst/>
+  </dgm:styleLbl>
+  <dgm:styleLbl name="alignAccFollowNode1">
+    <dgm:fillClrLst meth="repeat">
+      <a:schemeClr val="accent1">
+        <a:alpha val="90000"/>
+        <a:tint val="40000"/>
+      </a:schemeClr>
+    </dgm:fillClrLst>
+    <dgm:linClrLst meth="repeat">
+      <a:schemeClr val="accent1">
+        <a:alpha val="90000"/>
+        <a:tint val="40000"/>
+      </a:schemeClr>
+    </dgm:linClrLst>
+    <dgm:effectClrLst/>
+    <dgm:txLinClrLst/>
+    <dgm:txFillClrLst meth="repeat">
+      <a:schemeClr val="dk1"/>
+    </dgm:txFillClrLst>
+    <dgm:txEffectClrLst/>
+  </dgm:styleLbl>
+  <dgm:styleLbl name="bgAccFollowNode1">
+    <dgm:fillClrLst meth="repeat">
+      <a:schemeClr val="accent1">
+        <a:alpha val="90000"/>
+        <a:tint val="40000"/>
+      </a:schemeClr>
+    </dgm:fillClrLst>
+    <dgm:linClrLst meth="repeat">
+      <a:schemeClr val="accent1">
+        <a:alpha val="90000"/>
+        <a:tint val="40000"/>
+      </a:schemeClr>
+    </dgm:linClrLst>
+    <dgm:effectClrLst/>
+    <dgm:txLinClrLst/>
+    <dgm:txFillClrLst meth="repeat">
+      <a:schemeClr val="dk1"/>
+    </dgm:txFillClrLst>
+    <dgm:txEffectClrLst/>
+  </dgm:styleLbl>
+  <dgm:styleLbl name="fgAcc0">
+    <dgm:fillClrLst meth="repeat">
+      <a:schemeClr val="lt1">
+        <a:alpha val="90000"/>
+      </a:schemeClr>
+    </dgm:fillClrLst>
+    <dgm:linClrLst meth="repeat">
+      <a:schemeClr val="accent1"/>
+    </dgm:linClrLst>
+    <dgm:effectClrLst/>
+    <dgm:txLinClrLst/>
+    <dgm:txFillClrLst meth="repeat">
+      <a:schemeClr val="dk1"/>
+    </dgm:txFillClrLst>
+    <dgm:txEffectClrLst/>
+  </dgm:styleLbl>
+  <dgm:styleLbl name="fgAcc2">
+    <dgm:fillClrLst meth="repeat">
+      <a:schemeClr val="lt1">
+        <a:alpha val="90000"/>
+      </a:schemeClr>
+    </dgm:fillClrLst>
+    <dgm:linClrLst meth="repeat">
+      <a:schemeClr val="accent1"/>
+    </dgm:linClrLst>
+    <dgm:effectClrLst/>
+    <dgm:txLinClrLst/>
+    <dgm:txFillClrLst meth="repeat">
+      <a:schemeClr val="dk1"/>
+    </dgm:txFillClrLst>
+    <dgm:txEffectClrLst/>
+  </dgm:styleLbl>
+  <dgm:styleLbl name="fgAcc3">
+    <dgm:fillClrLst meth="repeat">
+      <a:schemeClr val="lt1">
+        <a:alpha val="90000"/>
+      </a:schemeClr>
+    </dgm:fillClrLst>
+    <dgm:linClrLst meth="repeat">
+      <a:schemeClr val="accent1"/>
+    </dgm:linClrLst>
+    <dgm:effectClrLst/>
+    <dgm:txLinClrLst/>
+    <dgm:txFillClrLst meth="repeat">
+      <a:schemeClr val="dk1"/>
+    </dgm:txFillClrLst>
+    <dgm:txEffectClrLst/>
+  </dgm:styleLbl>
+  <dgm:styleLbl name="fgAcc4">
+    <dgm:fillClrLst meth="repeat">
+      <a:schemeClr val="lt1">
+        <a:alpha val="90000"/>
+      </a:schemeClr>
+    </dgm:fillClrLst>
+    <dgm:linClrLst meth="repeat">
+      <a:schemeClr val="accent1"/>
+    </dgm:linClrLst>
+    <dgm:effectClrLst/>
+    <dgm:txLinClrLst/>
+    <dgm:txFillClrLst meth="repeat">
+      <a:schemeClr val="dk1"/>
+    </dgm:txFillClrLst>
+    <dgm:txEffectClrLst/>
+  </dgm:styleLbl>
+  <dgm:styleLbl name="bgShp">
+    <dgm:fillClrLst meth="repeat">
+      <a:schemeClr val="accent1">
+        <a:tint val="40000"/>
+      </a:schemeClr>
+    </dgm:fillClrLst>
+    <dgm:linClrLst meth="repeat">
+      <a:schemeClr val="accent1"/>
+    </dgm:linClrLst>
+    <dgm:effectClrLst/>
+    <dgm:txLinClrLst/>
+    <dgm:txFillClrLst meth="repeat">
+      <a:schemeClr val="dk1"/>
+    </dgm:txFillClrLst>
+    <dgm:txEffectClrLst/>
+  </dgm:styleLbl>
+  <dgm:styleLbl name="dkBgShp">
+    <dgm:fillClrLst meth="repeat">
+      <a:schemeClr val="accent1">
+        <a:shade val="80000"/>
+      </a:schemeClr>
+    </dgm:fillClrLst>
+    <dgm:linClrLst meth="repeat">
+      <a:schemeClr val="accent1"/>
+    </dgm:linClrLst>
+    <dgm:effectClrLst/>
+    <dgm:txLinClrLst/>
+    <dgm:txFillClrLst meth="repeat">
+      <a:schemeClr val="lt1"/>
+    </dgm:txFillClrLst>
+    <dgm:txEffectClrLst/>
+  </dgm:styleLbl>
+  <dgm:styleLbl name="trBgShp">
+    <dgm:fillClrLst meth="repeat">
+      <a:schemeClr val="accent1">
+        <a:tint val="50000"/>
+        <a:alpha val="40000"/>
+      </a:schemeClr>
+    </dgm:fillClrLst>
+    <dgm:linClrLst meth="repeat">
+      <a:schemeClr val="accent1"/>
+    </dgm:linClrLst>
+    <dgm:effectClrLst/>
+    <dgm:txLinClrLst/>
+    <dgm:txFillClrLst meth="repeat">
+      <a:schemeClr val="lt1"/>
+    </dgm:txFillClrLst>
+    <dgm:txEffectClrLst/>
+  </dgm:styleLbl>
+  <dgm:styleLbl name="fgShp">
+    <dgm:fillClrLst meth="repeat">
+      <a:schemeClr val="accent1">
+        <a:tint val="60000"/>
+      </a:schemeClr>
+    </dgm:fillClrLst>
+    <dgm:linClrLst meth="repeat">
+      <a:schemeClr val="lt1"/>
+    </dgm:linClrLst>
+    <dgm:effectClrLst/>
+    <dgm:txLinClrLst/>
+    <dgm:txFillClrLst meth="repeat">
+      <a:schemeClr val="dk1"/>
+    </dgm:txFillClrLst>
+    <dgm:txEffectClrLst/>
+  </dgm:styleLbl>
+  <dgm:styleLbl name="revTx">
+    <dgm:fillClrLst meth="repeat">
+      <a:schemeClr val="lt1">
+        <a:alpha val="0"/>
+      </a:schemeClr>
+    </dgm:fillClrLst>
+    <dgm:linClrLst meth="repeat">
+      <a:schemeClr val="dk1">
+        <a:alpha val="0"/>
+      </a:schemeClr>
+    </dgm:linClrLst>
+    <dgm:effectClrLst/>
+    <dgm:txLinClrLst/>
+    <dgm:txFillClrLst meth="repeat">
+      <a:schemeClr val="tx1"/>
+    </dgm:txFillClrLst>
+    <dgm:txEffectClrLst/>
+  </dgm:styleLbl>
+</dgm:colorsDef>
+</file>
+
+<file path=ppt/diagrams/data1.xml><?xml version="1.0" encoding="utf-8"?>
+<dgm:dataModel xmlns:dgm="http://schemas.openxmlformats.org/drawingml/2006/diagram" xmlns:a="http://schemas.openxmlformats.org/drawingml/2006/main">
+  <dgm:ptLst>
+    <dgm:pt modelId="{039ECC2C-7749-4EFF-9017-2771A9E53934}" type="doc">
+      <dgm:prSet loTypeId="urn:microsoft.com/office/officeart/2005/8/layout/hierarchy4" loCatId="relationship" qsTypeId="urn:microsoft.com/office/officeart/2005/8/quickstyle/simple3" qsCatId="simple" csTypeId="urn:microsoft.com/office/officeart/2005/8/colors/accent1_2" csCatId="accent1" phldr="1"/>
+      <dgm:spPr/>
+      <dgm:t>
+        <a:bodyPr/>
+        <a:lstStyle/>
+        <a:p>
+          <a:endParaRPr lang="fr-CH"/>
+        </a:p>
+      </dgm:t>
+    </dgm:pt>
+    <dgm:pt modelId="{EC67C51C-2E21-4800-A04E-39504433E3CE}">
+      <dgm:prSet phldrT="[Texte]"/>
+      <dgm:spPr>
+        <a:effectLst>
+          <a:outerShdw blurRad="50800" dist="38100" dir="2700000" algn="tl" rotWithShape="0">
+            <a:prstClr val="black">
+              <a:alpha val="40000"/>
+            </a:prstClr>
+          </a:outerShdw>
+        </a:effectLst>
+      </dgm:spPr>
+      <dgm:t>
+        <a:bodyPr/>
+        <a:lstStyle/>
+        <a:p>
+          <a:r>
+            <a:rPr lang="fr-CH" dirty="0" smtClean="0"/>
+            <a:t>Liste des nœuds</a:t>
+          </a:r>
+          <a:endParaRPr lang="fr-CH" dirty="0"/>
+        </a:p>
+      </dgm:t>
+    </dgm:pt>
+    <dgm:pt modelId="{C1FB9566-B4E8-4DCE-AA97-C86B1060BCA8}" type="parTrans" cxnId="{89BC57FA-AE10-482F-927F-71A8D556A19E}">
+      <dgm:prSet/>
+      <dgm:spPr/>
+      <dgm:t>
+        <a:bodyPr/>
+        <a:lstStyle/>
+        <a:p>
+          <a:endParaRPr lang="fr-CH"/>
+        </a:p>
+      </dgm:t>
+    </dgm:pt>
+    <dgm:pt modelId="{0FEF8533-E849-4364-84C8-3F62C15EBE3F}" type="sibTrans" cxnId="{89BC57FA-AE10-482F-927F-71A8D556A19E}">
+      <dgm:prSet/>
+      <dgm:spPr/>
+      <dgm:t>
+        <a:bodyPr/>
+        <a:lstStyle/>
+        <a:p>
+          <a:endParaRPr lang="fr-CH"/>
+        </a:p>
+      </dgm:t>
+    </dgm:pt>
+    <dgm:pt modelId="{1472A273-CA92-469C-9505-C150B6F56774}">
+      <dgm:prSet phldrT="[Texte]"/>
+      <dgm:spPr/>
+      <dgm:t>
+        <a:bodyPr/>
+        <a:lstStyle/>
+        <a:p>
+          <a:r>
+            <a:rPr lang="fr-CH" dirty="0" smtClean="0"/>
+            <a:t>Maillage</a:t>
+          </a:r>
+          <a:endParaRPr lang="fr-CH" dirty="0"/>
+        </a:p>
+      </dgm:t>
+    </dgm:pt>
+    <dgm:pt modelId="{17F06AE8-5589-4E05-8B1A-55E0A3EF5811}" type="parTrans" cxnId="{3F9F2067-1FE7-4E78-8B69-DB5540F4B3FE}">
+      <dgm:prSet/>
+      <dgm:spPr/>
+      <dgm:t>
+        <a:bodyPr/>
+        <a:lstStyle/>
+        <a:p>
+          <a:endParaRPr lang="fr-CH"/>
+        </a:p>
+      </dgm:t>
+    </dgm:pt>
+    <dgm:pt modelId="{60AC5C1C-844A-4377-9E87-98CBB6779E2C}" type="sibTrans" cxnId="{3F9F2067-1FE7-4E78-8B69-DB5540F4B3FE}">
+      <dgm:prSet/>
+      <dgm:spPr/>
+      <dgm:t>
+        <a:bodyPr/>
+        <a:lstStyle/>
+        <a:p>
+          <a:endParaRPr lang="fr-CH"/>
+        </a:p>
+      </dgm:t>
+    </dgm:pt>
+    <dgm:pt modelId="{90CADE53-B192-4AAE-BED5-36EB581619C5}">
+      <dgm:prSet phldrT="[Texte]"/>
+      <dgm:spPr/>
+      <dgm:t>
+        <a:bodyPr/>
+        <a:lstStyle/>
+        <a:p>
+          <a:r>
+            <a:rPr lang="fr-CH" dirty="0" err="1" smtClean="0"/>
+            <a:t>Edge</a:t>
+          </a:r>
+          <a:endParaRPr lang="fr-CH" dirty="0"/>
+        </a:p>
+      </dgm:t>
+    </dgm:pt>
+    <dgm:pt modelId="{E92C8218-DE58-439F-8772-715BE18AE8AC}" type="parTrans" cxnId="{D3BCC33A-2D7B-4E24-BABF-7F60C591E7D9}">
+      <dgm:prSet/>
+      <dgm:spPr/>
+      <dgm:t>
+        <a:bodyPr/>
+        <a:lstStyle/>
+        <a:p>
+          <a:endParaRPr lang="fr-CH"/>
+        </a:p>
+      </dgm:t>
+    </dgm:pt>
+    <dgm:pt modelId="{D2019058-02BE-48FF-AB07-272A3BA5C7DB}" type="sibTrans" cxnId="{D3BCC33A-2D7B-4E24-BABF-7F60C591E7D9}">
+      <dgm:prSet/>
+      <dgm:spPr/>
+      <dgm:t>
+        <a:bodyPr/>
+        <a:lstStyle/>
+        <a:p>
+          <a:endParaRPr lang="fr-CH"/>
+        </a:p>
+      </dgm:t>
+    </dgm:pt>
+    <dgm:pt modelId="{124BD719-1FAB-4AF2-99EF-85E2B6A01D1F}">
+      <dgm:prSet phldrT="[Texte]"/>
+      <dgm:spPr/>
+      <dgm:t>
+        <a:bodyPr/>
+        <a:lstStyle/>
+        <a:p>
+          <a:r>
+            <a:rPr lang="fr-CH" dirty="0" smtClean="0"/>
+            <a:t>Vertex</a:t>
+          </a:r>
+          <a:endParaRPr lang="fr-CH" dirty="0"/>
+        </a:p>
+      </dgm:t>
+    </dgm:pt>
+    <dgm:pt modelId="{80709401-ACB8-48D0-8A81-60AA27C59D14}" type="parTrans" cxnId="{7703D9C7-FD49-4123-85A9-5B14F944AD2A}">
+      <dgm:prSet/>
+      <dgm:spPr/>
+      <dgm:t>
+        <a:bodyPr/>
+        <a:lstStyle/>
+        <a:p>
+          <a:endParaRPr lang="fr-CH"/>
+        </a:p>
+      </dgm:t>
+    </dgm:pt>
+    <dgm:pt modelId="{DAB5BDF0-7940-4913-A7DC-025BC823385F}" type="sibTrans" cxnId="{7703D9C7-FD49-4123-85A9-5B14F944AD2A}">
+      <dgm:prSet/>
+      <dgm:spPr/>
+      <dgm:t>
+        <a:bodyPr/>
+        <a:lstStyle/>
+        <a:p>
+          <a:endParaRPr lang="fr-CH"/>
+        </a:p>
+      </dgm:t>
+    </dgm:pt>
+    <dgm:pt modelId="{4FB47F87-36CB-4205-AA60-DBA75FA52CEA}" type="pres">
+      <dgm:prSet presAssocID="{039ECC2C-7749-4EFF-9017-2771A9E53934}" presName="Name0" presStyleCnt="0">
+        <dgm:presLayoutVars>
+          <dgm:chPref val="1"/>
+          <dgm:dir/>
+          <dgm:animOne val="branch"/>
+          <dgm:animLvl val="lvl"/>
+          <dgm:resizeHandles/>
+        </dgm:presLayoutVars>
+      </dgm:prSet>
+      <dgm:spPr/>
+    </dgm:pt>
+    <dgm:pt modelId="{2A8147CC-483C-42DD-8065-9F64F5AA4446}" type="pres">
+      <dgm:prSet presAssocID="{EC67C51C-2E21-4800-A04E-39504433E3CE}" presName="vertOne" presStyleCnt="0"/>
+      <dgm:spPr/>
+    </dgm:pt>
+    <dgm:pt modelId="{470D3EA4-1484-4E8B-8647-42FEE815609D}" type="pres">
+      <dgm:prSet presAssocID="{EC67C51C-2E21-4800-A04E-39504433E3CE}" presName="txOne" presStyleLbl="node0" presStyleIdx="0" presStyleCnt="1" custLinFactNeighborX="-2543" custLinFactNeighborY="-2925">
+        <dgm:presLayoutVars>
+          <dgm:chPref val="3"/>
+        </dgm:presLayoutVars>
+      </dgm:prSet>
+      <dgm:spPr/>
+      <dgm:t>
+        <a:bodyPr/>
+        <a:lstStyle/>
+        <a:p>
+          <a:endParaRPr lang="fr-CH"/>
+        </a:p>
+      </dgm:t>
+    </dgm:pt>
+    <dgm:pt modelId="{7FA670C5-8011-46C5-83DA-AF76AE5A6102}" type="pres">
+      <dgm:prSet presAssocID="{EC67C51C-2E21-4800-A04E-39504433E3CE}" presName="parTransOne" presStyleCnt="0"/>
+      <dgm:spPr/>
+    </dgm:pt>
+    <dgm:pt modelId="{B03B3001-01A5-4275-A90C-E9636E4A7F1B}" type="pres">
+      <dgm:prSet presAssocID="{EC67C51C-2E21-4800-A04E-39504433E3CE}" presName="horzOne" presStyleCnt="0"/>
+      <dgm:spPr/>
+    </dgm:pt>
+    <dgm:pt modelId="{ED0C8D6F-D26E-4AA1-8B27-6496D13A423E}" type="pres">
+      <dgm:prSet presAssocID="{1472A273-CA92-469C-9505-C150B6F56774}" presName="vertTwo" presStyleCnt="0"/>
+      <dgm:spPr/>
+    </dgm:pt>
+    <dgm:pt modelId="{80215751-409B-4988-A436-B358FBA1052E}" type="pres">
+      <dgm:prSet presAssocID="{1472A273-CA92-469C-9505-C150B6F56774}" presName="txTwo" presStyleLbl="node2" presStyleIdx="0" presStyleCnt="1">
+        <dgm:presLayoutVars>
+          <dgm:chPref val="3"/>
+        </dgm:presLayoutVars>
+      </dgm:prSet>
+      <dgm:spPr/>
+      <dgm:t>
+        <a:bodyPr/>
+        <a:lstStyle/>
+        <a:p>
+          <a:endParaRPr lang="fr-CH"/>
+        </a:p>
+      </dgm:t>
+    </dgm:pt>
+    <dgm:pt modelId="{CABEB5F9-6739-4B4B-B713-9174A94E9659}" type="pres">
+      <dgm:prSet presAssocID="{1472A273-CA92-469C-9505-C150B6F56774}" presName="parTransTwo" presStyleCnt="0"/>
+      <dgm:spPr/>
+    </dgm:pt>
+    <dgm:pt modelId="{204F97C7-F4FB-49D2-8834-BB025D67A80B}" type="pres">
+      <dgm:prSet presAssocID="{1472A273-CA92-469C-9505-C150B6F56774}" presName="horzTwo" presStyleCnt="0"/>
+      <dgm:spPr/>
+    </dgm:pt>
+    <dgm:pt modelId="{5053ADB3-F456-46D1-8FE2-B042510B26CB}" type="pres">
+      <dgm:prSet presAssocID="{90CADE53-B192-4AAE-BED5-36EB581619C5}" presName="vertThree" presStyleCnt="0"/>
+      <dgm:spPr/>
+    </dgm:pt>
+    <dgm:pt modelId="{5AFE3CD8-342E-49ED-A2B7-C727E61913F6}" type="pres">
+      <dgm:prSet presAssocID="{90CADE53-B192-4AAE-BED5-36EB581619C5}" presName="txThree" presStyleLbl="node3" presStyleIdx="0" presStyleCnt="2">
+        <dgm:presLayoutVars>
+          <dgm:chPref val="3"/>
+        </dgm:presLayoutVars>
+      </dgm:prSet>
+      <dgm:spPr/>
+    </dgm:pt>
+    <dgm:pt modelId="{D1813550-2E07-4FF2-B4DE-9D9763C7C425}" type="pres">
+      <dgm:prSet presAssocID="{90CADE53-B192-4AAE-BED5-36EB581619C5}" presName="horzThree" presStyleCnt="0"/>
+      <dgm:spPr/>
+    </dgm:pt>
+    <dgm:pt modelId="{FD3EA967-3B1E-4B34-804A-FF57D600E68F}" type="pres">
+      <dgm:prSet presAssocID="{D2019058-02BE-48FF-AB07-272A3BA5C7DB}" presName="sibSpaceThree" presStyleCnt="0"/>
+      <dgm:spPr/>
+    </dgm:pt>
+    <dgm:pt modelId="{E616C2FF-9887-4994-A241-1372B596A861}" type="pres">
+      <dgm:prSet presAssocID="{124BD719-1FAB-4AF2-99EF-85E2B6A01D1F}" presName="vertThree" presStyleCnt="0"/>
+      <dgm:spPr/>
+    </dgm:pt>
+    <dgm:pt modelId="{23788942-B951-42C9-A181-D2D34262AF3B}" type="pres">
+      <dgm:prSet presAssocID="{124BD719-1FAB-4AF2-99EF-85E2B6A01D1F}" presName="txThree" presStyleLbl="node3" presStyleIdx="1" presStyleCnt="2">
+        <dgm:presLayoutVars>
+          <dgm:chPref val="3"/>
+        </dgm:presLayoutVars>
+      </dgm:prSet>
+      <dgm:spPr/>
+    </dgm:pt>
+    <dgm:pt modelId="{D101CE0E-0D31-43B7-AAF9-48C4A1D1B5C7}" type="pres">
+      <dgm:prSet presAssocID="{124BD719-1FAB-4AF2-99EF-85E2B6A01D1F}" presName="horzThree" presStyleCnt="0"/>
+      <dgm:spPr/>
+    </dgm:pt>
+  </dgm:ptLst>
+  <dgm:cxnLst>
+    <dgm:cxn modelId="{657F085E-9942-4A64-A86A-B1246726F41C}" type="presOf" srcId="{124BD719-1FAB-4AF2-99EF-85E2B6A01D1F}" destId="{23788942-B951-42C9-A181-D2D34262AF3B}" srcOrd="0" destOrd="0" presId="urn:microsoft.com/office/officeart/2005/8/layout/hierarchy4"/>
+    <dgm:cxn modelId="{1C06BC75-856D-4D44-97D8-A8932F914CC7}" type="presOf" srcId="{90CADE53-B192-4AAE-BED5-36EB581619C5}" destId="{5AFE3CD8-342E-49ED-A2B7-C727E61913F6}" srcOrd="0" destOrd="0" presId="urn:microsoft.com/office/officeart/2005/8/layout/hierarchy4"/>
+    <dgm:cxn modelId="{7703D9C7-FD49-4123-85A9-5B14F944AD2A}" srcId="{1472A273-CA92-469C-9505-C150B6F56774}" destId="{124BD719-1FAB-4AF2-99EF-85E2B6A01D1F}" srcOrd="1" destOrd="0" parTransId="{80709401-ACB8-48D0-8A81-60AA27C59D14}" sibTransId="{DAB5BDF0-7940-4913-A7DC-025BC823385F}"/>
+    <dgm:cxn modelId="{89BC57FA-AE10-482F-927F-71A8D556A19E}" srcId="{039ECC2C-7749-4EFF-9017-2771A9E53934}" destId="{EC67C51C-2E21-4800-A04E-39504433E3CE}" srcOrd="0" destOrd="0" parTransId="{C1FB9566-B4E8-4DCE-AA97-C86B1060BCA8}" sibTransId="{0FEF8533-E849-4364-84C8-3F62C15EBE3F}"/>
+    <dgm:cxn modelId="{3B962616-047D-4C68-8DFA-1B0C1FC1AB1A}" type="presOf" srcId="{039ECC2C-7749-4EFF-9017-2771A9E53934}" destId="{4FB47F87-36CB-4205-AA60-DBA75FA52CEA}" srcOrd="0" destOrd="0" presId="urn:microsoft.com/office/officeart/2005/8/layout/hierarchy4"/>
+    <dgm:cxn modelId="{EB811B70-8E2D-44FE-92B9-8C27C1CDB080}" type="presOf" srcId="{1472A273-CA92-469C-9505-C150B6F56774}" destId="{80215751-409B-4988-A436-B358FBA1052E}" srcOrd="0" destOrd="0" presId="urn:microsoft.com/office/officeart/2005/8/layout/hierarchy4"/>
+    <dgm:cxn modelId="{3F9F2067-1FE7-4E78-8B69-DB5540F4B3FE}" srcId="{EC67C51C-2E21-4800-A04E-39504433E3CE}" destId="{1472A273-CA92-469C-9505-C150B6F56774}" srcOrd="0" destOrd="0" parTransId="{17F06AE8-5589-4E05-8B1A-55E0A3EF5811}" sibTransId="{60AC5C1C-844A-4377-9E87-98CBB6779E2C}"/>
+    <dgm:cxn modelId="{A90410F8-B3A1-4B16-B600-E6C6395327BE}" type="presOf" srcId="{EC67C51C-2E21-4800-A04E-39504433E3CE}" destId="{470D3EA4-1484-4E8B-8647-42FEE815609D}" srcOrd="0" destOrd="0" presId="urn:microsoft.com/office/officeart/2005/8/layout/hierarchy4"/>
+    <dgm:cxn modelId="{D3BCC33A-2D7B-4E24-BABF-7F60C591E7D9}" srcId="{1472A273-CA92-469C-9505-C150B6F56774}" destId="{90CADE53-B192-4AAE-BED5-36EB581619C5}" srcOrd="0" destOrd="0" parTransId="{E92C8218-DE58-439F-8772-715BE18AE8AC}" sibTransId="{D2019058-02BE-48FF-AB07-272A3BA5C7DB}"/>
+    <dgm:cxn modelId="{7B9DA742-F807-4C9A-8B8D-25B0B94CA8A1}" type="presParOf" srcId="{4FB47F87-36CB-4205-AA60-DBA75FA52CEA}" destId="{2A8147CC-483C-42DD-8065-9F64F5AA4446}" srcOrd="0" destOrd="0" presId="urn:microsoft.com/office/officeart/2005/8/layout/hierarchy4"/>
+    <dgm:cxn modelId="{252A1B45-733F-41E1-9D3B-6B1D93CDEF06}" type="presParOf" srcId="{2A8147CC-483C-42DD-8065-9F64F5AA4446}" destId="{470D3EA4-1484-4E8B-8647-42FEE815609D}" srcOrd="0" destOrd="0" presId="urn:microsoft.com/office/officeart/2005/8/layout/hierarchy4"/>
+    <dgm:cxn modelId="{BC766A5C-D6F6-4554-BB5C-4DFD814893E3}" type="presParOf" srcId="{2A8147CC-483C-42DD-8065-9F64F5AA4446}" destId="{7FA670C5-8011-46C5-83DA-AF76AE5A6102}" srcOrd="1" destOrd="0" presId="urn:microsoft.com/office/officeart/2005/8/layout/hierarchy4"/>
+    <dgm:cxn modelId="{5929E379-25D9-437E-999F-B9A9E59805B7}" type="presParOf" srcId="{2A8147CC-483C-42DD-8065-9F64F5AA4446}" destId="{B03B3001-01A5-4275-A90C-E9636E4A7F1B}" srcOrd="2" destOrd="0" presId="urn:microsoft.com/office/officeart/2005/8/layout/hierarchy4"/>
+    <dgm:cxn modelId="{2550481A-C500-40BF-ADC5-ECF4AFD2CEB6}" type="presParOf" srcId="{B03B3001-01A5-4275-A90C-E9636E4A7F1B}" destId="{ED0C8D6F-D26E-4AA1-8B27-6496D13A423E}" srcOrd="0" destOrd="0" presId="urn:microsoft.com/office/officeart/2005/8/layout/hierarchy4"/>
+    <dgm:cxn modelId="{E4D0BB69-0E4F-47FD-9DC7-3A03A5403BAD}" type="presParOf" srcId="{ED0C8D6F-D26E-4AA1-8B27-6496D13A423E}" destId="{80215751-409B-4988-A436-B358FBA1052E}" srcOrd="0" destOrd="0" presId="urn:microsoft.com/office/officeart/2005/8/layout/hierarchy4"/>
+    <dgm:cxn modelId="{68AF607F-C897-4A00-9DBF-F89750B1DE1D}" type="presParOf" srcId="{ED0C8D6F-D26E-4AA1-8B27-6496D13A423E}" destId="{CABEB5F9-6739-4B4B-B713-9174A94E9659}" srcOrd="1" destOrd="0" presId="urn:microsoft.com/office/officeart/2005/8/layout/hierarchy4"/>
+    <dgm:cxn modelId="{64B701A2-6EFB-4737-AF0F-855608B46C59}" type="presParOf" srcId="{ED0C8D6F-D26E-4AA1-8B27-6496D13A423E}" destId="{204F97C7-F4FB-49D2-8834-BB025D67A80B}" srcOrd="2" destOrd="0" presId="urn:microsoft.com/office/officeart/2005/8/layout/hierarchy4"/>
+    <dgm:cxn modelId="{482FAD00-3626-41D2-8477-2F4BC978CFAD}" type="presParOf" srcId="{204F97C7-F4FB-49D2-8834-BB025D67A80B}" destId="{5053ADB3-F456-46D1-8FE2-B042510B26CB}" srcOrd="0" destOrd="0" presId="urn:microsoft.com/office/officeart/2005/8/layout/hierarchy4"/>
+    <dgm:cxn modelId="{60CCFCB7-A56A-499D-824D-8087CA4F4C7B}" type="presParOf" srcId="{5053ADB3-F456-46D1-8FE2-B042510B26CB}" destId="{5AFE3CD8-342E-49ED-A2B7-C727E61913F6}" srcOrd="0" destOrd="0" presId="urn:microsoft.com/office/officeart/2005/8/layout/hierarchy4"/>
+    <dgm:cxn modelId="{61572745-0344-4181-ABFE-E989D81E83D6}" type="presParOf" srcId="{5053ADB3-F456-46D1-8FE2-B042510B26CB}" destId="{D1813550-2E07-4FF2-B4DE-9D9763C7C425}" srcOrd="1" destOrd="0" presId="urn:microsoft.com/office/officeart/2005/8/layout/hierarchy4"/>
+    <dgm:cxn modelId="{B0876F49-E4B1-471A-A008-B6A0D61CA281}" type="presParOf" srcId="{204F97C7-F4FB-49D2-8834-BB025D67A80B}" destId="{FD3EA967-3B1E-4B34-804A-FF57D600E68F}" srcOrd="1" destOrd="0" presId="urn:microsoft.com/office/officeart/2005/8/layout/hierarchy4"/>
+    <dgm:cxn modelId="{F35D8D1B-266F-4941-AB46-959A613A8A5F}" type="presParOf" srcId="{204F97C7-F4FB-49D2-8834-BB025D67A80B}" destId="{E616C2FF-9887-4994-A241-1372B596A861}" srcOrd="2" destOrd="0" presId="urn:microsoft.com/office/officeart/2005/8/layout/hierarchy4"/>
+    <dgm:cxn modelId="{610A00AD-F4C5-48D3-979E-F631D6F2BF1A}" type="presParOf" srcId="{E616C2FF-9887-4994-A241-1372B596A861}" destId="{23788942-B951-42C9-A181-D2D34262AF3B}" srcOrd="0" destOrd="0" presId="urn:microsoft.com/office/officeart/2005/8/layout/hierarchy4"/>
+    <dgm:cxn modelId="{942C27CD-74C7-4F72-AA35-BA89A67E146B}" type="presParOf" srcId="{E616C2FF-9887-4994-A241-1372B596A861}" destId="{D101CE0E-0D31-43B7-AAF9-48C4A1D1B5C7}" srcOrd="1" destOrd="0" presId="urn:microsoft.com/office/officeart/2005/8/layout/hierarchy4"/>
+  </dgm:cxnLst>
+  <dgm:bg/>
+  <dgm:whole/>
+  <dgm:extLst>
+    <a:ext uri="http://schemas.microsoft.com/office/drawing/2008/diagram">
+      <dsp:dataModelExt xmlns:dsp="http://schemas.microsoft.com/office/drawing/2008/diagram" xmlns="" relId="rId6" minVer="http://schemas.openxmlformats.org/drawingml/2006/diagram"/>
+    </a:ext>
+  </dgm:extLst>
+</dgm:dataModel>
+</file>
+
+<file path=ppt/diagrams/drawing1.xml><?xml version="1.0" encoding="utf-8"?>
+<dsp:drawing xmlns:dgm="http://schemas.openxmlformats.org/drawingml/2006/diagram" xmlns:a="http://schemas.openxmlformats.org/drawingml/2006/main" xmlns:dsp="http://schemas.microsoft.com/office/drawing/2008/diagram">
+  <dsp:spTree>
+    <dsp:nvGrpSpPr>
+      <dsp:cNvPr id="0" name=""/>
+      <dsp:cNvGrpSpPr/>
+    </dsp:nvGrpSpPr>
+    <dsp:grpSpPr/>
+    <dsp:sp modelId="{470D3EA4-1484-4E8B-8647-42FEE815609D}">
+      <dsp:nvSpPr>
+        <dsp:cNvPr id="0" name=""/>
+        <dsp:cNvSpPr/>
+      </dsp:nvSpPr>
+      <dsp:spPr>
+        <a:xfrm>
+          <a:off x="0" y="0"/>
+          <a:ext cx="6090296" cy="1479300"/>
+        </a:xfrm>
+        <a:prstGeom prst="roundRect">
+          <a:avLst>
+            <a:gd name="adj" fmla="val 10000"/>
+          </a:avLst>
+        </a:prstGeom>
+        <a:gradFill rotWithShape="0">
+          <a:gsLst>
+            <a:gs pos="0">
+              <a:schemeClr val="accent1">
+                <a:hueOff val="0"/>
+                <a:satOff val="0"/>
+                <a:lumOff val="0"/>
+                <a:alphaOff val="0"/>
+                <a:tint val="50000"/>
+                <a:satMod val="300000"/>
+              </a:schemeClr>
+            </a:gs>
+            <a:gs pos="35000">
+              <a:schemeClr val="accent1">
+                <a:hueOff val="0"/>
+                <a:satOff val="0"/>
+                <a:lumOff val="0"/>
+                <a:alphaOff val="0"/>
+                <a:tint val="37000"/>
+                <a:satMod val="300000"/>
+              </a:schemeClr>
+            </a:gs>
+            <a:gs pos="100000">
+              <a:schemeClr val="accent1">
+                <a:hueOff val="0"/>
+                <a:satOff val="0"/>
+                <a:lumOff val="0"/>
+                <a:alphaOff val="0"/>
+                <a:tint val="15000"/>
+                <a:satMod val="350000"/>
+              </a:schemeClr>
+            </a:gs>
+          </a:gsLst>
+          <a:lin ang="16200000" scaled="1"/>
+        </a:gradFill>
+        <a:ln>
+          <a:noFill/>
+        </a:ln>
+        <a:effectLst>
+          <a:outerShdw blurRad="50800" dist="38100" dir="2700000" algn="tl" rotWithShape="0">
+            <a:prstClr val="black">
+              <a:alpha val="40000"/>
+            </a:prstClr>
+          </a:outerShdw>
+        </a:effectLst>
+        <a:scene3d>
+          <a:camera prst="orthographicFront"/>
+          <a:lightRig rig="flat" dir="t"/>
+        </a:scene3d>
+        <a:sp3d prstMaterial="dkEdge">
+          <a:bevelT w="8200" h="38100"/>
+        </a:sp3d>
+      </dsp:spPr>
+      <dsp:style>
+        <a:lnRef idx="0">
+          <a:scrgbClr r="0" g="0" b="0"/>
+        </a:lnRef>
+        <a:fillRef idx="2">
+          <a:scrgbClr r="0" g="0" b="0"/>
+        </a:fillRef>
+        <a:effectRef idx="1">
+          <a:scrgbClr r="0" g="0" b="0"/>
+        </a:effectRef>
+        <a:fontRef idx="minor">
+          <a:schemeClr val="dk1"/>
+        </a:fontRef>
+      </dsp:style>
+      <dsp:txBody>
+        <a:bodyPr spcFirstLastPara="0" vert="horz" wrap="square" lIns="224790" tIns="224790" rIns="224790" bIns="224790" numCol="1" spcCol="1270" anchor="ctr" anchorCtr="0">
+          <a:noAutofit/>
+        </a:bodyPr>
+        <a:lstStyle/>
+        <a:p>
+          <a:pPr lvl="0" algn="ctr" defTabSz="2622550">
+            <a:lnSpc>
+              <a:spcPct val="90000"/>
+            </a:lnSpc>
+            <a:spcBef>
+              <a:spcPct val="0"/>
+            </a:spcBef>
+            <a:spcAft>
+              <a:spcPct val="35000"/>
+            </a:spcAft>
+          </a:pPr>
+          <a:r>
+            <a:rPr lang="fr-CH" sz="5900" kern="1200" dirty="0" smtClean="0"/>
+            <a:t>Liste des nœuds</a:t>
+          </a:r>
+          <a:endParaRPr lang="fr-CH" sz="5900" kern="1200" dirty="0"/>
+        </a:p>
+      </dsp:txBody>
+      <dsp:txXfrm>
+        <a:off x="0" y="0"/>
+        <a:ext cx="6090296" cy="1479300"/>
+      </dsp:txXfrm>
+    </dsp:sp>
+    <dsp:sp modelId="{80215751-409B-4988-A436-B358FBA1052E}">
+      <dsp:nvSpPr>
+        <dsp:cNvPr id="0" name=""/>
+        <dsp:cNvSpPr/>
+      </dsp:nvSpPr>
+      <dsp:spPr>
+        <a:xfrm>
+          <a:off x="2851" y="1590817"/>
+          <a:ext cx="6090296" cy="1479300"/>
+        </a:xfrm>
+        <a:prstGeom prst="roundRect">
+          <a:avLst>
+            <a:gd name="adj" fmla="val 10000"/>
+          </a:avLst>
+        </a:prstGeom>
+        <a:gradFill rotWithShape="0">
+          <a:gsLst>
+            <a:gs pos="0">
+              <a:schemeClr val="accent1">
+                <a:hueOff val="0"/>
+                <a:satOff val="0"/>
+                <a:lumOff val="0"/>
+                <a:alphaOff val="0"/>
+                <a:tint val="50000"/>
+                <a:satMod val="300000"/>
+              </a:schemeClr>
+            </a:gs>
+            <a:gs pos="35000">
+              <a:schemeClr val="accent1">
+                <a:hueOff val="0"/>
+                <a:satOff val="0"/>
+                <a:lumOff val="0"/>
+                <a:alphaOff val="0"/>
+                <a:tint val="37000"/>
+                <a:satMod val="300000"/>
+              </a:schemeClr>
+            </a:gs>
+            <a:gs pos="100000">
+              <a:schemeClr val="accent1">
+                <a:hueOff val="0"/>
+                <a:satOff val="0"/>
+                <a:lumOff val="0"/>
+                <a:alphaOff val="0"/>
+                <a:tint val="15000"/>
+                <a:satMod val="350000"/>
+              </a:schemeClr>
+            </a:gs>
+          </a:gsLst>
+          <a:lin ang="16200000" scaled="1"/>
+        </a:gradFill>
+        <a:ln>
+          <a:noFill/>
+        </a:ln>
+        <a:effectLst>
+          <a:outerShdw blurRad="40000" dist="20000" dir="5400000" rotWithShape="0">
+            <a:srgbClr val="000000">
+              <a:alpha val="38000"/>
+            </a:srgbClr>
+          </a:outerShdw>
+        </a:effectLst>
+        <a:scene3d>
+          <a:camera prst="orthographicFront"/>
+          <a:lightRig rig="flat" dir="t"/>
+        </a:scene3d>
+        <a:sp3d prstMaterial="dkEdge">
+          <a:bevelT w="8200" h="38100"/>
+        </a:sp3d>
+      </dsp:spPr>
+      <dsp:style>
+        <a:lnRef idx="0">
+          <a:scrgbClr r="0" g="0" b="0"/>
+        </a:lnRef>
+        <a:fillRef idx="2">
+          <a:scrgbClr r="0" g="0" b="0"/>
+        </a:fillRef>
+        <a:effectRef idx="1">
+          <a:scrgbClr r="0" g="0" b="0"/>
+        </a:effectRef>
+        <a:fontRef idx="minor">
+          <a:schemeClr val="dk1"/>
+        </a:fontRef>
+      </dsp:style>
+      <dsp:txBody>
+        <a:bodyPr spcFirstLastPara="0" vert="horz" wrap="square" lIns="224790" tIns="224790" rIns="224790" bIns="224790" numCol="1" spcCol="1270" anchor="ctr" anchorCtr="0">
+          <a:noAutofit/>
+        </a:bodyPr>
+        <a:lstStyle/>
+        <a:p>
+          <a:pPr lvl="0" algn="ctr" defTabSz="2622550">
+            <a:lnSpc>
+              <a:spcPct val="90000"/>
+            </a:lnSpc>
+            <a:spcBef>
+              <a:spcPct val="0"/>
+            </a:spcBef>
+            <a:spcAft>
+              <a:spcPct val="35000"/>
+            </a:spcAft>
+          </a:pPr>
+          <a:r>
+            <a:rPr lang="fr-CH" sz="5900" kern="1200" dirty="0" smtClean="0"/>
+            <a:t>Maillage</a:t>
+          </a:r>
+          <a:endParaRPr lang="fr-CH" sz="5900" kern="1200" dirty="0"/>
+        </a:p>
+      </dsp:txBody>
+      <dsp:txXfrm>
+        <a:off x="2851" y="1590817"/>
+        <a:ext cx="6090296" cy="1479300"/>
+      </dsp:txXfrm>
+    </dsp:sp>
+    <dsp:sp modelId="{5AFE3CD8-342E-49ED-A2B7-C727E61913F6}">
+      <dsp:nvSpPr>
+        <dsp:cNvPr id="0" name=""/>
+        <dsp:cNvSpPr/>
+      </dsp:nvSpPr>
+      <dsp:spPr>
+        <a:xfrm>
+          <a:off x="2851" y="3178465"/>
+          <a:ext cx="2982515" cy="1479300"/>
+        </a:xfrm>
+        <a:prstGeom prst="roundRect">
+          <a:avLst>
+            <a:gd name="adj" fmla="val 10000"/>
+          </a:avLst>
+        </a:prstGeom>
+        <a:gradFill rotWithShape="0">
+          <a:gsLst>
+            <a:gs pos="0">
+              <a:schemeClr val="accent1">
+                <a:hueOff val="0"/>
+                <a:satOff val="0"/>
+                <a:lumOff val="0"/>
+                <a:alphaOff val="0"/>
+                <a:tint val="50000"/>
+                <a:satMod val="300000"/>
+              </a:schemeClr>
+            </a:gs>
+            <a:gs pos="35000">
+              <a:schemeClr val="accent1">
+                <a:hueOff val="0"/>
+                <a:satOff val="0"/>
+                <a:lumOff val="0"/>
+                <a:alphaOff val="0"/>
+                <a:tint val="37000"/>
+                <a:satMod val="300000"/>
+              </a:schemeClr>
+            </a:gs>
+            <a:gs pos="100000">
+              <a:schemeClr val="accent1">
+                <a:hueOff val="0"/>
+                <a:satOff val="0"/>
+                <a:lumOff val="0"/>
+                <a:alphaOff val="0"/>
+                <a:tint val="15000"/>
+                <a:satMod val="350000"/>
+              </a:schemeClr>
+            </a:gs>
+          </a:gsLst>
+          <a:lin ang="16200000" scaled="1"/>
+        </a:gradFill>
+        <a:ln>
+          <a:noFill/>
+        </a:ln>
+        <a:effectLst>
+          <a:outerShdw blurRad="40000" dist="20000" dir="5400000" rotWithShape="0">
+            <a:srgbClr val="000000">
+              <a:alpha val="38000"/>
+            </a:srgbClr>
+          </a:outerShdw>
+        </a:effectLst>
+        <a:scene3d>
+          <a:camera prst="orthographicFront"/>
+          <a:lightRig rig="flat" dir="t"/>
+        </a:scene3d>
+        <a:sp3d prstMaterial="dkEdge">
+          <a:bevelT w="8200" h="38100"/>
+        </a:sp3d>
+      </dsp:spPr>
+      <dsp:style>
+        <a:lnRef idx="0">
+          <a:scrgbClr r="0" g="0" b="0"/>
+        </a:lnRef>
+        <a:fillRef idx="2">
+          <a:scrgbClr r="0" g="0" b="0"/>
+        </a:fillRef>
+        <a:effectRef idx="1">
+          <a:scrgbClr r="0" g="0" b="0"/>
+        </a:effectRef>
+        <a:fontRef idx="minor">
+          <a:schemeClr val="dk1"/>
+        </a:fontRef>
+      </dsp:style>
+      <dsp:txBody>
+        <a:bodyPr spcFirstLastPara="0" vert="horz" wrap="square" lIns="224790" tIns="224790" rIns="224790" bIns="224790" numCol="1" spcCol="1270" anchor="ctr" anchorCtr="0">
+          <a:noAutofit/>
+        </a:bodyPr>
+        <a:lstStyle/>
+        <a:p>
+          <a:pPr lvl="0" algn="ctr" defTabSz="2622550">
+            <a:lnSpc>
+              <a:spcPct val="90000"/>
+            </a:lnSpc>
+            <a:spcBef>
+              <a:spcPct val="0"/>
+            </a:spcBef>
+            <a:spcAft>
+              <a:spcPct val="35000"/>
+            </a:spcAft>
+          </a:pPr>
+          <a:r>
+            <a:rPr lang="fr-CH" sz="5900" kern="1200" dirty="0" err="1" smtClean="0"/>
+            <a:t>Edge</a:t>
+          </a:r>
+          <a:endParaRPr lang="fr-CH" sz="5900" kern="1200" dirty="0"/>
+        </a:p>
+      </dsp:txBody>
+      <dsp:txXfrm>
+        <a:off x="2851" y="3178465"/>
+        <a:ext cx="2982515" cy="1479300"/>
+      </dsp:txXfrm>
+    </dsp:sp>
+    <dsp:sp modelId="{23788942-B951-42C9-A181-D2D34262AF3B}">
+      <dsp:nvSpPr>
+        <dsp:cNvPr id="0" name=""/>
+        <dsp:cNvSpPr/>
+      </dsp:nvSpPr>
+      <dsp:spPr>
+        <a:xfrm>
+          <a:off x="3110632" y="3178465"/>
+          <a:ext cx="2982515" cy="1479300"/>
+        </a:xfrm>
+        <a:prstGeom prst="roundRect">
+          <a:avLst>
+            <a:gd name="adj" fmla="val 10000"/>
+          </a:avLst>
+        </a:prstGeom>
+        <a:gradFill rotWithShape="0">
+          <a:gsLst>
+            <a:gs pos="0">
+              <a:schemeClr val="accent1">
+                <a:hueOff val="0"/>
+                <a:satOff val="0"/>
+                <a:lumOff val="0"/>
+                <a:alphaOff val="0"/>
+                <a:tint val="50000"/>
+                <a:satMod val="300000"/>
+              </a:schemeClr>
+            </a:gs>
+            <a:gs pos="35000">
+              <a:schemeClr val="accent1">
+                <a:hueOff val="0"/>
+                <a:satOff val="0"/>
+                <a:lumOff val="0"/>
+                <a:alphaOff val="0"/>
+                <a:tint val="37000"/>
+                <a:satMod val="300000"/>
+              </a:schemeClr>
+            </a:gs>
+            <a:gs pos="100000">
+              <a:schemeClr val="accent1">
+                <a:hueOff val="0"/>
+                <a:satOff val="0"/>
+                <a:lumOff val="0"/>
+                <a:alphaOff val="0"/>
+                <a:tint val="15000"/>
+                <a:satMod val="350000"/>
+              </a:schemeClr>
+            </a:gs>
+          </a:gsLst>
+          <a:lin ang="16200000" scaled="1"/>
+        </a:gradFill>
+        <a:ln>
+          <a:noFill/>
+        </a:ln>
+        <a:effectLst>
+          <a:outerShdw blurRad="40000" dist="20000" dir="5400000" rotWithShape="0">
+            <a:srgbClr val="000000">
+              <a:alpha val="38000"/>
+            </a:srgbClr>
+          </a:outerShdw>
+        </a:effectLst>
+        <a:scene3d>
+          <a:camera prst="orthographicFront"/>
+          <a:lightRig rig="flat" dir="t"/>
+        </a:scene3d>
+        <a:sp3d prstMaterial="dkEdge">
+          <a:bevelT w="8200" h="38100"/>
+        </a:sp3d>
+      </dsp:spPr>
+      <dsp:style>
+        <a:lnRef idx="0">
+          <a:scrgbClr r="0" g="0" b="0"/>
+        </a:lnRef>
+        <a:fillRef idx="2">
+          <a:scrgbClr r="0" g="0" b="0"/>
+        </a:fillRef>
+        <a:effectRef idx="1">
+          <a:scrgbClr r="0" g="0" b="0"/>
+        </a:effectRef>
+        <a:fontRef idx="minor">
+          <a:schemeClr val="dk1"/>
+        </a:fontRef>
+      </dsp:style>
+      <dsp:txBody>
+        <a:bodyPr spcFirstLastPara="0" vert="horz" wrap="square" lIns="224790" tIns="224790" rIns="224790" bIns="224790" numCol="1" spcCol="1270" anchor="ctr" anchorCtr="0">
+          <a:noAutofit/>
+        </a:bodyPr>
+        <a:lstStyle/>
+        <a:p>
+          <a:pPr lvl="0" algn="ctr" defTabSz="2622550">
+            <a:lnSpc>
+              <a:spcPct val="90000"/>
+            </a:lnSpc>
+            <a:spcBef>
+              <a:spcPct val="0"/>
+            </a:spcBef>
+            <a:spcAft>
+              <a:spcPct val="35000"/>
+            </a:spcAft>
+          </a:pPr>
+          <a:r>
+            <a:rPr lang="fr-CH" sz="5900" kern="1200" dirty="0" smtClean="0"/>
+            <a:t>Vertex</a:t>
+          </a:r>
+          <a:endParaRPr lang="fr-CH" sz="5900" kern="1200" dirty="0"/>
+        </a:p>
+      </dsp:txBody>
+      <dsp:txXfrm>
+        <a:off x="3110632" y="3178465"/>
+        <a:ext cx="2982515" cy="1479300"/>
+      </dsp:txXfrm>
+    </dsp:sp>
+  </dsp:spTree>
+</dsp:drawing>
+</file>
+
+<file path=ppt/diagrams/layout1.xml><?xml version="1.0" encoding="utf-8"?>
+<dgm:layoutDef xmlns:dgm="http://schemas.openxmlformats.org/drawingml/2006/diagram" xmlns:a="http://schemas.openxmlformats.org/drawingml/2006/main" uniqueId="urn:microsoft.com/office/officeart/2005/8/layout/hierarchy4">
+  <dgm:title val=""/>
+  <dgm:desc val=""/>
+  <dgm:catLst>
+    <dgm:cat type="hierarchy" pri="4000"/>
+    <dgm:cat type="list" pri="24000"/>
+    <dgm:cat type="relationship" pri="10000"/>
+  </dgm:catLst>
+  <dgm:sampData>
+    <dgm:dataModel>
+      <dgm:ptLst>
+        <dgm:pt modelId="0" type="doc"/>
+        <dgm:pt modelId="1">
+          <dgm:prSet phldr="1"/>
+        </dgm:pt>
+        <dgm:pt modelId="2">
+          <dgm:prSet phldr="1"/>
+        </dgm:pt>
+        <dgm:pt modelId="21">
+          <dgm:prSet phldr="1"/>
+        </dgm:pt>
+        <dgm:pt modelId="22">
+          <dgm:prSet phldr="1"/>
+        </dgm:pt>
+        <dgm:pt modelId="3">
+          <dgm:prSet phldr="1"/>
+        </dgm:pt>
+        <dgm:pt modelId="31">
+          <dgm:prSet phldr="1"/>
+        </dgm:pt>
+      </dgm:ptLst>
+      <dgm:cxnLst>
+        <dgm:cxn modelId="4" srcId="0" destId="1" srcOrd="0" destOrd="0"/>
+        <dgm:cxn modelId="5" srcId="1" destId="2" srcOrd="0" destOrd="0"/>
+        <dgm:cxn modelId="6" srcId="1" destId="3" srcOrd="1" destOrd="0"/>
+        <dgm:cxn modelId="23" srcId="2" destId="21" srcOrd="0" destOrd="0"/>
+        <dgm:cxn modelId="24" srcId="2" destId="22" srcOrd="1" destOrd="0"/>
+        <dgm:cxn modelId="33" srcId="3" destId="31" srcOrd="0" destOrd="0"/>
+      </dgm:cxnLst>
+      <dgm:bg/>
+      <dgm:whole/>
+    </dgm:dataModel>
+  </dgm:sampData>
+  <dgm:styleData>
+    <dgm:dataModel>
+      <dgm:ptLst>
+        <dgm:pt modelId="0" type="doc"/>
+        <dgm:pt modelId="1"/>
+        <dgm:pt modelId="11"/>
+        <dgm:pt modelId="12"/>
+      </dgm:ptLst>
+      <dgm:cxnLst>
+        <dgm:cxn modelId="2" srcId="0" destId="1" srcOrd="0" destOrd="0"/>
+        <dgm:cxn modelId="13" srcId="1" destId="11" srcOrd="0" destOrd="0"/>
+        <dgm:cxn modelId="14" srcId="1" destId="12" srcOrd="1" destOrd="0"/>
+      </dgm:cxnLst>
+      <dgm:bg/>
+      <dgm:whole/>
+    </dgm:dataModel>
+  </dgm:styleData>
+  <dgm:clrData>
+    <dgm:dataModel>
+      <dgm:ptLst>
+        <dgm:pt modelId="0" type="doc"/>
+        <dgm:pt modelId="1"/>
+        <dgm:pt modelId="2"/>
+        <dgm:pt modelId="21"/>
+        <dgm:pt modelId="211"/>
+        <dgm:pt modelId="3"/>
+        <dgm:pt modelId="31"/>
+        <dgm:pt modelId="311"/>
+      </dgm:ptLst>
+      <dgm:cxnLst>
+        <dgm:cxn modelId="4" srcId="0" destId="1" srcOrd="0" destOrd="0"/>
+        <dgm:cxn modelId="5" srcId="1" destId="2" srcOrd="0" destOrd="0"/>
+        <dgm:cxn modelId="6" srcId="1" destId="3" srcOrd="1" destOrd="0"/>
+        <dgm:cxn modelId="23" srcId="2" destId="21" srcOrd="0" destOrd="0"/>
+        <dgm:cxn modelId="24" srcId="21" destId="211" srcOrd="0" destOrd="0"/>
+        <dgm:cxn modelId="33" srcId="3" destId="31" srcOrd="0" destOrd="0"/>
+        <dgm:cxn modelId="34" srcId="31" destId="311" srcOrd="0" destOrd="0"/>
+      </dgm:cxnLst>
+      <dgm:bg/>
+      <dgm:whole/>
+    </dgm:dataModel>
+  </dgm:clrData>
+  <dgm:layoutNode name="Name0">
+    <dgm:varLst>
+      <dgm:chPref val="1"/>
+      <dgm:dir/>
+      <dgm:animOne val="branch"/>
+      <dgm:animLvl val="lvl"/>
+      <dgm:resizeHandles/>
+    </dgm:varLst>
+    <dgm:choose name="Name1">
+      <dgm:if name="Name2" func="var" arg="dir" op="equ" val="norm">
+        <dgm:alg type="lin">
+          <dgm:param type="linDir" val="fromL"/>
+          <dgm:param type="nodeVertAlign" val="t"/>
+        </dgm:alg>
+      </dgm:if>
+      <dgm:else name="Name3">
+        <dgm:alg type="lin">
+          <dgm:param type="linDir" val="fromR"/>
+          <dgm:param type="nodeVertAlign" val="t"/>
+        </dgm:alg>
+      </dgm:else>
+    </dgm:choose>
+    <dgm:shape xmlns:r="http://schemas.openxmlformats.org/officeDocument/2006/relationships" r:blip="">
+      <dgm:adjLst/>
+    </dgm:shape>
+    <dgm:presOf/>
+    <dgm:constrLst>
+      <dgm:constr type="w" for="ch" forName="vertOne" refType="w"/>
+      <dgm:constr type="w" for="des" forName="horzOne" refType="w"/>
+      <dgm:constr type="w" for="des" forName="txOne" refType="w"/>
+      <dgm:constr type="w" for="des" forName="vertTwo" refType="w"/>
+      <dgm:constr type="w" for="des" forName="horzTwo" refType="w"/>
+      <dgm:constr type="w" for="des" forName="txTwo" refType="w"/>
+      <dgm:constr type="w" for="des" forName="vertThree" refType="w"/>
+      <dgm:constr type="w" for="des" forName="horzThree" refType="w"/>
+      <dgm:constr type="w" for="des" forName="txThree" refType="w"/>
+      <dgm:constr type="w" for="des" forName="vertFour" refType="w"/>
+      <dgm:constr type="w" for="des" forName="horzFour" refType="w"/>
+      <dgm:constr type="w" for="des" forName="txFour" refType="w"/>
+      <dgm:constr type="h" for="des" ptType="node" op="equ"/>
+      <dgm:constr type="h" for="des" forName="txOne" refType="h"/>
+      <dgm:constr type="userH" for="des" ptType="node" refType="h" refFor="des" refForName="txOne"/>
+      <dgm:constr type="primFontSz" for="des" forName="txOne" val="65"/>
+      <dgm:constr type="primFontSz" for="des" forName="txTwo" val="65"/>
+      <dgm:constr type="primFontSz" for="des" forName="txTwo" refType="primFontSz" refFor="des" refForName="txOne" op="lte"/>
+      <dgm:constr type="primFontSz" for="des" forName="txThree" val="65"/>
+      <dgm:constr type="primFontSz" for="des" forName="txThree" refType="primFontSz" refFor="des" refForName="txOne" op="lte"/>
+      <dgm:constr type="primFontSz" for="des" forName="txThree" refType="primFontSz" refFor="des" refForName="txTwo" op="lte"/>
+      <dgm:constr type="primFontSz" for="des" forName="txFour" val="65"/>
+      <dgm:constr type="primFontSz" for="des" forName="txFour" refType="primFontSz" refFor="des" refForName="txOne" op="lte"/>
+      <dgm:constr type="primFontSz" for="des" forName="txFour" refType="primFontSz" refFor="des" refForName="txTwo" op="lte"/>
+      <dgm:constr type="primFontSz" for="des" forName="txFour" refType="primFontSz" refFor="des" refForName="txThree" op="lte"/>
+      <dgm:constr type="w" for="des" forName="sibSpaceOne" refType="w" fact="0.168"/>
+      <dgm:constr type="w" for="des" forName="sibSpaceTwo" refType="w" refFor="des" refForName="sibSpaceOne" op="equ" fact="0.5"/>
+      <dgm:constr type="w" for="des" forName="sibSpaceThree" refType="w" refFor="des" refForName="sibSpaceTwo" op="equ" fact="0.5"/>
+      <dgm:constr type="w" for="des" forName="sibSpaceFour" refType="w" refFor="des" refForName="sibSpaceThree" op="equ" fact="0.5"/>
+      <dgm:constr type="h" for="des" forName="parTransOne" refType="w" fact="0.056"/>
+      <dgm:constr type="h" for="des" forName="parTransTwo" refType="h" refFor="des" refForName="parTransOne" op="equ"/>
+      <dgm:constr type="h" for="des" forName="parTransThree" refType="h" refFor="des" refForName="parTransTwo" op="equ"/>
+      <dgm:constr type="h" for="des" forName="parTransFour" refType="h" refFor="des" refForName="parTransThree" op="equ"/>
+    </dgm:constrLst>
+    <dgm:ruleLst/>
+    <dgm:forEach name="Name4" axis="ch" ptType="node">
+      <dgm:layoutNode name="vertOne">
+        <dgm:alg type="lin">
+          <dgm:param type="linDir" val="fromT"/>
+        </dgm:alg>
+        <dgm:shape xmlns:r="http://schemas.openxmlformats.org/officeDocument/2006/relationships" r:blip="">
+          <dgm:adjLst/>
+        </dgm:shape>
+        <dgm:presOf/>
+        <dgm:constrLst>
+          <dgm:constr type="w" for="ch" forName="txOne" refType="w" refFor="ch" refForName="horzOne" op="gte"/>
+        </dgm:constrLst>
+        <dgm:ruleLst/>
+        <dgm:layoutNode name="txOne" styleLbl="node0">
+          <dgm:varLst>
+            <dgm:chPref val="3"/>
+          </dgm:varLst>
+          <dgm:alg type="tx"/>
+          <dgm:shape xmlns:r="http://schemas.openxmlformats.org/officeDocument/2006/relationships" type="roundRect" r:blip="">
+            <dgm:adjLst>
+              <dgm:adj idx="1" val="0.1"/>
+            </dgm:adjLst>
+          </dgm:shape>
+          <dgm:presOf axis="self"/>
+          <dgm:constrLst>
+            <dgm:constr type="tMarg" refType="primFontSz" fact="0.3"/>
+            <dgm:constr type="bMarg" refType="primFontSz" fact="0.3"/>
+            <dgm:constr type="lMarg" refType="primFontSz" fact="0.3"/>
+            <dgm:constr type="rMarg" refType="primFontSz" fact="0.3"/>
+          </dgm:constrLst>
+          <dgm:ruleLst>
+            <dgm:rule type="primFontSz" val="5" fact="NaN" max="NaN"/>
+          </dgm:ruleLst>
+        </dgm:layoutNode>
+        <dgm:choose name="Name5">
+          <dgm:if name="Name6" axis="des" ptType="node" func="cnt" op="gt" val="0">
+            <dgm:layoutNode name="parTransOne">
+              <dgm:alg type="sp"/>
+              <dgm:shape xmlns:r="http://schemas.openxmlformats.org/officeDocument/2006/relationships" r:blip="">
+                <dgm:adjLst/>
+              </dgm:shape>
+              <dgm:presOf/>
+              <dgm:constrLst/>
+              <dgm:ruleLst/>
+            </dgm:layoutNode>
+          </dgm:if>
+          <dgm:else name="Name7"/>
+        </dgm:choose>
+        <dgm:layoutNode name="horzOne">
+          <dgm:choose name="Name8">
+            <dgm:if name="Name9" func="var" arg="dir" op="equ" val="norm">
+              <dgm:alg type="lin">
+                <dgm:param type="linDir" val="fromL"/>
+                <dgm:param type="nodeVertAlign" val="t"/>
+              </dgm:alg>
+            </dgm:if>
+            <dgm:else name="Name10">
+              <dgm:alg type="lin">
+                <dgm:param type="linDir" val="fromR"/>
+                <dgm:param type="nodeVertAlign" val="t"/>
+              </dgm:alg>
+            </dgm:else>
+          </dgm:choose>
+          <dgm:shape xmlns:r="http://schemas.openxmlformats.org/officeDocument/2006/relationships" r:blip="">
+            <dgm:adjLst/>
+          </dgm:shape>
+          <dgm:presOf/>
+          <dgm:constrLst/>
+          <dgm:ruleLst>
+            <dgm:rule type="w" val="INF" fact="NaN" max="NaN"/>
+          </dgm:ruleLst>
+          <dgm:forEach name="Name11" axis="ch" ptType="node">
+            <dgm:layoutNode name="vertTwo">
+              <dgm:alg type="lin">
+                <dgm:param type="linDir" val="fromT"/>
+              </dgm:alg>
+              <dgm:shape xmlns:r="http://schemas.openxmlformats.org/officeDocument/2006/relationships" r:blip="">
+                <dgm:adjLst/>
+              </dgm:shape>
+              <dgm:presOf/>
+              <dgm:constrLst>
+                <dgm:constr type="w" for="ch" forName="txTwo" refType="w" refFor="ch" refForName="horzTwo" op="gte"/>
+              </dgm:constrLst>
+              <dgm:ruleLst/>
+              <dgm:layoutNode name="txTwo">
+                <dgm:varLst>
+                  <dgm:chPref val="3"/>
+                </dgm:varLst>
+                <dgm:alg type="tx"/>
+                <dgm:shape xmlns:r="http://schemas.openxmlformats.org/officeDocument/2006/relationships" type="roundRect" r:blip="">
+                  <dgm:adjLst>
+                    <dgm:adj idx="1" val="0.1"/>
+                  </dgm:adjLst>
+                </dgm:shape>
+                <dgm:presOf axis="self"/>
+                <dgm:constrLst>
+                  <dgm:constr type="userH"/>
+                  <dgm:constr type="h" refType="userH"/>
+                  <dgm:constr type="tMarg" refType="primFontSz" fact="0.3"/>
+                  <dgm:constr type="bMarg" refType="primFontSz" fact="0.3"/>
+                  <dgm:constr type="lMarg" refType="primFontSz" fact="0.3"/>
+                  <dgm:constr type="rMarg" refType="primFontSz" fact="0.3"/>
+                </dgm:constrLst>
+                <dgm:ruleLst>
+                  <dgm:rule type="primFontSz" val="5" fact="NaN" max="NaN"/>
+                </dgm:ruleLst>
+              </dgm:layoutNode>
+              <dgm:choose name="Name12">
+                <dgm:if name="Name13" axis="des" ptType="node" func="cnt" op="gt" val="0">
+                  <dgm:layoutNode name="parTransTwo">
+                    <dgm:alg type="sp"/>
+                    <dgm:shape xmlns:r="http://schemas.openxmlformats.org/officeDocument/2006/relationships" r:blip="">
+                      <dgm:adjLst/>
+                    </dgm:shape>
+                    <dgm:presOf/>
+                    <dgm:constrLst/>
+                    <dgm:ruleLst/>
+                  </dgm:layoutNode>
+                </dgm:if>
+                <dgm:else name="Name14"/>
+              </dgm:choose>
+              <dgm:layoutNode name="horzTwo">
+                <dgm:choose name="Name15">
+                  <dgm:if name="Name16" func="var" arg="dir" op="equ" val="norm">
+                    <dgm:alg type="lin">
+                      <dgm:param type="linDir" val="fromL"/>
+                      <dgm:param type="nodeVertAlign" val="t"/>
+                    </dgm:alg>
+                  </dgm:if>
+                  <dgm:else name="Name17">
+                    <dgm:alg type="lin">
+                      <dgm:param type="linDir" val="fromR"/>
+                      <dgm:param type="nodeVertAlign" val="t"/>
+                    </dgm:alg>
+                  </dgm:else>
+                </dgm:choose>
+                <dgm:shape xmlns:r="http://schemas.openxmlformats.org/officeDocument/2006/relationships" r:blip="">
+                  <dgm:adjLst/>
+                </dgm:shape>
+                <dgm:presOf/>
+                <dgm:constrLst/>
+                <dgm:ruleLst>
+                  <dgm:rule type="w" val="INF" fact="NaN" max="NaN"/>
+                </dgm:ruleLst>
+                <dgm:forEach name="Name18" axis="ch" ptType="node">
+                  <dgm:layoutNode name="vertThree">
+                    <dgm:alg type="lin">
+                      <dgm:param type="linDir" val="fromT"/>
+                    </dgm:alg>
+                    <dgm:shape xmlns:r="http://schemas.openxmlformats.org/officeDocument/2006/relationships" r:blip="">
+                      <dgm:adjLst/>
+                    </dgm:shape>
+                    <dgm:presOf/>
+                    <dgm:constrLst>
+                      <dgm:constr type="w" for="ch" forName="txThree" refType="w" refFor="ch" refForName="horzThree" op="gte"/>
+                    </dgm:constrLst>
+                    <dgm:ruleLst/>
+                    <dgm:layoutNode name="txThree">
+                      <dgm:varLst>
+                        <dgm:chPref val="3"/>
+                      </dgm:varLst>
+                      <dgm:alg type="tx"/>
+                      <dgm:shape xmlns:r="http://schemas.openxmlformats.org/officeDocument/2006/relationships" type="roundRect" r:blip="">
+                        <dgm:adjLst>
+                          <dgm:adj idx="1" val="0.1"/>
+                        </dgm:adjLst>
+                      </dgm:shape>
+                      <dgm:presOf axis="self"/>
+                      <dgm:constrLst>
+                        <dgm:constr type="userH"/>
+                        <dgm:constr type="h" refType="userH"/>
+                        <dgm:constr type="tMarg" refType="primFontSz" fact="0.3"/>
+                        <dgm:constr type="bMarg" refType="primFontSz" fact="0.3"/>
+                        <dgm:constr type="lMarg" refType="primFontSz" fact="0.3"/>
+                        <dgm:constr type="rMarg" refType="primFontSz" fact="0.3"/>
+                      </dgm:constrLst>
+                      <dgm:ruleLst>
+                        <dgm:rule type="primFontSz" val="5" fact="NaN" max="NaN"/>
+                      </dgm:ruleLst>
+                    </dgm:layoutNode>
+                    <dgm:choose name="Name19">
+                      <dgm:if name="Name20" axis="des" ptType="node" func="cnt" op="gt" val="0">
+                        <dgm:layoutNode name="parTransThree">
+                          <dgm:alg type="sp"/>
+                          <dgm:shape xmlns:r="http://schemas.openxmlformats.org/officeDocument/2006/relationships" r:blip="">
+                            <dgm:adjLst/>
+                          </dgm:shape>
+                          <dgm:presOf/>
+                          <dgm:constrLst/>
+                          <dgm:ruleLst/>
+                        </dgm:layoutNode>
+                      </dgm:if>
+                      <dgm:else name="Name21"/>
+                    </dgm:choose>
+                    <dgm:layoutNode name="horzThree">
+                      <dgm:choose name="Name22">
+                        <dgm:if name="Name23" func="var" arg="dir" op="equ" val="norm">
+                          <dgm:alg type="lin">
+                            <dgm:param type="linDir" val="fromL"/>
+                            <dgm:param type="nodeVertAlign" val="t"/>
+                          </dgm:alg>
+                        </dgm:if>
+                        <dgm:else name="Name24">
+                          <dgm:alg type="lin">
+                            <dgm:param type="linDir" val="fromR"/>
+                            <dgm:param type="nodeVertAlign" val="t"/>
+                          </dgm:alg>
+                        </dgm:else>
+                      </dgm:choose>
+                      <dgm:shape xmlns:r="http://schemas.openxmlformats.org/officeDocument/2006/relationships" r:blip="">
+                        <dgm:adjLst/>
+                      </dgm:shape>
+                      <dgm:presOf/>
+                      <dgm:constrLst/>
+                      <dgm:ruleLst>
+                        <dgm:rule type="w" val="INF" fact="NaN" max="NaN"/>
+                      </dgm:ruleLst>
+                      <dgm:forEach name="repeat" axis="ch" ptType="node">
+                        <dgm:layoutNode name="vertFour">
+                          <dgm:varLst>
+                            <dgm:chPref val="3"/>
+                          </dgm:varLst>
+                          <dgm:alg type="lin">
+                            <dgm:param type="linDir" val="fromT"/>
+                          </dgm:alg>
+                          <dgm:shape xmlns:r="http://schemas.openxmlformats.org/officeDocument/2006/relationships" r:blip="">
+                            <dgm:adjLst/>
+                          </dgm:shape>
+                          <dgm:presOf/>
+                          <dgm:constrLst>
+                            <dgm:constr type="w" for="ch" forName="txFour" refType="w" refFor="ch" refForName="horzFour" op="gte"/>
+                          </dgm:constrLst>
+                          <dgm:ruleLst/>
+                          <dgm:layoutNode name="txFour">
+                            <dgm:varLst>
+                              <dgm:chPref val="3"/>
+                            </dgm:varLst>
+                            <dgm:alg type="tx"/>
+                            <dgm:shape xmlns:r="http://schemas.openxmlformats.org/officeDocument/2006/relationships" type="roundRect" r:blip="">
+                              <dgm:adjLst>
+                                <dgm:adj idx="1" val="0.1"/>
+                              </dgm:adjLst>
+                            </dgm:shape>
+                            <dgm:presOf axis="self"/>
+                            <dgm:constrLst>
+                              <dgm:constr type="userH"/>
+                              <dgm:constr type="h" refType="userH"/>
+                              <dgm:constr type="tMarg" refType="primFontSz" fact="0.3"/>
+                              <dgm:constr type="bMarg" refType="primFontSz" fact="0.3"/>
+                              <dgm:constr type="lMarg" refType="primFontSz" fact="0.3"/>
+                              <dgm:constr type="rMarg" refType="primFontSz" fact="0.3"/>
+                            </dgm:constrLst>
+                            <dgm:ruleLst>
+                              <dgm:rule type="primFontSz" val="5" fact="NaN" max="NaN"/>
+                            </dgm:ruleLst>
+                          </dgm:layoutNode>
+                          <dgm:choose name="Name25">
+                            <dgm:if name="Name26" axis="des" ptType="node" func="cnt" op="gt" val="0">
+                              <dgm:layoutNode name="parTransFour">
+                                <dgm:alg type="sp"/>
+                                <dgm:shape xmlns:r="http://schemas.openxmlformats.org/officeDocument/2006/relationships" r:blip="">
+                                  <dgm:adjLst/>
+                                </dgm:shape>
+                                <dgm:presOf/>
+                                <dgm:constrLst/>
+                                <dgm:ruleLst/>
+                              </dgm:layoutNode>
+                            </dgm:if>
+                            <dgm:else name="Name27"/>
+                          </dgm:choose>
+                          <dgm:layoutNode name="horzFour">
+                            <dgm:choose name="Name28">
+                              <dgm:if name="Name29" func="var" arg="dir" op="equ" val="norm">
+                                <dgm:alg type="lin">
+                                  <dgm:param type="linDir" val="fromL"/>
+                                  <dgm:param type="nodeVertAlign" val="t"/>
+                                </dgm:alg>
+                              </dgm:if>
+                              <dgm:else name="Name30">
+                                <dgm:alg type="lin">
+                                  <dgm:param type="linDir" val="fromR"/>
+                                  <dgm:param type="nodeVertAlign" val="t"/>
+                                </dgm:alg>
+                              </dgm:else>
+                            </dgm:choose>
+                            <dgm:shape xmlns:r="http://schemas.openxmlformats.org/officeDocument/2006/relationships" r:blip="">
+                              <dgm:adjLst/>
+                            </dgm:shape>
+                            <dgm:presOf/>
+                            <dgm:constrLst/>
+                            <dgm:ruleLst>
+                              <dgm:rule type="w" val="INF" fact="NaN" max="NaN"/>
+                            </dgm:ruleLst>
+                            <dgm:forEach name="Name31" ref="repeat"/>
+                          </dgm:layoutNode>
+                        </dgm:layoutNode>
+                        <dgm:choose name="Name32">
+                          <dgm:if name="Name33" axis="self" ptType="node" func="revPos" op="gte" val="2">
+                            <dgm:forEach name="Name34" axis="followSib" ptType="sibTrans" cnt="1">
+                              <dgm:layoutNode name="sibSpaceFour">
+                                <dgm:alg type="sp"/>
+                                <dgm:shape xmlns:r="http://schemas.openxmlformats.org/officeDocument/2006/relationships" r:blip="">
+                                  <dgm:adjLst/>
+                                </dgm:shape>
+                                <dgm:presOf/>
+                                <dgm:constrLst/>
+                                <dgm:ruleLst/>
+                              </dgm:layoutNode>
+                            </dgm:forEach>
+                          </dgm:if>
+                          <dgm:else name="Name35"/>
+                        </dgm:choose>
+                      </dgm:forEach>
+                    </dgm:layoutNode>
+                  </dgm:layoutNode>
+                  <dgm:choose name="Name36">
+                    <dgm:if name="Name37" axis="self" ptType="node" func="revPos" op="gte" val="2">
+                      <dgm:forEach name="Name38" axis="followSib" ptType="sibTrans" cnt="1">
+                        <dgm:layoutNode name="sibSpaceThree">
+                          <dgm:alg type="sp"/>
+                          <dgm:shape xmlns:r="http://schemas.openxmlformats.org/officeDocument/2006/relationships" r:blip="">
+                            <dgm:adjLst/>
+                          </dgm:shape>
+                          <dgm:presOf/>
+                          <dgm:constrLst/>
+                          <dgm:ruleLst/>
+                        </dgm:layoutNode>
+                      </dgm:forEach>
+                    </dgm:if>
+                    <dgm:else name="Name39"/>
+                  </dgm:choose>
+                </dgm:forEach>
+              </dgm:layoutNode>
+            </dgm:layoutNode>
+            <dgm:choose name="Name40">
+              <dgm:if name="Name41" axis="self" ptType="node" func="revPos" op="gte" val="2">
+                <dgm:forEach name="Name42" axis="followSib" ptType="sibTrans" cnt="1">
+                  <dgm:layoutNode name="sibSpaceTwo">
+                    <dgm:alg type="sp"/>
+                    <dgm:shape xmlns:r="http://schemas.openxmlformats.org/officeDocument/2006/relationships" r:blip="">
+                      <dgm:adjLst/>
+                    </dgm:shape>
+                    <dgm:presOf/>
+                    <dgm:constrLst/>
+                    <dgm:ruleLst/>
+                  </dgm:layoutNode>
+                </dgm:forEach>
+              </dgm:if>
+              <dgm:else name="Name43"/>
+            </dgm:choose>
+          </dgm:forEach>
+        </dgm:layoutNode>
+      </dgm:layoutNode>
+      <dgm:choose name="Name44">
+        <dgm:if name="Name45" axis="self" ptType="node" func="revPos" op="gte" val="2">
+          <dgm:forEach name="Name46" axis="followSib" ptType="sibTrans" cnt="1">
+            <dgm:layoutNode name="sibSpaceOne">
+              <dgm:alg type="sp"/>
+              <dgm:shape xmlns:r="http://schemas.openxmlformats.org/officeDocument/2006/relationships" r:blip="">
+                <dgm:adjLst/>
+              </dgm:shape>
+              <dgm:presOf/>
+              <dgm:constrLst/>
+              <dgm:ruleLst/>
+            </dgm:layoutNode>
+          </dgm:forEach>
+        </dgm:if>
+        <dgm:else name="Name47"/>
+      </dgm:choose>
+    </dgm:forEach>
+  </dgm:layoutNode>
+</dgm:layoutDef>
+</file>
+
+<file path=ppt/diagrams/quickStyle1.xml><?xml version="1.0" encoding="utf-8"?>
+<dgm:styleDef xmlns:dgm="http://schemas.openxmlformats.org/drawingml/2006/diagram" xmlns:a="http://schemas.openxmlformats.org/drawingml/2006/main" uniqueId="urn:microsoft.com/office/officeart/2005/8/quickstyle/simple3">
+  <dgm:title val=""/>
+  <dgm:desc val=""/>
+  <dgm:catLst>
+    <dgm:cat type="simple" pri="10300"/>
+  </dgm:catLst>
+  <dgm:scene3d>
+    <a:camera prst="orthographicFront"/>
+    <a:lightRig rig="threePt" dir="t"/>
+  </dgm:scene3d>
+  <dgm:styleLbl name="node0">
+    <dgm:scene3d>
+      <a:camera prst="orthographicFront"/>
+      <a:lightRig rig="flat" dir="t"/>
+    </dgm:scene3d>
+    <dgm:sp3d prstMaterial="dkEdge">
+      <a:bevelT w="8200" h="38100"/>
+    </dgm:sp3d>
+    <dgm:txPr/>
+    <dgm:style>
+      <a:lnRef idx="0">
+        <a:scrgbClr r="0" g="0" b="0"/>
+      </a:lnRef>
+      <a:fillRef idx="2">
+        <a:scrgbClr r="0" g="0" b="0"/>
+      </a:fillRef>
+      <a:effectRef idx="1">
+        <a:scrgbClr r="0" g="0" b="0"/>
+      </a:effectRef>
+      <a:fontRef idx="minor">
+        <a:schemeClr val="dk1"/>
+      </a:fontRef>
+    </dgm:style>
+  </dgm:styleLbl>
+  <dgm:styleLbl name="lnNode1">
+    <dgm:scene3d>
+      <a:camera prst="orthographicFront"/>
+      <a:lightRig rig="flat" dir="t"/>
+    </dgm:scene3d>
+    <dgm:sp3d prstMaterial="dkEdge">
+      <a:bevelT w="8200" h="38100"/>
+    </dgm:sp3d>
+    <dgm:txPr/>
+    <dgm:style>
+      <a:lnRef idx="1">
+        <a:scrgbClr r="0" g="0" b="0"/>
+      </a:lnRef>
+      <a:fillRef idx="2">
+        <a:scrgbClr r="0" g="0" b="0"/>
+      </a:fillRef>
+      <a:effectRef idx="0">
+        <a:scrgbClr r="0" g="0" b="0"/>
+      </a:effectRef>
+      <a:fontRef idx="minor">
+        <a:schemeClr val="dk1"/>
+      </a:fontRef>
+    </dgm:style>
+  </dgm:styleLbl>
+  <dgm:styleLbl name="vennNode1">
+    <dgm:scene3d>
+      <a:camera prst="orthographicFront"/>
+      <a:lightRig rig="flat" dir="t"/>
+    </dgm:scene3d>
+    <dgm:sp3d prstMaterial="dkEdge">
+      <a:bevelT w="8200" h="38100"/>
+    </dgm:sp3d>
+    <dgm:txPr/>
+    <dgm:style>
+      <a:lnRef idx="0">
+        <a:scrgbClr r="0" g="0" b="0"/>
+      </a:lnRef>
+      <a:fillRef idx="2">
+        <a:scrgbClr r="0" g="0" b="0"/>
+      </a:fillRef>
+      <a:effectRef idx="0">
+        <a:scrgbClr r="0" g="0" b="0"/>
+      </a:effectRef>
+      <a:fontRef idx="minor">
+        <a:schemeClr val="tx1"/>
+      </a:fontRef>
+    </dgm:style>
+  </dgm:styleLbl>
+  <dgm:styleLbl name="alignNode1">
+    <dgm:scene3d>
+      <a:camera prst="orthographicFront"/>
+      <a:lightRig rig="threePt" dir="t"/>
+    </dgm:scene3d>
+    <dgm:sp3d/>
+    <dgm:txPr/>
+    <dgm:style>
+      <a:lnRef idx="1">
+        <a:scrgbClr r="0" g="0" b="0"/>
+      </a:lnRef>
+      <a:fillRef idx="2">
+        <a:scrgbClr r="0" g="0" b="0"/>
+      </a:fillRef>
+      <a:effectRef idx="1">
+        <a:scrgbClr r="0" g="0" b="0"/>
+      </a:effectRef>
+      <a:fontRef idx="minor">
+        <a:schemeClr val="dk1"/>
+      </a:fontRef>
+    </dgm:style>
+  </dgm:styleLbl>
+  <dgm:styleLbl name="node1">
+    <dgm:scene3d>
+      <a:camera prst="orthographicFront"/>
+      <a:lightRig rig="flat" dir="t"/>
+    </dgm:scene3d>
+    <dgm:sp3d prstMaterial="dkEdge">
+      <a:bevelT w="8200" h="38100"/>
+    </dgm:sp3d>
+    <dgm:txPr/>
+    <dgm:style>
+      <a:lnRef idx="0">
+        <a:scrgbClr r="0" g="0" b="0"/>
+      </a:lnRef>
+      <a:fillRef idx="2">
+        <a:scrgbClr r="0" g="0" b="0"/>
+      </a:fillRef>
+      <a:effectRef idx="1">
+        <a:scrgbClr r="0" g="0" b="0"/>
+      </a:effectRef>
+      <a:fontRef idx="minor">
+        <a:schemeClr val="dk1"/>
+      </a:fontRef>
+    </dgm:style>
+  </dgm:styleLbl>
+  <dgm:styleLbl name="node2">
+    <dgm:scene3d>
+      <a:camera prst="orthographicFront"/>
+      <a:lightRig rig="flat" dir="t"/>
+    </dgm:scene3d>
+    <dgm:sp3d prstMaterial="dkEdge">
+      <a:bevelT w="8200" h="38100"/>
+    </dgm:sp3d>
+    <dgm:txPr/>
+    <dgm:style>
+      <a:lnRef idx="0">
+        <a:scrgbClr r="0" g="0" b="0"/>
+      </a:lnRef>
+      <a:fillRef idx="2">
+        <a:scrgbClr r="0" g="0" b="0"/>
+      </a:fillRef>
+      <a:effectRef idx="1">
+        <a:scrgbClr r="0" g="0" b="0"/>
+      </a:effectRef>
+      <a:fontRef idx="minor">
+        <a:schemeClr val="dk1"/>
+      </a:fontRef>
+    </dgm:style>
+  </dgm:styleLbl>
+  <dgm:styleLbl name="node3">
+    <dgm:scene3d>
+      <a:camera prst="orthographicFront"/>
+      <a:lightRig rig="flat" dir="t"/>
+    </dgm:scene3d>
+    <dgm:sp3d prstMaterial="dkEdge">
+      <a:bevelT w="8200" h="38100"/>
+    </dgm:sp3d>
+    <dgm:txPr/>
+    <dgm:style>
+      <a:lnRef idx="0">
+        <a:scrgbClr r="0" g="0" b="0"/>
+      </a:lnRef>
+      <a:fillRef idx="2">
+        <a:scrgbClr r="0" g="0" b="0"/>
+      </a:fillRef>
+      <a:effectRef idx="1">
+        <a:scrgbClr r="0" g="0" b="0"/>
+      </a:effectRef>
+      <a:fontRef idx="minor">
+        <a:schemeClr val="dk1"/>
+      </a:fontRef>
+    </dgm:style>
+  </dgm:styleLbl>
+  <dgm:styleLbl name="node4">
+    <dgm:scene3d>
+      <a:camera prst="orthographicFront"/>
+      <a:lightRig rig="flat" dir="t"/>
+    </dgm:scene3d>
+    <dgm:sp3d prstMaterial="dkEdge">
+      <a:bevelT w="8200" h="38100"/>
+    </dgm:sp3d>
+    <dgm:txPr/>
+    <dgm:style>
+      <a:lnRef idx="0">
+        <a:scrgbClr r="0" g="0" b="0"/>
+      </a:lnRef>
+      <a:fillRef idx="2">
+        <a:scrgbClr r="0" g="0" b="0"/>
+      </a:fillRef>
+      <a:effectRef idx="1">
+        <a:scrgbClr r="0" g="0" b="0"/>
+      </a:effectRef>
+      <a:fontRef idx="minor">
+        <a:schemeClr val="dk1"/>
+      </a:fontRef>
+    </dgm:style>
+  </dgm:styleLbl>
+  <dgm:styleLbl name="fgImgPlace1">
+    <dgm:scene3d>
+      <a:camera prst="orthographicFront"/>
+      <a:lightRig rig="threePt" dir="t"/>
+    </dgm:scene3d>
+    <dgm:sp3d/>
+    <dgm:txPr/>
+    <dgm:style>
+      <a:lnRef idx="1">
+        <a:scrgbClr r="0" g="0" b="0"/>
+      </a:lnRef>
+      <a:fillRef idx="1">
+        <a:scrgbClr r="0" g="0" b="0"/>
+      </a:fillRef>
+      <a:effectRef idx="1">
+        <a:scrgbClr r="0" g="0" b="0"/>
+      </a:effectRef>
+      <a:fontRef idx="minor"/>
+    </dgm:style>
+  </dgm:styleLbl>
+  <dgm:styleLbl name="alignImgPlace1">
+    <dgm:scene3d>
+      <a:camera prst="orthographicFront"/>
+      <a:lightRig rig="threePt" dir="t"/>
+    </dgm:scene3d>
+    <dgm:sp3d/>
+    <dgm:txPr/>
+    <dgm:style>
+      <a:lnRef idx="1">
+        <a:scrgbClr r="0" g="0" b="0"/>
+      </a:lnRef>
+      <a:fillRef idx="1">
+        <a:scrgbClr r="0" g="0" b="0"/>
+      </a:fillRef>
+      <a:effectRef idx="1">
+        <a:scrgbClr r="0" g="0" b="0"/>
+      </a:effectRef>
+      <a:fontRef idx="minor"/>
+    </dgm:style>
+  </dgm:styleLbl>
+  <dgm:styleLbl name="bgImgPlace1">
+    <dgm:scene3d>
+      <a:camera prst="orthographicFront"/>
+      <a:lightRig rig="threePt" dir="t"/>
+    </dgm:scene3d>
+    <dgm:sp3d/>
+    <dgm:txPr/>
+    <dgm:style>
+      <a:lnRef idx="1">
+        <a:scrgbClr r="0" g="0" b="0"/>
+      </a:lnRef>
+      <a:fillRef idx="1">
+        <a:scrgbClr r="0" g="0" b="0"/>
+      </a:fillRef>
+      <a:effectRef idx="1">
+        <a:scrgbClr r="0" g="0" b="0"/>
+      </a:effectRef>
+      <a:fontRef idx="minor"/>
+    </dgm:style>
+  </dgm:styleLbl>
+  <dgm:styleLbl name="sibTrans2D1">
+    <dgm:scene3d>
+      <a:camera prst="orthographicFront"/>
+      <a:lightRig rig="threePt" dir="t"/>
+    </dgm:scene3d>
+    <dgm:sp3d/>
+    <dgm:txPr/>
+    <dgm:style>
+      <a:lnRef idx="0">
+        <a:scrgbClr r="0" g="0" b="0"/>
+      </a:lnRef>
+      <a:fillRef idx="2">
+        <a:scrgbClr r="0" g="0" b="0"/>
+      </a:fillRef>
+      <a:effectRef idx="1">
+        <a:scrgbClr r="0" g="0" b="0"/>
+      </a:effectRef>
+      <a:fontRef idx="minor">
+        <a:schemeClr val="dk1"/>
+      </a:fontRef>
+    </dgm:style>
+  </dgm:styleLbl>
+  <dgm:styleLbl name="fgSibTrans2D1">
+    <dgm:scene3d>
+      <a:camera prst="orthographicFront"/>
+      <a:lightRig rig="threePt" dir="t"/>
+    </dgm:scene3d>
+    <dgm:sp3d/>
+    <dgm:txPr/>
+    <dgm:style>
+      <a:lnRef idx="0">
+        <a:scrgbClr r="0" g="0" b="0"/>
+      </a:lnRef>
+      <a:fillRef idx="2">
+        <a:scrgbClr r="0" g="0" b="0"/>
+      </a:fillRef>
+      <a:effectRef idx="1">
+        <a:scrgbClr r="0" g="0" b="0"/>
+      </a:effectRef>
+      <a:fontRef idx="minor">
+        <a:schemeClr val="dk1"/>
+      </a:fontRef>
+    </dgm:style>
+  </dgm:styleLbl>
+  <dgm:styleLbl name="bgSibTrans2D1">
+    <dgm:scene3d>
+      <a:camera prst="orthographicFront"/>
+      <a:lightRig rig="threePt" dir="t"/>
+    </dgm:scene3d>
+    <dgm:sp3d/>
+    <dgm:txPr/>
+    <dgm:style>
+      <a:lnRef idx="0">
+        <a:scrgbClr r="0" g="0" b="0"/>
+      </a:lnRef>
+      <a:fillRef idx="2">
+        <a:scrgbClr r="0" g="0" b="0"/>
+      </a:fillRef>
+      <a:effectRef idx="1">
+        <a:scrgbClr r="0" g="0" b="0"/>
+      </a:effectRef>
+      <a:fontRef idx="minor">
+        <a:schemeClr val="dk1"/>
+      </a:fontRef>
+    </dgm:style>
+  </dgm:styleLbl>
+  <dgm:styleLbl name="sibTrans1D1">
+    <dgm:scene3d>
+      <a:camera prst="orthographicFront"/>
+      <a:lightRig rig="threePt" dir="t"/>
+    </dgm:scene3d>
+    <dgm:sp3d/>
+    <dgm:txPr/>
+    <dgm:style>
+      <a:lnRef idx="1">
+        <a:scrgbClr r="0" g="0" b="0"/>
+      </a:lnRef>
+      <a:fillRef idx="0">
+        <a:scrgbClr r="0" g="0" b="0"/>
+      </a:fillRef>
+      <a:effectRef idx="0">
+        <a:scrgbClr r="0" g="0" b="0"/>
+      </a:effectRef>
+      <a:fontRef idx="minor"/>
+    </dgm:style>
+  </dgm:styleLbl>
+  <dgm:styleLbl name="callout">
+    <dgm:scene3d>
+      <a:camera prst="orthographicFront"/>
+      <a:lightRig rig="threePt" dir="t"/>
+    </dgm:scene3d>
+    <dgm:sp3d/>
+    <dgm:txPr/>
+    <dgm:style>
+      <a:lnRef idx="1">
+        <a:scrgbClr r="0" g="0" b="0"/>
+      </a:lnRef>
+      <a:fillRef idx="2">
+        <a:scrgbClr r="0" g="0" b="0"/>
+      </a:fillRef>
+      <a:effectRef idx="1">
+        <a:scrgbClr r="0" g="0" b="0"/>
+      </a:effectRef>
+      <a:fontRef idx="minor"/>
+    </dgm:style>
+  </dgm:styleLbl>
+  <dgm:styleLbl name="asst0">
+    <dgm:scene3d>
+      <a:camera prst="orthographicFront"/>
+      <a:lightRig rig="flat" dir="t"/>
+    </dgm:scene3d>
+    <dgm:sp3d prstMaterial="dkEdge">
+      <a:bevelT w="8200" h="38100"/>
+    </dgm:sp3d>
+    <dgm:txPr/>
+    <dgm:style>
+      <a:lnRef idx="0">
+        <a:scrgbClr r="0" g="0" b="0"/>
+      </a:lnRef>
+      <a:fillRef idx="2">
+        <a:scrgbClr r="0" g="0" b="0"/>
+      </a:fillRef>
+      <a:effectRef idx="1">
+        <a:scrgbClr r="0" g="0" b="0"/>
+      </a:effectRef>
+      <a:fontRef idx="minor">
+        <a:schemeClr val="dk1"/>
+      </a:fontRef>
+    </dgm:style>
+  </dgm:styleLbl>
+  <dgm:styleLbl name="asst1">
+    <dgm:scene3d>
+      <a:camera prst="orthographicFront"/>
+      <a:lightRig rig="flat" dir="t"/>
+    </dgm:scene3d>
+    <dgm:sp3d prstMaterial="dkEdge">
+      <a:bevelT w="8200" h="38100"/>
+    </dgm:sp3d>
+    <dgm:txPr/>
+    <dgm:style>
+      <a:lnRef idx="0">
+        <a:scrgbClr r="0" g="0" b="0"/>
+      </a:lnRef>
+      <a:fillRef idx="2">
+        <a:scrgbClr r="0" g="0" b="0"/>
+      </a:fillRef>
+      <a:effectRef idx="1">
+        <a:scrgbClr r="0" g="0" b="0"/>
+      </a:effectRef>
+      <a:fontRef idx="minor">
+        <a:schemeClr val="dk1"/>
+      </a:fontRef>
+    </dgm:style>
+  </dgm:styleLbl>
+  <dgm:styleLbl name="asst2">
+    <dgm:scene3d>
+      <a:camera prst="orthographicFront"/>
+      <a:lightRig rig="flat" dir="t"/>
+    </dgm:scene3d>
+    <dgm:sp3d prstMaterial="dkEdge">
+      <a:bevelT w="8200" h="38100"/>
+    </dgm:sp3d>
+    <dgm:txPr/>
+    <dgm:style>
+      <a:lnRef idx="0">
+        <a:scrgbClr r="0" g="0" b="0"/>
+      </a:lnRef>
+      <a:fillRef idx="2">
+        <a:scrgbClr r="0" g="0" b="0"/>
+      </a:fillRef>
+      <a:effectRef idx="1">
+        <a:scrgbClr r="0" g="0" b="0"/>
+      </a:effectRef>
+      <a:fontRef idx="minor">
+        <a:schemeClr val="dk1"/>
+      </a:fontRef>
+    </dgm:style>
+  </dgm:styleLbl>
+  <dgm:styleLbl name="asst3">
+    <dgm:scene3d>
+      <a:camera prst="orthographicFront"/>
+      <a:lightRig rig="flat" dir="t"/>
+    </dgm:scene3d>
+    <dgm:sp3d prstMaterial="dkEdge">
+      <a:bevelT w="8200" h="38100"/>
+    </dgm:sp3d>
+    <dgm:txPr/>
+    <dgm:style>
+      <a:lnRef idx="0">
+        <a:scrgbClr r="0" g="0" b="0"/>
+      </a:lnRef>
+      <a:fillRef idx="2">
+        <a:scrgbClr r="0" g="0" b="0"/>
+      </a:fillRef>
+      <a:effectRef idx="1">
+        <a:scrgbClr r="0" g="0" b="0"/>
+      </a:effectRef>
+      <a:fontRef idx="minor">
+        <a:schemeClr val="dk1"/>
+      </a:fontRef>
+    </dgm:style>
+  </dgm:styleLbl>
+  <dgm:styleLbl name="asst4">
+    <dgm:scene3d>
+      <a:camera prst="orthographicFront"/>
+      <a:lightRig rig="flat" dir="t"/>
+    </dgm:scene3d>
+    <dgm:sp3d prstMaterial="dkEdge">
+      <a:bevelT w="8200" h="38100"/>
+    </dgm:sp3d>
+    <dgm:txPr/>
+    <dgm:style>
+      <a:lnRef idx="0">
+        <a:scrgbClr r="0" g="0" b="0"/>
+      </a:lnRef>
+      <a:fillRef idx="2">
+        <a:scrgbClr r="0" g="0" b="0"/>
+      </a:fillRef>
+      <a:effectRef idx="1">
+        <a:scrgbClr r="0" g="0" b="0"/>
+      </a:effectRef>
+      <a:fontRef idx="minor">
+        <a:schemeClr val="dk1"/>
+      </a:fontRef>
+    </dgm:style>
+  </dgm:styleLbl>
+  <dgm:styleLbl name="parChTrans2D1">
+    <dgm:scene3d>
+      <a:camera prst="orthographicFront"/>
+      <a:lightRig rig="threePt" dir="t"/>
+    </dgm:scene3d>
+    <dgm:sp3d/>
+    <dgm:txPr/>
+    <dgm:style>
+      <a:lnRef idx="1">
+        <a:scrgbClr r="0" g="0" b="0"/>
+      </a:lnRef>
+      <a:fillRef idx="2">
+        <a:scrgbClr r="0" g="0" b="0"/>
+      </a:fillRef>
+      <a:effectRef idx="1">
+        <a:scrgbClr r="0" g="0" b="0"/>
+      </a:effectRef>
+      <a:fontRef idx="minor">
+        <a:schemeClr val="dk1"/>
+      </a:fontRef>
+    </dgm:style>
+  </dgm:styleLbl>
+  <dgm:styleLbl name="parChTrans2D2">
+    <dgm:scene3d>
+      <a:camera prst="orthographicFront"/>
+      <a:lightRig rig="threePt" dir="t"/>
+    </dgm:scene3d>
+    <dgm:sp3d/>
+    <dgm:txPr/>
+    <dgm:style>
+      <a:lnRef idx="1">
+        <a:scrgbClr r="0" g="0" b="0"/>
+      </a:lnRef>
+      <a:fillRef idx="2">
+        <a:scrgbClr r="0" g="0" b="0"/>
+      </a:fillRef>
+      <a:effectRef idx="1">
+        <a:scrgbClr r="0" g="0" b="0"/>
+      </a:effectRef>
+      <a:fontRef idx="minor">
+        <a:schemeClr val="dk1"/>
+      </a:fontRef>
+    </dgm:style>
+  </dgm:styleLbl>
+  <dgm:styleLbl name="parChTrans2D3">
+    <dgm:scene3d>
+      <a:camera prst="orthographicFront"/>
+      <a:lightRig rig="threePt" dir="t"/>
+    </dgm:scene3d>
+    <dgm:sp3d/>
+    <dgm:txPr/>
+    <dgm:style>
+      <a:lnRef idx="1">
+        <a:scrgbClr r="0" g="0" b="0"/>
+      </a:lnRef>
+      <a:fillRef idx="2">
+        <a:scrgbClr r="0" g="0" b="0"/>
+      </a:fillRef>
+      <a:effectRef idx="1">
+        <a:scrgbClr r="0" g="0" b="0"/>
+      </a:effectRef>
+      <a:fontRef idx="minor">
+        <a:schemeClr val="dk1"/>
+      </a:fontRef>
+    </dgm:style>
+  </dgm:styleLbl>
+  <dgm:styleLbl name="parChTrans2D4">
+    <dgm:scene3d>
+      <a:camera prst="orthographicFront"/>
+      <a:lightRig rig="threePt" dir="t"/>
+    </dgm:scene3d>
+    <dgm:sp3d/>
+    <dgm:txPr/>
+    <dgm:style>
+      <a:lnRef idx="1">
+        <a:scrgbClr r="0" g="0" b="0"/>
+      </a:lnRef>
+      <a:fillRef idx="2">
+        <a:scrgbClr r="0" g="0" b="0"/>
+      </a:fillRef>
+      <a:effectRef idx="1">
+        <a:scrgbClr r="0" g="0" b="0"/>
+      </a:effectRef>
+      <a:fontRef idx="minor">
+        <a:schemeClr val="dk1"/>
+      </a:fontRef>
+    </dgm:style>
+  </dgm:styleLbl>
+  <dgm:styleLbl name="parChTrans1D1">
+    <dgm:scene3d>
+      <a:camera prst="orthographicFront"/>
+      <a:lightRig rig="threePt" dir="t"/>
+    </dgm:scene3d>
+    <dgm:sp3d/>
+    <dgm:txPr/>
+    <dgm:style>
+      <a:lnRef idx="2">
+        <a:scrgbClr r="0" g="0" b="0"/>
+      </a:lnRef>
+      <a:fillRef idx="0">
+        <a:scrgbClr r="0" g="0" b="0"/>
+      </a:fillRef>
+      <a:effectRef idx="0">
+        <a:scrgbClr r="0" g="0" b="0"/>
+      </a:effectRef>
+      <a:fontRef idx="minor"/>
+    </dgm:style>
+  </dgm:styleLbl>
+  <dgm:styleLbl name="parChTrans1D2">
+    <dgm:scene3d>
+      <a:camera prst="orthographicFront"/>
+      <a:lightRig rig="threePt" dir="t"/>
+    </dgm:scene3d>
+    <dgm:sp3d/>
+    <dgm:txPr/>
+    <dgm:style>
+      <a:lnRef idx="2">
+        <a:scrgbClr r="0" g="0" b="0"/>
+      </a:lnRef>
+      <a:fillRef idx="0">
+        <a:scrgbClr r="0" g="0" b="0"/>
+      </a:fillRef>
+      <a:effectRef idx="0">
+        <a:scrgbClr r="0" g="0" b="0"/>
+      </a:effectRef>
+      <a:fontRef idx="minor"/>
+    </dgm:style>
+  </dgm:styleLbl>
+  <dgm:styleLbl name="parChTrans1D3">
+    <dgm:scene3d>
+      <a:camera prst="orthographicFront"/>
+      <a:lightRig rig="threePt" dir="t"/>
+    </dgm:scene3d>
+    <dgm:sp3d/>
+    <dgm:txPr/>
+    <dgm:style>
+      <a:lnRef idx="2">
+        <a:scrgbClr r="0" g="0" b="0"/>
+      </a:lnRef>
+      <a:fillRef idx="0">
+        <a:scrgbClr r="0" g="0" b="0"/>
+      </a:fillRef>
+      <a:effectRef idx="0">
+        <a:scrgbClr r="0" g="0" b="0"/>
+      </a:effectRef>
+      <a:fontRef idx="minor"/>
+    </dgm:style>
+  </dgm:styleLbl>
+  <dgm:styleLbl name="parChTrans1D4">
+    <dgm:scene3d>
+      <a:camera prst="orthographicFront"/>
+      <a:lightRig rig="threePt" dir="t"/>
+    </dgm:scene3d>
+    <dgm:sp3d/>
+    <dgm:txPr/>
+    <dgm:style>
+      <a:lnRef idx="2">
+        <a:scrgbClr r="0" g="0" b="0"/>
+      </a:lnRef>
+      <a:fillRef idx="0">
+        <a:scrgbClr r="0" g="0" b="0"/>
+      </a:fillRef>
+      <a:effectRef idx="0">
+        <a:scrgbClr r="0" g="0" b="0"/>
+      </a:effectRef>
+      <a:fontRef idx="minor"/>
+    </dgm:style>
+  </dgm:styleLbl>
+  <dgm:styleLbl name="fgAcc1">
+    <dgm:scene3d>
+      <a:camera prst="orthographicFront"/>
+      <a:lightRig rig="threePt" dir="t"/>
+    </dgm:scene3d>
+    <dgm:sp3d/>
+    <dgm:txPr/>
+    <dgm:style>
+      <a:lnRef idx="1">
+        <a:scrgbClr r="0" g="0" b="0"/>
+      </a:lnRef>
+      <a:fillRef idx="1">
+        <a:scrgbClr r="0" g="0" b="0"/>
+      </a:fillRef>
+      <a:effectRef idx="0">
+        <a:scrgbClr r="0" g="0" b="0"/>
+      </a:effectRef>
+      <a:fontRef idx="minor"/>
+    </dgm:style>
+  </dgm:styleLbl>
+  <dgm:styleLbl name="conFgAcc1">
+    <dgm:scene3d>
+      <a:camera prst="orthographicFront"/>
+      <a:lightRig rig="threePt" dir="t"/>
+    </dgm:scene3d>
+    <dgm:sp3d/>
+    <dgm:txPr/>
+    <dgm:style>
+      <a:lnRef idx="1">
+        <a:scrgbClr r="0" g="0" b="0"/>
+      </a:lnRef>
+      <a:fillRef idx="1">
+        <a:scrgbClr r="0" g="0" b="0"/>
+      </a:fillRef>
+      <a:effectRef idx="0">
+        <a:scrgbClr r="0" g="0" b="0"/>
+      </a:effectRef>
+      <a:fontRef idx="minor"/>
+    </dgm:style>
+  </dgm:styleLbl>
+  <dgm:styleLbl name="alignAcc1">
+    <dgm:scene3d>
+      <a:camera prst="orthographicFront"/>
+      <a:lightRig rig="threePt" dir="t"/>
+    </dgm:scene3d>
+    <dgm:sp3d/>
+    <dgm:txPr/>
+    <dgm:style>
+      <a:lnRef idx="1">
+        <a:scrgbClr r="0" g="0" b="0"/>
+      </a:lnRef>
+      <a:fillRef idx="1">
+        <a:scrgbClr r="0" g="0" b="0"/>
+      </a:fillRef>
+      <a:effectRef idx="0">
+        <a:scrgbClr r="0" g="0" b="0"/>
+      </a:effectRef>
+      <a:fontRef idx="minor"/>
+    </dgm:style>
+  </dgm:styleLbl>
+  <dgm:styleLbl name="trAlignAcc1">
+    <dgm:scene3d>
+      <a:camera prst="orthographicFront"/>
+      <a:lightRig rig="threePt" dir="t"/>
+    </dgm:scene3d>
+    <dgm:sp3d/>
+    <dgm:txPr/>
+    <dgm:style>
+      <a:lnRef idx="1">
+        <a:scrgbClr r="0" g="0" b="0"/>
+      </a:lnRef>
+      <a:fillRef idx="1">
+        <a:scrgbClr r="0" g="0" b="0"/>
+      </a:fillRef>
+      <a:effectRef idx="0">
+        <a:scrgbClr r="0" g="0" b="0"/>
+      </a:effectRef>
+      <a:fontRef idx="minor"/>
+    </dgm:style>
+  </dgm:styleLbl>
+  <dgm:styleLbl name="bgAcc1">
+    <dgm:scene3d>
+      <a:camera prst="orthographicFront"/>
+      <a:lightRig rig="threePt" dir="t"/>
+    </dgm:scene3d>
+    <dgm:sp3d/>
+    <dgm:txPr/>
+    <dgm:style>
+      <a:lnRef idx="1">
+        <a:scrgbClr r="0" g="0" b="0"/>
+      </a:lnRef>
+      <a:fillRef idx="1">
+        <a:scrgbClr r="0" g="0" b="0"/>
+      </a:fillRef>
+      <a:effectRef idx="0">
+        <a:scrgbClr r="0" g="0" b="0"/>
+      </a:effectRef>
+      <a:fontRef idx="minor"/>
+    </dgm:style>
+  </dgm:styleLbl>
+  <dgm:styleLbl name="solidFgAcc1">
+    <dgm:scene3d>
+      <a:camera prst="orthographicFront"/>
+      <a:lightRig rig="threePt" dir="t"/>
+    </dgm:scene3d>
+    <dgm:sp3d/>
+    <dgm:txPr/>
+    <dgm:style>
+      <a:lnRef idx="1">
+        <a:scrgbClr r="0" g="0" b="0"/>
+      </a:lnRef>
+      <a:fillRef idx="2">
+        <a:scrgbClr r="0" g="0" b="0"/>
+      </a:fillRef>
+      <a:effectRef idx="0">
+        <a:scrgbClr r="0" g="0" b="0"/>
+      </a:effectRef>
+      <a:fontRef idx="minor"/>
+    </dgm:style>
+  </dgm:styleLbl>
+  <dgm:styleLbl name="solidAlignAcc1">
+    <dgm:scene3d>
+      <a:camera prst="orthographicFront"/>
+      <a:lightRig rig="threePt" dir="t"/>
+    </dgm:scene3d>
+    <dgm:sp3d/>
+    <dgm:txPr/>
+    <dgm:style>
+      <a:lnRef idx="1">
+        <a:scrgbClr r="0" g="0" b="0"/>
+      </a:lnRef>
+      <a:fillRef idx="1">
+        <a:scrgbClr r="0" g="0" b="0"/>
+      </a:fillRef>
+      <a:effectRef idx="0">
+        <a:scrgbClr r="0" g="0" b="0"/>
+      </a:effectRef>
+      <a:fontRef idx="minor"/>
+    </dgm:style>
+  </dgm:styleLbl>
+  <dgm:styleLbl name="solidBgAcc1">
+    <dgm:scene3d>
+      <a:camera prst="orthographicFront"/>
+      <a:lightRig rig="threePt" dir="t"/>
+    </dgm:scene3d>
+    <dgm:sp3d/>
+    <dgm:txPr/>
+    <dgm:style>
+      <a:lnRef idx="1">
+        <a:scrgbClr r="0" g="0" b="0"/>
+      </a:lnRef>
+      <a:fillRef idx="1">
+        <a:scrgbClr r="0" g="0" b="0"/>
+      </a:fillRef>
+      <a:effectRef idx="0">
+        <a:scrgbClr r="0" g="0" b="0"/>
+      </a:effectRef>
+      <a:fontRef idx="minor"/>
+    </dgm:style>
+  </dgm:styleLbl>
+  <dgm:styleLbl name="fgAccFollowNode1">
+    <dgm:scene3d>
+      <a:camera prst="orthographicFront"/>
+      <a:lightRig rig="threePt" dir="t"/>
+    </dgm:scene3d>
+    <dgm:sp3d/>
+    <dgm:txPr/>
+    <dgm:style>
+      <a:lnRef idx="1">
+        <a:scrgbClr r="0" g="0" b="0"/>
+      </a:lnRef>
+      <a:fillRef idx="1">
+        <a:scrgbClr r="0" g="0" b="0"/>
+      </a:fillRef>
+      <a:effectRef idx="0">
+        <a:scrgbClr r="0" g="0" b="0"/>
+      </a:effectRef>
+      <a:fontRef idx="minor"/>
+    </dgm:style>
+  </dgm:styleLbl>
+  <dgm:styleLbl name="alignAccFollowNode1">
+    <dgm:scene3d>
+      <a:camera prst="orthographicFront"/>
+      <a:lightRig rig="threePt" dir="t"/>
+    </dgm:scene3d>
+    <dgm:sp3d/>
+    <dgm:txPr/>
+    <dgm:style>
+      <a:lnRef idx="1">
+        <a:scrgbClr r="0" g="0" b="0"/>
+      </a:lnRef>
+      <a:fillRef idx="1">
+        <a:scrgbClr r="0" g="0" b="0"/>
+      </a:fillRef>
+      <a:effectRef idx="0">
+        <a:scrgbClr r="0" g="0" b="0"/>
+      </a:effectRef>
+      <a:fontRef idx="minor"/>
+    </dgm:style>
+  </dgm:styleLbl>
+  <dgm:styleLbl name="bgAccFollowNode1">
+    <dgm:scene3d>
+      <a:camera prst="orthographicFront"/>
+      <a:lightRig rig="threePt" dir="t"/>
+    </dgm:scene3d>
+    <dgm:sp3d/>
+    <dgm:txPr/>
+    <dgm:style>
+      <a:lnRef idx="1">
+        <a:scrgbClr r="0" g="0" b="0"/>
+      </a:lnRef>
+      <a:fillRef idx="1">
+        <a:scrgbClr r="0" g="0" b="0"/>
+      </a:fillRef>
+      <a:effectRef idx="0">
+        <a:scrgbClr r="0" g="0" b="0"/>
+      </a:effectRef>
+      <a:fontRef idx="minor"/>
+    </dgm:style>
+  </dgm:styleLbl>
+  <dgm:styleLbl name="fgAcc0">
+    <dgm:scene3d>
+      <a:camera prst="orthographicFront"/>
+      <a:lightRig rig="threePt" dir="t"/>
+    </dgm:scene3d>
+    <dgm:sp3d/>
+    <dgm:txPr/>
+    <dgm:style>
+      <a:lnRef idx="1">
+        <a:scrgbClr r="0" g="0" b="0"/>
+      </a:lnRef>
+      <a:fillRef idx="1">
+        <a:scrgbClr r="0" g="0" b="0"/>
+      </a:fillRef>
+      <a:effectRef idx="0">
+        <a:scrgbClr r="0" g="0" b="0"/>
+      </a:effectRef>
+      <a:fontRef idx="minor"/>
+    </dgm:style>
+  </dgm:styleLbl>
+  <dgm:styleLbl name="fgAcc2">
+    <dgm:scene3d>
+      <a:camera prst="orthographicFront"/>
+      <a:lightRig rig="threePt" dir="t"/>
+    </dgm:scene3d>
+    <dgm:sp3d/>
+    <dgm:txPr/>
+    <dgm:style>
+      <a:lnRef idx="1">
+        <a:scrgbClr r="0" g="0" b="0"/>
+      </a:lnRef>
+      <a:fillRef idx="1">
+        <a:scrgbClr r="0" g="0" b="0"/>
+      </a:fillRef>
+      <a:effectRef idx="0">
+        <a:scrgbClr r="0" g="0" b="0"/>
+      </a:effectRef>
+      <a:fontRef idx="minor"/>
+    </dgm:style>
+  </dgm:styleLbl>
+  <dgm:styleLbl name="fgAcc3">
+    <dgm:scene3d>
+      <a:camera prst="orthographicFront"/>
+      <a:lightRig rig="threePt" dir="t"/>
+    </dgm:scene3d>
+    <dgm:sp3d/>
+    <dgm:txPr/>
+    <dgm:style>
+      <a:lnRef idx="1">
+        <a:scrgbClr r="0" g="0" b="0"/>
+      </a:lnRef>
+      <a:fillRef idx="1">
+        <a:scrgbClr r="0" g="0" b="0"/>
+      </a:fillRef>
+      <a:effectRef idx="0">
+        <a:scrgbClr r="0" g="0" b="0"/>
+      </a:effectRef>
+      <a:fontRef idx="minor"/>
+    </dgm:style>
+  </dgm:styleLbl>
+  <dgm:styleLbl name="fgAcc4">
+    <dgm:scene3d>
+      <a:camera prst="orthographicFront"/>
+      <a:lightRig rig="threePt" dir="t"/>
+    </dgm:scene3d>
+    <dgm:sp3d/>
+    <dgm:txPr/>
+    <dgm:style>
+      <a:lnRef idx="1">
+        <a:scrgbClr r="0" g="0" b="0"/>
+      </a:lnRef>
+      <a:fillRef idx="1">
+        <a:scrgbClr r="0" g="0" b="0"/>
+      </a:fillRef>
+      <a:effectRef idx="0">
+        <a:scrgbClr r="0" g="0" b="0"/>
+      </a:effectRef>
+      <a:fontRef idx="minor"/>
+    </dgm:style>
+  </dgm:styleLbl>
+  <dgm:styleLbl name="bgShp">
+    <dgm:scene3d>
+      <a:camera prst="orthographicFront"/>
+      <a:lightRig rig="threePt" dir="t"/>
+    </dgm:scene3d>
+    <dgm:sp3d/>
+    <dgm:txPr/>
+    <dgm:style>
+      <a:lnRef idx="0">
+        <a:scrgbClr r="0" g="0" b="0"/>
+      </a:lnRef>
+      <a:fillRef idx="1">
+        <a:scrgbClr r="0" g="0" b="0"/>
+      </a:fillRef>
+      <a:effectRef idx="1">
+        <a:scrgbClr r="0" g="0" b="0"/>
+      </a:effectRef>
+      <a:fontRef idx="minor"/>
+    </dgm:style>
+  </dgm:styleLbl>
+  <dgm:styleLbl name="dkBgShp">
+    <dgm:scene3d>
+      <a:camera prst="orthographicFront"/>
+      <a:lightRig rig="threePt" dir="t"/>
+    </dgm:scene3d>
+    <dgm:sp3d/>
+    <dgm:txPr/>
+    <dgm:style>
+      <a:lnRef idx="0">
+        <a:scrgbClr r="0" g="0" b="0"/>
+      </a:lnRef>
+      <a:fillRef idx="1">
+        <a:scrgbClr r="0" g="0" b="0"/>
+      </a:fillRef>
+      <a:effectRef idx="1">
+        <a:scrgbClr r="0" g="0" b="0"/>
+      </a:effectRef>
+      <a:fontRef idx="minor"/>
+    </dgm:style>
+  </dgm:styleLbl>
+  <dgm:styleLbl name="trBgShp">
+    <dgm:scene3d>
+      <a:camera prst="orthographicFront"/>
+      <a:lightRig rig="threePt" dir="t"/>
+    </dgm:scene3d>
+    <dgm:sp3d/>
+    <dgm:txPr/>
+    <dgm:style>
+      <a:lnRef idx="0">
+        <a:scrgbClr r="0" g="0" b="0"/>
+      </a:lnRef>
+      <a:fillRef idx="1">
+        <a:scrgbClr r="0" g="0" b="0"/>
+      </a:fillRef>
+      <a:effectRef idx="0">
+        <a:scrgbClr r="0" g="0" b="0"/>
+      </a:effectRef>
+      <a:fontRef idx="minor"/>
+    </dgm:style>
+  </dgm:styleLbl>
+  <dgm:styleLbl name="fgShp">
+    <dgm:scene3d>
+      <a:camera prst="orthographicFront"/>
+      <a:lightRig rig="flat" dir="t"/>
+    </dgm:scene3d>
+    <dgm:sp3d prstMaterial="dkEdge">
+      <a:bevelT w="8200" h="38100"/>
+    </dgm:sp3d>
+    <dgm:txPr/>
+    <dgm:style>
+      <a:lnRef idx="1">
+        <a:scrgbClr r="0" g="0" b="0"/>
+      </a:lnRef>
+      <a:fillRef idx="2">
+        <a:scrgbClr r="0" g="0" b="0"/>
+      </a:fillRef>
+      <a:effectRef idx="1">
+        <a:scrgbClr r="0" g="0" b="0"/>
+      </a:effectRef>
+      <a:fontRef idx="minor"/>
+    </dgm:style>
+  </dgm:styleLbl>
+  <dgm:styleLbl name="revTx">
+    <dgm:scene3d>
+      <a:camera prst="orthographicFront"/>
+      <a:lightRig rig="threePt" dir="t"/>
+    </dgm:scene3d>
+    <dgm:sp3d/>
+    <dgm:txPr/>
+    <dgm:style>
+      <a:lnRef idx="0">
+        <a:scrgbClr r="0" g="0" b="0"/>
+      </a:lnRef>
+      <a:fillRef idx="0">
+        <a:scrgbClr r="0" g="0" b="0"/>
+      </a:fillRef>
+      <a:effectRef idx="0">
+        <a:scrgbClr r="0" g="0" b="0"/>
+      </a:effectRef>
+      <a:fontRef idx="minor"/>
+    </dgm:style>
+  </dgm:styleLbl>
+</dgm:styleDef>
+</file>
+
 <file path=ppt/notesMasters/notesMaster1.xml><?xml version="1.0" encoding="utf-8"?>
 <p:notesMaster xmlns:a="http://schemas.openxmlformats.org/drawingml/2006/main" xmlns:r="http://schemas.openxmlformats.org/officeDocument/2006/relationships" xmlns:p="http://schemas.openxmlformats.org/presentationml/2006/main">
   <p:cSld>
@@ -569,6 +3664,88 @@
               <a:rPr lang="fr-CH" smtClean="0"/>
               <a:pPr/>
               <a:t>1</a:t>
+            </a:fld>
+            <a:endParaRPr lang="fr-CH"/>
+          </a:p>
+        </p:txBody>
+      </p:sp>
+    </p:spTree>
+  </p:cSld>
+  <p:clrMapOvr>
+    <a:masterClrMapping/>
+  </p:clrMapOvr>
+</p:notes>
+</file>
+
+<file path=ppt/notesSlides/notesSlide2.xml><?xml version="1.0" encoding="utf-8"?>
+<p:notes xmlns:a="http://schemas.openxmlformats.org/drawingml/2006/main" xmlns:r="http://schemas.openxmlformats.org/officeDocument/2006/relationships" xmlns:p="http://schemas.openxmlformats.org/presentationml/2006/main">
+  <p:cSld>
+    <p:spTree>
+      <p:nvGrpSpPr>
+        <p:cNvPr id="1" name=""/>
+        <p:cNvGrpSpPr/>
+        <p:nvPr/>
+      </p:nvGrpSpPr>
+      <p:grpSpPr>
+        <a:xfrm>
+          <a:off x="0" y="0"/>
+          <a:ext cx="0" cy="0"/>
+          <a:chOff x="0" y="0"/>
+          <a:chExt cx="0" cy="0"/>
+        </a:xfrm>
+      </p:grpSpPr>
+      <p:sp>
+        <p:nvSpPr>
+          <p:cNvPr id="2" name="Espace réservé de l'image des diapositives 1"/>
+          <p:cNvSpPr>
+            <a:spLocks noGrp="1" noRot="1" noChangeAspect="1"/>
+          </p:cNvSpPr>
+          <p:nvPr>
+            <p:ph type="sldImg"/>
+          </p:nvPr>
+        </p:nvSpPr>
+        <p:spPr/>
+      </p:sp>
+      <p:sp>
+        <p:nvSpPr>
+          <p:cNvPr id="3" name="Espace réservé des commentaires 2"/>
+          <p:cNvSpPr>
+            <a:spLocks noGrp="1"/>
+          </p:cNvSpPr>
+          <p:nvPr>
+            <p:ph type="body" idx="1"/>
+          </p:nvPr>
+        </p:nvSpPr>
+        <p:spPr/>
+        <p:txBody>
+          <a:bodyPr>
+            <a:normAutofit/>
+          </a:bodyPr>
+          <a:lstStyle/>
+          <a:p>
+            <a:endParaRPr lang="fr-CH" dirty="0"/>
+          </a:p>
+        </p:txBody>
+      </p:sp>
+      <p:sp>
+        <p:nvSpPr>
+          <p:cNvPr id="4" name="Espace réservé du numéro de diapositive 3"/>
+          <p:cNvSpPr>
+            <a:spLocks noGrp="1"/>
+          </p:cNvSpPr>
+          <p:nvPr>
+            <p:ph type="sldNum" sz="quarter" idx="10"/>
+          </p:nvPr>
+        </p:nvSpPr>
+        <p:spPr/>
+        <p:txBody>
+          <a:bodyPr/>
+          <a:lstStyle/>
+          <a:p>
+            <a:fld id="{BA64795F-8A88-462F-B7DA-E81DC07A4301}" type="slidenum">
+              <a:rPr lang="fr-CH" smtClean="0"/>
+              <a:pPr/>
+              <a:t>8</a:t>
             </a:fld>
             <a:endParaRPr lang="fr-CH"/>
           </a:p>
@@ -4774,51 +7951,7 @@
       </p:grpSpPr>
       <p:sp>
         <p:nvSpPr>
-          <p:cNvPr id="27652" name="Rectangle 4"/>
-          <p:cNvSpPr>
-            <a:spLocks noChangeArrowheads="1"/>
-          </p:cNvSpPr>
-          <p:nvPr/>
-        </p:nvSpPr>
-        <p:spPr bwMode="auto">
-          <a:xfrm>
-            <a:off x="0" y="0"/>
-            <a:ext cx="9144000" cy="1143000"/>
-          </a:xfrm>
-          <a:prstGeom prst="rect">
-            <a:avLst/>
-          </a:prstGeom>
-          <a:gradFill flip="none" rotWithShape="1">
-            <a:gsLst>
-              <a:gs pos="0">
-                <a:srgbClr val="00B400"/>
-              </a:gs>
-              <a:gs pos="100000">
-                <a:srgbClr val="006000"/>
-              </a:gs>
-            </a:gsLst>
-            <a:lin ang="5400000" scaled="1"/>
-            <a:tileRect/>
-          </a:gradFill>
-          <a:ln w="9525">
-            <a:noFill/>
-            <a:miter lim="800000"/>
-            <a:headEnd/>
-            <a:tailEnd/>
-          </a:ln>
-          <a:effectLst/>
-        </p:spPr>
-        <p:txBody>
-          <a:bodyPr wrap="none" anchor="ctr"/>
-          <a:lstStyle/>
-          <a:p>
-            <a:endParaRPr lang="fr-CH"/>
-          </a:p>
-        </p:txBody>
-      </p:sp>
-      <p:sp>
-        <p:nvSpPr>
-          <p:cNvPr id="27653" name="Text Box 5"/>
+          <p:cNvPr id="34880" name="Text Box 64"/>
           <p:cNvSpPr txBox="1">
             <a:spLocks noChangeArrowheads="1"/>
           </p:cNvSpPr>
@@ -4826,8 +7959,8 @@
         </p:nvSpPr>
         <p:spPr bwMode="auto">
           <a:xfrm>
-            <a:off x="0" y="381000"/>
-            <a:ext cx="9144000" cy="396875"/>
+            <a:off x="0" y="6400800"/>
+            <a:ext cx="9144000" cy="304800"/>
           </a:xfrm>
           <a:prstGeom prst="rect">
             <a:avLst/>
@@ -4849,73 +7982,24 @@
           <a:p>
             <a:pPr algn="ctr"/>
             <a:r>
-              <a:rPr lang="fr-CH" sz="2000" b="1" u="none">
+              <a:rPr lang="fr-CH" sz="1400" u="none">
                 <a:solidFill>
                   <a:schemeClr val="bg1"/>
                 </a:solidFill>
-                <a:effectLst>
-                  <a:outerShdw blurRad="38100" dist="38100" dir="2700000" algn="tl">
-                    <a:srgbClr val="C0C0C0"/>
-                  </a:outerShdw>
-                </a:effectLst>
-                <a:latin typeface="Trebuchet MS" pitchFamily="34" charset="0"/>
               </a:rPr>
-              <a:t>CONCLUSION</a:t>
-            </a:r>
-            <a:endParaRPr lang="fr-FR" sz="2000" b="1" u="none">
+              <a:t>- 7 / 9 - </a:t>
+            </a:r>
+            <a:endParaRPr lang="fr-FR" sz="1400" u="none">
               <a:solidFill>
                 <a:schemeClr val="bg1"/>
               </a:solidFill>
-              <a:effectLst>
-                <a:outerShdw blurRad="38100" dist="38100" dir="2700000" algn="tl">
-                  <a:srgbClr val="C0C0C0"/>
-                </a:outerShdw>
-              </a:effectLst>
-              <a:latin typeface="Trebuchet MS" pitchFamily="34" charset="0"/>
             </a:endParaRPr>
           </a:p>
         </p:txBody>
       </p:sp>
       <p:sp>
         <p:nvSpPr>
-          <p:cNvPr id="27656" name="Rectangle 8"/>
-          <p:cNvSpPr>
-            <a:spLocks noChangeArrowheads="1"/>
-          </p:cNvSpPr>
-          <p:nvPr/>
-        </p:nvSpPr>
-        <p:spPr bwMode="auto">
-          <a:xfrm>
-            <a:off x="0" y="703263"/>
-            <a:ext cx="184150" cy="366712"/>
-          </a:xfrm>
-          <a:prstGeom prst="rect">
-            <a:avLst/>
-          </a:prstGeom>
-          <a:noFill/>
-          <a:ln w="9525">
-            <a:noFill/>
-            <a:miter lim="800000"/>
-            <a:headEnd/>
-            <a:tailEnd/>
-          </a:ln>
-          <a:effectLst/>
-        </p:spPr>
-        <p:txBody>
-          <a:bodyPr wrap="none" anchor="ctr">
-            <a:spAutoFit/>
-          </a:bodyPr>
-          <a:lstStyle/>
-          <a:p>
-            <a:endParaRPr lang="fr-FR" u="none">
-              <a:latin typeface="Trebuchet MS" pitchFamily="34" charset="0"/>
-            </a:endParaRPr>
-          </a:p>
-        </p:txBody>
-      </p:sp>
-      <p:sp>
-        <p:nvSpPr>
-          <p:cNvPr id="27755" name="Rectangle 107"/>
+          <p:cNvPr id="34823" name="Rectangle 7"/>
           <p:cNvSpPr>
             <a:spLocks noChangeArrowheads="1"/>
           </p:cNvSpPr>
@@ -4960,7 +8044,7 @@
       </p:sp>
       <p:sp>
         <p:nvSpPr>
-          <p:cNvPr id="27756" name="Rectangle 108"/>
+          <p:cNvPr id="34824" name="Rectangle 8"/>
           <p:cNvSpPr>
             <a:spLocks noChangeArrowheads="1"/>
           </p:cNvSpPr>
@@ -5005,6 +8089,110 @@
       </p:sp>
       <p:sp>
         <p:nvSpPr>
+          <p:cNvPr id="34820" name="Rectangle 4"/>
+          <p:cNvSpPr>
+            <a:spLocks noChangeArrowheads="1"/>
+          </p:cNvSpPr>
+          <p:nvPr/>
+        </p:nvSpPr>
+        <p:spPr bwMode="auto">
+          <a:xfrm>
+            <a:off x="0" y="0"/>
+            <a:ext cx="9144000" cy="1143000"/>
+          </a:xfrm>
+          <a:prstGeom prst="rect">
+            <a:avLst/>
+          </a:prstGeom>
+          <a:gradFill flip="none" rotWithShape="1">
+            <a:gsLst>
+              <a:gs pos="0">
+                <a:srgbClr val="00B400"/>
+              </a:gs>
+              <a:gs pos="100000">
+                <a:srgbClr val="006000"/>
+              </a:gs>
+            </a:gsLst>
+            <a:lin ang="5400000" scaled="1"/>
+            <a:tileRect/>
+          </a:gradFill>
+          <a:ln w="9525">
+            <a:noFill/>
+            <a:miter lim="800000"/>
+            <a:headEnd/>
+            <a:tailEnd/>
+          </a:ln>
+          <a:effectLst/>
+        </p:spPr>
+        <p:txBody>
+          <a:bodyPr wrap="none" anchor="ctr"/>
+          <a:lstStyle/>
+          <a:p>
+            <a:endParaRPr lang="fr-CH"/>
+          </a:p>
+        </p:txBody>
+      </p:sp>
+      <p:sp>
+        <p:nvSpPr>
+          <p:cNvPr id="34821" name="Text Box 5"/>
+          <p:cNvSpPr txBox="1">
+            <a:spLocks noChangeArrowheads="1"/>
+          </p:cNvSpPr>
+          <p:nvPr/>
+        </p:nvSpPr>
+        <p:spPr bwMode="auto">
+          <a:xfrm>
+            <a:off x="0" y="381000"/>
+            <a:ext cx="9144000" cy="396875"/>
+          </a:xfrm>
+          <a:prstGeom prst="rect">
+            <a:avLst/>
+          </a:prstGeom>
+          <a:noFill/>
+          <a:ln w="9525">
+            <a:noFill/>
+            <a:miter lim="800000"/>
+            <a:headEnd/>
+            <a:tailEnd/>
+          </a:ln>
+          <a:effectLst/>
+        </p:spPr>
+        <p:txBody>
+          <a:bodyPr>
+            <a:spAutoFit/>
+          </a:bodyPr>
+          <a:lstStyle/>
+          <a:p>
+            <a:pPr algn="ctr"/>
+            <a:r>
+              <a:rPr lang="fr-CH" sz="2000" b="1" u="none" dirty="0" smtClean="0">
+                <a:solidFill>
+                  <a:schemeClr val="bg1"/>
+                </a:solidFill>
+                <a:effectLst>
+                  <a:outerShdw blurRad="38100" dist="38100" dir="2700000" algn="tl">
+                    <a:srgbClr val="C0C0C0"/>
+                  </a:outerShdw>
+                </a:effectLst>
+                <a:latin typeface="Trebuchet MS" pitchFamily="34" charset="0"/>
+              </a:rPr>
+              <a:t>STRUCTURE DU CODE [AURELIEN]</a:t>
+            </a:r>
+            <a:endParaRPr lang="fr-FR" sz="2000" b="1" u="none" dirty="0">
+              <a:solidFill>
+                <a:schemeClr val="bg1"/>
+              </a:solidFill>
+              <a:effectLst>
+                <a:outerShdw blurRad="38100" dist="38100" dir="2700000" algn="tl">
+                  <a:srgbClr val="C0C0C0"/>
+                </a:outerShdw>
+              </a:effectLst>
+              <a:latin typeface="Trebuchet MS" pitchFamily="34" charset="0"/>
+            </a:endParaRPr>
+          </a:p>
+        </p:txBody>
+      </p:sp>
+      <p:sp>
+        <p:nvSpPr>
           <p:cNvPr id="24" name="Espace réservé du numéro de diapositive 23"/>
           <p:cNvSpPr>
             <a:spLocks noGrp="1"/>
@@ -5034,6 +8222,411 @@
               </a:rPr>
               <a:pPr/>
               <a:t>10</a:t>
+            </a:fld>
+            <a:r>
+              <a:rPr lang="fr-FR" dirty="0" smtClean="0">
+                <a:solidFill>
+                  <a:schemeClr val="tx1">
+                    <a:lumMod val="65000"/>
+                    <a:lumOff val="35000"/>
+                  </a:schemeClr>
+                </a:solidFill>
+              </a:rPr>
+              <a:t>/11</a:t>
+            </a:r>
+            <a:endParaRPr lang="fr-FR" dirty="0">
+              <a:solidFill>
+                <a:schemeClr val="tx1">
+                  <a:lumMod val="65000"/>
+                  <a:lumOff val="35000"/>
+                </a:schemeClr>
+              </a:solidFill>
+            </a:endParaRPr>
+          </a:p>
+        </p:txBody>
+      </p:sp>
+      <p:sp>
+        <p:nvSpPr>
+          <p:cNvPr id="25" name="Espace réservé de la date 24"/>
+          <p:cNvSpPr>
+            <a:spLocks noGrp="1"/>
+          </p:cNvSpPr>
+          <p:nvPr>
+            <p:ph type="dt" sz="half" idx="10"/>
+          </p:nvPr>
+        </p:nvSpPr>
+        <p:spPr>
+          <a:xfrm>
+            <a:off x="457200" y="6384972"/>
+            <a:ext cx="2133600" cy="476250"/>
+          </a:xfrm>
+        </p:spPr>
+        <p:txBody>
+          <a:bodyPr/>
+          <a:lstStyle/>
+          <a:p>
+            <a:fld id="{357275CD-44DC-4CD4-BA57-161A992B0A41}" type="datetime1">
+              <a:rPr lang="fr-CH" smtClean="0">
+                <a:solidFill>
+                  <a:schemeClr val="tx1">
+                    <a:lumMod val="65000"/>
+                    <a:lumOff val="35000"/>
+                  </a:schemeClr>
+                </a:solidFill>
+              </a:rPr>
+              <a:pPr/>
+              <a:t>17.01.2010</a:t>
+            </a:fld>
+            <a:endParaRPr lang="fr-FR">
+              <a:solidFill>
+                <a:schemeClr val="tx1">
+                  <a:lumMod val="65000"/>
+                  <a:lumOff val="35000"/>
+                </a:schemeClr>
+              </a:solidFill>
+            </a:endParaRPr>
+          </a:p>
+        </p:txBody>
+      </p:sp>
+      <p:sp>
+        <p:nvSpPr>
+          <p:cNvPr id="26" name="Espace réservé du pied de page 25"/>
+          <p:cNvSpPr>
+            <a:spLocks noGrp="1"/>
+          </p:cNvSpPr>
+          <p:nvPr>
+            <p:ph type="ftr" sz="quarter" idx="11"/>
+          </p:nvPr>
+        </p:nvSpPr>
+        <p:spPr>
+          <a:xfrm>
+            <a:off x="3124200" y="6384972"/>
+            <a:ext cx="2895600" cy="476250"/>
+          </a:xfrm>
+        </p:spPr>
+        <p:txBody>
+          <a:bodyPr/>
+          <a:lstStyle/>
+          <a:p>
+            <a:r>
+              <a:rPr lang="fr-FR" smtClean="0">
+                <a:solidFill>
+                  <a:schemeClr val="tx1">
+                    <a:lumMod val="65000"/>
+                    <a:lumOff val="35000"/>
+                  </a:schemeClr>
+                </a:solidFill>
+              </a:rPr>
+              <a:t>ADO - PPZ - LFH</a:t>
+            </a:r>
+            <a:endParaRPr lang="fr-FR">
+              <a:solidFill>
+                <a:schemeClr val="tx1">
+                  <a:lumMod val="65000"/>
+                  <a:lumOff val="35000"/>
+                </a:schemeClr>
+              </a:solidFill>
+            </a:endParaRPr>
+          </a:p>
+        </p:txBody>
+      </p:sp>
+    </p:spTree>
+  </p:cSld>
+  <p:clrMapOvr>
+    <a:masterClrMapping/>
+  </p:clrMapOvr>
+  <p:transition>
+    <p:fade/>
+  </p:transition>
+  <p:timing>
+    <p:tnLst>
+      <p:par>
+        <p:cTn id="1" dur="indefinite" restart="never" nodeType="tmRoot"/>
+      </p:par>
+    </p:tnLst>
+  </p:timing>
+</p:sld>
+</file>
+
+<file path=ppt/slides/slide11.xml><?xml version="1.0" encoding="utf-8"?>
+<p:sld xmlns:a="http://schemas.openxmlformats.org/drawingml/2006/main" xmlns:r="http://schemas.openxmlformats.org/officeDocument/2006/relationships" xmlns:p="http://schemas.openxmlformats.org/presentationml/2006/main">
+  <p:cSld>
+    <p:spTree>
+      <p:nvGrpSpPr>
+        <p:cNvPr id="1" name=""/>
+        <p:cNvGrpSpPr/>
+        <p:nvPr/>
+      </p:nvGrpSpPr>
+      <p:grpSpPr>
+        <a:xfrm>
+          <a:off x="0" y="0"/>
+          <a:ext cx="0" cy="0"/>
+          <a:chOff x="0" y="0"/>
+          <a:chExt cx="0" cy="0"/>
+        </a:xfrm>
+      </p:grpSpPr>
+      <p:sp>
+        <p:nvSpPr>
+          <p:cNvPr id="27652" name="Rectangle 4"/>
+          <p:cNvSpPr>
+            <a:spLocks noChangeArrowheads="1"/>
+          </p:cNvSpPr>
+          <p:nvPr/>
+        </p:nvSpPr>
+        <p:spPr bwMode="auto">
+          <a:xfrm>
+            <a:off x="0" y="0"/>
+            <a:ext cx="9144000" cy="1143000"/>
+          </a:xfrm>
+          <a:prstGeom prst="rect">
+            <a:avLst/>
+          </a:prstGeom>
+          <a:gradFill flip="none" rotWithShape="1">
+            <a:gsLst>
+              <a:gs pos="0">
+                <a:srgbClr val="00B400"/>
+              </a:gs>
+              <a:gs pos="100000">
+                <a:srgbClr val="006000"/>
+              </a:gs>
+            </a:gsLst>
+            <a:lin ang="5400000" scaled="1"/>
+            <a:tileRect/>
+          </a:gradFill>
+          <a:ln w="9525">
+            <a:noFill/>
+            <a:miter lim="800000"/>
+            <a:headEnd/>
+            <a:tailEnd/>
+          </a:ln>
+          <a:effectLst/>
+        </p:spPr>
+        <p:txBody>
+          <a:bodyPr wrap="none" anchor="ctr"/>
+          <a:lstStyle/>
+          <a:p>
+            <a:endParaRPr lang="fr-CH"/>
+          </a:p>
+        </p:txBody>
+      </p:sp>
+      <p:sp>
+        <p:nvSpPr>
+          <p:cNvPr id="27653" name="Text Box 5"/>
+          <p:cNvSpPr txBox="1">
+            <a:spLocks noChangeArrowheads="1"/>
+          </p:cNvSpPr>
+          <p:nvPr/>
+        </p:nvSpPr>
+        <p:spPr bwMode="auto">
+          <a:xfrm>
+            <a:off x="0" y="381000"/>
+            <a:ext cx="9144000" cy="396875"/>
+          </a:xfrm>
+          <a:prstGeom prst="rect">
+            <a:avLst/>
+          </a:prstGeom>
+          <a:noFill/>
+          <a:ln w="9525">
+            <a:noFill/>
+            <a:miter lim="800000"/>
+            <a:headEnd/>
+            <a:tailEnd/>
+          </a:ln>
+          <a:effectLst/>
+        </p:spPr>
+        <p:txBody>
+          <a:bodyPr>
+            <a:spAutoFit/>
+          </a:bodyPr>
+          <a:lstStyle/>
+          <a:p>
+            <a:pPr algn="ctr"/>
+            <a:r>
+              <a:rPr lang="fr-CH" sz="2000" b="1" u="none">
+                <a:solidFill>
+                  <a:schemeClr val="bg1"/>
+                </a:solidFill>
+                <a:effectLst>
+                  <a:outerShdw blurRad="38100" dist="38100" dir="2700000" algn="tl">
+                    <a:srgbClr val="C0C0C0"/>
+                  </a:outerShdw>
+                </a:effectLst>
+                <a:latin typeface="Trebuchet MS" pitchFamily="34" charset="0"/>
+              </a:rPr>
+              <a:t>CONCLUSION</a:t>
+            </a:r>
+            <a:endParaRPr lang="fr-FR" sz="2000" b="1" u="none">
+              <a:solidFill>
+                <a:schemeClr val="bg1"/>
+              </a:solidFill>
+              <a:effectLst>
+                <a:outerShdw blurRad="38100" dist="38100" dir="2700000" algn="tl">
+                  <a:srgbClr val="C0C0C0"/>
+                </a:outerShdw>
+              </a:effectLst>
+              <a:latin typeface="Trebuchet MS" pitchFamily="34" charset="0"/>
+            </a:endParaRPr>
+          </a:p>
+        </p:txBody>
+      </p:sp>
+      <p:sp>
+        <p:nvSpPr>
+          <p:cNvPr id="27656" name="Rectangle 8"/>
+          <p:cNvSpPr>
+            <a:spLocks noChangeArrowheads="1"/>
+          </p:cNvSpPr>
+          <p:nvPr/>
+        </p:nvSpPr>
+        <p:spPr bwMode="auto">
+          <a:xfrm>
+            <a:off x="0" y="703263"/>
+            <a:ext cx="184150" cy="366712"/>
+          </a:xfrm>
+          <a:prstGeom prst="rect">
+            <a:avLst/>
+          </a:prstGeom>
+          <a:noFill/>
+          <a:ln w="9525">
+            <a:noFill/>
+            <a:miter lim="800000"/>
+            <a:headEnd/>
+            <a:tailEnd/>
+          </a:ln>
+          <a:effectLst/>
+        </p:spPr>
+        <p:txBody>
+          <a:bodyPr wrap="none" anchor="ctr">
+            <a:spAutoFit/>
+          </a:bodyPr>
+          <a:lstStyle/>
+          <a:p>
+            <a:endParaRPr lang="fr-FR" u="none">
+              <a:latin typeface="Trebuchet MS" pitchFamily="34" charset="0"/>
+            </a:endParaRPr>
+          </a:p>
+        </p:txBody>
+      </p:sp>
+      <p:sp>
+        <p:nvSpPr>
+          <p:cNvPr id="27755" name="Rectangle 107"/>
+          <p:cNvSpPr>
+            <a:spLocks noChangeArrowheads="1"/>
+          </p:cNvSpPr>
+          <p:nvPr/>
+        </p:nvSpPr>
+        <p:spPr bwMode="auto">
+          <a:xfrm>
+            <a:off x="0" y="1143000"/>
+            <a:ext cx="9144000" cy="152400"/>
+          </a:xfrm>
+          <a:prstGeom prst="rect">
+            <a:avLst/>
+          </a:prstGeom>
+          <a:gradFill rotWithShape="1">
+            <a:gsLst>
+              <a:gs pos="0">
+                <a:srgbClr val="5F5F5F"/>
+              </a:gs>
+              <a:gs pos="100000">
+                <a:srgbClr val="DDDDDD">
+                  <a:alpha val="0"/>
+                </a:srgbClr>
+              </a:gs>
+            </a:gsLst>
+            <a:lin ang="5400000" scaled="1"/>
+          </a:gradFill>
+          <a:ln w="9525">
+            <a:noFill/>
+            <a:miter lim="800000"/>
+            <a:headEnd/>
+            <a:tailEnd/>
+          </a:ln>
+          <a:effectLst/>
+        </p:spPr>
+        <p:txBody>
+          <a:bodyPr wrap="none" anchor="ctr"/>
+          <a:lstStyle/>
+          <a:p>
+            <a:endParaRPr lang="fr-CH"/>
+          </a:p>
+        </p:txBody>
+      </p:sp>
+      <p:sp>
+        <p:nvSpPr>
+          <p:cNvPr id="27756" name="Rectangle 108"/>
+          <p:cNvSpPr>
+            <a:spLocks noChangeArrowheads="1"/>
+          </p:cNvSpPr>
+          <p:nvPr/>
+        </p:nvSpPr>
+        <p:spPr bwMode="auto">
+          <a:xfrm>
+            <a:off x="0" y="6629400"/>
+            <a:ext cx="9144000" cy="228600"/>
+          </a:xfrm>
+          <a:prstGeom prst="rect">
+            <a:avLst/>
+          </a:prstGeom>
+          <a:gradFill rotWithShape="1">
+            <a:gsLst>
+              <a:gs pos="0">
+                <a:srgbClr val="DDDDDD">
+                  <a:alpha val="0"/>
+                </a:srgbClr>
+              </a:gs>
+              <a:gs pos="100000">
+                <a:srgbClr val="767676"/>
+              </a:gs>
+            </a:gsLst>
+            <a:lin ang="5400000" scaled="1"/>
+          </a:gradFill>
+          <a:ln w="9525">
+            <a:noFill/>
+            <a:miter lim="800000"/>
+            <a:headEnd/>
+            <a:tailEnd/>
+          </a:ln>
+          <a:effectLst/>
+        </p:spPr>
+        <p:txBody>
+          <a:bodyPr wrap="none" anchor="ctr"/>
+          <a:lstStyle/>
+          <a:p>
+            <a:endParaRPr lang="fr-CH"/>
+          </a:p>
+        </p:txBody>
+      </p:sp>
+      <p:sp>
+        <p:nvSpPr>
+          <p:cNvPr id="24" name="Espace réservé du numéro de diapositive 23"/>
+          <p:cNvSpPr>
+            <a:spLocks noGrp="1"/>
+          </p:cNvSpPr>
+          <p:nvPr>
+            <p:ph type="sldNum" sz="quarter" idx="12"/>
+          </p:nvPr>
+        </p:nvSpPr>
+        <p:spPr>
+          <a:xfrm>
+            <a:off x="6553200" y="6384972"/>
+            <a:ext cx="2133600" cy="476250"/>
+          </a:xfrm>
+        </p:spPr>
+        <p:txBody>
+          <a:bodyPr/>
+          <a:lstStyle/>
+          <a:p>
+            <a:fld id="{420F5742-7484-4AFF-BE5C-C36DF30CE89D}" type="slidenum">
+              <a:rPr lang="fr-FR" smtClean="0">
+                <a:solidFill>
+                  <a:schemeClr val="tx1">
+                    <a:lumMod val="65000"/>
+                    <a:lumOff val="35000"/>
+                  </a:schemeClr>
+                </a:solidFill>
+              </a:rPr>
+              <a:pPr/>
+              <a:t>11</a:t>
             </a:fld>
             <a:r>
               <a:rPr lang="fr-FR" dirty="0" smtClean="0">
@@ -5597,7 +9190,7 @@
 </p:sld>
 </file>
 
-<file path=ppt/slides/slide11.xml><?xml version="1.0" encoding="utf-8"?>
+<file path=ppt/slides/slide12.xml><?xml version="1.0" encoding="utf-8"?>
 <p:sld xmlns:a="http://schemas.openxmlformats.org/drawingml/2006/main" xmlns:r="http://schemas.openxmlformats.org/officeDocument/2006/relationships" xmlns:p="http://schemas.openxmlformats.org/presentationml/2006/main">
   <p:cSld>
     <p:spTree>
@@ -5875,7 +9468,7 @@
                 </a:solidFill>
               </a:rPr>
               <a:pPr/>
-              <a:t>11</a:t>
+              <a:t>12</a:t>
             </a:fld>
             <a:r>
               <a:rPr lang="fr-FR" dirty="0" smtClean="0">
@@ -6028,7 +9621,7 @@
 </p:sld>
 </file>
 
-<file path=ppt/slides/slide12.xml><?xml version="1.0" encoding="utf-8"?>
+<file path=ppt/slides/slide13.xml><?xml version="1.0" encoding="utf-8"?>
 <p:sld xmlns:a="http://schemas.openxmlformats.org/drawingml/2006/main" xmlns:r="http://schemas.openxmlformats.org/officeDocument/2006/relationships" xmlns:p="http://schemas.openxmlformats.org/presentationml/2006/main">
   <p:cSld>
     <p:spTree>
@@ -7053,7 +10646,7 @@
                 </a:solidFill>
               </a:rPr>
               <a:pPr/>
-              <a:t>12</a:t>
+              <a:t>13</a:t>
             </a:fld>
             <a:r>
               <a:rPr lang="fr-FR" dirty="0" smtClean="0">
@@ -8373,11 +11966,7 @@
             </a:r>
             <a:r>
               <a:rPr lang="es-ES" u="none" dirty="0" smtClean="0"/>
-              <a:t> </a:t>
-            </a:r>
-            <a:r>
-              <a:rPr lang="es-ES" u="none" dirty="0" smtClean="0"/>
-              <a:t>Da Campo</a:t>
+              <a:t> Da Campo</a:t>
             </a:r>
           </a:p>
           <a:p>
@@ -8404,11 +11993,7 @@
             </a:pPr>
             <a:r>
               <a:rPr lang="es-ES" u="none" dirty="0" smtClean="0"/>
-              <a:t>Lazhar </a:t>
-            </a:r>
-            <a:r>
-              <a:rPr lang="es-ES" u="none" dirty="0" smtClean="0"/>
-              <a:t>Farjallah (Chef de </a:t>
+              <a:t>Lazhar Farjallah (Chef de </a:t>
             </a:r>
             <a:r>
               <a:rPr lang="es-ES" u="none" dirty="0" err="1" smtClean="0"/>
@@ -8418,7 +12003,6 @@
               <a:rPr lang="es-ES" u="none" dirty="0" smtClean="0"/>
               <a:t>)</a:t>
             </a:r>
-            <a:endParaRPr lang="es-ES" u="none" dirty="0" smtClean="0"/>
           </a:p>
         </p:txBody>
       </p:sp>
@@ -8668,7 +12252,6 @@
               <a:rPr lang="es-ES" u="none" dirty="0" smtClean="0"/>
               <a:t> MVC </a:t>
             </a:r>
-            <a:endParaRPr lang="es-ES" u="none" dirty="0" smtClean="0"/>
           </a:p>
         </p:txBody>
       </p:sp>
@@ -9268,15 +12851,7 @@
             </a:r>
             <a:r>
               <a:rPr lang="fr-CH" sz="1100" u="none" dirty="0" smtClean="0"/>
-              <a:t> </a:t>
-            </a:r>
-            <a:r>
-              <a:rPr lang="fr-CH" sz="1100" u="none" dirty="0" smtClean="0"/>
-              <a:t>q</a:t>
-            </a:r>
-            <a:r>
-              <a:rPr lang="fr-CH" sz="1100" u="none" dirty="0" smtClean="0"/>
-              <a:t>uoi?</a:t>
+              <a:t> quoi?</a:t>
             </a:r>
             <a:endParaRPr lang="fr-CH" sz="1100" u="none" dirty="0"/>
           </a:p>
@@ -9313,11 +12888,7 @@
             </a:pPr>
             <a:r>
               <a:rPr lang="fr-CH" u="none" dirty="0" smtClean="0"/>
-              <a:t> </a:t>
-            </a:r>
-            <a:r>
-              <a:rPr lang="fr-CH" u="none" dirty="0" smtClean="0"/>
-              <a:t> Bref historique</a:t>
+              <a:t>  Bref historique</a:t>
             </a:r>
           </a:p>
           <a:p>
@@ -9343,11 +12914,7 @@
             </a:pPr>
             <a:r>
               <a:rPr lang="fr-CH" u="none" dirty="0" smtClean="0"/>
-              <a:t> </a:t>
-            </a:r>
-            <a:r>
-              <a:rPr lang="fr-CH" u="none" dirty="0" smtClean="0"/>
-              <a:t> Les tours (ou </a:t>
+              <a:t>  Les tours (ou </a:t>
             </a:r>
             <a:r>
               <a:rPr lang="fr-CH" i="1" u="none" dirty="0" smtClean="0"/>
@@ -9376,11 +12943,7 @@
             </a:pPr>
             <a:r>
               <a:rPr lang="fr-CH" u="none" dirty="0" smtClean="0"/>
-              <a:t> </a:t>
-            </a:r>
-            <a:r>
-              <a:rPr lang="fr-CH" u="none" dirty="0" smtClean="0"/>
-              <a:t> Les créatures (</a:t>
+              <a:t>  Les créatures (</a:t>
             </a:r>
             <a:r>
               <a:rPr lang="fr-CH" i="1" u="none" dirty="0" smtClean="0"/>
@@ -9401,11 +12964,7 @@
             </a:pPr>
             <a:r>
               <a:rPr lang="fr-CH" u="none" dirty="0" smtClean="0"/>
-              <a:t> </a:t>
-            </a:r>
-            <a:r>
-              <a:rPr lang="fr-CH" u="none" dirty="0" smtClean="0"/>
-              <a:t> Les techniques</a:t>
+              <a:t>  Les techniques</a:t>
             </a:r>
           </a:p>
           <a:p>
@@ -9418,11 +12977,7 @@
             </a:pPr>
             <a:r>
               <a:rPr lang="fr-CH" u="none" dirty="0" smtClean="0"/>
-              <a:t> </a:t>
-            </a:r>
-            <a:r>
-              <a:rPr lang="fr-CH" u="none" dirty="0" smtClean="0"/>
-              <a:t> Autres </a:t>
+              <a:t>  Autres </a:t>
             </a:r>
             <a:r>
               <a:rPr lang="fr-CH" i="1" u="none" dirty="0" err="1" smtClean="0"/>
@@ -9856,12 +13411,16 @@
               <a:buChar char="•"/>
             </a:pPr>
             <a:r>
-              <a:rPr lang="fr-CH" u="none" dirty="0"/>
-              <a:t> </a:t>
-            </a:r>
-            <a:r>
               <a:rPr lang="fr-CH" u="none" dirty="0" smtClean="0"/>
-              <a:t>Tri fusion</a:t>
+              <a:t> Génération </a:t>
+            </a:r>
+            <a:r>
+              <a:rPr lang="fr-CH" u="none" dirty="0" smtClean="0"/>
+              <a:t>de </a:t>
+            </a:r>
+            <a:r>
+              <a:rPr lang="fr-CH" u="none" dirty="0" smtClean="0"/>
+              <a:t>valeurs</a:t>
             </a:r>
           </a:p>
           <a:p>
@@ -9870,14 +13429,14 @@
               <a:buChar char="•"/>
             </a:pPr>
             <a:r>
-              <a:rPr lang="fr-CH" u="none" dirty="0"/>
+              <a:rPr lang="fr-CH" u="none" dirty="0" smtClean="0"/>
               <a:t> </a:t>
             </a:r>
             <a:r>
               <a:rPr lang="fr-CH" u="none" dirty="0" smtClean="0"/>
-              <a:t>Génération de valeurs</a:t>
-            </a:r>
-            <a:endParaRPr lang="fr-CH" u="none" dirty="0"/>
+              <a:t>Généralités</a:t>
+            </a:r>
+            <a:endParaRPr lang="fr-CH" u="none" dirty="0" smtClean="0"/>
           </a:p>
         </p:txBody>
       </p:sp>
@@ -10248,6 +13807,72 @@
           </a:p>
         </p:txBody>
       </p:sp>
+      <p:sp>
+        <p:nvSpPr>
+          <p:cNvPr id="9" name="ZoneTexte 8"/>
+          <p:cNvSpPr txBox="1"/>
+          <p:nvPr/>
+        </p:nvSpPr>
+        <p:spPr>
+          <a:xfrm>
+            <a:off x="1285830" y="1775410"/>
+            <a:ext cx="2996333" cy="923330"/>
+          </a:xfrm>
+          <a:prstGeom prst="rect">
+            <a:avLst/>
+          </a:prstGeom>
+          <a:noFill/>
+        </p:spPr>
+        <p:txBody>
+          <a:bodyPr wrap="none" rtlCol="0">
+            <a:spAutoFit/>
+          </a:bodyPr>
+          <a:lstStyle/>
+          <a:p>
+            <a:pPr>
+              <a:buFont typeface="Arial" pitchFamily="34" charset="0"/>
+              <a:buChar char="•"/>
+            </a:pPr>
+            <a:r>
+              <a:rPr lang="fr-CH" u="none" dirty="0" smtClean="0"/>
+              <a:t> Performant</a:t>
+            </a:r>
+          </a:p>
+          <a:p>
+            <a:pPr>
+              <a:buFont typeface="Arial" pitchFamily="34" charset="0"/>
+              <a:buChar char="•"/>
+            </a:pPr>
+            <a:r>
+              <a:rPr lang="fr-CH" u="none" dirty="0" smtClean="0"/>
+              <a:t> </a:t>
+            </a:r>
+            <a:r>
+              <a:rPr lang="fr-CH" u="none" dirty="0" smtClean="0"/>
+              <a:t>Adapté</a:t>
+            </a:r>
+          </a:p>
+          <a:p>
+            <a:pPr>
+              <a:buFont typeface="Arial" pitchFamily="34" charset="0"/>
+              <a:buChar char="•"/>
+            </a:pPr>
+            <a:r>
+              <a:rPr lang="fr-CH" u="none" dirty="0" smtClean="0"/>
+              <a:t> </a:t>
+            </a:r>
+            <a:r>
+              <a:rPr lang="fr-CH" u="none" dirty="0" smtClean="0"/>
+              <a:t>Implémentation : </a:t>
+            </a:r>
+            <a:r>
+              <a:rPr lang="fr-CH" u="none" dirty="0" err="1" smtClean="0"/>
+              <a:t>JGraphT</a:t>
+            </a:r>
+            <a:endParaRPr lang="fr-CH" u="none" dirty="0"/>
+          </a:p>
+        </p:txBody>
+      </p:sp>
     </p:spTree>
   </p:cSld>
   <p:clrMapOvr>
@@ -10599,7 +14224,21 @@
                 </a:effectLst>
                 <a:latin typeface="Trebuchet MS" pitchFamily="34" charset="0"/>
               </a:rPr>
-              <a:t>MAILLAGE DYNAMIQUE [PIERRE-DO]</a:t>
+              <a:t>MAILLAGE </a:t>
+            </a:r>
+            <a:r>
+              <a:rPr lang="fr-FR" sz="2000" b="1" u="none" dirty="0" smtClean="0">
+                <a:solidFill>
+                  <a:schemeClr val="bg1"/>
+                </a:solidFill>
+                <a:effectLst>
+                  <a:outerShdw blurRad="38100" dist="38100" dir="2700000" algn="tl">
+                    <a:srgbClr val="C0C0C0"/>
+                  </a:outerShdw>
+                </a:effectLst>
+                <a:latin typeface="Trebuchet MS" pitchFamily="34" charset="0"/>
+              </a:rPr>
+              <a:t>DYNAMIQUE : Organisation</a:t>
             </a:r>
             <a:endParaRPr lang="fr-FR" sz="2000" b="1" u="none" dirty="0">
               <a:solidFill>
@@ -10611,6 +14250,212 @@
                 </a:outerShdw>
               </a:effectLst>
               <a:latin typeface="Trebuchet MS" pitchFamily="34" charset="0"/>
+            </a:endParaRPr>
+          </a:p>
+        </p:txBody>
+      </p:sp>
+      <p:graphicFrame>
+        <p:nvGraphicFramePr>
+          <p:cNvPr id="10" name="Diagramme 9"/>
+          <p:cNvGraphicFramePr/>
+          <p:nvPr/>
+        </p:nvGraphicFramePr>
+        <p:xfrm>
+          <a:off x="2590800" y="1397000"/>
+          <a:ext cx="6096000" cy="4660936"/>
+        </p:xfrm>
+        <a:graphic>
+          <a:graphicData uri="http://schemas.openxmlformats.org/drawingml/2006/diagram">
+            <dgm:relIds xmlns:dgm="http://schemas.openxmlformats.org/drawingml/2006/diagram" xmlns:r="http://schemas.openxmlformats.org/officeDocument/2006/relationships" r:dm="rId2" r:lo="rId3" r:qs="rId4" r:cs="rId5"/>
+          </a:graphicData>
+        </a:graphic>
+      </p:graphicFrame>
+      <p:sp>
+        <p:nvSpPr>
+          <p:cNvPr id="11" name="Accolade ouvrante 10"/>
+          <p:cNvSpPr/>
+          <p:nvPr/>
+        </p:nvSpPr>
+        <p:spPr bwMode="auto">
+          <a:xfrm>
+            <a:off x="1504908" y="2990844"/>
+            <a:ext cx="611223" cy="3067092"/>
+          </a:xfrm>
+          <a:prstGeom prst="leftBrace">
+            <a:avLst/>
+          </a:prstGeom>
+          <a:solidFill>
+            <a:schemeClr val="bg1"/>
+          </a:solidFill>
+          <a:ln w="57150" cap="flat" cmpd="sng" algn="ctr">
+            <a:solidFill>
+              <a:schemeClr val="tx1"/>
+            </a:solidFill>
+            <a:prstDash val="solid"/>
+            <a:round/>
+            <a:headEnd type="none" w="med" len="med"/>
+            <a:tailEnd type="none" w="med" len="med"/>
+          </a:ln>
+          <a:effectLst/>
+        </p:spPr>
+        <p:txBody>
+          <a:bodyPr vert="horz" wrap="square" lIns="91440" tIns="45720" rIns="91440" bIns="45720" numCol="1" rtlCol="0" anchor="t" anchorCtr="0" compatLnSpc="1">
+            <a:prstTxWarp prst="textNoShape">
+              <a:avLst/>
+            </a:prstTxWarp>
+          </a:bodyPr>
+          <a:lstStyle/>
+          <a:p>
+            <a:pPr marL="0" marR="0" indent="0" algn="l" defTabSz="914400" rtl="0" eaLnBrk="1" fontAlgn="base" latinLnBrk="0" hangingPunct="1">
+              <a:lnSpc>
+                <a:spcPct val="100000"/>
+              </a:lnSpc>
+              <a:spcBef>
+                <a:spcPct val="0"/>
+              </a:spcBef>
+              <a:spcAft>
+                <a:spcPct val="0"/>
+              </a:spcAft>
+              <a:buClrTx/>
+              <a:buSzTx/>
+              <a:buFontTx/>
+              <a:buNone/>
+              <a:tabLst/>
+            </a:pPr>
+            <a:endParaRPr kumimoji="0" lang="fr-CH" sz="1800" b="0" i="0" u="sng" strike="noStrike" cap="none" normalizeH="0" baseline="0" smtClean="0">
+              <a:ln>
+                <a:noFill/>
+              </a:ln>
+              <a:solidFill>
+                <a:schemeClr val="tx1"/>
+              </a:solidFill>
+              <a:effectLst/>
+              <a:latin typeface="Arial" charset="0"/>
+            </a:endParaRPr>
+          </a:p>
+        </p:txBody>
+      </p:sp>
+      <p:sp>
+        <p:nvSpPr>
+          <p:cNvPr id="12" name="ZoneTexte 11"/>
+          <p:cNvSpPr txBox="1"/>
+          <p:nvPr/>
+        </p:nvSpPr>
+        <p:spPr>
+          <a:xfrm>
+            <a:off x="153927" y="4305312"/>
+            <a:ext cx="1358856" cy="430887"/>
+          </a:xfrm>
+          <a:prstGeom prst="rect">
+            <a:avLst/>
+          </a:prstGeom>
+          <a:noFill/>
+        </p:spPr>
+        <p:txBody>
+          <a:bodyPr wrap="square" rtlCol="0">
+            <a:spAutoFit/>
+          </a:bodyPr>
+          <a:lstStyle/>
+          <a:p>
+            <a:r>
+              <a:rPr lang="fr-CH" sz="2200" b="1" u="none" dirty="0" err="1" smtClean="0"/>
+              <a:t>JGraphT</a:t>
+            </a:r>
+            <a:endParaRPr lang="fr-CH" sz="2200" b="1" u="none" dirty="0"/>
+          </a:p>
+        </p:txBody>
+      </p:sp>
+      <p:sp>
+        <p:nvSpPr>
+          <p:cNvPr id="13" name="ZoneTexte 12"/>
+          <p:cNvSpPr txBox="1"/>
+          <p:nvPr/>
+        </p:nvSpPr>
+        <p:spPr>
+          <a:xfrm>
+            <a:off x="226953" y="1902723"/>
+            <a:ext cx="1414509" cy="430887"/>
+          </a:xfrm>
+          <a:prstGeom prst="rect">
+            <a:avLst/>
+          </a:prstGeom>
+          <a:noFill/>
+        </p:spPr>
+        <p:txBody>
+          <a:bodyPr wrap="square" rtlCol="0">
+            <a:spAutoFit/>
+          </a:bodyPr>
+          <a:lstStyle/>
+          <a:p>
+            <a:r>
+              <a:rPr lang="fr-CH" sz="2200" b="1" u="none" dirty="0" smtClean="0"/>
+              <a:t>Maillage</a:t>
+            </a:r>
+            <a:endParaRPr lang="fr-CH" sz="2200" b="1" u="none" dirty="0"/>
+          </a:p>
+        </p:txBody>
+      </p:sp>
+      <p:sp>
+        <p:nvSpPr>
+          <p:cNvPr id="14" name="Accolade ouvrante 13"/>
+          <p:cNvSpPr/>
+          <p:nvPr/>
+        </p:nvSpPr>
+        <p:spPr bwMode="auto">
+          <a:xfrm>
+            <a:off x="1541421" y="1457298"/>
+            <a:ext cx="611223" cy="1374766"/>
+          </a:xfrm>
+          <a:prstGeom prst="leftBrace">
+            <a:avLst/>
+          </a:prstGeom>
+          <a:solidFill>
+            <a:schemeClr val="bg1"/>
+          </a:solidFill>
+          <a:ln w="57150" cap="flat" cmpd="sng" algn="ctr">
+            <a:solidFill>
+              <a:schemeClr val="tx1"/>
+            </a:solidFill>
+            <a:prstDash val="solid"/>
+            <a:round/>
+            <a:headEnd type="none" w="med" len="med"/>
+            <a:tailEnd type="none" w="med" len="med"/>
+          </a:ln>
+          <a:effectLst/>
+        </p:spPr>
+        <p:txBody>
+          <a:bodyPr vert="horz" wrap="square" lIns="91440" tIns="45720" rIns="91440" bIns="45720" numCol="1" rtlCol="0" anchor="t" anchorCtr="0" compatLnSpc="1">
+            <a:prstTxWarp prst="textNoShape">
+              <a:avLst/>
+            </a:prstTxWarp>
+          </a:bodyPr>
+          <a:lstStyle/>
+          <a:p>
+            <a:pPr marL="0" marR="0" indent="0" algn="l" defTabSz="914400" rtl="0" eaLnBrk="1" fontAlgn="base" latinLnBrk="0" hangingPunct="1">
+              <a:lnSpc>
+                <a:spcPct val="100000"/>
+              </a:lnSpc>
+              <a:spcBef>
+                <a:spcPct val="0"/>
+              </a:spcBef>
+              <a:spcAft>
+                <a:spcPct val="0"/>
+              </a:spcAft>
+              <a:buClrTx/>
+              <a:buSzTx/>
+              <a:buFontTx/>
+              <a:buNone/>
+              <a:tabLst/>
+            </a:pPr>
+            <a:endParaRPr kumimoji="0" lang="fr-CH" sz="1800" b="0" i="0" u="sng" strike="noStrike" cap="none" normalizeH="0" baseline="0" smtClean="0">
+              <a:ln>
+                <a:noFill/>
+              </a:ln>
+              <a:solidFill>
+                <a:schemeClr val="tx1"/>
+              </a:solidFill>
+              <a:effectLst/>
+              <a:latin typeface="Arial" charset="0"/>
             </a:endParaRPr>
           </a:p>
         </p:txBody>
@@ -10652,7 +14497,78 @@
       </p:grpSpPr>
       <p:sp>
         <p:nvSpPr>
-          <p:cNvPr id="29700" name="Rectangle 4"/>
+          <p:cNvPr id="4" name="Espace réservé de la date 3"/>
+          <p:cNvSpPr>
+            <a:spLocks noGrp="1"/>
+          </p:cNvSpPr>
+          <p:nvPr>
+            <p:ph type="dt" sz="half" idx="10"/>
+          </p:nvPr>
+        </p:nvSpPr>
+        <p:spPr/>
+        <p:txBody>
+          <a:bodyPr/>
+          <a:lstStyle/>
+          <a:p>
+            <a:fld id="{DE3EECC3-BAC3-4A29-8636-7743FF9A3806}" type="datetime1">
+              <a:rPr lang="fr-CH" smtClean="0"/>
+              <a:pPr/>
+              <a:t>17.01.2010</a:t>
+            </a:fld>
+            <a:endParaRPr lang="fr-FR"/>
+          </a:p>
+        </p:txBody>
+      </p:sp>
+      <p:sp>
+        <p:nvSpPr>
+          <p:cNvPr id="5" name="Espace réservé du pied de page 4"/>
+          <p:cNvSpPr>
+            <a:spLocks noGrp="1"/>
+          </p:cNvSpPr>
+          <p:nvPr>
+            <p:ph type="ftr" sz="quarter" idx="11"/>
+          </p:nvPr>
+        </p:nvSpPr>
+        <p:spPr/>
+        <p:txBody>
+          <a:bodyPr/>
+          <a:lstStyle/>
+          <a:p>
+            <a:r>
+              <a:rPr lang="fr-FR" smtClean="0"/>
+              <a:t>ADO - PPZ - LFH</a:t>
+            </a:r>
+            <a:endParaRPr lang="fr-FR"/>
+          </a:p>
+        </p:txBody>
+      </p:sp>
+      <p:sp>
+        <p:nvSpPr>
+          <p:cNvPr id="6" name="Espace réservé du numéro de diapositive 5"/>
+          <p:cNvSpPr>
+            <a:spLocks noGrp="1"/>
+          </p:cNvSpPr>
+          <p:nvPr>
+            <p:ph type="sldNum" sz="quarter" idx="12"/>
+          </p:nvPr>
+        </p:nvSpPr>
+        <p:spPr/>
+        <p:txBody>
+          <a:bodyPr/>
+          <a:lstStyle/>
+          <a:p>
+            <a:fld id="{420F5742-7484-4AFF-BE5C-C36DF30CE89D}" type="slidenum">
+              <a:rPr lang="fr-FR" smtClean="0"/>
+              <a:pPr/>
+              <a:t>8</a:t>
+            </a:fld>
+            <a:endParaRPr lang="fr-FR"/>
+          </a:p>
+        </p:txBody>
+      </p:sp>
+      <p:sp>
+        <p:nvSpPr>
+          <p:cNvPr id="7" name="Rectangle 4"/>
           <p:cNvSpPr>
             <a:spLocks noChangeArrowheads="1"/>
           </p:cNvSpPr>
@@ -10695,7 +14611,7 @@
       </p:sp>
       <p:sp>
         <p:nvSpPr>
-          <p:cNvPr id="29709" name="Rectangle 13"/>
+          <p:cNvPr id="8" name="Rectangle 33"/>
           <p:cNvSpPr>
             <a:spLocks noChangeArrowheads="1"/>
           </p:cNvSpPr>
@@ -10740,6 +14656,3179 @@
       </p:sp>
       <p:sp>
         <p:nvSpPr>
+          <p:cNvPr id="11" name="Text Box 5"/>
+          <p:cNvSpPr txBox="1">
+            <a:spLocks noChangeArrowheads="1"/>
+          </p:cNvSpPr>
+          <p:nvPr/>
+        </p:nvSpPr>
+        <p:spPr bwMode="auto">
+          <a:xfrm>
+            <a:off x="0" y="381000"/>
+            <a:ext cx="9144000" cy="396875"/>
+          </a:xfrm>
+          <a:prstGeom prst="rect">
+            <a:avLst/>
+          </a:prstGeom>
+          <a:noFill/>
+          <a:ln w="9525">
+            <a:noFill/>
+            <a:miter lim="800000"/>
+            <a:headEnd/>
+            <a:tailEnd/>
+          </a:ln>
+          <a:effectLst/>
+        </p:spPr>
+        <p:txBody>
+          <a:bodyPr>
+            <a:spAutoFit/>
+          </a:bodyPr>
+          <a:lstStyle/>
+          <a:p>
+            <a:pPr algn="ctr"/>
+            <a:r>
+              <a:rPr lang="fr-FR" sz="2000" b="1" u="none" dirty="0" smtClean="0">
+                <a:solidFill>
+                  <a:schemeClr val="bg1"/>
+                </a:solidFill>
+                <a:effectLst>
+                  <a:outerShdw blurRad="38100" dist="38100" dir="2700000" algn="tl">
+                    <a:srgbClr val="C0C0C0"/>
+                  </a:outerShdw>
+                </a:effectLst>
+                <a:latin typeface="Trebuchet MS" pitchFamily="34" charset="0"/>
+              </a:rPr>
+              <a:t>MAILLAGE </a:t>
+            </a:r>
+            <a:r>
+              <a:rPr lang="fr-FR" sz="2000" b="1" u="none" dirty="0" smtClean="0">
+                <a:solidFill>
+                  <a:schemeClr val="bg1"/>
+                </a:solidFill>
+                <a:effectLst>
+                  <a:outerShdw blurRad="38100" dist="38100" dir="2700000" algn="tl">
+                    <a:srgbClr val="C0C0C0"/>
+                  </a:outerShdw>
+                </a:effectLst>
+                <a:latin typeface="Trebuchet MS" pitchFamily="34" charset="0"/>
+              </a:rPr>
+              <a:t>DYNAMIQUE : Opérations</a:t>
+            </a:r>
+            <a:endParaRPr lang="fr-FR" sz="2000" b="1" u="none" dirty="0">
+              <a:solidFill>
+                <a:schemeClr val="bg1"/>
+              </a:solidFill>
+              <a:effectLst>
+                <a:outerShdw blurRad="38100" dist="38100" dir="2700000" algn="tl">
+                  <a:srgbClr val="C0C0C0"/>
+                </a:outerShdw>
+              </a:effectLst>
+              <a:latin typeface="Trebuchet MS" pitchFamily="34" charset="0"/>
+            </a:endParaRPr>
+          </a:p>
+        </p:txBody>
+      </p:sp>
+      <p:sp>
+        <p:nvSpPr>
+          <p:cNvPr id="12" name="ZoneTexte 11"/>
+          <p:cNvSpPr txBox="1"/>
+          <p:nvPr/>
+        </p:nvSpPr>
+        <p:spPr>
+          <a:xfrm>
+            <a:off x="457200" y="1295400"/>
+            <a:ext cx="4342856" cy="4678204"/>
+          </a:xfrm>
+          <a:prstGeom prst="rect">
+            <a:avLst/>
+          </a:prstGeom>
+          <a:noFill/>
+        </p:spPr>
+        <p:txBody>
+          <a:bodyPr wrap="none" rtlCol="0">
+            <a:spAutoFit/>
+          </a:bodyPr>
+          <a:lstStyle/>
+          <a:p>
+            <a:pPr>
+              <a:spcAft>
+                <a:spcPts val="1200"/>
+              </a:spcAft>
+              <a:buFont typeface="Arial" pitchFamily="34" charset="0"/>
+              <a:buChar char="•"/>
+            </a:pPr>
+            <a:r>
+              <a:rPr lang="fr-CH" u="none" dirty="0" smtClean="0"/>
+              <a:t> </a:t>
+            </a:r>
+            <a:r>
+              <a:rPr lang="fr-CH" b="1" u="none" dirty="0" smtClean="0"/>
+              <a:t>Ecriture</a:t>
+            </a:r>
+          </a:p>
+          <a:p>
+            <a:pPr lvl="1">
+              <a:spcAft>
+                <a:spcPts val="1200"/>
+              </a:spcAft>
+              <a:buFont typeface="Arial" pitchFamily="34" charset="0"/>
+              <a:buChar char="•"/>
+            </a:pPr>
+            <a:r>
+              <a:rPr lang="fr-CH" u="none" dirty="0" smtClean="0"/>
+              <a:t> </a:t>
+            </a:r>
+            <a:r>
+              <a:rPr lang="fr-CH" u="none" dirty="0" smtClean="0"/>
+              <a:t>Désactivation d’une zone</a:t>
+            </a:r>
+          </a:p>
+          <a:p>
+            <a:pPr lvl="2">
+              <a:spcAft>
+                <a:spcPts val="1200"/>
+              </a:spcAft>
+              <a:buFont typeface="Arial" pitchFamily="34" charset="0"/>
+              <a:buChar char="•"/>
+            </a:pPr>
+            <a:r>
+              <a:rPr lang="fr-CH" u="none" dirty="0" smtClean="0"/>
+              <a:t> </a:t>
+            </a:r>
+            <a:r>
+              <a:rPr lang="fr-CH" sz="1400" u="none" dirty="0" smtClean="0"/>
+              <a:t>Ajout d’une tour</a:t>
+            </a:r>
+          </a:p>
+          <a:p>
+            <a:pPr lvl="1">
+              <a:spcAft>
+                <a:spcPts val="1200"/>
+              </a:spcAft>
+              <a:buFont typeface="Arial" pitchFamily="34" charset="0"/>
+              <a:buChar char="•"/>
+            </a:pPr>
+            <a:r>
+              <a:rPr lang="fr-CH" u="none" dirty="0" smtClean="0"/>
+              <a:t> Activation d’une zone</a:t>
+            </a:r>
+          </a:p>
+          <a:p>
+            <a:pPr lvl="2">
+              <a:spcAft>
+                <a:spcPts val="1200"/>
+              </a:spcAft>
+              <a:buFont typeface="Arial" pitchFamily="34" charset="0"/>
+              <a:buChar char="•"/>
+            </a:pPr>
+            <a:r>
+              <a:rPr lang="fr-CH" u="none" dirty="0" smtClean="0"/>
+              <a:t> </a:t>
+            </a:r>
+            <a:r>
+              <a:rPr lang="fr-CH" sz="1400" u="none" dirty="0" smtClean="0"/>
+              <a:t>Suppression d’une tour</a:t>
+            </a:r>
+            <a:endParaRPr lang="fr-CH" u="none" dirty="0" smtClean="0"/>
+          </a:p>
+          <a:p>
+            <a:pPr lvl="2">
+              <a:spcAft>
+                <a:spcPts val="1200"/>
+              </a:spcAft>
+              <a:buFont typeface="Arial" pitchFamily="34" charset="0"/>
+              <a:buChar char="•"/>
+            </a:pPr>
+            <a:r>
+              <a:rPr lang="fr-CH" u="none" dirty="0" smtClean="0"/>
+              <a:t> </a:t>
+            </a:r>
+            <a:r>
+              <a:rPr lang="fr-CH" sz="1400" u="none" dirty="0" smtClean="0"/>
+              <a:t>Création du maillage</a:t>
+            </a:r>
+          </a:p>
+          <a:p>
+            <a:pPr>
+              <a:spcAft>
+                <a:spcPts val="1200"/>
+              </a:spcAft>
+              <a:buFont typeface="Arial" pitchFamily="34" charset="0"/>
+              <a:buChar char="•"/>
+            </a:pPr>
+            <a:r>
+              <a:rPr lang="fr-CH" u="none" dirty="0" smtClean="0"/>
+              <a:t> </a:t>
+            </a:r>
+            <a:r>
+              <a:rPr lang="fr-CH" b="1" u="none" dirty="0" smtClean="0"/>
+              <a:t>Lecture</a:t>
+            </a:r>
+          </a:p>
+          <a:p>
+            <a:pPr lvl="1">
+              <a:spcAft>
+                <a:spcPts val="1200"/>
+              </a:spcAft>
+              <a:buFont typeface="Arial" pitchFamily="34" charset="0"/>
+              <a:buChar char="•"/>
+            </a:pPr>
+            <a:r>
+              <a:rPr lang="fr-CH" u="none" dirty="0" smtClean="0"/>
+              <a:t> </a:t>
+            </a:r>
+            <a:r>
+              <a:rPr lang="fr-CH" u="none" dirty="0" smtClean="0"/>
+              <a:t>Recherche du chemin le plus court</a:t>
+            </a:r>
+          </a:p>
+          <a:p>
+            <a:pPr lvl="2">
+              <a:spcAft>
+                <a:spcPts val="1200"/>
+              </a:spcAft>
+              <a:buFont typeface="Arial" pitchFamily="34" charset="0"/>
+              <a:buChar char="•"/>
+            </a:pPr>
+            <a:r>
+              <a:rPr lang="fr-CH" u="none" dirty="0" smtClean="0"/>
+              <a:t> </a:t>
+            </a:r>
+            <a:r>
+              <a:rPr lang="fr-CH" sz="1400" i="1" u="none" dirty="0" err="1" smtClean="0"/>
+              <a:t>Pathfinding</a:t>
+            </a:r>
+            <a:endParaRPr lang="fr-CH" sz="1400" i="1" u="none" dirty="0" smtClean="0"/>
+          </a:p>
+          <a:p>
+            <a:pPr lvl="1">
+              <a:spcAft>
+                <a:spcPts val="1200"/>
+              </a:spcAft>
+              <a:buFont typeface="Arial" pitchFamily="34" charset="0"/>
+              <a:buChar char="•"/>
+            </a:pPr>
+            <a:r>
+              <a:rPr lang="fr-CH" u="none" dirty="0" smtClean="0"/>
+              <a:t> </a:t>
+            </a:r>
+            <a:r>
+              <a:rPr lang="fr-CH" u="none" dirty="0" smtClean="0"/>
+              <a:t>Liste des nœuds et des arcs</a:t>
+            </a:r>
+          </a:p>
+          <a:p>
+            <a:pPr lvl="2">
+              <a:spcAft>
+                <a:spcPts val="1200"/>
+              </a:spcAft>
+              <a:buFont typeface="Arial" pitchFamily="34" charset="0"/>
+              <a:buChar char="•"/>
+            </a:pPr>
+            <a:r>
+              <a:rPr lang="fr-CH" u="none" dirty="0" smtClean="0"/>
+              <a:t> </a:t>
+            </a:r>
+            <a:r>
+              <a:rPr lang="fr-CH" sz="1400" u="none" dirty="0" smtClean="0"/>
+              <a:t>Affichage, </a:t>
+            </a:r>
+            <a:r>
+              <a:rPr lang="fr-CH" sz="1400" i="1" u="none" dirty="0" err="1" smtClean="0"/>
+              <a:t>debug</a:t>
+            </a:r>
+            <a:endParaRPr lang="fr-CH" sz="1400" i="1" u="none" dirty="0"/>
+          </a:p>
+        </p:txBody>
+      </p:sp>
+      <p:grpSp>
+        <p:nvGrpSpPr>
+          <p:cNvPr id="516" name="Groupe 515"/>
+          <p:cNvGrpSpPr/>
+          <p:nvPr/>
+        </p:nvGrpSpPr>
+        <p:grpSpPr>
+          <a:xfrm>
+            <a:off x="5484820" y="1895454"/>
+            <a:ext cx="3067097" cy="3041707"/>
+            <a:chOff x="5484820" y="1895454"/>
+            <a:chExt cx="3067097" cy="3041707"/>
+          </a:xfrm>
+          <a:effectLst>
+            <a:outerShdw blurRad="50800" dist="38100" dir="2700000" algn="tl" rotWithShape="0">
+              <a:prstClr val="black">
+                <a:alpha val="40000"/>
+              </a:prstClr>
+            </a:outerShdw>
+          </a:effectLst>
+        </p:grpSpPr>
+        <p:grpSp>
+          <p:nvGrpSpPr>
+            <p:cNvPr id="514" name="Groupe 513"/>
+            <p:cNvGrpSpPr/>
+            <p:nvPr/>
+          </p:nvGrpSpPr>
+          <p:grpSpPr>
+            <a:xfrm>
+              <a:off x="5484820" y="1895454"/>
+              <a:ext cx="3067097" cy="3041707"/>
+              <a:chOff x="5484820" y="1895454"/>
+              <a:chExt cx="3067097" cy="3041707"/>
+            </a:xfrm>
+          </p:grpSpPr>
+          <p:cxnSp>
+            <p:nvCxnSpPr>
+              <p:cNvPr id="405" name="Connecteur droit 404"/>
+              <p:cNvCxnSpPr/>
+              <p:nvPr/>
+            </p:nvCxnSpPr>
+            <p:spPr bwMode="auto">
+              <a:xfrm>
+                <a:off x="6251598" y="1895454"/>
+                <a:ext cx="766773" cy="0"/>
+              </a:xfrm>
+              <a:prstGeom prst="line">
+                <a:avLst/>
+              </a:prstGeom>
+              <a:solidFill>
+                <a:schemeClr val="accent1"/>
+              </a:solidFill>
+              <a:ln w="28575" cap="flat" cmpd="sng" algn="ctr">
+                <a:solidFill>
+                  <a:schemeClr val="tx1"/>
+                </a:solidFill>
+                <a:prstDash val="solid"/>
+                <a:round/>
+                <a:headEnd type="none" w="med" len="med"/>
+                <a:tailEnd type="none" w="med" len="med"/>
+              </a:ln>
+              <a:effectLst/>
+            </p:spPr>
+          </p:cxnSp>
+          <p:cxnSp>
+            <p:nvCxnSpPr>
+              <p:cNvPr id="406" name="Connecteur droit 405"/>
+              <p:cNvCxnSpPr/>
+              <p:nvPr/>
+            </p:nvCxnSpPr>
+            <p:spPr bwMode="auto">
+              <a:xfrm>
+                <a:off x="6251598" y="2655880"/>
+                <a:ext cx="766772" cy="0"/>
+              </a:xfrm>
+              <a:prstGeom prst="line">
+                <a:avLst/>
+              </a:prstGeom>
+              <a:solidFill>
+                <a:schemeClr val="accent1"/>
+              </a:solidFill>
+              <a:ln w="28575" cap="flat" cmpd="sng" algn="ctr">
+                <a:solidFill>
+                  <a:schemeClr val="tx1"/>
+                </a:solidFill>
+                <a:prstDash val="solid"/>
+                <a:round/>
+                <a:headEnd type="none" w="med" len="med"/>
+                <a:tailEnd type="none" w="med" len="med"/>
+              </a:ln>
+              <a:effectLst/>
+            </p:spPr>
+          </p:cxnSp>
+          <p:cxnSp>
+            <p:nvCxnSpPr>
+              <p:cNvPr id="407" name="Connecteur droit 406"/>
+              <p:cNvCxnSpPr/>
+              <p:nvPr/>
+            </p:nvCxnSpPr>
+            <p:spPr bwMode="auto">
+              <a:xfrm rot="5400000">
+                <a:off x="5871386" y="2275667"/>
+                <a:ext cx="760425" cy="0"/>
+              </a:xfrm>
+              <a:prstGeom prst="line">
+                <a:avLst/>
+              </a:prstGeom>
+              <a:solidFill>
+                <a:schemeClr val="accent1"/>
+              </a:solidFill>
+              <a:ln w="28575" cap="flat" cmpd="sng" algn="ctr">
+                <a:solidFill>
+                  <a:schemeClr val="tx1"/>
+                </a:solidFill>
+                <a:prstDash val="solid"/>
+                <a:round/>
+                <a:headEnd type="none" w="med" len="med"/>
+                <a:tailEnd type="none" w="med" len="med"/>
+              </a:ln>
+              <a:effectLst/>
+            </p:spPr>
+          </p:cxnSp>
+          <p:cxnSp>
+            <p:nvCxnSpPr>
+              <p:cNvPr id="410" name="Connecteur droit 409"/>
+              <p:cNvCxnSpPr/>
+              <p:nvPr/>
+            </p:nvCxnSpPr>
+            <p:spPr bwMode="auto">
+              <a:xfrm rot="5400000">
+                <a:off x="6638158" y="2275667"/>
+                <a:ext cx="760425" cy="0"/>
+              </a:xfrm>
+              <a:prstGeom prst="line">
+                <a:avLst/>
+              </a:prstGeom>
+              <a:solidFill>
+                <a:schemeClr val="accent1"/>
+              </a:solidFill>
+              <a:ln w="28575" cap="flat" cmpd="sng" algn="ctr">
+                <a:solidFill>
+                  <a:schemeClr val="tx1"/>
+                </a:solidFill>
+                <a:prstDash val="solid"/>
+                <a:round/>
+                <a:headEnd type="none" w="med" len="med"/>
+                <a:tailEnd type="none" w="med" len="med"/>
+              </a:ln>
+              <a:effectLst/>
+            </p:spPr>
+          </p:cxnSp>
+          <p:cxnSp>
+            <p:nvCxnSpPr>
+              <p:cNvPr id="413" name="Connecteur droit 412"/>
+              <p:cNvCxnSpPr/>
+              <p:nvPr/>
+            </p:nvCxnSpPr>
+            <p:spPr bwMode="auto">
+              <a:xfrm>
+                <a:off x="6251599" y="1895454"/>
+                <a:ext cx="766772" cy="760426"/>
+              </a:xfrm>
+              <a:prstGeom prst="line">
+                <a:avLst/>
+              </a:prstGeom>
+              <a:solidFill>
+                <a:schemeClr val="accent1"/>
+              </a:solidFill>
+              <a:ln w="28575" cap="flat" cmpd="sng" algn="ctr">
+                <a:solidFill>
+                  <a:schemeClr val="tx1"/>
+                </a:solidFill>
+                <a:prstDash val="solid"/>
+                <a:round/>
+                <a:headEnd type="none" w="med" len="med"/>
+                <a:tailEnd type="none" w="med" len="med"/>
+              </a:ln>
+              <a:effectLst/>
+            </p:spPr>
+          </p:cxnSp>
+          <p:cxnSp>
+            <p:nvCxnSpPr>
+              <p:cNvPr id="415" name="Connecteur droit 414"/>
+              <p:cNvCxnSpPr/>
+              <p:nvPr/>
+            </p:nvCxnSpPr>
+            <p:spPr bwMode="auto">
+              <a:xfrm rot="10800000" flipV="1">
+                <a:off x="6251598" y="1895454"/>
+                <a:ext cx="766772" cy="760426"/>
+              </a:xfrm>
+              <a:prstGeom prst="line">
+                <a:avLst/>
+              </a:prstGeom>
+              <a:solidFill>
+                <a:schemeClr val="accent1"/>
+              </a:solidFill>
+              <a:ln w="28575" cap="flat" cmpd="sng" algn="ctr">
+                <a:solidFill>
+                  <a:schemeClr val="tx1"/>
+                </a:solidFill>
+                <a:prstDash val="solid"/>
+                <a:round/>
+                <a:headEnd type="none" w="med" len="med"/>
+                <a:tailEnd type="none" w="med" len="med"/>
+              </a:ln>
+              <a:effectLst/>
+            </p:spPr>
+          </p:cxnSp>
+          <p:cxnSp>
+            <p:nvCxnSpPr>
+              <p:cNvPr id="416" name="Connecteur droit 415"/>
+              <p:cNvCxnSpPr/>
+              <p:nvPr/>
+            </p:nvCxnSpPr>
+            <p:spPr bwMode="auto">
+              <a:xfrm>
+                <a:off x="7018370" y="1895454"/>
+                <a:ext cx="766773" cy="0"/>
+              </a:xfrm>
+              <a:prstGeom prst="line">
+                <a:avLst/>
+              </a:prstGeom>
+              <a:solidFill>
+                <a:schemeClr val="accent1"/>
+              </a:solidFill>
+              <a:ln w="28575" cap="flat" cmpd="sng" algn="ctr">
+                <a:solidFill>
+                  <a:schemeClr val="tx1"/>
+                </a:solidFill>
+                <a:prstDash val="solid"/>
+                <a:round/>
+                <a:headEnd type="none" w="med" len="med"/>
+                <a:tailEnd type="none" w="med" len="med"/>
+              </a:ln>
+              <a:effectLst/>
+            </p:spPr>
+          </p:cxnSp>
+          <p:cxnSp>
+            <p:nvCxnSpPr>
+              <p:cNvPr id="417" name="Connecteur droit 416"/>
+              <p:cNvCxnSpPr/>
+              <p:nvPr/>
+            </p:nvCxnSpPr>
+            <p:spPr bwMode="auto">
+              <a:xfrm>
+                <a:off x="7018370" y="2655880"/>
+                <a:ext cx="766772" cy="0"/>
+              </a:xfrm>
+              <a:prstGeom prst="line">
+                <a:avLst/>
+              </a:prstGeom>
+              <a:solidFill>
+                <a:schemeClr val="accent1"/>
+              </a:solidFill>
+              <a:ln w="28575" cap="flat" cmpd="sng" algn="ctr">
+                <a:solidFill>
+                  <a:schemeClr val="tx1"/>
+                </a:solidFill>
+                <a:prstDash val="solid"/>
+                <a:round/>
+                <a:headEnd type="none" w="med" len="med"/>
+                <a:tailEnd type="none" w="med" len="med"/>
+              </a:ln>
+              <a:effectLst/>
+            </p:spPr>
+          </p:cxnSp>
+          <p:cxnSp>
+            <p:nvCxnSpPr>
+              <p:cNvPr id="418" name="Connecteur droit 417"/>
+              <p:cNvCxnSpPr/>
+              <p:nvPr/>
+            </p:nvCxnSpPr>
+            <p:spPr bwMode="auto">
+              <a:xfrm rot="5400000">
+                <a:off x="6638158" y="2275667"/>
+                <a:ext cx="760425" cy="0"/>
+              </a:xfrm>
+              <a:prstGeom prst="line">
+                <a:avLst/>
+              </a:prstGeom>
+              <a:solidFill>
+                <a:schemeClr val="accent1"/>
+              </a:solidFill>
+              <a:ln w="28575" cap="flat" cmpd="sng" algn="ctr">
+                <a:solidFill>
+                  <a:schemeClr val="tx1"/>
+                </a:solidFill>
+                <a:prstDash val="solid"/>
+                <a:round/>
+                <a:headEnd type="none" w="med" len="med"/>
+                <a:tailEnd type="none" w="med" len="med"/>
+              </a:ln>
+              <a:effectLst/>
+            </p:spPr>
+          </p:cxnSp>
+          <p:cxnSp>
+            <p:nvCxnSpPr>
+              <p:cNvPr id="419" name="Connecteur droit 418"/>
+              <p:cNvCxnSpPr/>
+              <p:nvPr/>
+            </p:nvCxnSpPr>
+            <p:spPr bwMode="auto">
+              <a:xfrm rot="5400000">
+                <a:off x="7404930" y="2275667"/>
+                <a:ext cx="760425" cy="0"/>
+              </a:xfrm>
+              <a:prstGeom prst="line">
+                <a:avLst/>
+              </a:prstGeom>
+              <a:solidFill>
+                <a:schemeClr val="accent1"/>
+              </a:solidFill>
+              <a:ln w="28575" cap="flat" cmpd="sng" algn="ctr">
+                <a:solidFill>
+                  <a:schemeClr val="tx1"/>
+                </a:solidFill>
+                <a:prstDash val="solid"/>
+                <a:round/>
+                <a:headEnd type="none" w="med" len="med"/>
+                <a:tailEnd type="none" w="med" len="med"/>
+              </a:ln>
+              <a:effectLst/>
+            </p:spPr>
+          </p:cxnSp>
+          <p:cxnSp>
+            <p:nvCxnSpPr>
+              <p:cNvPr id="420" name="Connecteur droit 419"/>
+              <p:cNvCxnSpPr/>
+              <p:nvPr/>
+            </p:nvCxnSpPr>
+            <p:spPr bwMode="auto">
+              <a:xfrm>
+                <a:off x="7018371" y="1895454"/>
+                <a:ext cx="766772" cy="760426"/>
+              </a:xfrm>
+              <a:prstGeom prst="line">
+                <a:avLst/>
+              </a:prstGeom>
+              <a:solidFill>
+                <a:schemeClr val="accent1"/>
+              </a:solidFill>
+              <a:ln w="28575" cap="flat" cmpd="sng" algn="ctr">
+                <a:solidFill>
+                  <a:schemeClr val="tx1"/>
+                </a:solidFill>
+                <a:prstDash val="solid"/>
+                <a:round/>
+                <a:headEnd type="none" w="med" len="med"/>
+                <a:tailEnd type="none" w="med" len="med"/>
+              </a:ln>
+              <a:effectLst/>
+            </p:spPr>
+          </p:cxnSp>
+          <p:cxnSp>
+            <p:nvCxnSpPr>
+              <p:cNvPr id="421" name="Connecteur droit 420"/>
+              <p:cNvCxnSpPr/>
+              <p:nvPr/>
+            </p:nvCxnSpPr>
+            <p:spPr bwMode="auto">
+              <a:xfrm rot="10800000" flipV="1">
+                <a:off x="7018370" y="1895454"/>
+                <a:ext cx="766772" cy="760426"/>
+              </a:xfrm>
+              <a:prstGeom prst="line">
+                <a:avLst/>
+              </a:prstGeom>
+              <a:solidFill>
+                <a:schemeClr val="accent1"/>
+              </a:solidFill>
+              <a:ln w="28575" cap="flat" cmpd="sng" algn="ctr">
+                <a:solidFill>
+                  <a:schemeClr val="tx1"/>
+                </a:solidFill>
+                <a:prstDash val="solid"/>
+                <a:round/>
+                <a:headEnd type="none" w="med" len="med"/>
+                <a:tailEnd type="none" w="med" len="med"/>
+              </a:ln>
+              <a:effectLst/>
+            </p:spPr>
+          </p:cxnSp>
+          <p:cxnSp>
+            <p:nvCxnSpPr>
+              <p:cNvPr id="422" name="Connecteur droit 421"/>
+              <p:cNvCxnSpPr/>
+              <p:nvPr/>
+            </p:nvCxnSpPr>
+            <p:spPr bwMode="auto">
+              <a:xfrm>
+                <a:off x="7785143" y="1895454"/>
+                <a:ext cx="766773" cy="0"/>
+              </a:xfrm>
+              <a:prstGeom prst="line">
+                <a:avLst/>
+              </a:prstGeom>
+              <a:solidFill>
+                <a:schemeClr val="accent1"/>
+              </a:solidFill>
+              <a:ln w="28575" cap="flat" cmpd="sng" algn="ctr">
+                <a:solidFill>
+                  <a:schemeClr val="tx1"/>
+                </a:solidFill>
+                <a:prstDash val="solid"/>
+                <a:round/>
+                <a:headEnd type="none" w="med" len="med"/>
+                <a:tailEnd type="none" w="med" len="med"/>
+              </a:ln>
+              <a:effectLst/>
+            </p:spPr>
+          </p:cxnSp>
+          <p:cxnSp>
+            <p:nvCxnSpPr>
+              <p:cNvPr id="423" name="Connecteur droit 422"/>
+              <p:cNvCxnSpPr/>
+              <p:nvPr/>
+            </p:nvCxnSpPr>
+            <p:spPr bwMode="auto">
+              <a:xfrm>
+                <a:off x="7785143" y="2655880"/>
+                <a:ext cx="766772" cy="0"/>
+              </a:xfrm>
+              <a:prstGeom prst="line">
+                <a:avLst/>
+              </a:prstGeom>
+              <a:solidFill>
+                <a:schemeClr val="accent1"/>
+              </a:solidFill>
+              <a:ln w="28575" cap="flat" cmpd="sng" algn="ctr">
+                <a:solidFill>
+                  <a:schemeClr val="tx1"/>
+                </a:solidFill>
+                <a:prstDash val="solid"/>
+                <a:round/>
+                <a:headEnd type="none" w="med" len="med"/>
+                <a:tailEnd type="none" w="med" len="med"/>
+              </a:ln>
+              <a:effectLst/>
+            </p:spPr>
+          </p:cxnSp>
+          <p:cxnSp>
+            <p:nvCxnSpPr>
+              <p:cNvPr id="424" name="Connecteur droit 423"/>
+              <p:cNvCxnSpPr/>
+              <p:nvPr/>
+            </p:nvCxnSpPr>
+            <p:spPr bwMode="auto">
+              <a:xfrm rot="5400000">
+                <a:off x="7404931" y="2275667"/>
+                <a:ext cx="760425" cy="0"/>
+              </a:xfrm>
+              <a:prstGeom prst="line">
+                <a:avLst/>
+              </a:prstGeom>
+              <a:solidFill>
+                <a:schemeClr val="accent1"/>
+              </a:solidFill>
+              <a:ln w="28575" cap="flat" cmpd="sng" algn="ctr">
+                <a:solidFill>
+                  <a:schemeClr val="tx1"/>
+                </a:solidFill>
+                <a:prstDash val="solid"/>
+                <a:round/>
+                <a:headEnd type="none" w="med" len="med"/>
+                <a:tailEnd type="none" w="med" len="med"/>
+              </a:ln>
+              <a:effectLst/>
+            </p:spPr>
+          </p:cxnSp>
+          <p:cxnSp>
+            <p:nvCxnSpPr>
+              <p:cNvPr id="425" name="Connecteur droit 424"/>
+              <p:cNvCxnSpPr/>
+              <p:nvPr/>
+            </p:nvCxnSpPr>
+            <p:spPr bwMode="auto">
+              <a:xfrm rot="5400000">
+                <a:off x="8171703" y="2275667"/>
+                <a:ext cx="760425" cy="0"/>
+              </a:xfrm>
+              <a:prstGeom prst="line">
+                <a:avLst/>
+              </a:prstGeom>
+              <a:solidFill>
+                <a:schemeClr val="accent1"/>
+              </a:solidFill>
+              <a:ln w="28575" cap="flat" cmpd="sng" algn="ctr">
+                <a:solidFill>
+                  <a:schemeClr val="tx1"/>
+                </a:solidFill>
+                <a:prstDash val="solid"/>
+                <a:round/>
+                <a:headEnd type="none" w="med" len="med"/>
+                <a:tailEnd type="none" w="med" len="med"/>
+              </a:ln>
+              <a:effectLst/>
+            </p:spPr>
+          </p:cxnSp>
+          <p:cxnSp>
+            <p:nvCxnSpPr>
+              <p:cNvPr id="426" name="Connecteur droit 425"/>
+              <p:cNvCxnSpPr/>
+              <p:nvPr/>
+            </p:nvCxnSpPr>
+            <p:spPr bwMode="auto">
+              <a:xfrm>
+                <a:off x="7785144" y="1895454"/>
+                <a:ext cx="766772" cy="760426"/>
+              </a:xfrm>
+              <a:prstGeom prst="line">
+                <a:avLst/>
+              </a:prstGeom>
+              <a:solidFill>
+                <a:schemeClr val="accent1"/>
+              </a:solidFill>
+              <a:ln w="28575" cap="flat" cmpd="sng" algn="ctr">
+                <a:solidFill>
+                  <a:schemeClr val="tx1"/>
+                </a:solidFill>
+                <a:prstDash val="solid"/>
+                <a:round/>
+                <a:headEnd type="none" w="med" len="med"/>
+                <a:tailEnd type="none" w="med" len="med"/>
+              </a:ln>
+              <a:effectLst/>
+            </p:spPr>
+          </p:cxnSp>
+          <p:cxnSp>
+            <p:nvCxnSpPr>
+              <p:cNvPr id="427" name="Connecteur droit 426"/>
+              <p:cNvCxnSpPr/>
+              <p:nvPr/>
+            </p:nvCxnSpPr>
+            <p:spPr bwMode="auto">
+              <a:xfrm rot="10800000" flipV="1">
+                <a:off x="7785143" y="1895454"/>
+                <a:ext cx="766772" cy="760426"/>
+              </a:xfrm>
+              <a:prstGeom prst="line">
+                <a:avLst/>
+              </a:prstGeom>
+              <a:solidFill>
+                <a:schemeClr val="accent1"/>
+              </a:solidFill>
+              <a:ln w="57150" cap="flat" cmpd="sng" algn="ctr">
+                <a:solidFill>
+                  <a:srgbClr val="FF0000"/>
+                </a:solidFill>
+                <a:prstDash val="solid"/>
+                <a:round/>
+                <a:headEnd type="none" w="med" len="med"/>
+                <a:tailEnd type="none" w="med" len="med"/>
+              </a:ln>
+              <a:effectLst/>
+            </p:spPr>
+          </p:cxnSp>
+          <p:cxnSp>
+            <p:nvCxnSpPr>
+              <p:cNvPr id="428" name="Connecteur droit 427"/>
+              <p:cNvCxnSpPr/>
+              <p:nvPr/>
+            </p:nvCxnSpPr>
+            <p:spPr bwMode="auto">
+              <a:xfrm>
+                <a:off x="6251599" y="2655880"/>
+                <a:ext cx="766773" cy="0"/>
+              </a:xfrm>
+              <a:prstGeom prst="line">
+                <a:avLst/>
+              </a:prstGeom>
+              <a:solidFill>
+                <a:schemeClr val="accent1"/>
+              </a:solidFill>
+              <a:ln w="28575" cap="flat" cmpd="sng" algn="ctr">
+                <a:solidFill>
+                  <a:schemeClr val="tx1"/>
+                </a:solidFill>
+                <a:prstDash val="solid"/>
+                <a:round/>
+                <a:headEnd type="none" w="med" len="med"/>
+                <a:tailEnd type="none" w="med" len="med"/>
+              </a:ln>
+              <a:effectLst/>
+            </p:spPr>
+          </p:cxnSp>
+          <p:cxnSp>
+            <p:nvCxnSpPr>
+              <p:cNvPr id="430" name="Connecteur droit 429"/>
+              <p:cNvCxnSpPr/>
+              <p:nvPr/>
+            </p:nvCxnSpPr>
+            <p:spPr bwMode="auto">
+              <a:xfrm rot="5400000">
+                <a:off x="5871387" y="3036093"/>
+                <a:ext cx="760425" cy="0"/>
+              </a:xfrm>
+              <a:prstGeom prst="line">
+                <a:avLst/>
+              </a:prstGeom>
+              <a:solidFill>
+                <a:schemeClr val="accent1"/>
+              </a:solidFill>
+              <a:ln w="28575" cap="flat" cmpd="sng" algn="ctr">
+                <a:solidFill>
+                  <a:schemeClr val="tx1"/>
+                </a:solidFill>
+                <a:prstDash val="solid"/>
+                <a:round/>
+                <a:headEnd type="none" w="med" len="med"/>
+                <a:tailEnd type="none" w="med" len="med"/>
+              </a:ln>
+              <a:effectLst/>
+            </p:spPr>
+          </p:cxnSp>
+          <p:cxnSp>
+            <p:nvCxnSpPr>
+              <p:cNvPr id="433" name="Connecteur droit 432"/>
+              <p:cNvCxnSpPr/>
+              <p:nvPr/>
+            </p:nvCxnSpPr>
+            <p:spPr bwMode="auto">
+              <a:xfrm rot="10800000" flipV="1">
+                <a:off x="6251599" y="2655880"/>
+                <a:ext cx="766772" cy="760426"/>
+              </a:xfrm>
+              <a:prstGeom prst="line">
+                <a:avLst/>
+              </a:prstGeom>
+              <a:solidFill>
+                <a:schemeClr val="accent1"/>
+              </a:solidFill>
+              <a:ln w="57150" cap="flat" cmpd="sng" algn="ctr">
+                <a:solidFill>
+                  <a:srgbClr val="FF0000"/>
+                </a:solidFill>
+                <a:prstDash val="solid"/>
+                <a:round/>
+                <a:headEnd type="none" w="med" len="med"/>
+                <a:tailEnd type="none" w="med" len="med"/>
+              </a:ln>
+              <a:effectLst/>
+            </p:spPr>
+          </p:cxnSp>
+          <p:cxnSp>
+            <p:nvCxnSpPr>
+              <p:cNvPr id="434" name="Connecteur droit 433"/>
+              <p:cNvCxnSpPr/>
+              <p:nvPr/>
+            </p:nvCxnSpPr>
+            <p:spPr bwMode="auto">
+              <a:xfrm>
+                <a:off x="7018371" y="2655880"/>
+                <a:ext cx="766773" cy="0"/>
+              </a:xfrm>
+              <a:prstGeom prst="line">
+                <a:avLst/>
+              </a:prstGeom>
+              <a:solidFill>
+                <a:schemeClr val="accent1"/>
+              </a:solidFill>
+              <a:ln w="57150" cap="flat" cmpd="sng" algn="ctr">
+                <a:solidFill>
+                  <a:srgbClr val="FF0000"/>
+                </a:solidFill>
+                <a:prstDash val="solid"/>
+                <a:round/>
+                <a:headEnd type="none" w="med" len="med"/>
+                <a:tailEnd type="none" w="med" len="med"/>
+              </a:ln>
+              <a:effectLst/>
+            </p:spPr>
+          </p:cxnSp>
+          <p:cxnSp>
+            <p:nvCxnSpPr>
+              <p:cNvPr id="437" name="Connecteur droit 436"/>
+              <p:cNvCxnSpPr/>
+              <p:nvPr/>
+            </p:nvCxnSpPr>
+            <p:spPr bwMode="auto">
+              <a:xfrm rot="5400000">
+                <a:off x="7404931" y="3036093"/>
+                <a:ext cx="760425" cy="0"/>
+              </a:xfrm>
+              <a:prstGeom prst="line">
+                <a:avLst/>
+              </a:prstGeom>
+              <a:solidFill>
+                <a:schemeClr val="accent1"/>
+              </a:solidFill>
+              <a:ln w="28575" cap="flat" cmpd="sng" algn="ctr">
+                <a:solidFill>
+                  <a:schemeClr val="tx1"/>
+                </a:solidFill>
+                <a:prstDash val="solid"/>
+                <a:round/>
+                <a:headEnd type="none" w="med" len="med"/>
+                <a:tailEnd type="none" w="med" len="med"/>
+              </a:ln>
+              <a:effectLst/>
+            </p:spPr>
+          </p:cxnSp>
+          <p:cxnSp>
+            <p:nvCxnSpPr>
+              <p:cNvPr id="438" name="Connecteur droit 437"/>
+              <p:cNvCxnSpPr/>
+              <p:nvPr/>
+            </p:nvCxnSpPr>
+            <p:spPr bwMode="auto">
+              <a:xfrm>
+                <a:off x="7018372" y="2655880"/>
+                <a:ext cx="766772" cy="760426"/>
+              </a:xfrm>
+              <a:prstGeom prst="line">
+                <a:avLst/>
+              </a:prstGeom>
+              <a:solidFill>
+                <a:schemeClr val="accent1"/>
+              </a:solidFill>
+              <a:ln w="28575" cap="flat" cmpd="sng" algn="ctr">
+                <a:solidFill>
+                  <a:schemeClr val="tx1"/>
+                </a:solidFill>
+                <a:prstDash val="solid"/>
+                <a:round/>
+                <a:headEnd type="none" w="med" len="med"/>
+                <a:tailEnd type="none" w="med" len="med"/>
+              </a:ln>
+              <a:effectLst/>
+            </p:spPr>
+          </p:cxnSp>
+          <p:cxnSp>
+            <p:nvCxnSpPr>
+              <p:cNvPr id="440" name="Connecteur droit 439"/>
+              <p:cNvCxnSpPr/>
+              <p:nvPr/>
+            </p:nvCxnSpPr>
+            <p:spPr bwMode="auto">
+              <a:xfrm>
+                <a:off x="7785144" y="2655880"/>
+                <a:ext cx="766773" cy="0"/>
+              </a:xfrm>
+              <a:prstGeom prst="line">
+                <a:avLst/>
+              </a:prstGeom>
+              <a:solidFill>
+                <a:schemeClr val="accent1"/>
+              </a:solidFill>
+              <a:ln w="28575" cap="flat" cmpd="sng" algn="ctr">
+                <a:solidFill>
+                  <a:schemeClr val="tx1"/>
+                </a:solidFill>
+                <a:prstDash val="solid"/>
+                <a:round/>
+                <a:headEnd type="none" w="med" len="med"/>
+                <a:tailEnd type="none" w="med" len="med"/>
+              </a:ln>
+              <a:effectLst/>
+            </p:spPr>
+          </p:cxnSp>
+          <p:cxnSp>
+            <p:nvCxnSpPr>
+              <p:cNvPr id="441" name="Connecteur droit 440"/>
+              <p:cNvCxnSpPr/>
+              <p:nvPr/>
+            </p:nvCxnSpPr>
+            <p:spPr bwMode="auto">
+              <a:xfrm>
+                <a:off x="7785144" y="3416306"/>
+                <a:ext cx="766772" cy="0"/>
+              </a:xfrm>
+              <a:prstGeom prst="line">
+                <a:avLst/>
+              </a:prstGeom>
+              <a:solidFill>
+                <a:schemeClr val="accent1"/>
+              </a:solidFill>
+              <a:ln w="28575" cap="flat" cmpd="sng" algn="ctr">
+                <a:solidFill>
+                  <a:schemeClr val="tx1"/>
+                </a:solidFill>
+                <a:prstDash val="solid"/>
+                <a:round/>
+                <a:headEnd type="none" w="med" len="med"/>
+                <a:tailEnd type="none" w="med" len="med"/>
+              </a:ln>
+              <a:effectLst/>
+            </p:spPr>
+          </p:cxnSp>
+          <p:cxnSp>
+            <p:nvCxnSpPr>
+              <p:cNvPr id="442" name="Connecteur droit 441"/>
+              <p:cNvCxnSpPr/>
+              <p:nvPr/>
+            </p:nvCxnSpPr>
+            <p:spPr bwMode="auto">
+              <a:xfrm rot="5400000">
+                <a:off x="7404932" y="3036093"/>
+                <a:ext cx="760425" cy="0"/>
+              </a:xfrm>
+              <a:prstGeom prst="line">
+                <a:avLst/>
+              </a:prstGeom>
+              <a:solidFill>
+                <a:schemeClr val="accent1"/>
+              </a:solidFill>
+              <a:ln w="28575" cap="flat" cmpd="sng" algn="ctr">
+                <a:solidFill>
+                  <a:schemeClr val="tx1"/>
+                </a:solidFill>
+                <a:prstDash val="solid"/>
+                <a:round/>
+                <a:headEnd type="none" w="med" len="med"/>
+                <a:tailEnd type="none" w="med" len="med"/>
+              </a:ln>
+              <a:effectLst/>
+            </p:spPr>
+          </p:cxnSp>
+          <p:cxnSp>
+            <p:nvCxnSpPr>
+              <p:cNvPr id="443" name="Connecteur droit 442"/>
+              <p:cNvCxnSpPr/>
+              <p:nvPr/>
+            </p:nvCxnSpPr>
+            <p:spPr bwMode="auto">
+              <a:xfrm rot="5400000">
+                <a:off x="8171704" y="3036093"/>
+                <a:ext cx="760425" cy="0"/>
+              </a:xfrm>
+              <a:prstGeom prst="line">
+                <a:avLst/>
+              </a:prstGeom>
+              <a:solidFill>
+                <a:schemeClr val="accent1"/>
+              </a:solidFill>
+              <a:ln w="28575" cap="flat" cmpd="sng" algn="ctr">
+                <a:solidFill>
+                  <a:schemeClr val="tx1"/>
+                </a:solidFill>
+                <a:prstDash val="solid"/>
+                <a:round/>
+                <a:headEnd type="none" w="med" len="med"/>
+                <a:tailEnd type="none" w="med" len="med"/>
+              </a:ln>
+              <a:effectLst/>
+            </p:spPr>
+          </p:cxnSp>
+          <p:cxnSp>
+            <p:nvCxnSpPr>
+              <p:cNvPr id="444" name="Connecteur droit 443"/>
+              <p:cNvCxnSpPr/>
+              <p:nvPr/>
+            </p:nvCxnSpPr>
+            <p:spPr bwMode="auto">
+              <a:xfrm>
+                <a:off x="7785145" y="2655880"/>
+                <a:ext cx="766772" cy="760426"/>
+              </a:xfrm>
+              <a:prstGeom prst="line">
+                <a:avLst/>
+              </a:prstGeom>
+              <a:solidFill>
+                <a:schemeClr val="accent1"/>
+              </a:solidFill>
+              <a:ln w="28575" cap="flat" cmpd="sng" algn="ctr">
+                <a:solidFill>
+                  <a:schemeClr val="tx1"/>
+                </a:solidFill>
+                <a:prstDash val="solid"/>
+                <a:round/>
+                <a:headEnd type="none" w="med" len="med"/>
+                <a:tailEnd type="none" w="med" len="med"/>
+              </a:ln>
+              <a:effectLst/>
+            </p:spPr>
+          </p:cxnSp>
+          <p:cxnSp>
+            <p:nvCxnSpPr>
+              <p:cNvPr id="445" name="Connecteur droit 444"/>
+              <p:cNvCxnSpPr/>
+              <p:nvPr/>
+            </p:nvCxnSpPr>
+            <p:spPr bwMode="auto">
+              <a:xfrm rot="10800000" flipV="1">
+                <a:off x="7785144" y="2655880"/>
+                <a:ext cx="766772" cy="760426"/>
+              </a:xfrm>
+              <a:prstGeom prst="line">
+                <a:avLst/>
+              </a:prstGeom>
+              <a:solidFill>
+                <a:schemeClr val="accent1"/>
+              </a:solidFill>
+              <a:ln w="28575" cap="flat" cmpd="sng" algn="ctr">
+                <a:solidFill>
+                  <a:schemeClr val="tx1"/>
+                </a:solidFill>
+                <a:prstDash val="solid"/>
+                <a:round/>
+                <a:headEnd type="none" w="med" len="med"/>
+                <a:tailEnd type="none" w="med" len="med"/>
+              </a:ln>
+              <a:effectLst/>
+            </p:spPr>
+          </p:cxnSp>
+          <p:cxnSp>
+            <p:nvCxnSpPr>
+              <p:cNvPr id="447" name="Connecteur droit 446"/>
+              <p:cNvCxnSpPr/>
+              <p:nvPr/>
+            </p:nvCxnSpPr>
+            <p:spPr bwMode="auto">
+              <a:xfrm>
+                <a:off x="6251597" y="4176732"/>
+                <a:ext cx="766772" cy="0"/>
+              </a:xfrm>
+              <a:prstGeom prst="line">
+                <a:avLst/>
+              </a:prstGeom>
+              <a:solidFill>
+                <a:schemeClr val="accent1"/>
+              </a:solidFill>
+              <a:ln w="28575" cap="flat" cmpd="sng" algn="ctr">
+                <a:solidFill>
+                  <a:schemeClr val="tx1"/>
+                </a:solidFill>
+                <a:prstDash val="solid"/>
+                <a:round/>
+                <a:headEnd type="none" w="med" len="med"/>
+                <a:tailEnd type="none" w="med" len="med"/>
+              </a:ln>
+              <a:effectLst/>
+            </p:spPr>
+          </p:cxnSp>
+          <p:cxnSp>
+            <p:nvCxnSpPr>
+              <p:cNvPr id="448" name="Connecteur droit 447"/>
+              <p:cNvCxnSpPr/>
+              <p:nvPr/>
+            </p:nvCxnSpPr>
+            <p:spPr bwMode="auto">
+              <a:xfrm rot="5400000">
+                <a:off x="5871385" y="3796519"/>
+                <a:ext cx="760425" cy="0"/>
+              </a:xfrm>
+              <a:prstGeom prst="line">
+                <a:avLst/>
+              </a:prstGeom>
+              <a:solidFill>
+                <a:schemeClr val="accent1"/>
+              </a:solidFill>
+              <a:ln w="28575" cap="flat" cmpd="sng" algn="ctr">
+                <a:solidFill>
+                  <a:schemeClr val="tx1"/>
+                </a:solidFill>
+                <a:prstDash val="solid"/>
+                <a:round/>
+                <a:headEnd type="none" w="med" len="med"/>
+                <a:tailEnd type="none" w="med" len="med"/>
+              </a:ln>
+              <a:effectLst/>
+            </p:spPr>
+          </p:cxnSp>
+          <p:cxnSp>
+            <p:nvCxnSpPr>
+              <p:cNvPr id="450" name="Connecteur droit 449"/>
+              <p:cNvCxnSpPr/>
+              <p:nvPr/>
+            </p:nvCxnSpPr>
+            <p:spPr bwMode="auto">
+              <a:xfrm>
+                <a:off x="6251598" y="3416306"/>
+                <a:ext cx="766772" cy="760426"/>
+              </a:xfrm>
+              <a:prstGeom prst="line">
+                <a:avLst/>
+              </a:prstGeom>
+              <a:solidFill>
+                <a:schemeClr val="accent1"/>
+              </a:solidFill>
+              <a:ln w="28575" cap="flat" cmpd="sng" algn="ctr">
+                <a:solidFill>
+                  <a:schemeClr val="tx1"/>
+                </a:solidFill>
+                <a:prstDash val="solid"/>
+                <a:round/>
+                <a:headEnd type="none" w="med" len="med"/>
+                <a:tailEnd type="none" w="med" len="med"/>
+              </a:ln>
+              <a:effectLst/>
+            </p:spPr>
+          </p:cxnSp>
+          <p:cxnSp>
+            <p:nvCxnSpPr>
+              <p:cNvPr id="453" name="Connecteur droit 452"/>
+              <p:cNvCxnSpPr/>
+              <p:nvPr/>
+            </p:nvCxnSpPr>
+            <p:spPr bwMode="auto">
+              <a:xfrm>
+                <a:off x="7018369" y="4176732"/>
+                <a:ext cx="766772" cy="0"/>
+              </a:xfrm>
+              <a:prstGeom prst="line">
+                <a:avLst/>
+              </a:prstGeom>
+              <a:solidFill>
+                <a:schemeClr val="accent1"/>
+              </a:solidFill>
+              <a:ln w="28575" cap="flat" cmpd="sng" algn="ctr">
+                <a:solidFill>
+                  <a:schemeClr val="tx1"/>
+                </a:solidFill>
+                <a:prstDash val="solid"/>
+                <a:round/>
+                <a:headEnd type="none" w="med" len="med"/>
+                <a:tailEnd type="none" w="med" len="med"/>
+              </a:ln>
+              <a:effectLst/>
+            </p:spPr>
+          </p:cxnSp>
+          <p:cxnSp>
+            <p:nvCxnSpPr>
+              <p:cNvPr id="455" name="Connecteur droit 454"/>
+              <p:cNvCxnSpPr/>
+              <p:nvPr/>
+            </p:nvCxnSpPr>
+            <p:spPr bwMode="auto">
+              <a:xfrm rot="5400000">
+                <a:off x="7404929" y="3796519"/>
+                <a:ext cx="760425" cy="0"/>
+              </a:xfrm>
+              <a:prstGeom prst="line">
+                <a:avLst/>
+              </a:prstGeom>
+              <a:solidFill>
+                <a:schemeClr val="accent1"/>
+              </a:solidFill>
+              <a:ln w="28575" cap="flat" cmpd="sng" algn="ctr">
+                <a:solidFill>
+                  <a:schemeClr val="tx1"/>
+                </a:solidFill>
+                <a:prstDash val="solid"/>
+                <a:round/>
+                <a:headEnd type="none" w="med" len="med"/>
+                <a:tailEnd type="none" w="med" len="med"/>
+              </a:ln>
+              <a:effectLst/>
+            </p:spPr>
+          </p:cxnSp>
+          <p:cxnSp>
+            <p:nvCxnSpPr>
+              <p:cNvPr id="457" name="Connecteur droit 456"/>
+              <p:cNvCxnSpPr/>
+              <p:nvPr/>
+            </p:nvCxnSpPr>
+            <p:spPr bwMode="auto">
+              <a:xfrm rot="10800000" flipV="1">
+                <a:off x="7018369" y="3416306"/>
+                <a:ext cx="766772" cy="760426"/>
+              </a:xfrm>
+              <a:prstGeom prst="line">
+                <a:avLst/>
+              </a:prstGeom>
+              <a:solidFill>
+                <a:schemeClr val="accent1"/>
+              </a:solidFill>
+              <a:ln w="28575" cap="flat" cmpd="sng" algn="ctr">
+                <a:solidFill>
+                  <a:schemeClr val="tx1"/>
+                </a:solidFill>
+                <a:prstDash val="solid"/>
+                <a:round/>
+                <a:headEnd type="none" w="med" len="med"/>
+                <a:tailEnd type="none" w="med" len="med"/>
+              </a:ln>
+              <a:effectLst/>
+            </p:spPr>
+          </p:cxnSp>
+          <p:cxnSp>
+            <p:nvCxnSpPr>
+              <p:cNvPr id="458" name="Connecteur droit 457"/>
+              <p:cNvCxnSpPr/>
+              <p:nvPr/>
+            </p:nvCxnSpPr>
+            <p:spPr bwMode="auto">
+              <a:xfrm>
+                <a:off x="7785142" y="3416306"/>
+                <a:ext cx="766773" cy="0"/>
+              </a:xfrm>
+              <a:prstGeom prst="line">
+                <a:avLst/>
+              </a:prstGeom>
+              <a:solidFill>
+                <a:schemeClr val="accent1"/>
+              </a:solidFill>
+              <a:ln w="28575" cap="flat" cmpd="sng" algn="ctr">
+                <a:solidFill>
+                  <a:schemeClr val="tx1"/>
+                </a:solidFill>
+                <a:prstDash val="solid"/>
+                <a:round/>
+                <a:headEnd type="none" w="med" len="med"/>
+                <a:tailEnd type="none" w="med" len="med"/>
+              </a:ln>
+              <a:effectLst/>
+            </p:spPr>
+          </p:cxnSp>
+          <p:cxnSp>
+            <p:nvCxnSpPr>
+              <p:cNvPr id="459" name="Connecteur droit 458"/>
+              <p:cNvCxnSpPr/>
+              <p:nvPr/>
+            </p:nvCxnSpPr>
+            <p:spPr bwMode="auto">
+              <a:xfrm>
+                <a:off x="7785142" y="4176732"/>
+                <a:ext cx="766772" cy="0"/>
+              </a:xfrm>
+              <a:prstGeom prst="line">
+                <a:avLst/>
+              </a:prstGeom>
+              <a:solidFill>
+                <a:schemeClr val="accent1"/>
+              </a:solidFill>
+              <a:ln w="28575" cap="flat" cmpd="sng" algn="ctr">
+                <a:solidFill>
+                  <a:schemeClr val="tx1"/>
+                </a:solidFill>
+                <a:prstDash val="solid"/>
+                <a:round/>
+                <a:headEnd type="none" w="med" len="med"/>
+                <a:tailEnd type="none" w="med" len="med"/>
+              </a:ln>
+              <a:effectLst/>
+            </p:spPr>
+          </p:cxnSp>
+          <p:cxnSp>
+            <p:nvCxnSpPr>
+              <p:cNvPr id="460" name="Connecteur droit 459"/>
+              <p:cNvCxnSpPr/>
+              <p:nvPr/>
+            </p:nvCxnSpPr>
+            <p:spPr bwMode="auto">
+              <a:xfrm rot="5400000">
+                <a:off x="7404930" y="3796519"/>
+                <a:ext cx="760425" cy="0"/>
+              </a:xfrm>
+              <a:prstGeom prst="line">
+                <a:avLst/>
+              </a:prstGeom>
+              <a:solidFill>
+                <a:schemeClr val="accent1"/>
+              </a:solidFill>
+              <a:ln w="28575" cap="flat" cmpd="sng" algn="ctr">
+                <a:solidFill>
+                  <a:schemeClr val="tx1"/>
+                </a:solidFill>
+                <a:prstDash val="solid"/>
+                <a:round/>
+                <a:headEnd type="none" w="med" len="med"/>
+                <a:tailEnd type="none" w="med" len="med"/>
+              </a:ln>
+              <a:effectLst/>
+            </p:spPr>
+          </p:cxnSp>
+          <p:cxnSp>
+            <p:nvCxnSpPr>
+              <p:cNvPr id="461" name="Connecteur droit 460"/>
+              <p:cNvCxnSpPr/>
+              <p:nvPr/>
+            </p:nvCxnSpPr>
+            <p:spPr bwMode="auto">
+              <a:xfrm rot="5400000">
+                <a:off x="8171702" y="3796519"/>
+                <a:ext cx="760425" cy="0"/>
+              </a:xfrm>
+              <a:prstGeom prst="line">
+                <a:avLst/>
+              </a:prstGeom>
+              <a:solidFill>
+                <a:schemeClr val="accent1"/>
+              </a:solidFill>
+              <a:ln w="28575" cap="flat" cmpd="sng" algn="ctr">
+                <a:solidFill>
+                  <a:schemeClr val="tx1"/>
+                </a:solidFill>
+                <a:prstDash val="solid"/>
+                <a:round/>
+                <a:headEnd type="none" w="med" len="med"/>
+                <a:tailEnd type="none" w="med" len="med"/>
+              </a:ln>
+              <a:effectLst/>
+            </p:spPr>
+          </p:cxnSp>
+          <p:cxnSp>
+            <p:nvCxnSpPr>
+              <p:cNvPr id="462" name="Connecteur droit 461"/>
+              <p:cNvCxnSpPr/>
+              <p:nvPr/>
+            </p:nvCxnSpPr>
+            <p:spPr bwMode="auto">
+              <a:xfrm>
+                <a:off x="7785143" y="3416306"/>
+                <a:ext cx="766772" cy="760426"/>
+              </a:xfrm>
+              <a:prstGeom prst="line">
+                <a:avLst/>
+              </a:prstGeom>
+              <a:solidFill>
+                <a:schemeClr val="accent1"/>
+              </a:solidFill>
+              <a:ln w="28575" cap="flat" cmpd="sng" algn="ctr">
+                <a:solidFill>
+                  <a:schemeClr val="tx1"/>
+                </a:solidFill>
+                <a:prstDash val="solid"/>
+                <a:round/>
+                <a:headEnd type="none" w="med" len="med"/>
+                <a:tailEnd type="none" w="med" len="med"/>
+              </a:ln>
+              <a:effectLst/>
+            </p:spPr>
+          </p:cxnSp>
+          <p:cxnSp>
+            <p:nvCxnSpPr>
+              <p:cNvPr id="463" name="Connecteur droit 462"/>
+              <p:cNvCxnSpPr/>
+              <p:nvPr/>
+            </p:nvCxnSpPr>
+            <p:spPr bwMode="auto">
+              <a:xfrm rot="10800000" flipV="1">
+                <a:off x="7785142" y="3416306"/>
+                <a:ext cx="766772" cy="760426"/>
+              </a:xfrm>
+              <a:prstGeom prst="line">
+                <a:avLst/>
+              </a:prstGeom>
+              <a:solidFill>
+                <a:schemeClr val="accent1"/>
+              </a:solidFill>
+              <a:ln w="28575" cap="flat" cmpd="sng" algn="ctr">
+                <a:solidFill>
+                  <a:schemeClr val="tx1"/>
+                </a:solidFill>
+                <a:prstDash val="solid"/>
+                <a:round/>
+                <a:headEnd type="none" w="med" len="med"/>
+                <a:tailEnd type="none" w="med" len="med"/>
+              </a:ln>
+              <a:effectLst/>
+            </p:spPr>
+          </p:cxnSp>
+          <p:cxnSp>
+            <p:nvCxnSpPr>
+              <p:cNvPr id="464" name="Connecteur droit 463"/>
+              <p:cNvCxnSpPr/>
+              <p:nvPr/>
+            </p:nvCxnSpPr>
+            <p:spPr bwMode="auto">
+              <a:xfrm>
+                <a:off x="5484822" y="1895455"/>
+                <a:ext cx="766773" cy="0"/>
+              </a:xfrm>
+              <a:prstGeom prst="line">
+                <a:avLst/>
+              </a:prstGeom>
+              <a:solidFill>
+                <a:schemeClr val="accent1"/>
+              </a:solidFill>
+              <a:ln w="28575" cap="flat" cmpd="sng" algn="ctr">
+                <a:solidFill>
+                  <a:schemeClr val="tx1"/>
+                </a:solidFill>
+                <a:prstDash val="solid"/>
+                <a:round/>
+                <a:headEnd type="none" w="med" len="med"/>
+                <a:tailEnd type="none" w="med" len="med"/>
+              </a:ln>
+              <a:effectLst/>
+            </p:spPr>
+          </p:cxnSp>
+          <p:cxnSp>
+            <p:nvCxnSpPr>
+              <p:cNvPr id="465" name="Connecteur droit 464"/>
+              <p:cNvCxnSpPr/>
+              <p:nvPr/>
+            </p:nvCxnSpPr>
+            <p:spPr bwMode="auto">
+              <a:xfrm>
+                <a:off x="5484822" y="2655881"/>
+                <a:ext cx="766772" cy="0"/>
+              </a:xfrm>
+              <a:prstGeom prst="line">
+                <a:avLst/>
+              </a:prstGeom>
+              <a:solidFill>
+                <a:schemeClr val="accent1"/>
+              </a:solidFill>
+              <a:ln w="28575" cap="flat" cmpd="sng" algn="ctr">
+                <a:solidFill>
+                  <a:schemeClr val="tx1"/>
+                </a:solidFill>
+                <a:prstDash val="solid"/>
+                <a:round/>
+                <a:headEnd type="none" w="med" len="med"/>
+                <a:tailEnd type="none" w="med" len="med"/>
+              </a:ln>
+              <a:effectLst/>
+            </p:spPr>
+          </p:cxnSp>
+          <p:cxnSp>
+            <p:nvCxnSpPr>
+              <p:cNvPr id="466" name="Connecteur droit 465"/>
+              <p:cNvCxnSpPr/>
+              <p:nvPr/>
+            </p:nvCxnSpPr>
+            <p:spPr bwMode="auto">
+              <a:xfrm rot="5400000">
+                <a:off x="5104610" y="2275668"/>
+                <a:ext cx="760425" cy="0"/>
+              </a:xfrm>
+              <a:prstGeom prst="line">
+                <a:avLst/>
+              </a:prstGeom>
+              <a:solidFill>
+                <a:schemeClr val="accent1"/>
+              </a:solidFill>
+              <a:ln w="28575" cap="flat" cmpd="sng" algn="ctr">
+                <a:solidFill>
+                  <a:schemeClr val="tx1"/>
+                </a:solidFill>
+                <a:prstDash val="solid"/>
+                <a:round/>
+                <a:headEnd type="none" w="med" len="med"/>
+                <a:tailEnd type="none" w="med" len="med"/>
+              </a:ln>
+              <a:effectLst/>
+            </p:spPr>
+          </p:cxnSp>
+          <p:cxnSp>
+            <p:nvCxnSpPr>
+              <p:cNvPr id="467" name="Connecteur droit 466"/>
+              <p:cNvCxnSpPr/>
+              <p:nvPr/>
+            </p:nvCxnSpPr>
+            <p:spPr bwMode="auto">
+              <a:xfrm rot="5400000">
+                <a:off x="5871382" y="2275668"/>
+                <a:ext cx="760425" cy="0"/>
+              </a:xfrm>
+              <a:prstGeom prst="line">
+                <a:avLst/>
+              </a:prstGeom>
+              <a:solidFill>
+                <a:schemeClr val="accent1"/>
+              </a:solidFill>
+              <a:ln w="28575" cap="flat" cmpd="sng" algn="ctr">
+                <a:solidFill>
+                  <a:schemeClr val="tx1"/>
+                </a:solidFill>
+                <a:prstDash val="solid"/>
+                <a:round/>
+                <a:headEnd type="none" w="med" len="med"/>
+                <a:tailEnd type="none" w="med" len="med"/>
+              </a:ln>
+              <a:effectLst/>
+            </p:spPr>
+          </p:cxnSp>
+          <p:cxnSp>
+            <p:nvCxnSpPr>
+              <p:cNvPr id="468" name="Connecteur droit 467"/>
+              <p:cNvCxnSpPr/>
+              <p:nvPr/>
+            </p:nvCxnSpPr>
+            <p:spPr bwMode="auto">
+              <a:xfrm>
+                <a:off x="5484823" y="1895455"/>
+                <a:ext cx="766772" cy="760426"/>
+              </a:xfrm>
+              <a:prstGeom prst="line">
+                <a:avLst/>
+              </a:prstGeom>
+              <a:solidFill>
+                <a:schemeClr val="accent1"/>
+              </a:solidFill>
+              <a:ln w="28575" cap="flat" cmpd="sng" algn="ctr">
+                <a:solidFill>
+                  <a:schemeClr val="tx1"/>
+                </a:solidFill>
+                <a:prstDash val="solid"/>
+                <a:round/>
+                <a:headEnd type="none" w="med" len="med"/>
+                <a:tailEnd type="none" w="med" len="med"/>
+              </a:ln>
+              <a:effectLst/>
+            </p:spPr>
+          </p:cxnSp>
+          <p:cxnSp>
+            <p:nvCxnSpPr>
+              <p:cNvPr id="469" name="Connecteur droit 468"/>
+              <p:cNvCxnSpPr/>
+              <p:nvPr/>
+            </p:nvCxnSpPr>
+            <p:spPr bwMode="auto">
+              <a:xfrm rot="10800000" flipV="1">
+                <a:off x="5484822" y="1895455"/>
+                <a:ext cx="766772" cy="760426"/>
+              </a:xfrm>
+              <a:prstGeom prst="line">
+                <a:avLst/>
+              </a:prstGeom>
+              <a:solidFill>
+                <a:schemeClr val="accent1"/>
+              </a:solidFill>
+              <a:ln w="28575" cap="flat" cmpd="sng" algn="ctr">
+                <a:solidFill>
+                  <a:schemeClr val="tx1"/>
+                </a:solidFill>
+                <a:prstDash val="solid"/>
+                <a:round/>
+                <a:headEnd type="none" w="med" len="med"/>
+                <a:tailEnd type="none" w="med" len="med"/>
+              </a:ln>
+              <a:effectLst/>
+            </p:spPr>
+          </p:cxnSp>
+          <p:cxnSp>
+            <p:nvCxnSpPr>
+              <p:cNvPr id="470" name="Connecteur droit 469"/>
+              <p:cNvCxnSpPr/>
+              <p:nvPr/>
+            </p:nvCxnSpPr>
+            <p:spPr bwMode="auto">
+              <a:xfrm rot="5400000">
+                <a:off x="5871382" y="2275668"/>
+                <a:ext cx="760425" cy="0"/>
+              </a:xfrm>
+              <a:prstGeom prst="line">
+                <a:avLst/>
+              </a:prstGeom>
+              <a:solidFill>
+                <a:schemeClr val="accent1"/>
+              </a:solidFill>
+              <a:ln w="28575" cap="flat" cmpd="sng" algn="ctr">
+                <a:solidFill>
+                  <a:schemeClr val="tx1"/>
+                </a:solidFill>
+                <a:prstDash val="solid"/>
+                <a:round/>
+                <a:headEnd type="none" w="med" len="med"/>
+                <a:tailEnd type="none" w="med" len="med"/>
+              </a:ln>
+              <a:effectLst/>
+            </p:spPr>
+          </p:cxnSp>
+          <p:cxnSp>
+            <p:nvCxnSpPr>
+              <p:cNvPr id="471" name="Connecteur droit 470"/>
+              <p:cNvCxnSpPr/>
+              <p:nvPr/>
+            </p:nvCxnSpPr>
+            <p:spPr bwMode="auto">
+              <a:xfrm>
+                <a:off x="5484823" y="2655881"/>
+                <a:ext cx="766773" cy="0"/>
+              </a:xfrm>
+              <a:prstGeom prst="line">
+                <a:avLst/>
+              </a:prstGeom>
+              <a:solidFill>
+                <a:schemeClr val="accent1"/>
+              </a:solidFill>
+              <a:ln w="28575" cap="flat" cmpd="sng" algn="ctr">
+                <a:solidFill>
+                  <a:schemeClr val="tx1"/>
+                </a:solidFill>
+                <a:prstDash val="solid"/>
+                <a:round/>
+                <a:headEnd type="none" w="med" len="med"/>
+                <a:tailEnd type="none" w="med" len="med"/>
+              </a:ln>
+              <a:effectLst/>
+            </p:spPr>
+          </p:cxnSp>
+          <p:cxnSp>
+            <p:nvCxnSpPr>
+              <p:cNvPr id="472" name="Connecteur droit 471"/>
+              <p:cNvCxnSpPr/>
+              <p:nvPr/>
+            </p:nvCxnSpPr>
+            <p:spPr bwMode="auto">
+              <a:xfrm>
+                <a:off x="5484823" y="3416307"/>
+                <a:ext cx="766772" cy="0"/>
+              </a:xfrm>
+              <a:prstGeom prst="line">
+                <a:avLst/>
+              </a:prstGeom>
+              <a:solidFill>
+                <a:schemeClr val="accent1"/>
+              </a:solidFill>
+              <a:ln w="28575" cap="flat" cmpd="sng" algn="ctr">
+                <a:solidFill>
+                  <a:schemeClr val="tx1"/>
+                </a:solidFill>
+                <a:prstDash val="solid"/>
+                <a:round/>
+                <a:headEnd type="none" w="med" len="med"/>
+                <a:tailEnd type="none" w="med" len="med"/>
+              </a:ln>
+              <a:effectLst/>
+            </p:spPr>
+          </p:cxnSp>
+          <p:cxnSp>
+            <p:nvCxnSpPr>
+              <p:cNvPr id="473" name="Connecteur droit 472"/>
+              <p:cNvCxnSpPr/>
+              <p:nvPr/>
+            </p:nvCxnSpPr>
+            <p:spPr bwMode="auto">
+              <a:xfrm rot="5400000">
+                <a:off x="5104611" y="3036094"/>
+                <a:ext cx="760425" cy="0"/>
+              </a:xfrm>
+              <a:prstGeom prst="line">
+                <a:avLst/>
+              </a:prstGeom>
+              <a:solidFill>
+                <a:schemeClr val="accent1"/>
+              </a:solidFill>
+              <a:ln w="28575" cap="flat" cmpd="sng" algn="ctr">
+                <a:solidFill>
+                  <a:schemeClr val="tx1"/>
+                </a:solidFill>
+                <a:prstDash val="solid"/>
+                <a:round/>
+                <a:headEnd type="none" w="med" len="med"/>
+                <a:tailEnd type="none" w="med" len="med"/>
+              </a:ln>
+              <a:effectLst/>
+            </p:spPr>
+          </p:cxnSp>
+          <p:cxnSp>
+            <p:nvCxnSpPr>
+              <p:cNvPr id="474" name="Connecteur droit 473"/>
+              <p:cNvCxnSpPr/>
+              <p:nvPr/>
+            </p:nvCxnSpPr>
+            <p:spPr bwMode="auto">
+              <a:xfrm rot="5400000">
+                <a:off x="5871383" y="3036094"/>
+                <a:ext cx="760425" cy="0"/>
+              </a:xfrm>
+              <a:prstGeom prst="line">
+                <a:avLst/>
+              </a:prstGeom>
+              <a:solidFill>
+                <a:schemeClr val="accent1"/>
+              </a:solidFill>
+              <a:ln w="28575" cap="flat" cmpd="sng" algn="ctr">
+                <a:solidFill>
+                  <a:schemeClr val="tx1"/>
+                </a:solidFill>
+                <a:prstDash val="solid"/>
+                <a:round/>
+                <a:headEnd type="none" w="med" len="med"/>
+                <a:tailEnd type="none" w="med" len="med"/>
+              </a:ln>
+              <a:effectLst/>
+            </p:spPr>
+          </p:cxnSp>
+          <p:cxnSp>
+            <p:nvCxnSpPr>
+              <p:cNvPr id="475" name="Connecteur droit 474"/>
+              <p:cNvCxnSpPr/>
+              <p:nvPr/>
+            </p:nvCxnSpPr>
+            <p:spPr bwMode="auto">
+              <a:xfrm>
+                <a:off x="5484824" y="2655881"/>
+                <a:ext cx="766772" cy="760426"/>
+              </a:xfrm>
+              <a:prstGeom prst="line">
+                <a:avLst/>
+              </a:prstGeom>
+              <a:solidFill>
+                <a:schemeClr val="accent1"/>
+              </a:solidFill>
+              <a:ln w="28575" cap="flat" cmpd="sng" algn="ctr">
+                <a:solidFill>
+                  <a:schemeClr val="tx1"/>
+                </a:solidFill>
+                <a:prstDash val="solid"/>
+                <a:round/>
+                <a:headEnd type="none" w="med" len="med"/>
+                <a:tailEnd type="none" w="med" len="med"/>
+              </a:ln>
+              <a:effectLst/>
+            </p:spPr>
+          </p:cxnSp>
+          <p:cxnSp>
+            <p:nvCxnSpPr>
+              <p:cNvPr id="476" name="Connecteur droit 475"/>
+              <p:cNvCxnSpPr/>
+              <p:nvPr/>
+            </p:nvCxnSpPr>
+            <p:spPr bwMode="auto">
+              <a:xfrm rot="10800000" flipV="1">
+                <a:off x="5484823" y="2655881"/>
+                <a:ext cx="766772" cy="760426"/>
+              </a:xfrm>
+              <a:prstGeom prst="line">
+                <a:avLst/>
+              </a:prstGeom>
+              <a:solidFill>
+                <a:schemeClr val="accent1"/>
+              </a:solidFill>
+              <a:ln w="28575" cap="flat" cmpd="sng" algn="ctr">
+                <a:solidFill>
+                  <a:schemeClr val="tx1"/>
+                </a:solidFill>
+                <a:prstDash val="solid"/>
+                <a:round/>
+                <a:headEnd type="none" w="med" len="med"/>
+                <a:tailEnd type="none" w="med" len="med"/>
+              </a:ln>
+              <a:effectLst/>
+            </p:spPr>
+          </p:cxnSp>
+          <p:cxnSp>
+            <p:nvCxnSpPr>
+              <p:cNvPr id="477" name="Connecteur droit 476"/>
+              <p:cNvCxnSpPr/>
+              <p:nvPr/>
+            </p:nvCxnSpPr>
+            <p:spPr bwMode="auto">
+              <a:xfrm rot="5400000">
+                <a:off x="5871383" y="3036094"/>
+                <a:ext cx="760425" cy="0"/>
+              </a:xfrm>
+              <a:prstGeom prst="line">
+                <a:avLst/>
+              </a:prstGeom>
+              <a:solidFill>
+                <a:schemeClr val="accent1"/>
+              </a:solidFill>
+              <a:ln w="28575" cap="flat" cmpd="sng" algn="ctr">
+                <a:solidFill>
+                  <a:schemeClr val="tx1"/>
+                </a:solidFill>
+                <a:prstDash val="solid"/>
+                <a:round/>
+                <a:headEnd type="none" w="med" len="med"/>
+                <a:tailEnd type="none" w="med" len="med"/>
+              </a:ln>
+              <a:effectLst/>
+            </p:spPr>
+          </p:cxnSp>
+          <p:cxnSp>
+            <p:nvCxnSpPr>
+              <p:cNvPr id="478" name="Connecteur droit 477"/>
+              <p:cNvCxnSpPr/>
+              <p:nvPr/>
+            </p:nvCxnSpPr>
+            <p:spPr bwMode="auto">
+              <a:xfrm>
+                <a:off x="5484821" y="3416307"/>
+                <a:ext cx="766773" cy="0"/>
+              </a:xfrm>
+              <a:prstGeom prst="line">
+                <a:avLst/>
+              </a:prstGeom>
+              <a:solidFill>
+                <a:schemeClr val="accent1"/>
+              </a:solidFill>
+              <a:ln w="28575" cap="flat" cmpd="sng" algn="ctr">
+                <a:solidFill>
+                  <a:schemeClr val="tx1"/>
+                </a:solidFill>
+                <a:prstDash val="solid"/>
+                <a:round/>
+                <a:headEnd type="none" w="med" len="med"/>
+                <a:tailEnd type="none" w="med" len="med"/>
+              </a:ln>
+              <a:effectLst/>
+            </p:spPr>
+          </p:cxnSp>
+          <p:cxnSp>
+            <p:nvCxnSpPr>
+              <p:cNvPr id="479" name="Connecteur droit 478"/>
+              <p:cNvCxnSpPr/>
+              <p:nvPr/>
+            </p:nvCxnSpPr>
+            <p:spPr bwMode="auto">
+              <a:xfrm>
+                <a:off x="5484821" y="4176733"/>
+                <a:ext cx="766772" cy="0"/>
+              </a:xfrm>
+              <a:prstGeom prst="line">
+                <a:avLst/>
+              </a:prstGeom>
+              <a:solidFill>
+                <a:schemeClr val="accent1"/>
+              </a:solidFill>
+              <a:ln w="28575" cap="flat" cmpd="sng" algn="ctr">
+                <a:solidFill>
+                  <a:schemeClr val="tx1"/>
+                </a:solidFill>
+                <a:prstDash val="solid"/>
+                <a:round/>
+                <a:headEnd type="none" w="med" len="med"/>
+                <a:tailEnd type="none" w="med" len="med"/>
+              </a:ln>
+              <a:effectLst/>
+            </p:spPr>
+          </p:cxnSp>
+          <p:cxnSp>
+            <p:nvCxnSpPr>
+              <p:cNvPr id="480" name="Connecteur droit 479"/>
+              <p:cNvCxnSpPr/>
+              <p:nvPr/>
+            </p:nvCxnSpPr>
+            <p:spPr bwMode="auto">
+              <a:xfrm rot="5400000">
+                <a:off x="5104609" y="3796520"/>
+                <a:ext cx="760425" cy="0"/>
+              </a:xfrm>
+              <a:prstGeom prst="line">
+                <a:avLst/>
+              </a:prstGeom>
+              <a:solidFill>
+                <a:schemeClr val="accent1"/>
+              </a:solidFill>
+              <a:ln w="28575" cap="flat" cmpd="sng" algn="ctr">
+                <a:solidFill>
+                  <a:schemeClr val="tx1"/>
+                </a:solidFill>
+                <a:prstDash val="solid"/>
+                <a:round/>
+                <a:headEnd type="none" w="med" len="med"/>
+                <a:tailEnd type="none" w="med" len="med"/>
+              </a:ln>
+              <a:effectLst/>
+            </p:spPr>
+          </p:cxnSp>
+          <p:cxnSp>
+            <p:nvCxnSpPr>
+              <p:cNvPr id="481" name="Connecteur droit 480"/>
+              <p:cNvCxnSpPr/>
+              <p:nvPr/>
+            </p:nvCxnSpPr>
+            <p:spPr bwMode="auto">
+              <a:xfrm rot="5400000">
+                <a:off x="5871381" y="3796520"/>
+                <a:ext cx="760425" cy="0"/>
+              </a:xfrm>
+              <a:prstGeom prst="line">
+                <a:avLst/>
+              </a:prstGeom>
+              <a:solidFill>
+                <a:schemeClr val="accent1"/>
+              </a:solidFill>
+              <a:ln w="28575" cap="flat" cmpd="sng" algn="ctr">
+                <a:solidFill>
+                  <a:schemeClr val="tx1"/>
+                </a:solidFill>
+                <a:prstDash val="solid"/>
+                <a:round/>
+                <a:headEnd type="none" w="med" len="med"/>
+                <a:tailEnd type="none" w="med" len="med"/>
+              </a:ln>
+              <a:effectLst/>
+            </p:spPr>
+          </p:cxnSp>
+          <p:cxnSp>
+            <p:nvCxnSpPr>
+              <p:cNvPr id="482" name="Connecteur droit 481"/>
+              <p:cNvCxnSpPr/>
+              <p:nvPr/>
+            </p:nvCxnSpPr>
+            <p:spPr bwMode="auto">
+              <a:xfrm>
+                <a:off x="5484822" y="3416307"/>
+                <a:ext cx="766772" cy="760426"/>
+              </a:xfrm>
+              <a:prstGeom prst="line">
+                <a:avLst/>
+              </a:prstGeom>
+              <a:solidFill>
+                <a:schemeClr val="accent1"/>
+              </a:solidFill>
+              <a:ln w="28575" cap="flat" cmpd="sng" algn="ctr">
+                <a:solidFill>
+                  <a:schemeClr val="tx1"/>
+                </a:solidFill>
+                <a:prstDash val="solid"/>
+                <a:round/>
+                <a:headEnd type="none" w="med" len="med"/>
+                <a:tailEnd type="none" w="med" len="med"/>
+              </a:ln>
+              <a:effectLst/>
+            </p:spPr>
+          </p:cxnSp>
+          <p:cxnSp>
+            <p:nvCxnSpPr>
+              <p:cNvPr id="483" name="Connecteur droit 482"/>
+              <p:cNvCxnSpPr/>
+              <p:nvPr/>
+            </p:nvCxnSpPr>
+            <p:spPr bwMode="auto">
+              <a:xfrm rot="10800000" flipV="1">
+                <a:off x="5484821" y="3416307"/>
+                <a:ext cx="766772" cy="760426"/>
+              </a:xfrm>
+              <a:prstGeom prst="line">
+                <a:avLst/>
+              </a:prstGeom>
+              <a:solidFill>
+                <a:schemeClr val="accent1"/>
+              </a:solidFill>
+              <a:ln w="28575" cap="flat" cmpd="sng" algn="ctr">
+                <a:solidFill>
+                  <a:schemeClr val="tx1"/>
+                </a:solidFill>
+                <a:prstDash val="solid"/>
+                <a:round/>
+                <a:headEnd type="none" w="med" len="med"/>
+                <a:tailEnd type="none" w="med" len="med"/>
+              </a:ln>
+              <a:effectLst/>
+            </p:spPr>
+          </p:cxnSp>
+          <p:cxnSp>
+            <p:nvCxnSpPr>
+              <p:cNvPr id="484" name="Connecteur droit 483"/>
+              <p:cNvCxnSpPr/>
+              <p:nvPr/>
+            </p:nvCxnSpPr>
+            <p:spPr bwMode="auto">
+              <a:xfrm rot="5400000">
+                <a:off x="5871381" y="3796520"/>
+                <a:ext cx="760425" cy="0"/>
+              </a:xfrm>
+              <a:prstGeom prst="line">
+                <a:avLst/>
+              </a:prstGeom>
+              <a:solidFill>
+                <a:schemeClr val="accent1"/>
+              </a:solidFill>
+              <a:ln w="57150" cap="flat" cmpd="sng" algn="ctr">
+                <a:solidFill>
+                  <a:srgbClr val="FF0000"/>
+                </a:solidFill>
+                <a:prstDash val="solid"/>
+                <a:round/>
+                <a:headEnd type="none" w="med" len="med"/>
+                <a:tailEnd type="none" w="med" len="med"/>
+              </a:ln>
+              <a:effectLst/>
+            </p:spPr>
+          </p:cxnSp>
+          <p:cxnSp>
+            <p:nvCxnSpPr>
+              <p:cNvPr id="485" name="Connecteur droit 484"/>
+              <p:cNvCxnSpPr/>
+              <p:nvPr/>
+            </p:nvCxnSpPr>
+            <p:spPr bwMode="auto">
+              <a:xfrm>
+                <a:off x="6251598" y="4176734"/>
+                <a:ext cx="766772" cy="0"/>
+              </a:xfrm>
+              <a:prstGeom prst="line">
+                <a:avLst/>
+              </a:prstGeom>
+              <a:solidFill>
+                <a:schemeClr val="accent1"/>
+              </a:solidFill>
+              <a:ln w="28575" cap="flat" cmpd="sng" algn="ctr">
+                <a:solidFill>
+                  <a:schemeClr val="tx1"/>
+                </a:solidFill>
+                <a:prstDash val="solid"/>
+                <a:round/>
+                <a:headEnd type="none" w="med" len="med"/>
+                <a:tailEnd type="none" w="med" len="med"/>
+              </a:ln>
+              <a:effectLst/>
+            </p:spPr>
+          </p:cxnSp>
+          <p:cxnSp>
+            <p:nvCxnSpPr>
+              <p:cNvPr id="486" name="Connecteur droit 485"/>
+              <p:cNvCxnSpPr/>
+              <p:nvPr/>
+            </p:nvCxnSpPr>
+            <p:spPr bwMode="auto">
+              <a:xfrm>
+                <a:off x="7018370" y="4176734"/>
+                <a:ext cx="766772" cy="0"/>
+              </a:xfrm>
+              <a:prstGeom prst="line">
+                <a:avLst/>
+              </a:prstGeom>
+              <a:solidFill>
+                <a:schemeClr val="accent1"/>
+              </a:solidFill>
+              <a:ln w="28575" cap="flat" cmpd="sng" algn="ctr">
+                <a:solidFill>
+                  <a:schemeClr val="tx1"/>
+                </a:solidFill>
+                <a:prstDash val="solid"/>
+                <a:round/>
+                <a:headEnd type="none" w="med" len="med"/>
+                <a:tailEnd type="none" w="med" len="med"/>
+              </a:ln>
+              <a:effectLst/>
+            </p:spPr>
+          </p:cxnSp>
+          <p:cxnSp>
+            <p:nvCxnSpPr>
+              <p:cNvPr id="487" name="Connecteur droit 486"/>
+              <p:cNvCxnSpPr/>
+              <p:nvPr/>
+            </p:nvCxnSpPr>
+            <p:spPr bwMode="auto">
+              <a:xfrm>
+                <a:off x="7785143" y="4176734"/>
+                <a:ext cx="766772" cy="0"/>
+              </a:xfrm>
+              <a:prstGeom prst="line">
+                <a:avLst/>
+              </a:prstGeom>
+              <a:solidFill>
+                <a:schemeClr val="accent1"/>
+              </a:solidFill>
+              <a:ln w="28575" cap="flat" cmpd="sng" algn="ctr">
+                <a:solidFill>
+                  <a:schemeClr val="tx1"/>
+                </a:solidFill>
+                <a:prstDash val="solid"/>
+                <a:round/>
+                <a:headEnd type="none" w="med" len="med"/>
+                <a:tailEnd type="none" w="med" len="med"/>
+              </a:ln>
+              <a:effectLst/>
+            </p:spPr>
+          </p:cxnSp>
+          <p:cxnSp>
+            <p:nvCxnSpPr>
+              <p:cNvPr id="488" name="Connecteur droit 487"/>
+              <p:cNvCxnSpPr/>
+              <p:nvPr/>
+            </p:nvCxnSpPr>
+            <p:spPr bwMode="auto">
+              <a:xfrm>
+                <a:off x="6251596" y="4176734"/>
+                <a:ext cx="766773" cy="0"/>
+              </a:xfrm>
+              <a:prstGeom prst="line">
+                <a:avLst/>
+              </a:prstGeom>
+              <a:solidFill>
+                <a:schemeClr val="accent1"/>
+              </a:solidFill>
+              <a:ln w="28575" cap="flat" cmpd="sng" algn="ctr">
+                <a:solidFill>
+                  <a:schemeClr val="tx1"/>
+                </a:solidFill>
+                <a:prstDash val="solid"/>
+                <a:round/>
+                <a:headEnd type="none" w="med" len="med"/>
+                <a:tailEnd type="none" w="med" len="med"/>
+              </a:ln>
+              <a:effectLst/>
+            </p:spPr>
+          </p:cxnSp>
+          <p:cxnSp>
+            <p:nvCxnSpPr>
+              <p:cNvPr id="489" name="Connecteur droit 488"/>
+              <p:cNvCxnSpPr/>
+              <p:nvPr/>
+            </p:nvCxnSpPr>
+            <p:spPr bwMode="auto">
+              <a:xfrm>
+                <a:off x="6251596" y="4937160"/>
+                <a:ext cx="766772" cy="0"/>
+              </a:xfrm>
+              <a:prstGeom prst="line">
+                <a:avLst/>
+              </a:prstGeom>
+              <a:solidFill>
+                <a:schemeClr val="accent1"/>
+              </a:solidFill>
+              <a:ln w="28575" cap="flat" cmpd="sng" algn="ctr">
+                <a:solidFill>
+                  <a:schemeClr val="tx1"/>
+                </a:solidFill>
+                <a:prstDash val="solid"/>
+                <a:round/>
+                <a:headEnd type="none" w="med" len="med"/>
+                <a:tailEnd type="none" w="med" len="med"/>
+              </a:ln>
+              <a:effectLst/>
+            </p:spPr>
+          </p:cxnSp>
+          <p:cxnSp>
+            <p:nvCxnSpPr>
+              <p:cNvPr id="490" name="Connecteur droit 489"/>
+              <p:cNvCxnSpPr/>
+              <p:nvPr/>
+            </p:nvCxnSpPr>
+            <p:spPr bwMode="auto">
+              <a:xfrm rot="5400000">
+                <a:off x="5871384" y="4556947"/>
+                <a:ext cx="760425" cy="0"/>
+              </a:xfrm>
+              <a:prstGeom prst="line">
+                <a:avLst/>
+              </a:prstGeom>
+              <a:solidFill>
+                <a:schemeClr val="accent1"/>
+              </a:solidFill>
+              <a:ln w="28575" cap="flat" cmpd="sng" algn="ctr">
+                <a:solidFill>
+                  <a:schemeClr val="tx1"/>
+                </a:solidFill>
+                <a:prstDash val="solid"/>
+                <a:round/>
+                <a:headEnd type="none" w="med" len="med"/>
+                <a:tailEnd type="none" w="med" len="med"/>
+              </a:ln>
+              <a:effectLst/>
+            </p:spPr>
+          </p:cxnSp>
+          <p:cxnSp>
+            <p:nvCxnSpPr>
+              <p:cNvPr id="491" name="Connecteur droit 490"/>
+              <p:cNvCxnSpPr/>
+              <p:nvPr/>
+            </p:nvCxnSpPr>
+            <p:spPr bwMode="auto">
+              <a:xfrm rot="5400000">
+                <a:off x="6638156" y="4556947"/>
+                <a:ext cx="760425" cy="0"/>
+              </a:xfrm>
+              <a:prstGeom prst="line">
+                <a:avLst/>
+              </a:prstGeom>
+              <a:solidFill>
+                <a:schemeClr val="accent1"/>
+              </a:solidFill>
+              <a:ln w="28575" cap="flat" cmpd="sng" algn="ctr">
+                <a:solidFill>
+                  <a:schemeClr val="tx1"/>
+                </a:solidFill>
+                <a:prstDash val="solid"/>
+                <a:round/>
+                <a:headEnd type="none" w="med" len="med"/>
+                <a:tailEnd type="none" w="med" len="med"/>
+              </a:ln>
+              <a:effectLst/>
+            </p:spPr>
+          </p:cxnSp>
+          <p:cxnSp>
+            <p:nvCxnSpPr>
+              <p:cNvPr id="492" name="Connecteur droit 491"/>
+              <p:cNvCxnSpPr/>
+              <p:nvPr/>
+            </p:nvCxnSpPr>
+            <p:spPr bwMode="auto">
+              <a:xfrm>
+                <a:off x="6251597" y="4176734"/>
+                <a:ext cx="766772" cy="760426"/>
+              </a:xfrm>
+              <a:prstGeom prst="line">
+                <a:avLst/>
+              </a:prstGeom>
+              <a:solidFill>
+                <a:schemeClr val="accent1"/>
+              </a:solidFill>
+              <a:ln w="28575" cap="flat" cmpd="sng" algn="ctr">
+                <a:solidFill>
+                  <a:schemeClr val="tx1"/>
+                </a:solidFill>
+                <a:prstDash val="solid"/>
+                <a:round/>
+                <a:headEnd type="none" w="med" len="med"/>
+                <a:tailEnd type="none" w="med" len="med"/>
+              </a:ln>
+              <a:effectLst/>
+            </p:spPr>
+          </p:cxnSp>
+          <p:cxnSp>
+            <p:nvCxnSpPr>
+              <p:cNvPr id="493" name="Connecteur droit 492"/>
+              <p:cNvCxnSpPr/>
+              <p:nvPr/>
+            </p:nvCxnSpPr>
+            <p:spPr bwMode="auto">
+              <a:xfrm rot="10800000" flipV="1">
+                <a:off x="6251596" y="4176734"/>
+                <a:ext cx="766772" cy="760426"/>
+              </a:xfrm>
+              <a:prstGeom prst="line">
+                <a:avLst/>
+              </a:prstGeom>
+              <a:solidFill>
+                <a:schemeClr val="accent1"/>
+              </a:solidFill>
+              <a:ln w="28575" cap="flat" cmpd="sng" algn="ctr">
+                <a:solidFill>
+                  <a:schemeClr val="tx1"/>
+                </a:solidFill>
+                <a:prstDash val="solid"/>
+                <a:round/>
+                <a:headEnd type="none" w="med" len="med"/>
+                <a:tailEnd type="none" w="med" len="med"/>
+              </a:ln>
+              <a:effectLst/>
+            </p:spPr>
+          </p:cxnSp>
+          <p:cxnSp>
+            <p:nvCxnSpPr>
+              <p:cNvPr id="494" name="Connecteur droit 493"/>
+              <p:cNvCxnSpPr/>
+              <p:nvPr/>
+            </p:nvCxnSpPr>
+            <p:spPr bwMode="auto">
+              <a:xfrm>
+                <a:off x="7018368" y="4176734"/>
+                <a:ext cx="766773" cy="0"/>
+              </a:xfrm>
+              <a:prstGeom prst="line">
+                <a:avLst/>
+              </a:prstGeom>
+              <a:solidFill>
+                <a:schemeClr val="accent1"/>
+              </a:solidFill>
+              <a:ln w="28575" cap="flat" cmpd="sng" algn="ctr">
+                <a:solidFill>
+                  <a:schemeClr val="tx1"/>
+                </a:solidFill>
+                <a:prstDash val="solid"/>
+                <a:round/>
+                <a:headEnd type="none" w="med" len="med"/>
+                <a:tailEnd type="none" w="med" len="med"/>
+              </a:ln>
+              <a:effectLst/>
+            </p:spPr>
+          </p:cxnSp>
+          <p:cxnSp>
+            <p:nvCxnSpPr>
+              <p:cNvPr id="495" name="Connecteur droit 494"/>
+              <p:cNvCxnSpPr/>
+              <p:nvPr/>
+            </p:nvCxnSpPr>
+            <p:spPr bwMode="auto">
+              <a:xfrm>
+                <a:off x="7018368" y="4937160"/>
+                <a:ext cx="766772" cy="0"/>
+              </a:xfrm>
+              <a:prstGeom prst="line">
+                <a:avLst/>
+              </a:prstGeom>
+              <a:solidFill>
+                <a:schemeClr val="accent1"/>
+              </a:solidFill>
+              <a:ln w="28575" cap="flat" cmpd="sng" algn="ctr">
+                <a:solidFill>
+                  <a:schemeClr val="tx1"/>
+                </a:solidFill>
+                <a:prstDash val="solid"/>
+                <a:round/>
+                <a:headEnd type="none" w="med" len="med"/>
+                <a:tailEnd type="none" w="med" len="med"/>
+              </a:ln>
+              <a:effectLst/>
+            </p:spPr>
+          </p:cxnSp>
+          <p:cxnSp>
+            <p:nvCxnSpPr>
+              <p:cNvPr id="496" name="Connecteur droit 495"/>
+              <p:cNvCxnSpPr/>
+              <p:nvPr/>
+            </p:nvCxnSpPr>
+            <p:spPr bwMode="auto">
+              <a:xfrm rot="5400000">
+                <a:off x="6638156" y="4556947"/>
+                <a:ext cx="760425" cy="0"/>
+              </a:xfrm>
+              <a:prstGeom prst="line">
+                <a:avLst/>
+              </a:prstGeom>
+              <a:solidFill>
+                <a:schemeClr val="accent1"/>
+              </a:solidFill>
+              <a:ln w="28575" cap="flat" cmpd="sng" algn="ctr">
+                <a:solidFill>
+                  <a:schemeClr val="tx1"/>
+                </a:solidFill>
+                <a:prstDash val="solid"/>
+                <a:round/>
+                <a:headEnd type="none" w="med" len="med"/>
+                <a:tailEnd type="none" w="med" len="med"/>
+              </a:ln>
+              <a:effectLst/>
+            </p:spPr>
+          </p:cxnSp>
+          <p:cxnSp>
+            <p:nvCxnSpPr>
+              <p:cNvPr id="497" name="Connecteur droit 496"/>
+              <p:cNvCxnSpPr/>
+              <p:nvPr/>
+            </p:nvCxnSpPr>
+            <p:spPr bwMode="auto">
+              <a:xfrm rot="5400000">
+                <a:off x="7404928" y="4556947"/>
+                <a:ext cx="760425" cy="0"/>
+              </a:xfrm>
+              <a:prstGeom prst="line">
+                <a:avLst/>
+              </a:prstGeom>
+              <a:solidFill>
+                <a:schemeClr val="accent1"/>
+              </a:solidFill>
+              <a:ln w="28575" cap="flat" cmpd="sng" algn="ctr">
+                <a:solidFill>
+                  <a:schemeClr val="tx1"/>
+                </a:solidFill>
+                <a:prstDash val="solid"/>
+                <a:round/>
+                <a:headEnd type="none" w="med" len="med"/>
+                <a:tailEnd type="none" w="med" len="med"/>
+              </a:ln>
+              <a:effectLst/>
+            </p:spPr>
+          </p:cxnSp>
+          <p:cxnSp>
+            <p:nvCxnSpPr>
+              <p:cNvPr id="498" name="Connecteur droit 497"/>
+              <p:cNvCxnSpPr/>
+              <p:nvPr/>
+            </p:nvCxnSpPr>
+            <p:spPr bwMode="auto">
+              <a:xfrm>
+                <a:off x="7018369" y="4176734"/>
+                <a:ext cx="766772" cy="760426"/>
+              </a:xfrm>
+              <a:prstGeom prst="line">
+                <a:avLst/>
+              </a:prstGeom>
+              <a:solidFill>
+                <a:schemeClr val="accent1"/>
+              </a:solidFill>
+              <a:ln w="28575" cap="flat" cmpd="sng" algn="ctr">
+                <a:solidFill>
+                  <a:schemeClr val="tx1"/>
+                </a:solidFill>
+                <a:prstDash val="solid"/>
+                <a:round/>
+                <a:headEnd type="none" w="med" len="med"/>
+                <a:tailEnd type="none" w="med" len="med"/>
+              </a:ln>
+              <a:effectLst/>
+            </p:spPr>
+          </p:cxnSp>
+          <p:cxnSp>
+            <p:nvCxnSpPr>
+              <p:cNvPr id="499" name="Connecteur droit 498"/>
+              <p:cNvCxnSpPr/>
+              <p:nvPr/>
+            </p:nvCxnSpPr>
+            <p:spPr bwMode="auto">
+              <a:xfrm rot="10800000" flipV="1">
+                <a:off x="7018368" y="4176734"/>
+                <a:ext cx="766772" cy="760426"/>
+              </a:xfrm>
+              <a:prstGeom prst="line">
+                <a:avLst/>
+              </a:prstGeom>
+              <a:solidFill>
+                <a:schemeClr val="accent1"/>
+              </a:solidFill>
+              <a:ln w="28575" cap="flat" cmpd="sng" algn="ctr">
+                <a:solidFill>
+                  <a:schemeClr val="tx1"/>
+                </a:solidFill>
+                <a:prstDash val="solid"/>
+                <a:round/>
+                <a:headEnd type="none" w="med" len="med"/>
+                <a:tailEnd type="none" w="med" len="med"/>
+              </a:ln>
+              <a:effectLst/>
+            </p:spPr>
+          </p:cxnSp>
+          <p:cxnSp>
+            <p:nvCxnSpPr>
+              <p:cNvPr id="500" name="Connecteur droit 499"/>
+              <p:cNvCxnSpPr/>
+              <p:nvPr/>
+            </p:nvCxnSpPr>
+            <p:spPr bwMode="auto">
+              <a:xfrm>
+                <a:off x="7785141" y="4176734"/>
+                <a:ext cx="766773" cy="0"/>
+              </a:xfrm>
+              <a:prstGeom prst="line">
+                <a:avLst/>
+              </a:prstGeom>
+              <a:solidFill>
+                <a:schemeClr val="accent1"/>
+              </a:solidFill>
+              <a:ln w="28575" cap="flat" cmpd="sng" algn="ctr">
+                <a:solidFill>
+                  <a:schemeClr val="tx1"/>
+                </a:solidFill>
+                <a:prstDash val="solid"/>
+                <a:round/>
+                <a:headEnd type="none" w="med" len="med"/>
+                <a:tailEnd type="none" w="med" len="med"/>
+              </a:ln>
+              <a:effectLst/>
+            </p:spPr>
+          </p:cxnSp>
+          <p:cxnSp>
+            <p:nvCxnSpPr>
+              <p:cNvPr id="501" name="Connecteur droit 500"/>
+              <p:cNvCxnSpPr/>
+              <p:nvPr/>
+            </p:nvCxnSpPr>
+            <p:spPr bwMode="auto">
+              <a:xfrm>
+                <a:off x="7785141" y="4937160"/>
+                <a:ext cx="766772" cy="0"/>
+              </a:xfrm>
+              <a:prstGeom prst="line">
+                <a:avLst/>
+              </a:prstGeom>
+              <a:solidFill>
+                <a:schemeClr val="accent1"/>
+              </a:solidFill>
+              <a:ln w="28575" cap="flat" cmpd="sng" algn="ctr">
+                <a:solidFill>
+                  <a:schemeClr val="tx1"/>
+                </a:solidFill>
+                <a:prstDash val="solid"/>
+                <a:round/>
+                <a:headEnd type="none" w="med" len="med"/>
+                <a:tailEnd type="none" w="med" len="med"/>
+              </a:ln>
+              <a:effectLst/>
+            </p:spPr>
+          </p:cxnSp>
+          <p:cxnSp>
+            <p:nvCxnSpPr>
+              <p:cNvPr id="502" name="Connecteur droit 501"/>
+              <p:cNvCxnSpPr/>
+              <p:nvPr/>
+            </p:nvCxnSpPr>
+            <p:spPr bwMode="auto">
+              <a:xfrm rot="5400000">
+                <a:off x="7404929" y="4556947"/>
+                <a:ext cx="760425" cy="0"/>
+              </a:xfrm>
+              <a:prstGeom prst="line">
+                <a:avLst/>
+              </a:prstGeom>
+              <a:solidFill>
+                <a:schemeClr val="accent1"/>
+              </a:solidFill>
+              <a:ln w="28575" cap="flat" cmpd="sng" algn="ctr">
+                <a:solidFill>
+                  <a:schemeClr val="tx1"/>
+                </a:solidFill>
+                <a:prstDash val="solid"/>
+                <a:round/>
+                <a:headEnd type="none" w="med" len="med"/>
+                <a:tailEnd type="none" w="med" len="med"/>
+              </a:ln>
+              <a:effectLst/>
+            </p:spPr>
+          </p:cxnSp>
+          <p:cxnSp>
+            <p:nvCxnSpPr>
+              <p:cNvPr id="503" name="Connecteur droit 502"/>
+              <p:cNvCxnSpPr/>
+              <p:nvPr/>
+            </p:nvCxnSpPr>
+            <p:spPr bwMode="auto">
+              <a:xfrm rot="5400000">
+                <a:off x="8171701" y="4556947"/>
+                <a:ext cx="760425" cy="0"/>
+              </a:xfrm>
+              <a:prstGeom prst="line">
+                <a:avLst/>
+              </a:prstGeom>
+              <a:solidFill>
+                <a:schemeClr val="accent1"/>
+              </a:solidFill>
+              <a:ln w="28575" cap="flat" cmpd="sng" algn="ctr">
+                <a:solidFill>
+                  <a:schemeClr val="tx1"/>
+                </a:solidFill>
+                <a:prstDash val="solid"/>
+                <a:round/>
+                <a:headEnd type="none" w="med" len="med"/>
+                <a:tailEnd type="none" w="med" len="med"/>
+              </a:ln>
+              <a:effectLst/>
+            </p:spPr>
+          </p:cxnSp>
+          <p:cxnSp>
+            <p:nvCxnSpPr>
+              <p:cNvPr id="504" name="Connecteur droit 503"/>
+              <p:cNvCxnSpPr/>
+              <p:nvPr/>
+            </p:nvCxnSpPr>
+            <p:spPr bwMode="auto">
+              <a:xfrm>
+                <a:off x="7785142" y="4176734"/>
+                <a:ext cx="766772" cy="760426"/>
+              </a:xfrm>
+              <a:prstGeom prst="line">
+                <a:avLst/>
+              </a:prstGeom>
+              <a:solidFill>
+                <a:schemeClr val="accent1"/>
+              </a:solidFill>
+              <a:ln w="28575" cap="flat" cmpd="sng" algn="ctr">
+                <a:solidFill>
+                  <a:schemeClr val="tx1"/>
+                </a:solidFill>
+                <a:prstDash val="solid"/>
+                <a:round/>
+                <a:headEnd type="none" w="med" len="med"/>
+                <a:tailEnd type="none" w="med" len="med"/>
+              </a:ln>
+              <a:effectLst/>
+            </p:spPr>
+          </p:cxnSp>
+          <p:cxnSp>
+            <p:nvCxnSpPr>
+              <p:cNvPr id="505" name="Connecteur droit 504"/>
+              <p:cNvCxnSpPr/>
+              <p:nvPr/>
+            </p:nvCxnSpPr>
+            <p:spPr bwMode="auto">
+              <a:xfrm rot="10800000" flipV="1">
+                <a:off x="7785141" y="4176734"/>
+                <a:ext cx="766772" cy="760426"/>
+              </a:xfrm>
+              <a:prstGeom prst="line">
+                <a:avLst/>
+              </a:prstGeom>
+              <a:solidFill>
+                <a:schemeClr val="accent1"/>
+              </a:solidFill>
+              <a:ln w="28575" cap="flat" cmpd="sng" algn="ctr">
+                <a:solidFill>
+                  <a:schemeClr val="tx1"/>
+                </a:solidFill>
+                <a:prstDash val="solid"/>
+                <a:round/>
+                <a:headEnd type="none" w="med" len="med"/>
+                <a:tailEnd type="none" w="med" len="med"/>
+              </a:ln>
+              <a:effectLst/>
+            </p:spPr>
+          </p:cxnSp>
+          <p:cxnSp>
+            <p:nvCxnSpPr>
+              <p:cNvPr id="506" name="Connecteur droit 505"/>
+              <p:cNvCxnSpPr/>
+              <p:nvPr/>
+            </p:nvCxnSpPr>
+            <p:spPr bwMode="auto">
+              <a:xfrm>
+                <a:off x="5484822" y="4176735"/>
+                <a:ext cx="766772" cy="0"/>
+              </a:xfrm>
+              <a:prstGeom prst="line">
+                <a:avLst/>
+              </a:prstGeom>
+              <a:solidFill>
+                <a:schemeClr val="accent1"/>
+              </a:solidFill>
+              <a:ln w="28575" cap="flat" cmpd="sng" algn="ctr">
+                <a:solidFill>
+                  <a:schemeClr val="tx1"/>
+                </a:solidFill>
+                <a:prstDash val="solid"/>
+                <a:round/>
+                <a:headEnd type="none" w="med" len="med"/>
+                <a:tailEnd type="none" w="med" len="med"/>
+              </a:ln>
+              <a:effectLst/>
+            </p:spPr>
+          </p:cxnSp>
+          <p:cxnSp>
+            <p:nvCxnSpPr>
+              <p:cNvPr id="507" name="Connecteur droit 506"/>
+              <p:cNvCxnSpPr/>
+              <p:nvPr/>
+            </p:nvCxnSpPr>
+            <p:spPr bwMode="auto">
+              <a:xfrm>
+                <a:off x="5484820" y="4176735"/>
+                <a:ext cx="766773" cy="0"/>
+              </a:xfrm>
+              <a:prstGeom prst="line">
+                <a:avLst/>
+              </a:prstGeom>
+              <a:solidFill>
+                <a:schemeClr val="accent1"/>
+              </a:solidFill>
+              <a:ln w="28575" cap="flat" cmpd="sng" algn="ctr">
+                <a:solidFill>
+                  <a:schemeClr val="tx1"/>
+                </a:solidFill>
+                <a:prstDash val="solid"/>
+                <a:round/>
+                <a:headEnd type="none" w="med" len="med"/>
+                <a:tailEnd type="none" w="med" len="med"/>
+              </a:ln>
+              <a:effectLst/>
+            </p:spPr>
+          </p:cxnSp>
+          <p:cxnSp>
+            <p:nvCxnSpPr>
+              <p:cNvPr id="508" name="Connecteur droit 507"/>
+              <p:cNvCxnSpPr/>
+              <p:nvPr/>
+            </p:nvCxnSpPr>
+            <p:spPr bwMode="auto">
+              <a:xfrm>
+                <a:off x="5484820" y="4937161"/>
+                <a:ext cx="766772" cy="0"/>
+              </a:xfrm>
+              <a:prstGeom prst="line">
+                <a:avLst/>
+              </a:prstGeom>
+              <a:solidFill>
+                <a:schemeClr val="accent1"/>
+              </a:solidFill>
+              <a:ln w="28575" cap="flat" cmpd="sng" algn="ctr">
+                <a:solidFill>
+                  <a:schemeClr val="tx1"/>
+                </a:solidFill>
+                <a:prstDash val="solid"/>
+                <a:round/>
+                <a:headEnd type="none" w="med" len="med"/>
+                <a:tailEnd type="none" w="med" len="med"/>
+              </a:ln>
+              <a:effectLst/>
+            </p:spPr>
+          </p:cxnSp>
+          <p:cxnSp>
+            <p:nvCxnSpPr>
+              <p:cNvPr id="509" name="Connecteur droit 508"/>
+              <p:cNvCxnSpPr/>
+              <p:nvPr/>
+            </p:nvCxnSpPr>
+            <p:spPr bwMode="auto">
+              <a:xfrm rot="5400000">
+                <a:off x="5104608" y="4556948"/>
+                <a:ext cx="760425" cy="0"/>
+              </a:xfrm>
+              <a:prstGeom prst="line">
+                <a:avLst/>
+              </a:prstGeom>
+              <a:solidFill>
+                <a:schemeClr val="accent1"/>
+              </a:solidFill>
+              <a:ln w="28575" cap="flat" cmpd="sng" algn="ctr">
+                <a:solidFill>
+                  <a:schemeClr val="tx1"/>
+                </a:solidFill>
+                <a:prstDash val="solid"/>
+                <a:round/>
+                <a:headEnd type="none" w="med" len="med"/>
+                <a:tailEnd type="none" w="med" len="med"/>
+              </a:ln>
+              <a:effectLst/>
+            </p:spPr>
+          </p:cxnSp>
+          <p:cxnSp>
+            <p:nvCxnSpPr>
+              <p:cNvPr id="510" name="Connecteur droit 509"/>
+              <p:cNvCxnSpPr/>
+              <p:nvPr/>
+            </p:nvCxnSpPr>
+            <p:spPr bwMode="auto">
+              <a:xfrm rot="5400000">
+                <a:off x="5871380" y="4556948"/>
+                <a:ext cx="760425" cy="0"/>
+              </a:xfrm>
+              <a:prstGeom prst="line">
+                <a:avLst/>
+              </a:prstGeom>
+              <a:solidFill>
+                <a:schemeClr val="accent1"/>
+              </a:solidFill>
+              <a:ln w="28575" cap="flat" cmpd="sng" algn="ctr">
+                <a:solidFill>
+                  <a:schemeClr val="tx1"/>
+                </a:solidFill>
+                <a:prstDash val="solid"/>
+                <a:round/>
+                <a:headEnd type="none" w="med" len="med"/>
+                <a:tailEnd type="none" w="med" len="med"/>
+              </a:ln>
+              <a:effectLst/>
+            </p:spPr>
+          </p:cxnSp>
+          <p:cxnSp>
+            <p:nvCxnSpPr>
+              <p:cNvPr id="511" name="Connecteur droit 510"/>
+              <p:cNvCxnSpPr/>
+              <p:nvPr/>
+            </p:nvCxnSpPr>
+            <p:spPr bwMode="auto">
+              <a:xfrm>
+                <a:off x="5484821" y="4176735"/>
+                <a:ext cx="766772" cy="760426"/>
+              </a:xfrm>
+              <a:prstGeom prst="line">
+                <a:avLst/>
+              </a:prstGeom>
+              <a:solidFill>
+                <a:schemeClr val="accent1"/>
+              </a:solidFill>
+              <a:ln w="28575" cap="flat" cmpd="sng" algn="ctr">
+                <a:solidFill>
+                  <a:schemeClr val="tx1"/>
+                </a:solidFill>
+                <a:prstDash val="solid"/>
+                <a:round/>
+                <a:headEnd type="none" w="med" len="med"/>
+                <a:tailEnd type="none" w="med" len="med"/>
+              </a:ln>
+              <a:effectLst/>
+            </p:spPr>
+          </p:cxnSp>
+          <p:cxnSp>
+            <p:nvCxnSpPr>
+              <p:cNvPr id="512" name="Connecteur droit 511"/>
+              <p:cNvCxnSpPr/>
+              <p:nvPr/>
+            </p:nvCxnSpPr>
+            <p:spPr bwMode="auto">
+              <a:xfrm rot="10800000" flipV="1">
+                <a:off x="5484820" y="4176735"/>
+                <a:ext cx="766772" cy="760426"/>
+              </a:xfrm>
+              <a:prstGeom prst="line">
+                <a:avLst/>
+              </a:prstGeom>
+              <a:solidFill>
+                <a:schemeClr val="accent1"/>
+              </a:solidFill>
+              <a:ln w="28575" cap="flat" cmpd="sng" algn="ctr">
+                <a:solidFill>
+                  <a:schemeClr val="tx1"/>
+                </a:solidFill>
+                <a:prstDash val="solid"/>
+                <a:round/>
+                <a:headEnd type="none" w="med" len="med"/>
+                <a:tailEnd type="none" w="med" len="med"/>
+              </a:ln>
+              <a:effectLst/>
+            </p:spPr>
+          </p:cxnSp>
+          <p:cxnSp>
+            <p:nvCxnSpPr>
+              <p:cNvPr id="513" name="Connecteur droit 512"/>
+              <p:cNvCxnSpPr/>
+              <p:nvPr/>
+            </p:nvCxnSpPr>
+            <p:spPr bwMode="auto">
+              <a:xfrm rot="5400000">
+                <a:off x="5871380" y="4556948"/>
+                <a:ext cx="760425" cy="0"/>
+              </a:xfrm>
+              <a:prstGeom prst="line">
+                <a:avLst/>
+              </a:prstGeom>
+              <a:solidFill>
+                <a:schemeClr val="accent1"/>
+              </a:solidFill>
+              <a:ln w="57150" cap="flat" cmpd="sng" algn="ctr">
+                <a:solidFill>
+                  <a:srgbClr val="FF0000"/>
+                </a:solidFill>
+                <a:prstDash val="solid"/>
+                <a:round/>
+                <a:headEnd type="none" w="med" len="med"/>
+                <a:tailEnd type="none" w="med" len="med"/>
+              </a:ln>
+              <a:effectLst/>
+            </p:spPr>
+          </p:cxnSp>
+        </p:grpSp>
+        <p:sp>
+          <p:nvSpPr>
+            <p:cNvPr id="515" name="Ellipse 514"/>
+            <p:cNvSpPr/>
+            <p:nvPr/>
+          </p:nvSpPr>
+          <p:spPr bwMode="auto">
+            <a:xfrm>
+              <a:off x="6493677" y="2941638"/>
+              <a:ext cx="1049379" cy="949338"/>
+            </a:xfrm>
+            <a:prstGeom prst="ellipse">
+              <a:avLst/>
+            </a:prstGeom>
+            <a:solidFill>
+              <a:srgbClr val="FFFF00"/>
+            </a:solidFill>
+            <a:ln w="9525" cap="flat" cmpd="sng" algn="ctr">
+              <a:solidFill>
+                <a:srgbClr val="C00000"/>
+              </a:solidFill>
+              <a:prstDash val="solid"/>
+              <a:round/>
+              <a:headEnd type="none" w="med" len="med"/>
+              <a:tailEnd type="none" w="med" len="med"/>
+            </a:ln>
+            <a:effectLst/>
+          </p:spPr>
+          <p:txBody>
+            <a:bodyPr vert="horz" wrap="square" lIns="91440" tIns="45720" rIns="91440" bIns="45720" numCol="1" rtlCol="0" anchor="t" anchorCtr="0" compatLnSpc="1">
+              <a:prstTxWarp prst="textNoShape">
+                <a:avLst/>
+              </a:prstTxWarp>
+            </a:bodyPr>
+            <a:lstStyle/>
+            <a:p>
+              <a:pPr marL="0" marR="0" indent="0" algn="l" defTabSz="914400" rtl="0" eaLnBrk="1" fontAlgn="base" latinLnBrk="0" hangingPunct="1">
+                <a:lnSpc>
+                  <a:spcPct val="100000"/>
+                </a:lnSpc>
+                <a:spcBef>
+                  <a:spcPct val="0"/>
+                </a:spcBef>
+                <a:spcAft>
+                  <a:spcPct val="0"/>
+                </a:spcAft>
+                <a:buClrTx/>
+                <a:buSzTx/>
+                <a:buFontTx/>
+                <a:buNone/>
+                <a:tabLst/>
+              </a:pPr>
+              <a:endParaRPr kumimoji="0" lang="fr-CH" sz="1800" b="0" i="0" u="sng" strike="noStrike" cap="none" normalizeH="0" baseline="0" smtClean="0">
+                <a:ln>
+                  <a:noFill/>
+                </a:ln>
+                <a:solidFill>
+                  <a:schemeClr val="tx1"/>
+                </a:solidFill>
+                <a:effectLst/>
+                <a:latin typeface="Arial" charset="0"/>
+              </a:endParaRPr>
+            </a:p>
+          </p:txBody>
+        </p:sp>
+      </p:grpSp>
+    </p:spTree>
+  </p:cSld>
+  <p:clrMapOvr>
+    <a:masterClrMapping/>
+  </p:clrMapOvr>
+  <p:transition>
+    <p:fade/>
+  </p:transition>
+</p:sld>
+</file>
+
+<file path=ppt/slides/slide9.xml><?xml version="1.0" encoding="utf-8"?>
+<p:sld xmlns:a="http://schemas.openxmlformats.org/drawingml/2006/main" xmlns:r="http://schemas.openxmlformats.org/officeDocument/2006/relationships" xmlns:p="http://schemas.openxmlformats.org/presentationml/2006/main">
+  <p:cSld>
+    <p:spTree>
+      <p:nvGrpSpPr>
+        <p:cNvPr id="1" name=""/>
+        <p:cNvGrpSpPr/>
+        <p:nvPr/>
+      </p:nvGrpSpPr>
+      <p:grpSpPr>
+        <a:xfrm>
+          <a:off x="0" y="0"/>
+          <a:ext cx="0" cy="0"/>
+          <a:chOff x="0" y="0"/>
+          <a:chExt cx="0" cy="0"/>
+        </a:xfrm>
+      </p:grpSpPr>
+      <p:sp>
+        <p:nvSpPr>
+          <p:cNvPr id="29700" name="Rectangle 4"/>
+          <p:cNvSpPr>
+            <a:spLocks noChangeArrowheads="1"/>
+          </p:cNvSpPr>
+          <p:nvPr/>
+        </p:nvSpPr>
+        <p:spPr bwMode="auto">
+          <a:xfrm>
+            <a:off x="0" y="0"/>
+            <a:ext cx="9144000" cy="1143000"/>
+          </a:xfrm>
+          <a:prstGeom prst="rect">
+            <a:avLst/>
+          </a:prstGeom>
+          <a:gradFill rotWithShape="1">
+            <a:gsLst>
+              <a:gs pos="0">
+                <a:srgbClr val="00B400"/>
+              </a:gs>
+              <a:gs pos="100000">
+                <a:srgbClr val="006000"/>
+              </a:gs>
+            </a:gsLst>
+            <a:lin ang="5400000" scaled="1"/>
+          </a:gradFill>
+          <a:ln w="9525">
+            <a:noFill/>
+            <a:miter lim="800000"/>
+            <a:headEnd/>
+            <a:tailEnd/>
+          </a:ln>
+          <a:effectLst/>
+        </p:spPr>
+        <p:txBody>
+          <a:bodyPr wrap="none" anchor="ctr"/>
+          <a:lstStyle/>
+          <a:p>
+            <a:endParaRPr lang="fr-CH"/>
+          </a:p>
+        </p:txBody>
+      </p:sp>
+      <p:sp>
+        <p:nvSpPr>
+          <p:cNvPr id="29709" name="Rectangle 13"/>
+          <p:cNvSpPr>
+            <a:spLocks noChangeArrowheads="1"/>
+          </p:cNvSpPr>
+          <p:nvPr/>
+        </p:nvSpPr>
+        <p:spPr bwMode="auto">
+          <a:xfrm>
+            <a:off x="0" y="1143000"/>
+            <a:ext cx="9144000" cy="152400"/>
+          </a:xfrm>
+          <a:prstGeom prst="rect">
+            <a:avLst/>
+          </a:prstGeom>
+          <a:gradFill rotWithShape="1">
+            <a:gsLst>
+              <a:gs pos="0">
+                <a:srgbClr val="5F5F5F"/>
+              </a:gs>
+              <a:gs pos="100000">
+                <a:srgbClr val="DDDDDD">
+                  <a:alpha val="0"/>
+                </a:srgbClr>
+              </a:gs>
+            </a:gsLst>
+            <a:lin ang="5400000" scaled="1"/>
+          </a:gradFill>
+          <a:ln w="9525">
+            <a:noFill/>
+            <a:miter lim="800000"/>
+            <a:headEnd/>
+            <a:tailEnd/>
+          </a:ln>
+          <a:effectLst/>
+        </p:spPr>
+        <p:txBody>
+          <a:bodyPr wrap="none" anchor="ctr"/>
+          <a:lstStyle/>
+          <a:p>
+            <a:endParaRPr lang="fr-CH"/>
+          </a:p>
+        </p:txBody>
+      </p:sp>
+      <p:sp>
+        <p:nvSpPr>
           <p:cNvPr id="29710" name="Rectangle 14"/>
           <p:cNvSpPr>
             <a:spLocks noChangeArrowheads="1"/>
@@ -10813,7 +17902,7 @@
                 </a:solidFill>
               </a:rPr>
               <a:pPr/>
-              <a:t>8</a:t>
+              <a:t>9</a:t>
             </a:fld>
             <a:r>
               <a:rPr lang="fr-FR" dirty="0" smtClean="0">
@@ -10978,422 +18067,6 @@
                 </a:outerShdw>
               </a:effectLst>
               <a:latin typeface="Trebuchet MS" pitchFamily="34" charset="0"/>
-            </a:endParaRPr>
-          </a:p>
-        </p:txBody>
-      </p:sp>
-    </p:spTree>
-  </p:cSld>
-  <p:clrMapOvr>
-    <a:masterClrMapping/>
-  </p:clrMapOvr>
-  <p:transition>
-    <p:fade/>
-  </p:transition>
-  <p:timing>
-    <p:tnLst>
-      <p:par>
-        <p:cTn id="1" dur="indefinite" restart="never" nodeType="tmRoot"/>
-      </p:par>
-    </p:tnLst>
-  </p:timing>
-</p:sld>
-</file>
-
-<file path=ppt/slides/slide9.xml><?xml version="1.0" encoding="utf-8"?>
-<p:sld xmlns:a="http://schemas.openxmlformats.org/drawingml/2006/main" xmlns:r="http://schemas.openxmlformats.org/officeDocument/2006/relationships" xmlns:p="http://schemas.openxmlformats.org/presentationml/2006/main">
-  <p:cSld>
-    <p:spTree>
-      <p:nvGrpSpPr>
-        <p:cNvPr id="1" name=""/>
-        <p:cNvGrpSpPr/>
-        <p:nvPr/>
-      </p:nvGrpSpPr>
-      <p:grpSpPr>
-        <a:xfrm>
-          <a:off x="0" y="0"/>
-          <a:ext cx="0" cy="0"/>
-          <a:chOff x="0" y="0"/>
-          <a:chExt cx="0" cy="0"/>
-        </a:xfrm>
-      </p:grpSpPr>
-      <p:sp>
-        <p:nvSpPr>
-          <p:cNvPr id="34880" name="Text Box 64"/>
-          <p:cNvSpPr txBox="1">
-            <a:spLocks noChangeArrowheads="1"/>
-          </p:cNvSpPr>
-          <p:nvPr/>
-        </p:nvSpPr>
-        <p:spPr bwMode="auto">
-          <a:xfrm>
-            <a:off x="0" y="6400800"/>
-            <a:ext cx="9144000" cy="304800"/>
-          </a:xfrm>
-          <a:prstGeom prst="rect">
-            <a:avLst/>
-          </a:prstGeom>
-          <a:noFill/>
-          <a:ln w="9525">
-            <a:noFill/>
-            <a:miter lim="800000"/>
-            <a:headEnd/>
-            <a:tailEnd/>
-          </a:ln>
-          <a:effectLst/>
-        </p:spPr>
-        <p:txBody>
-          <a:bodyPr>
-            <a:spAutoFit/>
-          </a:bodyPr>
-          <a:lstStyle/>
-          <a:p>
-            <a:pPr algn="ctr"/>
-            <a:r>
-              <a:rPr lang="fr-CH" sz="1400" u="none">
-                <a:solidFill>
-                  <a:schemeClr val="bg1"/>
-                </a:solidFill>
-              </a:rPr>
-              <a:t>- 7 / 9 - </a:t>
-            </a:r>
-            <a:endParaRPr lang="fr-FR" sz="1400" u="none">
-              <a:solidFill>
-                <a:schemeClr val="bg1"/>
-              </a:solidFill>
-            </a:endParaRPr>
-          </a:p>
-        </p:txBody>
-      </p:sp>
-      <p:sp>
-        <p:nvSpPr>
-          <p:cNvPr id="34823" name="Rectangle 7"/>
-          <p:cNvSpPr>
-            <a:spLocks noChangeArrowheads="1"/>
-          </p:cNvSpPr>
-          <p:nvPr/>
-        </p:nvSpPr>
-        <p:spPr bwMode="auto">
-          <a:xfrm>
-            <a:off x="0" y="1143000"/>
-            <a:ext cx="9144000" cy="152400"/>
-          </a:xfrm>
-          <a:prstGeom prst="rect">
-            <a:avLst/>
-          </a:prstGeom>
-          <a:gradFill rotWithShape="1">
-            <a:gsLst>
-              <a:gs pos="0">
-                <a:srgbClr val="5F5F5F"/>
-              </a:gs>
-              <a:gs pos="100000">
-                <a:srgbClr val="DDDDDD">
-                  <a:alpha val="0"/>
-                </a:srgbClr>
-              </a:gs>
-            </a:gsLst>
-            <a:lin ang="5400000" scaled="1"/>
-          </a:gradFill>
-          <a:ln w="9525">
-            <a:noFill/>
-            <a:miter lim="800000"/>
-            <a:headEnd/>
-            <a:tailEnd/>
-          </a:ln>
-          <a:effectLst/>
-        </p:spPr>
-        <p:txBody>
-          <a:bodyPr wrap="none" anchor="ctr"/>
-          <a:lstStyle/>
-          <a:p>
-            <a:endParaRPr lang="fr-CH"/>
-          </a:p>
-        </p:txBody>
-      </p:sp>
-      <p:sp>
-        <p:nvSpPr>
-          <p:cNvPr id="34824" name="Rectangle 8"/>
-          <p:cNvSpPr>
-            <a:spLocks noChangeArrowheads="1"/>
-          </p:cNvSpPr>
-          <p:nvPr/>
-        </p:nvSpPr>
-        <p:spPr bwMode="auto">
-          <a:xfrm>
-            <a:off x="0" y="6629400"/>
-            <a:ext cx="9144000" cy="228600"/>
-          </a:xfrm>
-          <a:prstGeom prst="rect">
-            <a:avLst/>
-          </a:prstGeom>
-          <a:gradFill rotWithShape="1">
-            <a:gsLst>
-              <a:gs pos="0">
-                <a:srgbClr val="DDDDDD">
-                  <a:alpha val="0"/>
-                </a:srgbClr>
-              </a:gs>
-              <a:gs pos="100000">
-                <a:srgbClr val="767676"/>
-              </a:gs>
-            </a:gsLst>
-            <a:lin ang="5400000" scaled="1"/>
-          </a:gradFill>
-          <a:ln w="9525">
-            <a:noFill/>
-            <a:miter lim="800000"/>
-            <a:headEnd/>
-            <a:tailEnd/>
-          </a:ln>
-          <a:effectLst/>
-        </p:spPr>
-        <p:txBody>
-          <a:bodyPr wrap="none" anchor="ctr"/>
-          <a:lstStyle/>
-          <a:p>
-            <a:endParaRPr lang="fr-CH"/>
-          </a:p>
-        </p:txBody>
-      </p:sp>
-      <p:sp>
-        <p:nvSpPr>
-          <p:cNvPr id="34820" name="Rectangle 4"/>
-          <p:cNvSpPr>
-            <a:spLocks noChangeArrowheads="1"/>
-          </p:cNvSpPr>
-          <p:nvPr/>
-        </p:nvSpPr>
-        <p:spPr bwMode="auto">
-          <a:xfrm>
-            <a:off x="0" y="0"/>
-            <a:ext cx="9144000" cy="1143000"/>
-          </a:xfrm>
-          <a:prstGeom prst="rect">
-            <a:avLst/>
-          </a:prstGeom>
-          <a:gradFill flip="none" rotWithShape="1">
-            <a:gsLst>
-              <a:gs pos="0">
-                <a:srgbClr val="00B400"/>
-              </a:gs>
-              <a:gs pos="100000">
-                <a:srgbClr val="006000"/>
-              </a:gs>
-            </a:gsLst>
-            <a:lin ang="5400000" scaled="1"/>
-            <a:tileRect/>
-          </a:gradFill>
-          <a:ln w="9525">
-            <a:noFill/>
-            <a:miter lim="800000"/>
-            <a:headEnd/>
-            <a:tailEnd/>
-          </a:ln>
-          <a:effectLst/>
-        </p:spPr>
-        <p:txBody>
-          <a:bodyPr wrap="none" anchor="ctr"/>
-          <a:lstStyle/>
-          <a:p>
-            <a:endParaRPr lang="fr-CH"/>
-          </a:p>
-        </p:txBody>
-      </p:sp>
-      <p:sp>
-        <p:nvSpPr>
-          <p:cNvPr id="34821" name="Text Box 5"/>
-          <p:cNvSpPr txBox="1">
-            <a:spLocks noChangeArrowheads="1"/>
-          </p:cNvSpPr>
-          <p:nvPr/>
-        </p:nvSpPr>
-        <p:spPr bwMode="auto">
-          <a:xfrm>
-            <a:off x="0" y="381000"/>
-            <a:ext cx="9144000" cy="396875"/>
-          </a:xfrm>
-          <a:prstGeom prst="rect">
-            <a:avLst/>
-          </a:prstGeom>
-          <a:noFill/>
-          <a:ln w="9525">
-            <a:noFill/>
-            <a:miter lim="800000"/>
-            <a:headEnd/>
-            <a:tailEnd/>
-          </a:ln>
-          <a:effectLst/>
-        </p:spPr>
-        <p:txBody>
-          <a:bodyPr>
-            <a:spAutoFit/>
-          </a:bodyPr>
-          <a:lstStyle/>
-          <a:p>
-            <a:pPr algn="ctr"/>
-            <a:r>
-              <a:rPr lang="fr-CH" sz="2000" b="1" u="none" dirty="0" smtClean="0">
-                <a:solidFill>
-                  <a:schemeClr val="bg1"/>
-                </a:solidFill>
-                <a:effectLst>
-                  <a:outerShdw blurRad="38100" dist="38100" dir="2700000" algn="tl">
-                    <a:srgbClr val="C0C0C0"/>
-                  </a:outerShdw>
-                </a:effectLst>
-                <a:latin typeface="Trebuchet MS" pitchFamily="34" charset="0"/>
-              </a:rPr>
-              <a:t>STRUCTURE DU CODE [AURELIEN]</a:t>
-            </a:r>
-            <a:endParaRPr lang="fr-FR" sz="2000" b="1" u="none" dirty="0">
-              <a:solidFill>
-                <a:schemeClr val="bg1"/>
-              </a:solidFill>
-              <a:effectLst>
-                <a:outerShdw blurRad="38100" dist="38100" dir="2700000" algn="tl">
-                  <a:srgbClr val="C0C0C0"/>
-                </a:outerShdw>
-              </a:effectLst>
-              <a:latin typeface="Trebuchet MS" pitchFamily="34" charset="0"/>
-            </a:endParaRPr>
-          </a:p>
-        </p:txBody>
-      </p:sp>
-      <p:sp>
-        <p:nvSpPr>
-          <p:cNvPr id="24" name="Espace réservé du numéro de diapositive 23"/>
-          <p:cNvSpPr>
-            <a:spLocks noGrp="1"/>
-          </p:cNvSpPr>
-          <p:nvPr>
-            <p:ph type="sldNum" sz="quarter" idx="12"/>
-          </p:nvPr>
-        </p:nvSpPr>
-        <p:spPr>
-          <a:xfrm>
-            <a:off x="6553200" y="6384972"/>
-            <a:ext cx="2133600" cy="476250"/>
-          </a:xfrm>
-        </p:spPr>
-        <p:txBody>
-          <a:bodyPr/>
-          <a:lstStyle/>
-          <a:p>
-            <a:fld id="{420F5742-7484-4AFF-BE5C-C36DF30CE89D}" type="slidenum">
-              <a:rPr lang="fr-FR" smtClean="0">
-                <a:solidFill>
-                  <a:schemeClr val="tx1">
-                    <a:lumMod val="65000"/>
-                    <a:lumOff val="35000"/>
-                  </a:schemeClr>
-                </a:solidFill>
-              </a:rPr>
-              <a:pPr/>
-              <a:t>9</a:t>
-            </a:fld>
-            <a:r>
-              <a:rPr lang="fr-FR" dirty="0" smtClean="0">
-                <a:solidFill>
-                  <a:schemeClr val="tx1">
-                    <a:lumMod val="65000"/>
-                    <a:lumOff val="35000"/>
-                  </a:schemeClr>
-                </a:solidFill>
-              </a:rPr>
-              <a:t>/11</a:t>
-            </a:r>
-            <a:endParaRPr lang="fr-FR" dirty="0">
-              <a:solidFill>
-                <a:schemeClr val="tx1">
-                  <a:lumMod val="65000"/>
-                  <a:lumOff val="35000"/>
-                </a:schemeClr>
-              </a:solidFill>
-            </a:endParaRPr>
-          </a:p>
-        </p:txBody>
-      </p:sp>
-      <p:sp>
-        <p:nvSpPr>
-          <p:cNvPr id="25" name="Espace réservé de la date 24"/>
-          <p:cNvSpPr>
-            <a:spLocks noGrp="1"/>
-          </p:cNvSpPr>
-          <p:nvPr>
-            <p:ph type="dt" sz="half" idx="10"/>
-          </p:nvPr>
-        </p:nvSpPr>
-        <p:spPr>
-          <a:xfrm>
-            <a:off x="457200" y="6384972"/>
-            <a:ext cx="2133600" cy="476250"/>
-          </a:xfrm>
-        </p:spPr>
-        <p:txBody>
-          <a:bodyPr/>
-          <a:lstStyle/>
-          <a:p>
-            <a:fld id="{357275CD-44DC-4CD4-BA57-161A992B0A41}" type="datetime1">
-              <a:rPr lang="fr-CH" smtClean="0">
-                <a:solidFill>
-                  <a:schemeClr val="tx1">
-                    <a:lumMod val="65000"/>
-                    <a:lumOff val="35000"/>
-                  </a:schemeClr>
-                </a:solidFill>
-              </a:rPr>
-              <a:pPr/>
-              <a:t>17.01.2010</a:t>
-            </a:fld>
-            <a:endParaRPr lang="fr-FR">
-              <a:solidFill>
-                <a:schemeClr val="tx1">
-                  <a:lumMod val="65000"/>
-                  <a:lumOff val="35000"/>
-                </a:schemeClr>
-              </a:solidFill>
-            </a:endParaRPr>
-          </a:p>
-        </p:txBody>
-      </p:sp>
-      <p:sp>
-        <p:nvSpPr>
-          <p:cNvPr id="26" name="Espace réservé du pied de page 25"/>
-          <p:cNvSpPr>
-            <a:spLocks noGrp="1"/>
-          </p:cNvSpPr>
-          <p:nvPr>
-            <p:ph type="ftr" sz="quarter" idx="11"/>
-          </p:nvPr>
-        </p:nvSpPr>
-        <p:spPr>
-          <a:xfrm>
-            <a:off x="3124200" y="6384972"/>
-            <a:ext cx="2895600" cy="476250"/>
-          </a:xfrm>
-        </p:spPr>
-        <p:txBody>
-          <a:bodyPr/>
-          <a:lstStyle/>
-          <a:p>
-            <a:r>
-              <a:rPr lang="fr-FR" smtClean="0">
-                <a:solidFill>
-                  <a:schemeClr val="tx1">
-                    <a:lumMod val="65000"/>
-                    <a:lumOff val="35000"/>
-                  </a:schemeClr>
-                </a:solidFill>
-              </a:rPr>
-              <a:t>ADO - PPZ - LFH</a:t>
-            </a:r>
-            <a:endParaRPr lang="fr-FR">
-              <a:solidFill>
-                <a:schemeClr val="tx1">
-                  <a:lumMod val="65000"/>
-                  <a:lumOff val="35000"/>
-                </a:schemeClr>
-              </a:solidFill>
             </a:endParaRPr>
           </a:p>
         </p:txBody>

--- a/documents/presentation.pptx
+++ b/documents/presentation.pptx
@@ -967,7 +967,7 @@
         <a:p>
           <a:r>
             <a:rPr lang="fr-CH" dirty="0" smtClean="0"/>
-            <a:t>Maillage</a:t>
+            <a:t>Graphe</a:t>
           </a:r>
           <a:endParaRPr lang="fr-CH" dirty="0"/>
         </a:p>
@@ -1080,6 +1080,13 @@
         </dgm:presLayoutVars>
       </dgm:prSet>
       <dgm:spPr/>
+      <dgm:t>
+        <a:bodyPr/>
+        <a:lstStyle/>
+        <a:p>
+          <a:endParaRPr lang="fr-CH"/>
+        </a:p>
+      </dgm:t>
     </dgm:pt>
     <dgm:pt modelId="{2A8147CC-483C-42DD-8065-9F64F5AA4446}" type="pres">
       <dgm:prSet presAssocID="{EC67C51C-2E21-4800-A04E-39504433E3CE}" presName="vertOne" presStyleCnt="0"/>
@@ -1146,6 +1153,13 @@
         </dgm:presLayoutVars>
       </dgm:prSet>
       <dgm:spPr/>
+      <dgm:t>
+        <a:bodyPr/>
+        <a:lstStyle/>
+        <a:p>
+          <a:endParaRPr lang="fr-CH"/>
+        </a:p>
+      </dgm:t>
     </dgm:pt>
     <dgm:pt modelId="{D1813550-2E07-4FF2-B4DE-9D9763C7C425}" type="pres">
       <dgm:prSet presAssocID="{90CADE53-B192-4AAE-BED5-36EB581619C5}" presName="horzThree" presStyleCnt="0"/>
@@ -1166,6 +1180,13 @@
         </dgm:presLayoutVars>
       </dgm:prSet>
       <dgm:spPr/>
+      <dgm:t>
+        <a:bodyPr/>
+        <a:lstStyle/>
+        <a:p>
+          <a:endParaRPr lang="fr-CH"/>
+        </a:p>
+      </dgm:t>
     </dgm:pt>
     <dgm:pt modelId="{D101CE0E-0D31-43B7-AAF9-48C4A1D1B5C7}" type="pres">
       <dgm:prSet presAssocID="{124BD719-1FAB-4AF2-99EF-85E2B6A01D1F}" presName="horzThree" presStyleCnt="0"/>
@@ -1173,15 +1194,15 @@
     </dgm:pt>
   </dgm:ptLst>
   <dgm:cxnLst>
+    <dgm:cxn modelId="{D3BCC33A-2D7B-4E24-BABF-7F60C591E7D9}" srcId="{1472A273-CA92-469C-9505-C150B6F56774}" destId="{90CADE53-B192-4AAE-BED5-36EB581619C5}" srcOrd="0" destOrd="0" parTransId="{E92C8218-DE58-439F-8772-715BE18AE8AC}" sibTransId="{D2019058-02BE-48FF-AB07-272A3BA5C7DB}"/>
     <dgm:cxn modelId="{657F085E-9942-4A64-A86A-B1246726F41C}" type="presOf" srcId="{124BD719-1FAB-4AF2-99EF-85E2B6A01D1F}" destId="{23788942-B951-42C9-A181-D2D34262AF3B}" srcOrd="0" destOrd="0" presId="urn:microsoft.com/office/officeart/2005/8/layout/hierarchy4"/>
+    <dgm:cxn modelId="{89BC57FA-AE10-482F-927F-71A8D556A19E}" srcId="{039ECC2C-7749-4EFF-9017-2771A9E53934}" destId="{EC67C51C-2E21-4800-A04E-39504433E3CE}" srcOrd="0" destOrd="0" parTransId="{C1FB9566-B4E8-4DCE-AA97-C86B1060BCA8}" sibTransId="{0FEF8533-E849-4364-84C8-3F62C15EBE3F}"/>
+    <dgm:cxn modelId="{EB811B70-8E2D-44FE-92B9-8C27C1CDB080}" type="presOf" srcId="{1472A273-CA92-469C-9505-C150B6F56774}" destId="{80215751-409B-4988-A436-B358FBA1052E}" srcOrd="0" destOrd="0" presId="urn:microsoft.com/office/officeart/2005/8/layout/hierarchy4"/>
+    <dgm:cxn modelId="{7703D9C7-FD49-4123-85A9-5B14F944AD2A}" srcId="{1472A273-CA92-469C-9505-C150B6F56774}" destId="{124BD719-1FAB-4AF2-99EF-85E2B6A01D1F}" srcOrd="1" destOrd="0" parTransId="{80709401-ACB8-48D0-8A81-60AA27C59D14}" sibTransId="{DAB5BDF0-7940-4913-A7DC-025BC823385F}"/>
+    <dgm:cxn modelId="{A90410F8-B3A1-4B16-B600-E6C6395327BE}" type="presOf" srcId="{EC67C51C-2E21-4800-A04E-39504433E3CE}" destId="{470D3EA4-1484-4E8B-8647-42FEE815609D}" srcOrd="0" destOrd="0" presId="urn:microsoft.com/office/officeart/2005/8/layout/hierarchy4"/>
     <dgm:cxn modelId="{1C06BC75-856D-4D44-97D8-A8932F914CC7}" type="presOf" srcId="{90CADE53-B192-4AAE-BED5-36EB581619C5}" destId="{5AFE3CD8-342E-49ED-A2B7-C727E61913F6}" srcOrd="0" destOrd="0" presId="urn:microsoft.com/office/officeart/2005/8/layout/hierarchy4"/>
-    <dgm:cxn modelId="{7703D9C7-FD49-4123-85A9-5B14F944AD2A}" srcId="{1472A273-CA92-469C-9505-C150B6F56774}" destId="{124BD719-1FAB-4AF2-99EF-85E2B6A01D1F}" srcOrd="1" destOrd="0" parTransId="{80709401-ACB8-48D0-8A81-60AA27C59D14}" sibTransId="{DAB5BDF0-7940-4913-A7DC-025BC823385F}"/>
-    <dgm:cxn modelId="{89BC57FA-AE10-482F-927F-71A8D556A19E}" srcId="{039ECC2C-7749-4EFF-9017-2771A9E53934}" destId="{EC67C51C-2E21-4800-A04E-39504433E3CE}" srcOrd="0" destOrd="0" parTransId="{C1FB9566-B4E8-4DCE-AA97-C86B1060BCA8}" sibTransId="{0FEF8533-E849-4364-84C8-3F62C15EBE3F}"/>
+    <dgm:cxn modelId="{3F9F2067-1FE7-4E78-8B69-DB5540F4B3FE}" srcId="{EC67C51C-2E21-4800-A04E-39504433E3CE}" destId="{1472A273-CA92-469C-9505-C150B6F56774}" srcOrd="0" destOrd="0" parTransId="{17F06AE8-5589-4E05-8B1A-55E0A3EF5811}" sibTransId="{60AC5C1C-844A-4377-9E87-98CBB6779E2C}"/>
     <dgm:cxn modelId="{3B962616-047D-4C68-8DFA-1B0C1FC1AB1A}" type="presOf" srcId="{039ECC2C-7749-4EFF-9017-2771A9E53934}" destId="{4FB47F87-36CB-4205-AA60-DBA75FA52CEA}" srcOrd="0" destOrd="0" presId="urn:microsoft.com/office/officeart/2005/8/layout/hierarchy4"/>
-    <dgm:cxn modelId="{EB811B70-8E2D-44FE-92B9-8C27C1CDB080}" type="presOf" srcId="{1472A273-CA92-469C-9505-C150B6F56774}" destId="{80215751-409B-4988-A436-B358FBA1052E}" srcOrd="0" destOrd="0" presId="urn:microsoft.com/office/officeart/2005/8/layout/hierarchy4"/>
-    <dgm:cxn modelId="{3F9F2067-1FE7-4E78-8B69-DB5540F4B3FE}" srcId="{EC67C51C-2E21-4800-A04E-39504433E3CE}" destId="{1472A273-CA92-469C-9505-C150B6F56774}" srcOrd="0" destOrd="0" parTransId="{17F06AE8-5589-4E05-8B1A-55E0A3EF5811}" sibTransId="{60AC5C1C-844A-4377-9E87-98CBB6779E2C}"/>
-    <dgm:cxn modelId="{A90410F8-B3A1-4B16-B600-E6C6395327BE}" type="presOf" srcId="{EC67C51C-2E21-4800-A04E-39504433E3CE}" destId="{470D3EA4-1484-4E8B-8647-42FEE815609D}" srcOrd="0" destOrd="0" presId="urn:microsoft.com/office/officeart/2005/8/layout/hierarchy4"/>
-    <dgm:cxn modelId="{D3BCC33A-2D7B-4E24-BABF-7F60C591E7D9}" srcId="{1472A273-CA92-469C-9505-C150B6F56774}" destId="{90CADE53-B192-4AAE-BED5-36EB581619C5}" srcOrd="0" destOrd="0" parTransId="{E92C8218-DE58-439F-8772-715BE18AE8AC}" sibTransId="{D2019058-02BE-48FF-AB07-272A3BA5C7DB}"/>
     <dgm:cxn modelId="{7B9DA742-F807-4C9A-8B8D-25B0B94CA8A1}" type="presParOf" srcId="{4FB47F87-36CB-4205-AA60-DBA75FA52CEA}" destId="{2A8147CC-483C-42DD-8065-9F64F5AA4446}" srcOrd="0" destOrd="0" presId="urn:microsoft.com/office/officeart/2005/8/layout/hierarchy4"/>
     <dgm:cxn modelId="{252A1B45-733F-41E1-9D3B-6B1D93CDEF06}" type="presParOf" srcId="{2A8147CC-483C-42DD-8065-9F64F5AA4446}" destId="{470D3EA4-1484-4E8B-8647-42FEE815609D}" srcOrd="0" destOrd="0" presId="urn:microsoft.com/office/officeart/2005/8/layout/hierarchy4"/>
     <dgm:cxn modelId="{BC766A5C-D6F6-4554-BB5C-4DFD814893E3}" type="presParOf" srcId="{2A8147CC-483C-42DD-8065-9F64F5AA4446}" destId="{7FA670C5-8011-46C5-83DA-AF76AE5A6102}" srcOrd="1" destOrd="0" presId="urn:microsoft.com/office/officeart/2005/8/layout/hierarchy4"/>
@@ -1428,7 +1449,7 @@
           </a:pPr>
           <a:r>
             <a:rPr lang="fr-CH" sz="5900" kern="1200" dirty="0" smtClean="0"/>
-            <a:t>Maillage</a:t>
+            <a:t>Graphe</a:t>
           </a:r>
           <a:endParaRPr lang="fr-CH" sz="5900" kern="1200" dirty="0"/>
         </a:p>
@@ -3329,7 +3350,7 @@
             <a:fld id="{D761A794-15E8-4C19-9429-90557F78B1C8}" type="datetimeFigureOut">
               <a:rPr lang="fr-FR" smtClean="0"/>
               <a:pPr/>
-              <a:t>17/01/2010</a:t>
+              <a:t>19/01/2010</a:t>
             </a:fld>
             <a:endParaRPr lang="fr-CH"/>
           </a:p>
@@ -3891,7 +3912,7 @@
             <a:fld id="{1FD82F67-3604-455A-AA94-463E3F4A9835}" type="datetime1">
               <a:rPr lang="fr-CH" smtClean="0"/>
               <a:pPr/>
-              <a:t>17.01.2010</a:t>
+              <a:t>19.01.2010</a:t>
             </a:fld>
             <a:endParaRPr lang="fr-FR"/>
           </a:p>
@@ -4077,7 +4098,7 @@
             <a:fld id="{55B3CD59-5DD5-41C3-B883-761C206A7252}" type="datetime1">
               <a:rPr lang="fr-CH" smtClean="0"/>
               <a:pPr/>
-              <a:t>17.01.2010</a:t>
+              <a:t>19.01.2010</a:t>
             </a:fld>
             <a:endParaRPr lang="fr-FR"/>
           </a:p>
@@ -4273,7 +4294,7 @@
             <a:fld id="{3B04A12F-0005-45B2-8940-F8EFEAD0E451}" type="datetime1">
               <a:rPr lang="fr-CH" smtClean="0"/>
               <a:pPr/>
-              <a:t>17.01.2010</a:t>
+              <a:t>19.01.2010</a:t>
             </a:fld>
             <a:endParaRPr lang="fr-FR"/>
           </a:p>
@@ -4588,7 +4609,7 @@
             <a:fld id="{529FBE9A-CF7D-433F-8346-C0E52BDADA61}" type="datetime1">
               <a:rPr lang="fr-CH" smtClean="0"/>
               <a:pPr/>
-              <a:t>17.01.2010</a:t>
+              <a:t>19.01.2010</a:t>
             </a:fld>
             <a:endParaRPr lang="fr-FR"/>
           </a:p>
@@ -4771,7 +4792,7 @@
             <a:fld id="{FE683641-4180-4030-9871-18F1FE65C087}" type="datetime1">
               <a:rPr lang="fr-CH" smtClean="0"/>
               <a:pPr/>
-              <a:t>17.01.2010</a:t>
+              <a:t>19.01.2010</a:t>
             </a:fld>
             <a:endParaRPr lang="fr-FR"/>
           </a:p>
@@ -4967,7 +4988,7 @@
             <a:fld id="{DE3EECC3-BAC3-4A29-8636-7743FF9A3806}" type="datetime1">
               <a:rPr lang="fr-CH" smtClean="0"/>
               <a:pPr/>
-              <a:t>17.01.2010</a:t>
+              <a:t>19.01.2010</a:t>
             </a:fld>
             <a:endParaRPr lang="fr-FR"/>
           </a:p>
@@ -5175,7 +5196,7 @@
             <a:fld id="{F154968F-2762-4F3B-BC70-F7C39B89A9B8}" type="datetime1">
               <a:rPr lang="fr-CH" smtClean="0"/>
               <a:pPr/>
-              <a:t>17.01.2010</a:t>
+              <a:t>19.01.2010</a:t>
             </a:fld>
             <a:endParaRPr lang="fr-FR"/>
           </a:p>
@@ -5479,7 +5500,7 @@
             <a:fld id="{05BFEB41-E5CB-4CD1-9B55-92701C8EBC84}" type="datetime1">
               <a:rPr lang="fr-CH" smtClean="0"/>
               <a:pPr/>
-              <a:t>17.01.2010</a:t>
+              <a:t>19.01.2010</a:t>
             </a:fld>
             <a:endParaRPr lang="fr-FR"/>
           </a:p>
@@ -5917,7 +5938,7 @@
             <a:fld id="{2F6C9831-039A-4F5C-8AD2-A3AB876185B4}" type="datetime1">
               <a:rPr lang="fr-CH" smtClean="0"/>
               <a:pPr/>
-              <a:t>17.01.2010</a:t>
+              <a:t>19.01.2010</a:t>
             </a:fld>
             <a:endParaRPr lang="fr-FR"/>
           </a:p>
@@ -6051,7 +6072,7 @@
             <a:fld id="{DFFDC1B0-BD04-46D2-99EE-B853352D89B2}" type="datetime1">
               <a:rPr lang="fr-CH" smtClean="0"/>
               <a:pPr/>
-              <a:t>17.01.2010</a:t>
+              <a:t>19.01.2010</a:t>
             </a:fld>
             <a:endParaRPr lang="fr-FR"/>
           </a:p>
@@ -6162,7 +6183,7 @@
             <a:fld id="{0EE68050-7145-4A91-894E-A242682B636F}" type="datetime1">
               <a:rPr lang="fr-CH" smtClean="0"/>
               <a:pPr/>
-              <a:t>17.01.2010</a:t>
+              <a:t>19.01.2010</a:t>
             </a:fld>
             <a:endParaRPr lang="fr-FR"/>
           </a:p>
@@ -6455,7 +6476,7 @@
             <a:fld id="{3A01947D-F275-402E-B528-25DF2F067B3A}" type="datetime1">
               <a:rPr lang="fr-CH" smtClean="0"/>
               <a:pPr/>
-              <a:t>17.01.2010</a:t>
+              <a:t>19.01.2010</a:t>
             </a:fld>
             <a:endParaRPr lang="fr-FR"/>
           </a:p>
@@ -6724,7 +6745,7 @@
             <a:fld id="{99628070-4574-4C78-8FCC-ABF8CA883542}" type="datetime1">
               <a:rPr lang="fr-CH" smtClean="0"/>
               <a:pPr/>
-              <a:t>17.01.2010</a:t>
+              <a:t>19.01.2010</a:t>
             </a:fld>
             <a:endParaRPr lang="fr-FR"/>
           </a:p>
@@ -6977,7 +6998,7 @@
             <a:fld id="{0EBF62BA-94E3-4FC8-A8F1-27E713C8C858}" type="datetime1">
               <a:rPr lang="fr-CH" smtClean="0"/>
               <a:pPr/>
-              <a:t>17.01.2010</a:t>
+              <a:t>19.01.2010</a:t>
             </a:fld>
             <a:endParaRPr lang="fr-FR"/>
           </a:p>
@@ -8232,7 +8253,7 @@
                   </a:schemeClr>
                 </a:solidFill>
               </a:rPr>
-              <a:t>/11</a:t>
+              <a:t>/13</a:t>
             </a:r>
             <a:endParaRPr lang="fr-FR" dirty="0">
               <a:solidFill>
@@ -8275,7 +8296,7 @@
                 </a:solidFill>
               </a:rPr>
               <a:pPr/>
-              <a:t>17.01.2010</a:t>
+              <a:t>19.01.2010</a:t>
             </a:fld>
             <a:endParaRPr lang="fr-FR">
               <a:solidFill>
@@ -8629,7 +8650,7 @@
               <a:t>11</a:t>
             </a:fld>
             <a:r>
-              <a:rPr lang="fr-FR" dirty="0" smtClean="0">
+              <a:rPr lang="fr-FR" smtClean="0">
                 <a:solidFill>
                   <a:schemeClr val="tx1">
                     <a:lumMod val="65000"/>
@@ -8637,7 +8658,7 @@
                   </a:schemeClr>
                 </a:solidFill>
               </a:rPr>
-              <a:t>/11</a:t>
+              <a:t>/13</a:t>
             </a:r>
             <a:endParaRPr lang="fr-FR" dirty="0">
               <a:solidFill>
@@ -8680,7 +8701,7 @@
                 </a:solidFill>
               </a:rPr>
               <a:pPr/>
-              <a:t>17.01.2010</a:t>
+              <a:t>19.01.2010</a:t>
             </a:fld>
             <a:endParaRPr lang="fr-FR" dirty="0">
               <a:solidFill>
@@ -9522,7 +9543,7 @@
                 </a:solidFill>
               </a:rPr>
               <a:pPr/>
-              <a:t>17.01.2010</a:t>
+              <a:t>19.01.2010</a:t>
             </a:fld>
             <a:endParaRPr lang="fr-FR" dirty="0">
               <a:solidFill>
@@ -10657,7 +10678,7 @@
                   </a:schemeClr>
                 </a:solidFill>
               </a:rPr>
-              <a:t>/11</a:t>
+              <a:t>/13</a:t>
             </a:r>
             <a:endParaRPr lang="fr-FR" dirty="0">
               <a:solidFill>
@@ -10700,7 +10721,7 @@
                 </a:solidFill>
               </a:rPr>
               <a:pPr/>
-              <a:t>17.01.2010</a:t>
+              <a:t>19.01.2010</a:t>
             </a:fld>
             <a:endParaRPr lang="fr-FR">
               <a:solidFill>
@@ -11103,7 +11124,7 @@
                   </a:schemeClr>
                 </a:solidFill>
               </a:rPr>
-              <a:t>/11</a:t>
+              <a:t>/13</a:t>
             </a:r>
             <a:endParaRPr lang="fr-FR" dirty="0">
               <a:solidFill>
@@ -11146,7 +11167,7 @@
                 </a:solidFill>
               </a:rPr>
               <a:pPr/>
-              <a:t>17.01.2010</a:t>
+              <a:t>19.01.2010</a:t>
             </a:fld>
             <a:endParaRPr lang="fr-FR" dirty="0">
               <a:solidFill>
@@ -11801,7 +11822,7 @@
                   </a:schemeClr>
                 </a:solidFill>
               </a:rPr>
-              <a:t>/11</a:t>
+              <a:t>/13</a:t>
             </a:r>
             <a:endParaRPr lang="fr-FR" dirty="0">
               <a:solidFill>
@@ -11844,7 +11865,7 @@
                 </a:solidFill>
               </a:rPr>
               <a:pPr/>
-              <a:t>17.01.2010</a:t>
+              <a:t>19.01.2010</a:t>
             </a:fld>
             <a:endParaRPr lang="fr-FR" dirty="0">
               <a:solidFill>
@@ -12629,7 +12650,7 @@
                   </a:schemeClr>
                 </a:solidFill>
               </a:rPr>
-              <a:t>/11</a:t>
+              <a:t>/13</a:t>
             </a:r>
             <a:endParaRPr lang="fr-FR" dirty="0">
               <a:solidFill>
@@ -12672,7 +12693,7 @@
                 </a:solidFill>
               </a:rPr>
               <a:pPr/>
-              <a:t>17.01.2010</a:t>
+              <a:t>19.01.2010</a:t>
             </a:fld>
             <a:endParaRPr lang="fr-FR">
               <a:solidFill>
@@ -13117,7 +13138,21 @@
                 </a:effectLst>
                 <a:latin typeface="Trebuchet MS" pitchFamily="34" charset="0"/>
               </a:rPr>
-              <a:t>CONCEPTS ALGORITHMIQUES [PIERRE-DO]</a:t>
+              <a:t>CONCEPTS </a:t>
+            </a:r>
+            <a:r>
+              <a:rPr lang="fr-FR" sz="2000" b="1" u="none" dirty="0" smtClean="0">
+                <a:solidFill>
+                  <a:schemeClr val="bg1"/>
+                </a:solidFill>
+                <a:effectLst>
+                  <a:outerShdw blurRad="38100" dist="38100" dir="2700000" algn="tl">
+                    <a:srgbClr val="C0C0C0"/>
+                  </a:outerShdw>
+                </a:effectLst>
+                <a:latin typeface="Trebuchet MS" pitchFamily="34" charset="0"/>
+              </a:rPr>
+              <a:t>ALGORITHMIQUES</a:t>
             </a:r>
             <a:endParaRPr lang="fr-FR" sz="2000" b="1" u="none" dirty="0">
               <a:solidFill>
@@ -13264,7 +13299,7 @@
                   </a:schemeClr>
                 </a:solidFill>
               </a:rPr>
-              <a:t>/11</a:t>
+              <a:t>/13</a:t>
             </a:r>
             <a:endParaRPr lang="fr-FR" dirty="0">
               <a:solidFill>
@@ -13307,7 +13342,7 @@
                 </a:solidFill>
               </a:rPr>
               <a:pPr/>
-              <a:t>17.01.2010</a:t>
+              <a:t>19.01.2010</a:t>
             </a:fld>
             <a:endParaRPr lang="fr-FR">
               <a:solidFill>
@@ -13370,8 +13405,8 @@
         </p:nvSpPr>
         <p:spPr>
           <a:xfrm>
-            <a:off x="2057400" y="2286000"/>
-            <a:ext cx="5410200" cy="923330"/>
+            <a:off x="226953" y="1580070"/>
+            <a:ext cx="4783203" cy="3877985"/>
           </a:xfrm>
           <a:prstGeom prst="rect">
             <a:avLst/>
@@ -13385,6 +13420,9 @@
           <a:lstStyle/>
           <a:p>
             <a:pPr>
+              <a:spcAft>
+                <a:spcPts val="1200"/>
+              </a:spcAft>
               <a:buFont typeface="Arial" pitchFamily="34" charset="0"/>
               <a:buChar char="•"/>
             </a:pPr>
@@ -13394,37 +13432,69 @@
             </a:r>
             <a:r>
               <a:rPr lang="fr-CH" u="none" dirty="0" smtClean="0"/>
-              <a:t>Graphe et algorithme ACPC (</a:t>
-            </a:r>
-            <a:r>
-              <a:rPr lang="fr-CH" u="none" dirty="0" err="1" smtClean="0"/>
-              <a:t>Dijkstra</a:t>
+              <a:t>Concepts algorithmiques utilisés pour mettre en œuvre </a:t>
+            </a:r>
+            <a:r>
+              <a:rPr lang="fr-CH" b="1" u="none" dirty="0" smtClean="0"/>
+              <a:t>les aspects techniques </a:t>
             </a:r>
             <a:r>
               <a:rPr lang="fr-CH" u="none" dirty="0" smtClean="0"/>
-              <a:t>)</a:t>
-            </a:r>
+              <a:t>du projet.</a:t>
+            </a:r>
+            <a:endParaRPr lang="fr-CH" u="none" dirty="0" smtClean="0"/>
           </a:p>
           <a:p>
             <a:pPr>
+              <a:spcAft>
+                <a:spcPts val="1200"/>
+              </a:spcAft>
               <a:buFont typeface="Arial" pitchFamily="34" charset="0"/>
               <a:buChar char="•"/>
             </a:pPr>
             <a:r>
               <a:rPr lang="fr-CH" u="none" dirty="0" smtClean="0"/>
-              <a:t> Génération </a:t>
+              <a:t> </a:t>
             </a:r>
             <a:r>
               <a:rPr lang="fr-CH" u="none" dirty="0" smtClean="0"/>
-              <a:t>de </a:t>
+              <a:t>Algorithmes </a:t>
+            </a:r>
+            <a:r>
+              <a:rPr lang="fr-CH" b="1" u="none" dirty="0" smtClean="0"/>
+              <a:t>connus</a:t>
             </a:r>
             <a:r>
               <a:rPr lang="fr-CH" u="none" dirty="0" smtClean="0"/>
-              <a:t>valeurs</a:t>
-            </a:r>
+              <a:t> (</a:t>
+            </a:r>
+            <a:r>
+              <a:rPr lang="fr-CH" u="none" dirty="0" err="1" smtClean="0"/>
+              <a:t>Dijkstra</a:t>
+            </a:r>
+            <a:r>
+              <a:rPr lang="fr-CH" u="none" dirty="0" smtClean="0"/>
+              <a:t>, tri fusion, </a:t>
+            </a:r>
+            <a:r>
+              <a:rPr lang="fr-CH" u="none" dirty="0" err="1" smtClean="0"/>
+              <a:t>etc</a:t>
+            </a:r>
+            <a:r>
+              <a:rPr lang="fr-CH" u="none" dirty="0" smtClean="0"/>
+              <a:t>…</a:t>
+            </a:r>
+            <a:r>
+              <a:rPr lang="fr-CH" u="none" dirty="0" smtClean="0"/>
+              <a:t>)</a:t>
+            </a:r>
+            <a:endParaRPr lang="fr-CH" u="none" dirty="0" smtClean="0"/>
           </a:p>
           <a:p>
             <a:pPr>
+              <a:spcAft>
+                <a:spcPts val="1200"/>
+              </a:spcAft>
               <a:buFont typeface="Arial" pitchFamily="34" charset="0"/>
               <a:buChar char="•"/>
             </a:pPr>
@@ -13434,9 +13504,125 @@
             </a:r>
             <a:r>
               <a:rPr lang="fr-CH" u="none" dirty="0" smtClean="0"/>
-              <a:t>Généralités</a:t>
+              <a:t>Algorithmes </a:t>
+            </a:r>
+            <a:r>
+              <a:rPr lang="fr-CH" b="1" u="none" dirty="0" smtClean="0"/>
+              <a:t>inventés</a:t>
+            </a:r>
+            <a:r>
+              <a:rPr lang="fr-CH" u="none" dirty="0" smtClean="0"/>
+              <a:t> </a:t>
+            </a:r>
+            <a:r>
+              <a:rPr lang="fr-CH" u="none" dirty="0" smtClean="0"/>
+              <a:t>(Génération des valeurs relatives au jeu, comme la vie des créature, le prix des tours, les </a:t>
+            </a:r>
+            <a:r>
+              <a:rPr lang="fr-CH" u="none" dirty="0" err="1" smtClean="0"/>
+              <a:t>dégats</a:t>
+            </a:r>
+            <a:r>
+              <a:rPr lang="fr-CH" u="none" dirty="0" smtClean="0"/>
+              <a:t>, </a:t>
+            </a:r>
+            <a:r>
+              <a:rPr lang="fr-CH" u="none" dirty="0" err="1" smtClean="0"/>
+              <a:t>etc</a:t>
+            </a:r>
+            <a:r>
+              <a:rPr lang="fr-CH" u="none" dirty="0" smtClean="0"/>
+              <a:t>…)</a:t>
+            </a:r>
+          </a:p>
+          <a:p>
+            <a:pPr>
+              <a:spcAft>
+                <a:spcPts val="1200"/>
+              </a:spcAft>
+              <a:buFont typeface="Arial" pitchFamily="34" charset="0"/>
+              <a:buChar char="•"/>
+            </a:pPr>
+            <a:r>
+              <a:rPr lang="fr-CH" u="none" dirty="0" smtClean="0"/>
+              <a:t> </a:t>
+            </a:r>
+            <a:r>
+              <a:rPr lang="fr-CH" u="none" dirty="0" smtClean="0"/>
+              <a:t>Structure mise en place dans l’optique d’utiliser un algorithme défini au </a:t>
+            </a:r>
+            <a:r>
+              <a:rPr lang="fr-CH" b="1" u="none" dirty="0" smtClean="0"/>
+              <a:t>préalable</a:t>
+            </a:r>
+            <a:r>
+              <a:rPr lang="fr-CH" u="none" dirty="0" smtClean="0"/>
+              <a:t>, couplé avec une structure de donnée </a:t>
+            </a:r>
+            <a:r>
+              <a:rPr lang="fr-CH" b="1" u="none" dirty="0" smtClean="0"/>
+              <a:t>adaptée</a:t>
+            </a:r>
+            <a:r>
+              <a:rPr lang="fr-CH" u="none" dirty="0" smtClean="0"/>
+              <a:t>.</a:t>
             </a:r>
             <a:endParaRPr lang="fr-CH" u="none" dirty="0" smtClean="0"/>
+          </a:p>
+        </p:txBody>
+      </p:sp>
+      <p:pic>
+        <p:nvPicPr>
+          <p:cNvPr id="10" name="Image 9" descr="Fonction_generation_sante.jpg"/>
+          <p:cNvPicPr>
+            <a:picLocks noChangeAspect="1"/>
+          </p:cNvPicPr>
+          <p:nvPr/>
+        </p:nvPicPr>
+        <p:blipFill>
+          <a:blip r:embed="rId2" cstate="print"/>
+          <a:stretch>
+            <a:fillRect/>
+          </a:stretch>
+        </p:blipFill>
+        <p:spPr>
+          <a:xfrm>
+            <a:off x="5010156" y="1566837"/>
+            <a:ext cx="3810000" cy="3810000"/>
+          </a:xfrm>
+          <a:prstGeom prst="rect">
+            <a:avLst/>
+          </a:prstGeom>
+        </p:spPr>
+      </p:pic>
+      <p:sp>
+        <p:nvSpPr>
+          <p:cNvPr id="11" name="ZoneTexte 10"/>
+          <p:cNvSpPr txBox="1"/>
+          <p:nvPr/>
+        </p:nvSpPr>
+        <p:spPr>
+          <a:xfrm>
+            <a:off x="5229234" y="5211834"/>
+            <a:ext cx="3590922" cy="246221"/>
+          </a:xfrm>
+          <a:prstGeom prst="rect">
+            <a:avLst/>
+          </a:prstGeom>
+          <a:noFill/>
+        </p:spPr>
+        <p:txBody>
+          <a:bodyPr wrap="square" rtlCol="0">
+            <a:spAutoFit/>
+          </a:bodyPr>
+          <a:lstStyle/>
+          <a:p>
+            <a:pPr algn="ctr"/>
+            <a:r>
+              <a:rPr lang="fr-CH" sz="1000" b="1" u="none" dirty="0" smtClean="0"/>
+              <a:t>Courbe de la vie des créature en fonction du niveau</a:t>
+            </a:r>
+            <a:endParaRPr lang="fr-CH" sz="1000" b="1" u="none" dirty="0"/>
           </a:p>
         </p:txBody>
       </p:sp>
@@ -13649,7 +13835,7 @@
                   </a:schemeClr>
                 </a:solidFill>
               </a:rPr>
-              <a:t>/11</a:t>
+              <a:t>/13</a:t>
             </a:r>
             <a:endParaRPr lang="fr-FR" dirty="0">
               <a:solidFill>
@@ -13692,7 +13878,7 @@
                 </a:solidFill>
               </a:rPr>
               <a:pPr/>
-              <a:t>17.01.2010</a:t>
+              <a:t>19.01.2010</a:t>
             </a:fld>
             <a:endParaRPr lang="fr-FR">
               <a:solidFill>
@@ -13791,7 +13977,35 @@
                 </a:effectLst>
                 <a:latin typeface="Trebuchet MS" pitchFamily="34" charset="0"/>
               </a:rPr>
-              <a:t>GRAPHE ET ALGORITHME ACPC (DIJKSTRA) [PIERRE-DO]</a:t>
+              <a:t>GRAPHE ET ALGORITHME ACPC (</a:t>
+            </a:r>
+            <a:r>
+              <a:rPr lang="fr-FR" sz="2000" b="1" u="none" dirty="0" err="1" smtClean="0">
+                <a:solidFill>
+                  <a:schemeClr val="bg1"/>
+                </a:solidFill>
+                <a:effectLst>
+                  <a:outerShdw blurRad="38100" dist="38100" dir="2700000" algn="tl">
+                    <a:srgbClr val="C0C0C0"/>
+                  </a:outerShdw>
+                </a:effectLst>
+                <a:latin typeface="Trebuchet MS" pitchFamily="34" charset="0"/>
+              </a:rPr>
+              <a:t>DIJKSTRA</a:t>
+            </a:r>
+            <a:r>
+              <a:rPr lang="fr-FR" sz="2000" b="1" u="none" dirty="0" smtClean="0">
+                <a:solidFill>
+                  <a:schemeClr val="bg1"/>
+                </a:solidFill>
+                <a:effectLst>
+                  <a:outerShdw blurRad="38100" dist="38100" dir="2700000" algn="tl">
+                    <a:srgbClr val="C0C0C0"/>
+                  </a:outerShdw>
+                </a:effectLst>
+                <a:latin typeface="Trebuchet MS" pitchFamily="34" charset="0"/>
+              </a:rPr>
+              <a:t>)</a:t>
             </a:r>
             <a:endParaRPr lang="fr-FR" sz="2000" b="1" u="none" dirty="0">
               <a:solidFill>
@@ -13809,14 +14023,190 @@
       </p:sp>
       <p:sp>
         <p:nvSpPr>
-          <p:cNvPr id="9" name="ZoneTexte 8"/>
+          <p:cNvPr id="10" name="ZoneTexte 9"/>
           <p:cNvSpPr txBox="1"/>
           <p:nvPr/>
         </p:nvSpPr>
         <p:spPr>
           <a:xfrm>
-            <a:off x="1285830" y="1775410"/>
-            <a:ext cx="2996333" cy="923330"/>
+            <a:off x="299979" y="1457298"/>
+            <a:ext cx="6253221" cy="3046988"/>
+          </a:xfrm>
+          <a:prstGeom prst="rect">
+            <a:avLst/>
+          </a:prstGeom>
+          <a:noFill/>
+        </p:spPr>
+        <p:txBody>
+          <a:bodyPr wrap="square" rtlCol="0">
+            <a:spAutoFit/>
+          </a:bodyPr>
+          <a:lstStyle/>
+          <a:p>
+            <a:pPr>
+              <a:spcAft>
+                <a:spcPts val="1200"/>
+              </a:spcAft>
+              <a:buFont typeface="Arial" pitchFamily="34" charset="0"/>
+              <a:buChar char="•"/>
+            </a:pPr>
+            <a:r>
+              <a:rPr lang="fr-CH" u="none" dirty="0" smtClean="0"/>
+              <a:t> Algorithme </a:t>
+            </a:r>
+            <a:r>
+              <a:rPr lang="fr-CH" u="none" dirty="0" err="1" smtClean="0"/>
+              <a:t>ACPC</a:t>
+            </a:r>
+            <a:r>
+              <a:rPr lang="fr-CH" u="none" dirty="0" smtClean="0"/>
+              <a:t>, également connu sous le nom </a:t>
+            </a:r>
+            <a:r>
+              <a:rPr lang="fr-CH" b="1" u="none" dirty="0" smtClean="0"/>
+              <a:t>d’Algorithme de </a:t>
+            </a:r>
+            <a:r>
+              <a:rPr lang="fr-CH" b="1" u="none" dirty="0" err="1" smtClean="0"/>
+              <a:t>Dijkstra</a:t>
+            </a:r>
+            <a:r>
+              <a:rPr lang="fr-CH" u="none" dirty="0" smtClean="0"/>
+              <a:t>.</a:t>
+            </a:r>
+          </a:p>
+          <a:p>
+            <a:pPr>
+              <a:spcAft>
+                <a:spcPts val="1200"/>
+              </a:spcAft>
+              <a:buFont typeface="Arial" pitchFamily="34" charset="0"/>
+              <a:buChar char="•"/>
+            </a:pPr>
+            <a:r>
+              <a:rPr lang="fr-CH" u="none" dirty="0" smtClean="0"/>
+              <a:t> Mis en forme par </a:t>
+            </a:r>
+            <a:r>
+              <a:rPr lang="fr-CH" u="none" dirty="0" err="1" smtClean="0"/>
+              <a:t>Edsger</a:t>
+            </a:r>
+            <a:r>
+              <a:rPr lang="fr-CH" u="none" dirty="0" smtClean="0"/>
+              <a:t> </a:t>
+            </a:r>
+            <a:r>
+              <a:rPr lang="fr-CH" u="none" dirty="0" err="1" smtClean="0"/>
+              <a:t>Dijkstra</a:t>
+            </a:r>
+            <a:r>
+              <a:rPr lang="fr-CH" u="none" dirty="0" smtClean="0"/>
+              <a:t>, mathématicien et informaticien Hollandais en </a:t>
+            </a:r>
+            <a:r>
+              <a:rPr lang="fr-CH" b="1" u="none" dirty="0" smtClean="0"/>
+              <a:t>1959</a:t>
+            </a:r>
+            <a:r>
+              <a:rPr lang="fr-CH" u="none" dirty="0" smtClean="0"/>
+              <a:t>.</a:t>
+            </a:r>
+          </a:p>
+          <a:p>
+            <a:pPr>
+              <a:spcAft>
+                <a:spcPts val="1200"/>
+              </a:spcAft>
+              <a:buFont typeface="Arial" pitchFamily="34" charset="0"/>
+              <a:buChar char="•"/>
+            </a:pPr>
+            <a:r>
+              <a:rPr lang="fr-CH" u="none" dirty="0" smtClean="0"/>
+              <a:t> Très largement rependu dans l’industrie et toutes les applications incluant des </a:t>
+            </a:r>
+            <a:r>
+              <a:rPr lang="fr-CH" b="1" u="none" dirty="0" smtClean="0"/>
+              <a:t>graphes</a:t>
+            </a:r>
+            <a:r>
+              <a:rPr lang="fr-CH" u="none" dirty="0" smtClean="0"/>
+              <a:t> (chemin le plus court d’une ville à l’autre, réseaux informatiques, </a:t>
+            </a:r>
+            <a:r>
+              <a:rPr lang="fr-CH" u="none" dirty="0" err="1" smtClean="0"/>
+              <a:t>etc</a:t>
+            </a:r>
+            <a:r>
+              <a:rPr lang="fr-CH" u="none" dirty="0" smtClean="0"/>
+              <a:t>…)</a:t>
+            </a:r>
+          </a:p>
+          <a:p>
+            <a:pPr>
+              <a:spcAft>
+                <a:spcPts val="1200"/>
+              </a:spcAft>
+              <a:buFont typeface="Arial" pitchFamily="34" charset="0"/>
+              <a:buChar char="•"/>
+            </a:pPr>
+            <a:r>
+              <a:rPr lang="fr-CH" u="none" dirty="0" smtClean="0"/>
+              <a:t> Complexité : </a:t>
+            </a:r>
+            <a:r>
+              <a:rPr lang="fr-CH" b="1" u="none" dirty="0" smtClean="0"/>
+              <a:t>O(x</a:t>
+            </a:r>
+            <a:r>
+              <a:rPr lang="fr-CH" b="1" u="none" baseline="30000" dirty="0" smtClean="0"/>
+              <a:t>2</a:t>
+            </a:r>
+            <a:r>
+              <a:rPr lang="fr-CH" b="1" u="none" dirty="0" smtClean="0"/>
+              <a:t>)</a:t>
+            </a:r>
+            <a:r>
+              <a:rPr lang="fr-CH" u="none" dirty="0" smtClean="0"/>
+              <a:t>, où x est le nombre de vertex dans le graphe.</a:t>
+            </a:r>
+            <a:endParaRPr lang="fr-CH" b="1" u="none" dirty="0" smtClean="0"/>
+          </a:p>
+        </p:txBody>
+      </p:sp>
+      <p:pic>
+        <p:nvPicPr>
+          <p:cNvPr id="11" name="Image 10" descr="150px-Edsger_Wybe_Dijkstra.jpg"/>
+          <p:cNvPicPr>
+            <a:picLocks noChangeAspect="1"/>
+          </p:cNvPicPr>
+          <p:nvPr/>
+        </p:nvPicPr>
+        <p:blipFill>
+          <a:blip r:embed="rId2" cstate="print"/>
+          <a:stretch>
+            <a:fillRect/>
+          </a:stretch>
+        </p:blipFill>
+        <p:spPr>
+          <a:xfrm>
+            <a:off x="6781800" y="1457298"/>
+            <a:ext cx="1905000" cy="2540000"/>
+          </a:xfrm>
+          <a:prstGeom prst="rect">
+            <a:avLst/>
+          </a:prstGeom>
+        </p:spPr>
+      </p:pic>
+      <p:sp>
+        <p:nvSpPr>
+          <p:cNvPr id="13" name="ZoneTexte 12"/>
+          <p:cNvSpPr txBox="1"/>
+          <p:nvPr/>
+        </p:nvSpPr>
+        <p:spPr>
+          <a:xfrm>
+            <a:off x="7054884" y="3997298"/>
+            <a:ext cx="1327608" cy="400110"/>
           </a:xfrm>
           <a:prstGeom prst="rect">
             <a:avLst/>
@@ -13829,45 +14219,100 @@
           </a:bodyPr>
           <a:lstStyle/>
           <a:p>
+            <a:pPr algn="ctr"/>
+            <a:r>
+              <a:rPr lang="fr-CH" sz="1000" b="1" u="none" dirty="0" err="1" smtClean="0"/>
+              <a:t>Edgster</a:t>
+            </a:r>
+            <a:r>
+              <a:rPr lang="fr-CH" sz="1000" b="1" u="none" dirty="0" smtClean="0"/>
+              <a:t> </a:t>
+            </a:r>
+            <a:r>
+              <a:rPr lang="fr-CH" sz="1000" b="1" u="none" dirty="0" err="1" smtClean="0"/>
+              <a:t>Dijkstra</a:t>
+            </a:r>
+            <a:endParaRPr lang="fr-CH" sz="1000" b="1" u="none" dirty="0" smtClean="0"/>
+          </a:p>
+          <a:p>
+            <a:pPr algn="ctr"/>
+            <a:r>
+              <a:rPr lang="fr-CH" sz="1000" b="1" u="none" dirty="0" smtClean="0"/>
+              <a:t>S</a:t>
+            </a:r>
+            <a:r>
+              <a:rPr lang="fr-CH" sz="1000" b="1" u="none" dirty="0" smtClean="0"/>
+              <a:t>ource : </a:t>
+            </a:r>
+            <a:r>
+              <a:rPr lang="fr-CH" sz="1000" b="1" u="none" dirty="0" err="1" smtClean="0"/>
+              <a:t>Wikipedia</a:t>
+            </a:r>
+            <a:endParaRPr lang="fr-CH" sz="1000" b="1" u="none" dirty="0"/>
+          </a:p>
+        </p:txBody>
+      </p:sp>
+      <p:sp>
+        <p:nvSpPr>
+          <p:cNvPr id="14" name="ZoneTexte 13"/>
+          <p:cNvSpPr txBox="1"/>
+          <p:nvPr/>
+        </p:nvSpPr>
+        <p:spPr>
+          <a:xfrm>
+            <a:off x="299979" y="4706955"/>
+            <a:ext cx="8544042" cy="1077218"/>
+          </a:xfrm>
+          <a:prstGeom prst="rect">
+            <a:avLst/>
+          </a:prstGeom>
+          <a:noFill/>
+        </p:spPr>
+        <p:txBody>
+          <a:bodyPr wrap="square" rtlCol="0">
+            <a:spAutoFit/>
+          </a:bodyPr>
+          <a:lstStyle/>
+          <a:p>
             <a:pPr>
+              <a:spcAft>
+                <a:spcPts val="1200"/>
+              </a:spcAft>
               <a:buFont typeface="Arial" pitchFamily="34" charset="0"/>
               <a:buChar char="•"/>
             </a:pPr>
             <a:r>
               <a:rPr lang="fr-CH" u="none" dirty="0" smtClean="0"/>
-              <a:t> Performant</a:t>
+              <a:t> Dans notre projet : utilisé dans le cadre d’un graphe pour calculer le chemin le plus court pour les créatures (</a:t>
+            </a:r>
+            <a:r>
+              <a:rPr lang="fr-CH" b="1" u="none" dirty="0" err="1" smtClean="0"/>
+              <a:t>pathfinding</a:t>
+            </a:r>
+            <a:r>
+              <a:rPr lang="fr-CH" u="none" dirty="0" smtClean="0"/>
+              <a:t>).</a:t>
             </a:r>
           </a:p>
           <a:p>
             <a:pPr>
+              <a:spcAft>
+                <a:spcPts val="1200"/>
+              </a:spcAft>
               <a:buFont typeface="Arial" pitchFamily="34" charset="0"/>
               <a:buChar char="•"/>
             </a:pPr>
             <a:r>
               <a:rPr lang="fr-CH" u="none" dirty="0" smtClean="0"/>
-              <a:t> </a:t>
+              <a:t> Implémentation : Par un package, </a:t>
+            </a:r>
+            <a:r>
+              <a:rPr lang="fr-CH" b="1" u="none" dirty="0" err="1" smtClean="0"/>
+              <a:t>JGraphT</a:t>
             </a:r>
             <a:r>
               <a:rPr lang="fr-CH" u="none" dirty="0" smtClean="0"/>
-              <a:t>Adapté</a:t>
-            </a:r>
-          </a:p>
-          <a:p>
-            <a:pPr>
-              <a:buFont typeface="Arial" pitchFamily="34" charset="0"/>
-              <a:buChar char="•"/>
-            </a:pPr>
-            <a:r>
-              <a:rPr lang="fr-CH" u="none" dirty="0" smtClean="0"/>
-              <a:t> </a:t>
-            </a:r>
-            <a:r>
-              <a:rPr lang="fr-CH" u="none" dirty="0" smtClean="0"/>
-              <a:t>Implémentation : </a:t>
-            </a:r>
-            <a:r>
-              <a:rPr lang="fr-CH" u="none" dirty="0" err="1" smtClean="0"/>
-              <a:t>JGraphT</a:t>
+              <a:t>.</a:t>
             </a:r>
             <a:endParaRPr lang="fr-CH" u="none" dirty="0"/>
           </a:p>
@@ -14082,7 +14527,7 @@
                   </a:schemeClr>
                 </a:solidFill>
               </a:rPr>
-              <a:t>/11</a:t>
+              <a:t>/13</a:t>
             </a:r>
             <a:endParaRPr lang="fr-FR" dirty="0">
               <a:solidFill>
@@ -14125,9 +14570,9 @@
                 </a:solidFill>
               </a:rPr>
               <a:pPr/>
-              <a:t>17.01.2010</a:t>
+              <a:t>19.01.2010</a:t>
             </a:fld>
-            <a:endParaRPr lang="fr-FR">
+            <a:endParaRPr lang="fr-FR" dirty="0">
               <a:solidFill>
                 <a:schemeClr val="tx1">
                   <a:lumMod val="65000"/>
@@ -14224,21 +14669,7 @@
                 </a:effectLst>
                 <a:latin typeface="Trebuchet MS" pitchFamily="34" charset="0"/>
               </a:rPr>
-              <a:t>MAILLAGE </a:t>
-            </a:r>
-            <a:r>
-              <a:rPr lang="fr-FR" sz="2000" b="1" u="none" dirty="0" smtClean="0">
-                <a:solidFill>
-                  <a:schemeClr val="bg1"/>
-                </a:solidFill>
-                <a:effectLst>
-                  <a:outerShdw blurRad="38100" dist="38100" dir="2700000" algn="tl">
-                    <a:srgbClr val="C0C0C0"/>
-                  </a:outerShdw>
-                </a:effectLst>
-                <a:latin typeface="Trebuchet MS" pitchFamily="34" charset="0"/>
-              </a:rPr>
-              <a:t>DYNAMIQUE : Organisation</a:t>
+              <a:t>MAILLAGE DYNAMIQUE : Organisation</a:t>
             </a:r>
             <a:endParaRPr lang="fr-FR" sz="2000" b="1" u="none" dirty="0">
               <a:solidFill>
@@ -14505,17 +14936,36 @@
             <p:ph type="dt" sz="half" idx="10"/>
           </p:nvPr>
         </p:nvSpPr>
-        <p:spPr/>
+        <p:spPr>
+          <a:xfrm>
+            <a:off x="457200" y="6384972"/>
+            <a:ext cx="2133600" cy="476250"/>
+          </a:xfrm>
+        </p:spPr>
         <p:txBody>
           <a:bodyPr/>
           <a:lstStyle/>
           <a:p>
             <a:fld id="{DE3EECC3-BAC3-4A29-8636-7743FF9A3806}" type="datetime1">
-              <a:rPr lang="fr-CH" smtClean="0"/>
+              <a:rPr lang="fr-CH" smtClean="0">
+                <a:solidFill>
+                  <a:schemeClr val="tx1">
+                    <a:lumMod val="65000"/>
+                    <a:lumOff val="35000"/>
+                  </a:schemeClr>
+                </a:solidFill>
+              </a:rPr>
               <a:pPr/>
-              <a:t>17.01.2010</a:t>
+              <a:t>19.01.2010</a:t>
             </a:fld>
-            <a:endParaRPr lang="fr-FR"/>
+            <a:endParaRPr lang="fr-FR" dirty="0">
+              <a:solidFill>
+                <a:schemeClr val="tx1">
+                  <a:lumMod val="65000"/>
+                  <a:lumOff val="35000"/>
+                </a:schemeClr>
+              </a:solidFill>
+            </a:endParaRPr>
           </a:p>
         </p:txBody>
       </p:sp>
@@ -14529,16 +14979,68 @@
             <p:ph type="ftr" sz="quarter" idx="11"/>
           </p:nvPr>
         </p:nvSpPr>
-        <p:spPr/>
+        <p:spPr>
+          <a:xfrm>
+            <a:off x="3124200" y="6384972"/>
+            <a:ext cx="2895600" cy="476250"/>
+          </a:xfrm>
+        </p:spPr>
         <p:txBody>
           <a:bodyPr/>
           <a:lstStyle/>
           <a:p>
             <a:r>
-              <a:rPr lang="fr-FR" smtClean="0"/>
-              <a:t>ADO - PPZ - LFH</a:t>
-            </a:r>
-            <a:endParaRPr lang="fr-FR"/>
+              <a:rPr lang="fr-FR" dirty="0" smtClean="0">
+                <a:solidFill>
+                  <a:schemeClr val="tx1">
+                    <a:lumMod val="65000"/>
+                    <a:lumOff val="35000"/>
+                  </a:schemeClr>
+                </a:solidFill>
+              </a:rPr>
+              <a:t>ADO - </a:t>
+            </a:r>
+            <a:r>
+              <a:rPr lang="fr-FR" dirty="0" err="1" smtClean="0">
+                <a:solidFill>
+                  <a:schemeClr val="tx1">
+                    <a:lumMod val="65000"/>
+                    <a:lumOff val="35000"/>
+                  </a:schemeClr>
+                </a:solidFill>
+              </a:rPr>
+              <a:t>PPZ</a:t>
+            </a:r>
+            <a:r>
+              <a:rPr lang="fr-FR" dirty="0" smtClean="0">
+                <a:solidFill>
+                  <a:schemeClr val="tx1">
+                    <a:lumMod val="65000"/>
+                    <a:lumOff val="35000"/>
+                  </a:schemeClr>
+                </a:solidFill>
+              </a:rPr>
+              <a:t> - </a:t>
+            </a:r>
+            <a:r>
+              <a:rPr lang="fr-FR" dirty="0" err="1" smtClean="0">
+                <a:solidFill>
+                  <a:schemeClr val="tx1">
+                    <a:lumMod val="65000"/>
+                    <a:lumOff val="35000"/>
+                  </a:schemeClr>
+                </a:solidFill>
+              </a:rPr>
+              <a:t>LFH</a:t>
+            </a:r>
+            <a:endParaRPr lang="fr-FR" dirty="0">
+              <a:solidFill>
+                <a:schemeClr val="tx1">
+                  <a:lumMod val="65000"/>
+                  <a:lumOff val="35000"/>
+                </a:schemeClr>
+              </a:solidFill>
+            </a:endParaRPr>
           </a:p>
         </p:txBody>
       </p:sp>
@@ -14552,17 +15054,47 @@
             <p:ph type="sldNum" sz="quarter" idx="12"/>
           </p:nvPr>
         </p:nvSpPr>
-        <p:spPr/>
+        <p:spPr>
+          <a:xfrm>
+            <a:off x="6553200" y="6384972"/>
+            <a:ext cx="2133600" cy="476250"/>
+          </a:xfrm>
+        </p:spPr>
         <p:txBody>
           <a:bodyPr/>
           <a:lstStyle/>
           <a:p>
             <a:fld id="{420F5742-7484-4AFF-BE5C-C36DF30CE89D}" type="slidenum">
-              <a:rPr lang="fr-FR" smtClean="0"/>
+              <a:rPr lang="fr-FR" smtClean="0">
+                <a:solidFill>
+                  <a:schemeClr val="tx1">
+                    <a:lumMod val="65000"/>
+                    <a:lumOff val="35000"/>
+                  </a:schemeClr>
+                </a:solidFill>
+              </a:rPr>
               <a:pPr/>
               <a:t>8</a:t>
             </a:fld>
-            <a:endParaRPr lang="fr-FR"/>
+            <a:r>
+              <a:rPr lang="fr-FR" dirty="0" smtClean="0">
+                <a:solidFill>
+                  <a:schemeClr val="tx1">
+                    <a:lumMod val="65000"/>
+                    <a:lumOff val="35000"/>
+                  </a:schemeClr>
+                </a:solidFill>
+              </a:rPr>
+              <a:t>/13</a:t>
+            </a:r>
+            <a:endParaRPr lang="fr-FR" dirty="0">
+              <a:solidFill>
+                <a:schemeClr val="tx1">
+                  <a:lumMod val="65000"/>
+                  <a:lumOff val="35000"/>
+                </a:schemeClr>
+              </a:solidFill>
+            </a:endParaRPr>
           </a:p>
         </p:txBody>
       </p:sp>
@@ -14698,21 +15230,7 @@
                 </a:effectLst>
                 <a:latin typeface="Trebuchet MS" pitchFamily="34" charset="0"/>
               </a:rPr>
-              <a:t>MAILLAGE </a:t>
-            </a:r>
-            <a:r>
-              <a:rPr lang="fr-FR" sz="2000" b="1" u="none" dirty="0" smtClean="0">
-                <a:solidFill>
-                  <a:schemeClr val="bg1"/>
-                </a:solidFill>
-                <a:effectLst>
-                  <a:outerShdw blurRad="38100" dist="38100" dir="2700000" algn="tl">
-                    <a:srgbClr val="C0C0C0"/>
-                  </a:outerShdw>
-                </a:effectLst>
-                <a:latin typeface="Trebuchet MS" pitchFamily="34" charset="0"/>
-              </a:rPr>
-              <a:t>DYNAMIQUE : Opérations</a:t>
+              <a:t>MAILLAGE DYNAMIQUE : Opérations</a:t>
             </a:r>
             <a:endParaRPr lang="fr-FR" sz="2000" b="1" u="none" dirty="0">
               <a:solidFill>
@@ -14776,11 +15294,7 @@
             </a:pPr>
             <a:r>
               <a:rPr lang="fr-CH" u="none" dirty="0" smtClean="0"/>
-              <a:t> </a:t>
-            </a:r>
-            <a:r>
-              <a:rPr lang="fr-CH" u="none" dirty="0" smtClean="0"/>
-              <a:t>Désactivation d’une zone</a:t>
+              <a:t> Désactivation d’une zone</a:t>
             </a:r>
           </a:p>
           <a:p>
@@ -14875,11 +15389,7 @@
             </a:pPr>
             <a:r>
               <a:rPr lang="fr-CH" u="none" dirty="0" smtClean="0"/>
-              <a:t> </a:t>
-            </a:r>
-            <a:r>
-              <a:rPr lang="fr-CH" u="none" dirty="0" smtClean="0"/>
-              <a:t>Recherche du chemin le plus court</a:t>
+              <a:t> Recherche du chemin le plus court</a:t>
             </a:r>
           </a:p>
           <a:p>
@@ -14910,11 +15420,7 @@
             </a:pPr>
             <a:r>
               <a:rPr lang="fr-CH" u="none" dirty="0" smtClean="0"/>
-              <a:t> </a:t>
-            </a:r>
-            <a:r>
-              <a:rPr lang="fr-CH" u="none" dirty="0" smtClean="0"/>
-              <a:t>Liste des nœuds et des arcs</a:t>
+              <a:t> Liste des nœuds et des arcs</a:t>
             </a:r>
           </a:p>
           <a:p>
@@ -17711,6 +18217,51 @@
           </p:txBody>
         </p:sp>
       </p:grpSp>
+      <p:sp>
+        <p:nvSpPr>
+          <p:cNvPr id="104" name="Rectangle 34"/>
+          <p:cNvSpPr>
+            <a:spLocks noChangeArrowheads="1"/>
+          </p:cNvSpPr>
+          <p:nvPr/>
+        </p:nvSpPr>
+        <p:spPr bwMode="auto">
+          <a:xfrm>
+            <a:off x="0" y="6632622"/>
+            <a:ext cx="9144000" cy="228600"/>
+          </a:xfrm>
+          <a:prstGeom prst="rect">
+            <a:avLst/>
+          </a:prstGeom>
+          <a:gradFill rotWithShape="1">
+            <a:gsLst>
+              <a:gs pos="0">
+                <a:srgbClr val="DDDDDD">
+                  <a:alpha val="0"/>
+                </a:srgbClr>
+              </a:gs>
+              <a:gs pos="100000">
+                <a:srgbClr val="767676"/>
+              </a:gs>
+            </a:gsLst>
+            <a:lin ang="5400000" scaled="1"/>
+          </a:gradFill>
+          <a:ln w="9525">
+            <a:noFill/>
+            <a:miter lim="800000"/>
+            <a:headEnd/>
+            <a:tailEnd/>
+          </a:ln>
+          <a:effectLst/>
+        </p:spPr>
+        <p:txBody>
+          <a:bodyPr wrap="none" anchor="ctr"/>
+          <a:lstStyle/>
+          <a:p>
+            <a:endParaRPr lang="fr-CH"/>
+          </a:p>
+        </p:txBody>
+      </p:sp>
     </p:spTree>
   </p:cSld>
   <p:clrMapOvr>
@@ -17913,7 +18464,7 @@
                   </a:schemeClr>
                 </a:solidFill>
               </a:rPr>
-              <a:t>/11</a:t>
+              <a:t>/13</a:t>
             </a:r>
             <a:endParaRPr lang="fr-FR" dirty="0">
               <a:solidFill>
@@ -17956,7 +18507,7 @@
                 </a:solidFill>
               </a:rPr>
               <a:pPr/>
-              <a:t>17.01.2010</a:t>
+              <a:t>19.01.2010</a:t>
             </a:fld>
             <a:endParaRPr lang="fr-FR">
               <a:solidFill>

--- a/documents/presentation.pptx
+++ b/documents/presentation.pptx
@@ -1199,9 +1199,9 @@
     <dgm:cxn modelId="{89BC57FA-AE10-482F-927F-71A8D556A19E}" srcId="{039ECC2C-7749-4EFF-9017-2771A9E53934}" destId="{EC67C51C-2E21-4800-A04E-39504433E3CE}" srcOrd="0" destOrd="0" parTransId="{C1FB9566-B4E8-4DCE-AA97-C86B1060BCA8}" sibTransId="{0FEF8533-E849-4364-84C8-3F62C15EBE3F}"/>
     <dgm:cxn modelId="{EB811B70-8E2D-44FE-92B9-8C27C1CDB080}" type="presOf" srcId="{1472A273-CA92-469C-9505-C150B6F56774}" destId="{80215751-409B-4988-A436-B358FBA1052E}" srcOrd="0" destOrd="0" presId="urn:microsoft.com/office/officeart/2005/8/layout/hierarchy4"/>
     <dgm:cxn modelId="{7703D9C7-FD49-4123-85A9-5B14F944AD2A}" srcId="{1472A273-CA92-469C-9505-C150B6F56774}" destId="{124BD719-1FAB-4AF2-99EF-85E2B6A01D1F}" srcOrd="1" destOrd="0" parTransId="{80709401-ACB8-48D0-8A81-60AA27C59D14}" sibTransId="{DAB5BDF0-7940-4913-A7DC-025BC823385F}"/>
+    <dgm:cxn modelId="{3F9F2067-1FE7-4E78-8B69-DB5540F4B3FE}" srcId="{EC67C51C-2E21-4800-A04E-39504433E3CE}" destId="{1472A273-CA92-469C-9505-C150B6F56774}" srcOrd="0" destOrd="0" parTransId="{17F06AE8-5589-4E05-8B1A-55E0A3EF5811}" sibTransId="{60AC5C1C-844A-4377-9E87-98CBB6779E2C}"/>
     <dgm:cxn modelId="{A90410F8-B3A1-4B16-B600-E6C6395327BE}" type="presOf" srcId="{EC67C51C-2E21-4800-A04E-39504433E3CE}" destId="{470D3EA4-1484-4E8B-8647-42FEE815609D}" srcOrd="0" destOrd="0" presId="urn:microsoft.com/office/officeart/2005/8/layout/hierarchy4"/>
     <dgm:cxn modelId="{1C06BC75-856D-4D44-97D8-A8932F914CC7}" type="presOf" srcId="{90CADE53-B192-4AAE-BED5-36EB581619C5}" destId="{5AFE3CD8-342E-49ED-A2B7-C727E61913F6}" srcOrd="0" destOrd="0" presId="urn:microsoft.com/office/officeart/2005/8/layout/hierarchy4"/>
-    <dgm:cxn modelId="{3F9F2067-1FE7-4E78-8B69-DB5540F4B3FE}" srcId="{EC67C51C-2E21-4800-A04E-39504433E3CE}" destId="{1472A273-CA92-469C-9505-C150B6F56774}" srcOrd="0" destOrd="0" parTransId="{17F06AE8-5589-4E05-8B1A-55E0A3EF5811}" sibTransId="{60AC5C1C-844A-4377-9E87-98CBB6779E2C}"/>
     <dgm:cxn modelId="{3B962616-047D-4C68-8DFA-1B0C1FC1AB1A}" type="presOf" srcId="{039ECC2C-7749-4EFF-9017-2771A9E53934}" destId="{4FB47F87-36CB-4205-AA60-DBA75FA52CEA}" srcOrd="0" destOrd="0" presId="urn:microsoft.com/office/officeart/2005/8/layout/hierarchy4"/>
     <dgm:cxn modelId="{7B9DA742-F807-4C9A-8B8D-25B0B94CA8A1}" type="presParOf" srcId="{4FB47F87-36CB-4205-AA60-DBA75FA52CEA}" destId="{2A8147CC-483C-42DD-8065-9F64F5AA4446}" srcOrd="0" destOrd="0" presId="urn:microsoft.com/office/officeart/2005/8/layout/hierarchy4"/>
     <dgm:cxn modelId="{252A1B45-733F-41E1-9D3B-6B1D93CDEF06}" type="presParOf" srcId="{2A8147CC-483C-42DD-8065-9F64F5AA4446}" destId="{470D3EA4-1484-4E8B-8647-42FEE815609D}" srcOrd="0" destOrd="0" presId="urn:microsoft.com/office/officeart/2005/8/layout/hierarchy4"/>
@@ -13138,21 +13138,7 @@
                 </a:effectLst>
                 <a:latin typeface="Trebuchet MS" pitchFamily="34" charset="0"/>
               </a:rPr>
-              <a:t>CONCEPTS </a:t>
-            </a:r>
-            <a:r>
-              <a:rPr lang="fr-FR" sz="2000" b="1" u="none" dirty="0" smtClean="0">
-                <a:solidFill>
-                  <a:schemeClr val="bg1"/>
-                </a:solidFill>
-                <a:effectLst>
-                  <a:outerShdw blurRad="38100" dist="38100" dir="2700000" algn="tl">
-                    <a:srgbClr val="C0C0C0"/>
-                  </a:outerShdw>
-                </a:effectLst>
-                <a:latin typeface="Trebuchet MS" pitchFamily="34" charset="0"/>
-              </a:rPr>
-              <a:t>ALGORITHMIQUES</a:t>
+              <a:t>CONCEPTS ALGORITHMIQUES</a:t>
             </a:r>
             <a:endParaRPr lang="fr-FR" sz="2000" b="1" u="none" dirty="0">
               <a:solidFill>
@@ -13442,7 +13428,6 @@
               <a:rPr lang="fr-CH" u="none" dirty="0" smtClean="0"/>
               <a:t>du projet.</a:t>
             </a:r>
-            <a:endParaRPr lang="fr-CH" u="none" dirty="0" smtClean="0"/>
           </a:p>
           <a:p>
             <a:pPr>
@@ -13454,11 +13439,7 @@
             </a:pPr>
             <a:r>
               <a:rPr lang="fr-CH" u="none" dirty="0" smtClean="0"/>
-              <a:t> </a:t>
-            </a:r>
-            <a:r>
-              <a:rPr lang="fr-CH" u="none" dirty="0" smtClean="0"/>
-              <a:t>Algorithmes </a:t>
+              <a:t> Algorithmes </a:t>
             </a:r>
             <a:r>
               <a:rPr lang="fr-CH" b="1" u="none" dirty="0" smtClean="0"/>
@@ -13482,13 +13463,8 @@
             </a:r>
             <a:r>
               <a:rPr lang="fr-CH" u="none" dirty="0" smtClean="0"/>
-              <a:t>…</a:t>
-            </a:r>
-            <a:r>
-              <a:rPr lang="fr-CH" u="none" dirty="0" smtClean="0"/>
-              <a:t>)</a:t>
-            </a:r>
-            <a:endParaRPr lang="fr-CH" u="none" dirty="0" smtClean="0"/>
+              <a:t>…)</a:t>
+            </a:r>
           </a:p>
           <a:p>
             <a:pPr>
@@ -13500,11 +13476,7 @@
             </a:pPr>
             <a:r>
               <a:rPr lang="fr-CH" u="none" dirty="0" smtClean="0"/>
-              <a:t> </a:t>
-            </a:r>
-            <a:r>
-              <a:rPr lang="fr-CH" u="none" dirty="0" smtClean="0"/>
-              <a:t>Algorithmes </a:t>
+              <a:t> Algorithmes </a:t>
             </a:r>
             <a:r>
               <a:rPr lang="fr-CH" b="1" u="none" dirty="0" smtClean="0"/>
@@ -13512,11 +13484,7 @@
             </a:r>
             <a:r>
               <a:rPr lang="fr-CH" u="none" dirty="0" smtClean="0"/>
-              <a:t> </a:t>
-            </a:r>
-            <a:r>
-              <a:rPr lang="fr-CH" u="none" dirty="0" smtClean="0"/>
-              <a:t>(Génération des valeurs relatives au jeu, comme la vie des créature, le prix des tours, les </a:t>
+              <a:t> (Génération des valeurs relatives au jeu, comme la vie des créature, le prix des tours, les </a:t>
             </a:r>
             <a:r>
               <a:rPr lang="fr-CH" u="none" dirty="0" err="1" smtClean="0"/>
@@ -13545,11 +13513,7 @@
             </a:pPr>
             <a:r>
               <a:rPr lang="fr-CH" u="none" dirty="0" smtClean="0"/>
-              <a:t> </a:t>
-            </a:r>
-            <a:r>
-              <a:rPr lang="fr-CH" u="none" dirty="0" smtClean="0"/>
-              <a:t>Structure mise en place dans l’optique d’utiliser un algorithme défini au </a:t>
+              <a:t> Structure mise en place dans l’optique d’utiliser un algorithme défini au </a:t>
             </a:r>
             <a:r>
               <a:rPr lang="fr-CH" b="1" u="none" dirty="0" smtClean="0"/>
@@ -13567,7 +13531,6 @@
               <a:rPr lang="fr-CH" u="none" dirty="0" smtClean="0"/>
               <a:t>.</a:t>
             </a:r>
-            <a:endParaRPr lang="fr-CH" u="none" dirty="0" smtClean="0"/>
           </a:p>
         </p:txBody>
       </p:sp>
@@ -14195,6 +14158,16 @@
           <a:prstGeom prst="rect">
             <a:avLst/>
           </a:prstGeom>
+          <a:ln>
+            <a:noFill/>
+          </a:ln>
+          <a:effectLst>
+            <a:outerShdw blurRad="292100" dist="139700" dir="2700000" algn="tl" rotWithShape="0">
+              <a:srgbClr val="333333">
+                <a:alpha val="65000"/>
+              </a:srgbClr>
+            </a:outerShdw>
+          </a:effectLst>
         </p:spPr>
       </p:pic>
       <p:sp>
@@ -14238,11 +14211,7 @@
             <a:pPr algn="ctr"/>
             <a:r>
               <a:rPr lang="fr-CH" sz="1000" b="1" u="none" dirty="0" smtClean="0"/>
-              <a:t>S</a:t>
-            </a:r>
-            <a:r>
-              <a:rPr lang="fr-CH" sz="1000" b="1" u="none" dirty="0" smtClean="0"/>
-              <a:t>ource : </a:t>
+              <a:t>Source : </a:t>
             </a:r>
             <a:r>
               <a:rPr lang="fr-CH" sz="1000" b="1" u="none" dirty="0" err="1" smtClean="0"/>

--- a/documents/presentation.pptx
+++ b/documents/presentation.pptx
@@ -1199,9 +1199,9 @@
     <dgm:cxn modelId="{89BC57FA-AE10-482F-927F-71A8D556A19E}" srcId="{039ECC2C-7749-4EFF-9017-2771A9E53934}" destId="{EC67C51C-2E21-4800-A04E-39504433E3CE}" srcOrd="0" destOrd="0" parTransId="{C1FB9566-B4E8-4DCE-AA97-C86B1060BCA8}" sibTransId="{0FEF8533-E849-4364-84C8-3F62C15EBE3F}"/>
     <dgm:cxn modelId="{EB811B70-8E2D-44FE-92B9-8C27C1CDB080}" type="presOf" srcId="{1472A273-CA92-469C-9505-C150B6F56774}" destId="{80215751-409B-4988-A436-B358FBA1052E}" srcOrd="0" destOrd="0" presId="urn:microsoft.com/office/officeart/2005/8/layout/hierarchy4"/>
     <dgm:cxn modelId="{7703D9C7-FD49-4123-85A9-5B14F944AD2A}" srcId="{1472A273-CA92-469C-9505-C150B6F56774}" destId="{124BD719-1FAB-4AF2-99EF-85E2B6A01D1F}" srcOrd="1" destOrd="0" parTransId="{80709401-ACB8-48D0-8A81-60AA27C59D14}" sibTransId="{DAB5BDF0-7940-4913-A7DC-025BC823385F}"/>
-    <dgm:cxn modelId="{3F9F2067-1FE7-4E78-8B69-DB5540F4B3FE}" srcId="{EC67C51C-2E21-4800-A04E-39504433E3CE}" destId="{1472A273-CA92-469C-9505-C150B6F56774}" srcOrd="0" destOrd="0" parTransId="{17F06AE8-5589-4E05-8B1A-55E0A3EF5811}" sibTransId="{60AC5C1C-844A-4377-9E87-98CBB6779E2C}"/>
     <dgm:cxn modelId="{A90410F8-B3A1-4B16-B600-E6C6395327BE}" type="presOf" srcId="{EC67C51C-2E21-4800-A04E-39504433E3CE}" destId="{470D3EA4-1484-4E8B-8647-42FEE815609D}" srcOrd="0" destOrd="0" presId="urn:microsoft.com/office/officeart/2005/8/layout/hierarchy4"/>
     <dgm:cxn modelId="{1C06BC75-856D-4D44-97D8-A8932F914CC7}" type="presOf" srcId="{90CADE53-B192-4AAE-BED5-36EB581619C5}" destId="{5AFE3CD8-342E-49ED-A2B7-C727E61913F6}" srcOrd="0" destOrd="0" presId="urn:microsoft.com/office/officeart/2005/8/layout/hierarchy4"/>
+    <dgm:cxn modelId="{3F9F2067-1FE7-4E78-8B69-DB5540F4B3FE}" srcId="{EC67C51C-2E21-4800-A04E-39504433E3CE}" destId="{1472A273-CA92-469C-9505-C150B6F56774}" srcOrd="0" destOrd="0" parTransId="{17F06AE8-5589-4E05-8B1A-55E0A3EF5811}" sibTransId="{60AC5C1C-844A-4377-9E87-98CBB6779E2C}"/>
     <dgm:cxn modelId="{3B962616-047D-4C68-8DFA-1B0C1FC1AB1A}" type="presOf" srcId="{039ECC2C-7749-4EFF-9017-2771A9E53934}" destId="{4FB47F87-36CB-4205-AA60-DBA75FA52CEA}" srcOrd="0" destOrd="0" presId="urn:microsoft.com/office/officeart/2005/8/layout/hierarchy4"/>
     <dgm:cxn modelId="{7B9DA742-F807-4C9A-8B8D-25B0B94CA8A1}" type="presParOf" srcId="{4FB47F87-36CB-4205-AA60-DBA75FA52CEA}" destId="{2A8147CC-483C-42DD-8065-9F64F5AA4446}" srcOrd="0" destOrd="0" presId="urn:microsoft.com/office/officeart/2005/8/layout/hierarchy4"/>
     <dgm:cxn modelId="{252A1B45-733F-41E1-9D3B-6B1D93CDEF06}" type="presParOf" srcId="{2A8147CC-483C-42DD-8065-9F64F5AA4446}" destId="{470D3EA4-1484-4E8B-8647-42FEE815609D}" srcOrd="0" destOrd="0" presId="urn:microsoft.com/office/officeart/2005/8/layout/hierarchy4"/>
@@ -3316,7 +3316,7 @@
             </a:lvl1pPr>
           </a:lstStyle>
           <a:p>
-            <a:endParaRPr lang="fr-CH"/>
+            <a:endParaRPr lang="fr-CH" dirty="0"/>
           </a:p>
         </p:txBody>
       </p:sp>
@@ -3352,7 +3352,7 @@
               <a:pPr/>
               <a:t>19/01/2010</a:t>
             </a:fld>
-            <a:endParaRPr lang="fr-CH"/>
+            <a:endParaRPr lang="fr-CH" dirty="0"/>
           </a:p>
         </p:txBody>
       </p:sp>
@@ -3385,7 +3385,7 @@
           <a:bodyPr vert="horz" lIns="91440" tIns="45720" rIns="91440" bIns="45720" rtlCol="0" anchor="ctr"/>
           <a:lstStyle/>
           <a:p>
-            <a:endParaRPr lang="fr-CH"/>
+            <a:endParaRPr lang="fr-CH" dirty="0"/>
           </a:p>
         </p:txBody>
       </p:sp>
@@ -3478,7 +3478,7 @@
             </a:lvl1pPr>
           </a:lstStyle>
           <a:p>
-            <a:endParaRPr lang="fr-CH"/>
+            <a:endParaRPr lang="fr-CH" dirty="0"/>
           </a:p>
         </p:txBody>
       </p:sp>
@@ -3514,7 +3514,7 @@
               <a:pPr/>
               <a:t>‹N°›</a:t>
             </a:fld>
-            <a:endParaRPr lang="fr-CH"/>
+            <a:endParaRPr lang="fr-CH" dirty="0"/>
           </a:p>
         </p:txBody>
       </p:sp>
@@ -3914,7 +3914,7 @@
               <a:pPr/>
               <a:t>19.01.2010</a:t>
             </a:fld>
-            <a:endParaRPr lang="fr-FR"/>
+            <a:endParaRPr lang="fr-FR" dirty="0"/>
           </a:p>
         </p:txBody>
       </p:sp>
@@ -3938,10 +3938,10 @@
           </a:lstStyle>
           <a:p>
             <a:r>
-              <a:rPr lang="fr-FR" smtClean="0"/>
+              <a:rPr lang="fr-FR" dirty="0" smtClean="0"/>
               <a:t>ADO - PPZ - LFH</a:t>
             </a:r>
-            <a:endParaRPr lang="fr-FR"/>
+            <a:endParaRPr lang="fr-FR" dirty="0"/>
           </a:p>
         </p:txBody>
       </p:sp>
@@ -3969,7 +3969,7 @@
               <a:pPr/>
               <a:t>‹N°›</a:t>
             </a:fld>
-            <a:endParaRPr lang="fr-FR"/>
+            <a:endParaRPr lang="fr-FR" dirty="0"/>
           </a:p>
         </p:txBody>
       </p:sp>
@@ -4100,7 +4100,7 @@
               <a:pPr/>
               <a:t>19.01.2010</a:t>
             </a:fld>
-            <a:endParaRPr lang="fr-FR"/>
+            <a:endParaRPr lang="fr-FR" dirty="0"/>
           </a:p>
         </p:txBody>
       </p:sp>
@@ -4124,10 +4124,10 @@
           </a:lstStyle>
           <a:p>
             <a:r>
-              <a:rPr lang="fr-FR" smtClean="0"/>
+              <a:rPr lang="fr-FR" dirty="0" smtClean="0"/>
               <a:t>ADO - PPZ - LFH</a:t>
             </a:r>
-            <a:endParaRPr lang="fr-FR"/>
+            <a:endParaRPr lang="fr-FR" dirty="0"/>
           </a:p>
         </p:txBody>
       </p:sp>
@@ -4155,7 +4155,7 @@
               <a:pPr/>
               <a:t>‹N°›</a:t>
             </a:fld>
-            <a:endParaRPr lang="fr-FR"/>
+            <a:endParaRPr lang="fr-FR" dirty="0"/>
           </a:p>
         </p:txBody>
       </p:sp>
@@ -4296,7 +4296,7 @@
               <a:pPr/>
               <a:t>19.01.2010</a:t>
             </a:fld>
-            <a:endParaRPr lang="fr-FR"/>
+            <a:endParaRPr lang="fr-FR" dirty="0"/>
           </a:p>
         </p:txBody>
       </p:sp>
@@ -4320,10 +4320,10 @@
           </a:lstStyle>
           <a:p>
             <a:r>
-              <a:rPr lang="fr-FR" smtClean="0"/>
+              <a:rPr lang="fr-FR" dirty="0" smtClean="0"/>
               <a:t>ADO - PPZ - LFH</a:t>
             </a:r>
-            <a:endParaRPr lang="fr-FR"/>
+            <a:endParaRPr lang="fr-FR" dirty="0"/>
           </a:p>
         </p:txBody>
       </p:sp>
@@ -4351,7 +4351,7 @@
               <a:pPr/>
               <a:t>‹N°›</a:t>
             </a:fld>
-            <a:endParaRPr lang="fr-FR"/>
+            <a:endParaRPr lang="fr-FR" dirty="0"/>
           </a:p>
         </p:txBody>
       </p:sp>
@@ -4611,7 +4611,7 @@
               <a:pPr/>
               <a:t>19.01.2010</a:t>
             </a:fld>
-            <a:endParaRPr lang="fr-FR"/>
+            <a:endParaRPr lang="fr-FR" dirty="0"/>
           </a:p>
         </p:txBody>
       </p:sp>
@@ -4640,10 +4640,10 @@
           </a:lstStyle>
           <a:p>
             <a:r>
-              <a:rPr lang="fr-FR" smtClean="0"/>
+              <a:rPr lang="fr-FR" dirty="0" smtClean="0"/>
               <a:t>ADO - PPZ - LFH</a:t>
             </a:r>
-            <a:endParaRPr lang="fr-FR"/>
+            <a:endParaRPr lang="fr-FR" dirty="0"/>
           </a:p>
         </p:txBody>
       </p:sp>
@@ -4676,7 +4676,7 @@
               <a:pPr/>
               <a:t>‹N°›</a:t>
             </a:fld>
-            <a:endParaRPr lang="fr-FR"/>
+            <a:endParaRPr lang="fr-FR" dirty="0"/>
           </a:p>
         </p:txBody>
       </p:sp>
@@ -4794,7 +4794,7 @@
               <a:pPr/>
               <a:t>19.01.2010</a:t>
             </a:fld>
-            <a:endParaRPr lang="fr-FR"/>
+            <a:endParaRPr lang="fr-FR" dirty="0"/>
           </a:p>
         </p:txBody>
       </p:sp>
@@ -4823,10 +4823,10 @@
           </a:lstStyle>
           <a:p>
             <a:r>
-              <a:rPr lang="fr-FR" smtClean="0"/>
+              <a:rPr lang="fr-FR" dirty="0" smtClean="0"/>
               <a:t>ADO - PPZ - LFH</a:t>
             </a:r>
-            <a:endParaRPr lang="fr-FR"/>
+            <a:endParaRPr lang="fr-FR" dirty="0"/>
           </a:p>
         </p:txBody>
       </p:sp>
@@ -4859,7 +4859,7 @@
               <a:pPr/>
               <a:t>‹N°›</a:t>
             </a:fld>
-            <a:endParaRPr lang="fr-FR"/>
+            <a:endParaRPr lang="fr-FR" dirty="0"/>
           </a:p>
         </p:txBody>
       </p:sp>
@@ -4990,7 +4990,7 @@
               <a:pPr/>
               <a:t>19.01.2010</a:t>
             </a:fld>
-            <a:endParaRPr lang="fr-FR"/>
+            <a:endParaRPr lang="fr-FR" dirty="0"/>
           </a:p>
         </p:txBody>
       </p:sp>
@@ -5014,10 +5014,10 @@
           </a:lstStyle>
           <a:p>
             <a:r>
-              <a:rPr lang="fr-FR" smtClean="0"/>
+              <a:rPr lang="fr-FR" dirty="0" smtClean="0"/>
               <a:t>ADO - PPZ - LFH</a:t>
             </a:r>
-            <a:endParaRPr lang="fr-FR"/>
+            <a:endParaRPr lang="fr-FR" dirty="0"/>
           </a:p>
         </p:txBody>
       </p:sp>
@@ -5045,7 +5045,7 @@
               <a:pPr/>
               <a:t>‹N°›</a:t>
             </a:fld>
-            <a:endParaRPr lang="fr-FR"/>
+            <a:endParaRPr lang="fr-FR" dirty="0"/>
           </a:p>
         </p:txBody>
       </p:sp>
@@ -5198,7 +5198,7 @@
               <a:pPr/>
               <a:t>19.01.2010</a:t>
             </a:fld>
-            <a:endParaRPr lang="fr-FR"/>
+            <a:endParaRPr lang="fr-FR" dirty="0"/>
           </a:p>
         </p:txBody>
       </p:sp>
@@ -5222,10 +5222,10 @@
           </a:lstStyle>
           <a:p>
             <a:r>
-              <a:rPr lang="fr-FR" smtClean="0"/>
+              <a:rPr lang="fr-FR" dirty="0" smtClean="0"/>
               <a:t>ADO - PPZ - LFH</a:t>
             </a:r>
-            <a:endParaRPr lang="fr-FR"/>
+            <a:endParaRPr lang="fr-FR" dirty="0"/>
           </a:p>
         </p:txBody>
       </p:sp>
@@ -5253,7 +5253,7 @@
               <a:pPr/>
               <a:t>‹N°›</a:t>
             </a:fld>
-            <a:endParaRPr lang="fr-FR"/>
+            <a:endParaRPr lang="fr-FR" dirty="0"/>
           </a:p>
         </p:txBody>
       </p:sp>
@@ -5502,7 +5502,7 @@
               <a:pPr/>
               <a:t>19.01.2010</a:t>
             </a:fld>
-            <a:endParaRPr lang="fr-FR"/>
+            <a:endParaRPr lang="fr-FR" dirty="0"/>
           </a:p>
         </p:txBody>
       </p:sp>
@@ -5526,10 +5526,10 @@
           </a:lstStyle>
           <a:p>
             <a:r>
-              <a:rPr lang="fr-FR" smtClean="0"/>
+              <a:rPr lang="fr-FR" dirty="0" smtClean="0"/>
               <a:t>ADO - PPZ - LFH</a:t>
             </a:r>
-            <a:endParaRPr lang="fr-FR"/>
+            <a:endParaRPr lang="fr-FR" dirty="0"/>
           </a:p>
         </p:txBody>
       </p:sp>
@@ -5557,7 +5557,7 @@
               <a:pPr/>
               <a:t>‹N°›</a:t>
             </a:fld>
-            <a:endParaRPr lang="fr-FR"/>
+            <a:endParaRPr lang="fr-FR" dirty="0"/>
           </a:p>
         </p:txBody>
       </p:sp>
@@ -5940,7 +5940,7 @@
               <a:pPr/>
               <a:t>19.01.2010</a:t>
             </a:fld>
-            <a:endParaRPr lang="fr-FR"/>
+            <a:endParaRPr lang="fr-FR" dirty="0"/>
           </a:p>
         </p:txBody>
       </p:sp>
@@ -5964,10 +5964,10 @@
           </a:lstStyle>
           <a:p>
             <a:r>
-              <a:rPr lang="fr-FR" smtClean="0"/>
+              <a:rPr lang="fr-FR" dirty="0" smtClean="0"/>
               <a:t>ADO - PPZ - LFH</a:t>
             </a:r>
-            <a:endParaRPr lang="fr-FR"/>
+            <a:endParaRPr lang="fr-FR" dirty="0"/>
           </a:p>
         </p:txBody>
       </p:sp>
@@ -5995,7 +5995,7 @@
               <a:pPr/>
               <a:t>‹N°›</a:t>
             </a:fld>
-            <a:endParaRPr lang="fr-FR"/>
+            <a:endParaRPr lang="fr-FR" dirty="0"/>
           </a:p>
         </p:txBody>
       </p:sp>
@@ -6074,7 +6074,7 @@
               <a:pPr/>
               <a:t>19.01.2010</a:t>
             </a:fld>
-            <a:endParaRPr lang="fr-FR"/>
+            <a:endParaRPr lang="fr-FR" dirty="0"/>
           </a:p>
         </p:txBody>
       </p:sp>
@@ -6098,10 +6098,10 @@
           </a:lstStyle>
           <a:p>
             <a:r>
-              <a:rPr lang="fr-FR" smtClean="0"/>
+              <a:rPr lang="fr-FR" dirty="0" smtClean="0"/>
               <a:t>ADO - PPZ - LFH</a:t>
             </a:r>
-            <a:endParaRPr lang="fr-FR"/>
+            <a:endParaRPr lang="fr-FR" dirty="0"/>
           </a:p>
         </p:txBody>
       </p:sp>
@@ -6129,7 +6129,7 @@
               <a:pPr/>
               <a:t>‹N°›</a:t>
             </a:fld>
-            <a:endParaRPr lang="fr-FR"/>
+            <a:endParaRPr lang="fr-FR" dirty="0"/>
           </a:p>
         </p:txBody>
       </p:sp>
@@ -6185,7 +6185,7 @@
               <a:pPr/>
               <a:t>19.01.2010</a:t>
             </a:fld>
-            <a:endParaRPr lang="fr-FR"/>
+            <a:endParaRPr lang="fr-FR" dirty="0"/>
           </a:p>
         </p:txBody>
       </p:sp>
@@ -6209,10 +6209,10 @@
           </a:lstStyle>
           <a:p>
             <a:r>
-              <a:rPr lang="fr-FR" smtClean="0"/>
+              <a:rPr lang="fr-FR" dirty="0" smtClean="0"/>
               <a:t>ADO - PPZ - LFH</a:t>
             </a:r>
-            <a:endParaRPr lang="fr-FR"/>
+            <a:endParaRPr lang="fr-FR" dirty="0"/>
           </a:p>
         </p:txBody>
       </p:sp>
@@ -6240,7 +6240,7 @@
               <a:pPr/>
               <a:t>‹N°›</a:t>
             </a:fld>
-            <a:endParaRPr lang="fr-FR"/>
+            <a:endParaRPr lang="fr-FR" dirty="0"/>
           </a:p>
         </p:txBody>
       </p:sp>
@@ -6478,7 +6478,7 @@
               <a:pPr/>
               <a:t>19.01.2010</a:t>
             </a:fld>
-            <a:endParaRPr lang="fr-FR"/>
+            <a:endParaRPr lang="fr-FR" dirty="0"/>
           </a:p>
         </p:txBody>
       </p:sp>
@@ -6502,10 +6502,10 @@
           </a:lstStyle>
           <a:p>
             <a:r>
-              <a:rPr lang="fr-FR" smtClean="0"/>
+              <a:rPr lang="fr-FR" dirty="0" smtClean="0"/>
               <a:t>ADO - PPZ - LFH</a:t>
             </a:r>
-            <a:endParaRPr lang="fr-FR"/>
+            <a:endParaRPr lang="fr-FR" dirty="0"/>
           </a:p>
         </p:txBody>
       </p:sp>
@@ -6533,7 +6533,7 @@
               <a:pPr/>
               <a:t>‹N°›</a:t>
             </a:fld>
-            <a:endParaRPr lang="fr-FR"/>
+            <a:endParaRPr lang="fr-FR" dirty="0"/>
           </a:p>
         </p:txBody>
       </p:sp>
@@ -6654,7 +6654,7 @@
             </a:lvl9pPr>
           </a:lstStyle>
           <a:p>
-            <a:endParaRPr lang="fr-CH"/>
+            <a:endParaRPr lang="fr-CH" dirty="0"/>
           </a:p>
         </p:txBody>
       </p:sp>
@@ -6747,7 +6747,7 @@
               <a:pPr/>
               <a:t>19.01.2010</a:t>
             </a:fld>
-            <a:endParaRPr lang="fr-FR"/>
+            <a:endParaRPr lang="fr-FR" dirty="0"/>
           </a:p>
         </p:txBody>
       </p:sp>
@@ -6771,10 +6771,10 @@
           </a:lstStyle>
           <a:p>
             <a:r>
-              <a:rPr lang="fr-FR" smtClean="0"/>
+              <a:rPr lang="fr-FR" dirty="0" smtClean="0"/>
               <a:t>ADO - PPZ - LFH</a:t>
             </a:r>
-            <a:endParaRPr lang="fr-FR"/>
+            <a:endParaRPr lang="fr-FR" dirty="0"/>
           </a:p>
         </p:txBody>
       </p:sp>
@@ -6802,7 +6802,7 @@
               <a:pPr/>
               <a:t>‹N°›</a:t>
             </a:fld>
-            <a:endParaRPr lang="fr-FR"/>
+            <a:endParaRPr lang="fr-FR" dirty="0"/>
           </a:p>
         </p:txBody>
       </p:sp>
@@ -7000,7 +7000,7 @@
               <a:pPr/>
               <a:t>19.01.2010</a:t>
             </a:fld>
-            <a:endParaRPr lang="fr-FR"/>
+            <a:endParaRPr lang="fr-FR" dirty="0"/>
           </a:p>
         </p:txBody>
       </p:sp>
@@ -7044,10 +7044,10 @@
           </a:lstStyle>
           <a:p>
             <a:r>
-              <a:rPr lang="fr-FR" smtClean="0"/>
+              <a:rPr lang="fr-FR" dirty="0" smtClean="0"/>
               <a:t>ADO - PPZ - LFH</a:t>
             </a:r>
-            <a:endParaRPr lang="fr-FR"/>
+            <a:endParaRPr lang="fr-FR" dirty="0"/>
           </a:p>
         </p:txBody>
       </p:sp>
@@ -7095,7 +7095,7 @@
               <a:pPr/>
               <a:t>‹N°›</a:t>
             </a:fld>
-            <a:endParaRPr lang="fr-FR"/>
+            <a:endParaRPr lang="fr-FR" dirty="0"/>
           </a:p>
         </p:txBody>
       </p:sp>
@@ -7600,7 +7600,7 @@
           <a:bodyPr wrap="none" anchor="ctr"/>
           <a:lstStyle/>
           <a:p>
-            <a:endParaRPr lang="fr-CH"/>
+            <a:endParaRPr lang="fr-CH" dirty="0"/>
           </a:p>
         </p:txBody>
       </p:sp>
@@ -7678,7 +7678,7 @@
           <a:bodyPr wrap="none" anchor="ctr"/>
           <a:lstStyle/>
           <a:p>
-            <a:endParaRPr lang="fr-CH"/>
+            <a:endParaRPr lang="fr-CH" dirty="0"/>
           </a:p>
         </p:txBody>
       </p:sp>
@@ -7723,7 +7723,7 @@
           <a:bodyPr wrap="none" anchor="ctr"/>
           <a:lstStyle/>
           <a:p>
-            <a:endParaRPr lang="fr-CH"/>
+            <a:endParaRPr lang="fr-CH" dirty="0"/>
           </a:p>
         </p:txBody>
       </p:sp>
@@ -8003,14 +8003,14 @@
           <a:p>
             <a:pPr algn="ctr"/>
             <a:r>
-              <a:rPr lang="fr-CH" sz="1400" u="none">
+              <a:rPr lang="fr-CH" sz="1400" u="none" dirty="0">
                 <a:solidFill>
                   <a:schemeClr val="bg1"/>
                 </a:solidFill>
               </a:rPr>
               <a:t>- 7 / 9 - </a:t>
             </a:r>
-            <a:endParaRPr lang="fr-FR" sz="1400" u="none">
+            <a:endParaRPr lang="fr-FR" sz="1400" u="none" dirty="0">
               <a:solidFill>
                 <a:schemeClr val="bg1"/>
               </a:solidFill>
@@ -8059,7 +8059,7 @@
           <a:bodyPr wrap="none" anchor="ctr"/>
           <a:lstStyle/>
           <a:p>
-            <a:endParaRPr lang="fr-CH"/>
+            <a:endParaRPr lang="fr-CH" dirty="0"/>
           </a:p>
         </p:txBody>
       </p:sp>
@@ -8104,7 +8104,7 @@
           <a:bodyPr wrap="none" anchor="ctr"/>
           <a:lstStyle/>
           <a:p>
-            <a:endParaRPr lang="fr-CH"/>
+            <a:endParaRPr lang="fr-CH" dirty="0"/>
           </a:p>
         </p:txBody>
       </p:sp>
@@ -8148,7 +8148,7 @@
           <a:bodyPr wrap="none" anchor="ctr"/>
           <a:lstStyle/>
           <a:p>
-            <a:endParaRPr lang="fr-CH"/>
+            <a:endParaRPr lang="fr-CH" dirty="0"/>
           </a:p>
         </p:txBody>
       </p:sp>
@@ -8196,7 +8196,21 @@
                 </a:effectLst>
                 <a:latin typeface="Trebuchet MS" pitchFamily="34" charset="0"/>
               </a:rPr>
-              <a:t>STRUCTURE DU CODE [AURELIEN]</a:t>
+              <a:t>STRUCTURE DU </a:t>
+            </a:r>
+            <a:r>
+              <a:rPr lang="fr-CH" sz="2000" b="1" u="none" dirty="0" smtClean="0">
+                <a:solidFill>
+                  <a:schemeClr val="bg1"/>
+                </a:solidFill>
+                <a:effectLst>
+                  <a:outerShdw blurRad="38100" dist="38100" dir="2700000" algn="tl">
+                    <a:srgbClr val="C0C0C0"/>
+                  </a:outerShdw>
+                </a:effectLst>
+                <a:latin typeface="Trebuchet MS" pitchFamily="34" charset="0"/>
+              </a:rPr>
+              <a:t>CODE</a:t>
             </a:r>
             <a:endParaRPr lang="fr-FR" sz="2000" b="1" u="none" dirty="0">
               <a:solidFill>
@@ -8298,7 +8312,7 @@
               <a:pPr/>
               <a:t>19.01.2010</a:t>
             </a:fld>
-            <a:endParaRPr lang="fr-FR">
+            <a:endParaRPr lang="fr-FR" dirty="0">
               <a:solidFill>
                 <a:schemeClr val="tx1">
                   <a:lumMod val="65000"/>
@@ -8330,7 +8344,7 @@
           <a:lstStyle/>
           <a:p>
             <a:r>
-              <a:rPr lang="fr-FR" smtClean="0">
+              <a:rPr lang="fr-FR" dirty="0" smtClean="0">
                 <a:solidFill>
                   <a:schemeClr val="tx1">
                     <a:lumMod val="65000"/>
@@ -8340,7 +8354,7 @@
               </a:rPr>
               <a:t>ADO - PPZ - LFH</a:t>
             </a:r>
-            <a:endParaRPr lang="fr-FR">
+            <a:endParaRPr lang="fr-FR" dirty="0">
               <a:solidFill>
                 <a:schemeClr val="tx1">
                   <a:lumMod val="65000"/>
@@ -8351,20 +8365,1722 @@
           </a:p>
         </p:txBody>
       </p:sp>
+      <p:sp>
+        <p:nvSpPr>
+          <p:cNvPr id="12" name="Rectangle à coins arrondis 11"/>
+          <p:cNvSpPr/>
+          <p:nvPr/>
+        </p:nvSpPr>
+        <p:spPr bwMode="auto">
+          <a:xfrm>
+            <a:off x="2078826" y="1379889"/>
+            <a:ext cx="1654983" cy="1688333"/>
+          </a:xfrm>
+          <a:prstGeom prst="roundRect">
+            <a:avLst/>
+          </a:prstGeom>
+          <a:solidFill>
+            <a:schemeClr val="accent2">
+              <a:lumMod val="40000"/>
+              <a:lumOff val="60000"/>
+            </a:schemeClr>
+          </a:solidFill>
+          <a:ln>
+            <a:headEnd type="none" w="med" len="med"/>
+            <a:tailEnd type="none" w="med" len="med"/>
+          </a:ln>
+        </p:spPr>
+        <p:style>
+          <a:lnRef idx="0">
+            <a:schemeClr val="accent2"/>
+          </a:lnRef>
+          <a:fillRef idx="3">
+            <a:schemeClr val="accent2"/>
+          </a:fillRef>
+          <a:effectRef idx="3">
+            <a:schemeClr val="accent2"/>
+          </a:effectRef>
+          <a:fontRef idx="minor">
+            <a:schemeClr val="lt1"/>
+          </a:fontRef>
+        </p:style>
+        <p:txBody>
+          <a:bodyPr vert="horz" wrap="square" lIns="91440" tIns="45720" rIns="91440" bIns="45720" numCol="1" rtlCol="0" anchor="t" anchorCtr="0" compatLnSpc="1">
+            <a:prstTxWarp prst="textNoShape">
+              <a:avLst/>
+            </a:prstTxWarp>
+          </a:bodyPr>
+          <a:lstStyle/>
+          <a:p>
+            <a:pPr marL="0" marR="0" indent="0" algn="ctr" defTabSz="914400" rtl="0" eaLnBrk="1" fontAlgn="base" latinLnBrk="0" hangingPunct="1">
+              <a:lnSpc>
+                <a:spcPct val="100000"/>
+              </a:lnSpc>
+              <a:spcBef>
+                <a:spcPct val="0"/>
+              </a:spcBef>
+              <a:spcAft>
+                <a:spcPct val="0"/>
+              </a:spcAft>
+              <a:buClrTx/>
+              <a:buSzTx/>
+              <a:buFontTx/>
+              <a:buNone/>
+              <a:tabLst/>
+            </a:pPr>
+            <a:r>
+              <a:rPr kumimoji="0" lang="fr-CH" sz="1800" b="0" i="0" u="none" strike="noStrike" cap="none" normalizeH="0" baseline="0" dirty="0" smtClean="0">
+                <a:ln>
+                  <a:noFill/>
+                </a:ln>
+                <a:solidFill>
+                  <a:schemeClr val="tx1"/>
+                </a:solidFill>
+                <a:effectLst/>
+                <a:latin typeface="Arial" charset="0"/>
+              </a:rPr>
+              <a:t>Jeu</a:t>
+            </a:r>
+            <a:endParaRPr kumimoji="0" lang="fr-CH" sz="1800" b="0" i="0" u="none" strike="noStrike" cap="none" normalizeH="0" baseline="0" dirty="0" smtClean="0">
+              <a:ln>
+                <a:noFill/>
+              </a:ln>
+              <a:solidFill>
+                <a:schemeClr val="tx1"/>
+              </a:solidFill>
+              <a:effectLst/>
+              <a:latin typeface="Arial" charset="0"/>
+            </a:endParaRPr>
+          </a:p>
+        </p:txBody>
+      </p:sp>
+      <p:sp>
+        <p:nvSpPr>
+          <p:cNvPr id="11" name="Rectangle à coins arrondis 10"/>
+          <p:cNvSpPr/>
+          <p:nvPr/>
+        </p:nvSpPr>
+        <p:spPr bwMode="auto">
+          <a:xfrm>
+            <a:off x="3298056" y="2516175"/>
+            <a:ext cx="1587493" cy="3614787"/>
+          </a:xfrm>
+          <a:prstGeom prst="roundRect">
+            <a:avLst/>
+          </a:prstGeom>
+          <a:solidFill>
+            <a:srgbClr val="00B400"/>
+          </a:solidFill>
+          <a:ln>
+            <a:headEnd type="none" w="med" len="med"/>
+            <a:tailEnd type="none" w="med" len="med"/>
+          </a:ln>
+        </p:spPr>
+        <p:style>
+          <a:lnRef idx="0">
+            <a:schemeClr val="accent2"/>
+          </a:lnRef>
+          <a:fillRef idx="3">
+            <a:schemeClr val="accent2"/>
+          </a:fillRef>
+          <a:effectRef idx="3">
+            <a:schemeClr val="accent2"/>
+          </a:effectRef>
+          <a:fontRef idx="minor">
+            <a:schemeClr val="lt1"/>
+          </a:fontRef>
+        </p:style>
+        <p:txBody>
+          <a:bodyPr vert="horz" wrap="square" lIns="91440" tIns="45720" rIns="91440" bIns="45720" numCol="1" rtlCol="0" anchor="t" anchorCtr="0" compatLnSpc="1">
+            <a:prstTxWarp prst="textNoShape">
+              <a:avLst/>
+            </a:prstTxWarp>
+          </a:bodyPr>
+          <a:lstStyle/>
+          <a:p>
+            <a:pPr marL="0" marR="0" indent="0" algn="ctr" defTabSz="914400" rtl="0" eaLnBrk="1" fontAlgn="base" latinLnBrk="0" hangingPunct="1">
+              <a:lnSpc>
+                <a:spcPct val="100000"/>
+              </a:lnSpc>
+              <a:spcBef>
+                <a:spcPct val="0"/>
+              </a:spcBef>
+              <a:spcAft>
+                <a:spcPct val="0"/>
+              </a:spcAft>
+              <a:buClrTx/>
+              <a:buSzTx/>
+              <a:buFontTx/>
+              <a:buNone/>
+              <a:tabLst/>
+            </a:pPr>
+            <a:r>
+              <a:rPr kumimoji="0" lang="fr-CH" sz="1800" b="0" i="0" u="none" strike="noStrike" cap="none" normalizeH="0" baseline="0" dirty="0" smtClean="0">
+                <a:ln>
+                  <a:noFill/>
+                </a:ln>
+                <a:solidFill>
+                  <a:schemeClr val="tx1"/>
+                </a:solidFill>
+                <a:effectLst/>
+                <a:latin typeface="Arial" charset="0"/>
+              </a:rPr>
+              <a:t>Terrain</a:t>
+            </a:r>
+            <a:endParaRPr kumimoji="0" lang="fr-CH" sz="1800" b="0" i="0" u="none" strike="noStrike" cap="none" normalizeH="0" baseline="0" dirty="0" smtClean="0">
+              <a:ln>
+                <a:noFill/>
+              </a:ln>
+              <a:solidFill>
+                <a:schemeClr val="tx1"/>
+              </a:solidFill>
+              <a:effectLst/>
+              <a:latin typeface="Arial" charset="0"/>
+            </a:endParaRPr>
+          </a:p>
+        </p:txBody>
+      </p:sp>
+      <p:sp>
+        <p:nvSpPr>
+          <p:cNvPr id="16" name="Rectangle à coins arrondis 15"/>
+          <p:cNvSpPr/>
+          <p:nvPr/>
+        </p:nvSpPr>
+        <p:spPr bwMode="auto">
+          <a:xfrm>
+            <a:off x="4642889" y="2753509"/>
+            <a:ext cx="2583487" cy="529439"/>
+          </a:xfrm>
+          <a:prstGeom prst="roundRect">
+            <a:avLst/>
+          </a:prstGeom>
+          <a:solidFill>
+            <a:schemeClr val="bg1">
+              <a:lumMod val="85000"/>
+            </a:schemeClr>
+          </a:solidFill>
+          <a:ln>
+            <a:headEnd type="none" w="med" len="med"/>
+            <a:tailEnd type="none" w="med" len="med"/>
+          </a:ln>
+        </p:spPr>
+        <p:style>
+          <a:lnRef idx="0">
+            <a:schemeClr val="accent2"/>
+          </a:lnRef>
+          <a:fillRef idx="3">
+            <a:schemeClr val="accent2"/>
+          </a:fillRef>
+          <a:effectRef idx="3">
+            <a:schemeClr val="accent2"/>
+          </a:effectRef>
+          <a:fontRef idx="minor">
+            <a:schemeClr val="lt1"/>
+          </a:fontRef>
+        </p:style>
+        <p:txBody>
+          <a:bodyPr vert="horz" wrap="square" lIns="91440" tIns="45720" rIns="91440" bIns="45720" numCol="1" rtlCol="0" anchor="t" anchorCtr="0" compatLnSpc="1">
+            <a:prstTxWarp prst="textNoShape">
+              <a:avLst/>
+            </a:prstTxWarp>
+          </a:bodyPr>
+          <a:lstStyle/>
+          <a:p>
+            <a:pPr marL="0" marR="0" indent="0" algn="ctr" defTabSz="914400" rtl="0" eaLnBrk="1" fontAlgn="base" latinLnBrk="0" hangingPunct="1">
+              <a:lnSpc>
+                <a:spcPct val="100000"/>
+              </a:lnSpc>
+              <a:spcBef>
+                <a:spcPct val="0"/>
+              </a:spcBef>
+              <a:spcAft>
+                <a:spcPct val="0"/>
+              </a:spcAft>
+              <a:buClrTx/>
+              <a:buSzTx/>
+              <a:buFontTx/>
+              <a:buNone/>
+              <a:tabLst/>
+            </a:pPr>
+            <a:r>
+              <a:rPr kumimoji="0" lang="fr-CH" sz="1800" b="0" i="0" u="none" strike="noStrike" cap="none" normalizeH="0" baseline="0" dirty="0" smtClean="0">
+                <a:ln>
+                  <a:noFill/>
+                </a:ln>
+                <a:solidFill>
+                  <a:schemeClr val="tx1"/>
+                </a:solidFill>
+                <a:effectLst/>
+                <a:latin typeface="Arial" charset="0"/>
+              </a:rPr>
+              <a:t>Vagues</a:t>
+            </a:r>
+            <a:r>
+              <a:rPr kumimoji="0" lang="fr-CH" sz="1800" b="0" i="0" u="none" strike="noStrike" cap="none" normalizeH="0" dirty="0" smtClean="0">
+                <a:ln>
+                  <a:noFill/>
+                </a:ln>
+                <a:solidFill>
+                  <a:schemeClr val="tx1"/>
+                </a:solidFill>
+                <a:effectLst/>
+                <a:latin typeface="Arial" charset="0"/>
+              </a:rPr>
+              <a:t> de créatures</a:t>
+            </a:r>
+            <a:endParaRPr kumimoji="0" lang="fr-CH" sz="1800" b="0" i="0" u="none" strike="noStrike" cap="none" normalizeH="0" baseline="0" dirty="0" smtClean="0">
+              <a:ln>
+                <a:noFill/>
+              </a:ln>
+              <a:solidFill>
+                <a:schemeClr val="tx1"/>
+              </a:solidFill>
+              <a:effectLst/>
+              <a:latin typeface="Arial" charset="0"/>
+            </a:endParaRPr>
+          </a:p>
+        </p:txBody>
+      </p:sp>
+      <p:sp>
+        <p:nvSpPr>
+          <p:cNvPr id="14" name="Rectangle à coins arrondis 13"/>
+          <p:cNvSpPr/>
+          <p:nvPr/>
+        </p:nvSpPr>
+        <p:spPr bwMode="auto">
+          <a:xfrm>
+            <a:off x="4633953" y="4323569"/>
+            <a:ext cx="2579703" cy="529438"/>
+          </a:xfrm>
+          <a:prstGeom prst="roundRect">
+            <a:avLst/>
+          </a:prstGeom>
+          <a:solidFill>
+            <a:srgbClr val="993300"/>
+          </a:solidFill>
+          <a:ln>
+            <a:headEnd type="none" w="med" len="med"/>
+            <a:tailEnd type="none" w="med" len="med"/>
+          </a:ln>
+        </p:spPr>
+        <p:style>
+          <a:lnRef idx="0">
+            <a:schemeClr val="accent2"/>
+          </a:lnRef>
+          <a:fillRef idx="3">
+            <a:schemeClr val="accent2"/>
+          </a:fillRef>
+          <a:effectRef idx="3">
+            <a:schemeClr val="accent2"/>
+          </a:effectRef>
+          <a:fontRef idx="minor">
+            <a:schemeClr val="lt1"/>
+          </a:fontRef>
+        </p:style>
+        <p:txBody>
+          <a:bodyPr vert="horz" wrap="square" lIns="91440" tIns="45720" rIns="91440" bIns="45720" numCol="1" rtlCol="0" anchor="t" anchorCtr="0" compatLnSpc="1">
+            <a:prstTxWarp prst="textNoShape">
+              <a:avLst/>
+            </a:prstTxWarp>
+          </a:bodyPr>
+          <a:lstStyle/>
+          <a:p>
+            <a:pPr marL="0" marR="0" indent="0" algn="ctr" defTabSz="914400" rtl="0" eaLnBrk="1" fontAlgn="base" latinLnBrk="0" hangingPunct="1">
+              <a:lnSpc>
+                <a:spcPct val="100000"/>
+              </a:lnSpc>
+              <a:spcBef>
+                <a:spcPct val="0"/>
+              </a:spcBef>
+              <a:spcAft>
+                <a:spcPct val="0"/>
+              </a:spcAft>
+              <a:buClrTx/>
+              <a:buSzTx/>
+              <a:buFontTx/>
+              <a:buNone/>
+              <a:tabLst/>
+            </a:pPr>
+            <a:r>
+              <a:rPr kumimoji="0" lang="fr-CH" sz="1800" b="0" i="0" u="none" strike="noStrike" cap="none" normalizeH="0" baseline="0" dirty="0" smtClean="0">
+                <a:ln>
+                  <a:noFill/>
+                </a:ln>
+                <a:solidFill>
+                  <a:schemeClr val="tx1"/>
+                </a:solidFill>
+                <a:effectLst/>
+                <a:latin typeface="Arial" charset="0"/>
+              </a:rPr>
+              <a:t>Tours</a:t>
+            </a:r>
+            <a:endParaRPr kumimoji="0" lang="fr-CH" sz="1800" b="0" i="0" u="none" strike="noStrike" cap="none" normalizeH="0" baseline="0" dirty="0" smtClean="0">
+              <a:ln>
+                <a:noFill/>
+              </a:ln>
+              <a:solidFill>
+                <a:schemeClr val="tx1"/>
+              </a:solidFill>
+              <a:effectLst/>
+              <a:latin typeface="Arial" charset="0"/>
+            </a:endParaRPr>
+          </a:p>
+        </p:txBody>
+      </p:sp>
+      <p:sp>
+        <p:nvSpPr>
+          <p:cNvPr id="15" name="Rectangle à coins arrondis 14"/>
+          <p:cNvSpPr/>
+          <p:nvPr/>
+        </p:nvSpPr>
+        <p:spPr bwMode="auto">
+          <a:xfrm>
+            <a:off x="4633953" y="5147710"/>
+            <a:ext cx="2579703" cy="570304"/>
+          </a:xfrm>
+          <a:prstGeom prst="roundRect">
+            <a:avLst/>
+          </a:prstGeom>
+          <a:solidFill>
+            <a:srgbClr val="FFFF00"/>
+          </a:solidFill>
+          <a:ln>
+            <a:headEnd type="none" w="med" len="med"/>
+            <a:tailEnd type="none" w="med" len="med"/>
+          </a:ln>
+        </p:spPr>
+        <p:style>
+          <a:lnRef idx="0">
+            <a:schemeClr val="accent2"/>
+          </a:lnRef>
+          <a:fillRef idx="3">
+            <a:schemeClr val="accent2"/>
+          </a:fillRef>
+          <a:effectRef idx="3">
+            <a:schemeClr val="accent2"/>
+          </a:effectRef>
+          <a:fontRef idx="minor">
+            <a:schemeClr val="lt1"/>
+          </a:fontRef>
+        </p:style>
+        <p:txBody>
+          <a:bodyPr vert="horz" wrap="square" lIns="91440" tIns="45720" rIns="91440" bIns="45720" numCol="1" rtlCol="0" anchor="t" anchorCtr="0" compatLnSpc="1">
+            <a:prstTxWarp prst="textNoShape">
+              <a:avLst/>
+            </a:prstTxWarp>
+          </a:bodyPr>
+          <a:lstStyle/>
+          <a:p>
+            <a:pPr marL="0" marR="0" indent="0" algn="ctr" defTabSz="914400" rtl="0" eaLnBrk="1" fontAlgn="base" latinLnBrk="0" hangingPunct="1">
+              <a:spcBef>
+                <a:spcPct val="0"/>
+              </a:spcBef>
+              <a:spcAft>
+                <a:spcPct val="0"/>
+              </a:spcAft>
+              <a:buClrTx/>
+              <a:buSzTx/>
+              <a:buFontTx/>
+              <a:buNone/>
+              <a:tabLst/>
+            </a:pPr>
+            <a:r>
+              <a:rPr kumimoji="0" lang="fr-CH" sz="1800" b="0" i="0" u="none" strike="noStrike" cap="none" normalizeH="0" baseline="0" dirty="0" smtClean="0">
+                <a:ln>
+                  <a:noFill/>
+                </a:ln>
+                <a:solidFill>
+                  <a:schemeClr val="tx1"/>
+                </a:solidFill>
+                <a:effectLst/>
+                <a:latin typeface="Arial" charset="0"/>
+              </a:rPr>
+              <a:t>Animations</a:t>
+            </a:r>
+            <a:endParaRPr kumimoji="0" lang="fr-CH" sz="1800" b="0" i="0" u="none" strike="noStrike" cap="none" normalizeH="0" baseline="0" dirty="0" smtClean="0">
+              <a:ln>
+                <a:noFill/>
+              </a:ln>
+              <a:solidFill>
+                <a:schemeClr val="tx1"/>
+              </a:solidFill>
+              <a:effectLst/>
+              <a:latin typeface="Arial" charset="0"/>
+            </a:endParaRPr>
+          </a:p>
+        </p:txBody>
+      </p:sp>
+      <p:sp>
+        <p:nvSpPr>
+          <p:cNvPr id="13" name="Rectangle à coins arrondis 12"/>
+          <p:cNvSpPr/>
+          <p:nvPr/>
+        </p:nvSpPr>
+        <p:spPr bwMode="auto">
+          <a:xfrm>
+            <a:off x="4633953" y="3538539"/>
+            <a:ext cx="2579703" cy="517484"/>
+          </a:xfrm>
+          <a:prstGeom prst="roundRect">
+            <a:avLst/>
+          </a:prstGeom>
+          <a:solidFill>
+            <a:srgbClr val="FF0000"/>
+          </a:solidFill>
+          <a:ln>
+            <a:headEnd type="none" w="med" len="med"/>
+            <a:tailEnd type="none" w="med" len="med"/>
+          </a:ln>
+        </p:spPr>
+        <p:style>
+          <a:lnRef idx="0">
+            <a:schemeClr val="accent2"/>
+          </a:lnRef>
+          <a:fillRef idx="3">
+            <a:schemeClr val="accent2"/>
+          </a:fillRef>
+          <a:effectRef idx="3">
+            <a:schemeClr val="accent2"/>
+          </a:effectRef>
+          <a:fontRef idx="minor">
+            <a:schemeClr val="lt1"/>
+          </a:fontRef>
+        </p:style>
+        <p:txBody>
+          <a:bodyPr vert="horz" wrap="square" lIns="91440" tIns="45720" rIns="91440" bIns="45720" numCol="1" rtlCol="0" anchor="t" anchorCtr="0" compatLnSpc="1">
+            <a:prstTxWarp prst="textNoShape">
+              <a:avLst/>
+            </a:prstTxWarp>
+          </a:bodyPr>
+          <a:lstStyle/>
+          <a:p>
+            <a:pPr marL="0" marR="0" indent="0" algn="ctr" defTabSz="914400" rtl="0" eaLnBrk="1" fontAlgn="base" latinLnBrk="0" hangingPunct="1">
+              <a:lnSpc>
+                <a:spcPct val="100000"/>
+              </a:lnSpc>
+              <a:spcBef>
+                <a:spcPct val="0"/>
+              </a:spcBef>
+              <a:spcAft>
+                <a:spcPct val="0"/>
+              </a:spcAft>
+              <a:buClrTx/>
+              <a:buSzTx/>
+              <a:buFontTx/>
+              <a:buNone/>
+              <a:tabLst/>
+            </a:pPr>
+            <a:r>
+              <a:rPr kumimoji="0" lang="fr-CH" sz="1800" b="0" i="0" u="none" strike="noStrike" cap="none" normalizeH="0" baseline="0" dirty="0" smtClean="0">
+                <a:ln>
+                  <a:noFill/>
+                </a:ln>
+                <a:solidFill>
+                  <a:schemeClr val="tx1"/>
+                </a:solidFill>
+                <a:effectLst/>
+                <a:latin typeface="Arial" charset="0"/>
+              </a:rPr>
+              <a:t>Créatures</a:t>
+            </a:r>
+            <a:endParaRPr kumimoji="0" lang="fr-CH" sz="1800" b="0" i="0" u="none" strike="noStrike" cap="none" normalizeH="0" baseline="0" dirty="0" smtClean="0">
+              <a:ln>
+                <a:noFill/>
+              </a:ln>
+              <a:solidFill>
+                <a:schemeClr val="tx1"/>
+              </a:solidFill>
+              <a:effectLst/>
+              <a:latin typeface="Arial" charset="0"/>
+            </a:endParaRPr>
+          </a:p>
+        </p:txBody>
+      </p:sp>
+      <p:sp>
+        <p:nvSpPr>
+          <p:cNvPr id="17" name="Rectangle à coins arrondis 16"/>
+          <p:cNvSpPr/>
+          <p:nvPr/>
+        </p:nvSpPr>
+        <p:spPr bwMode="auto">
+          <a:xfrm>
+            <a:off x="3319485" y="1594615"/>
+            <a:ext cx="2445588" cy="698113"/>
+          </a:xfrm>
+          <a:prstGeom prst="roundRect">
+            <a:avLst/>
+          </a:prstGeom>
+          <a:solidFill>
+            <a:schemeClr val="accent5">
+              <a:lumMod val="75000"/>
+            </a:schemeClr>
+          </a:solidFill>
+          <a:ln>
+            <a:headEnd type="none" w="med" len="med"/>
+            <a:tailEnd type="none" w="med" len="med"/>
+          </a:ln>
+        </p:spPr>
+        <p:style>
+          <a:lnRef idx="0">
+            <a:schemeClr val="accent2"/>
+          </a:lnRef>
+          <a:fillRef idx="3">
+            <a:schemeClr val="accent2"/>
+          </a:fillRef>
+          <a:effectRef idx="3">
+            <a:schemeClr val="accent2"/>
+          </a:effectRef>
+          <a:fontRef idx="minor">
+            <a:schemeClr val="lt1"/>
+          </a:fontRef>
+        </p:style>
+        <p:txBody>
+          <a:bodyPr vert="horz" wrap="square" lIns="91440" tIns="45720" rIns="91440" bIns="45720" numCol="1" rtlCol="0" anchor="t" anchorCtr="0" compatLnSpc="1">
+            <a:prstTxWarp prst="textNoShape">
+              <a:avLst/>
+            </a:prstTxWarp>
+          </a:bodyPr>
+          <a:lstStyle/>
+          <a:p>
+            <a:pPr marL="0" marR="0" indent="0" algn="ctr" defTabSz="914400" rtl="0" eaLnBrk="1" fontAlgn="base" latinLnBrk="0" hangingPunct="1">
+              <a:lnSpc>
+                <a:spcPct val="100000"/>
+              </a:lnSpc>
+              <a:spcBef>
+                <a:spcPct val="0"/>
+              </a:spcBef>
+              <a:spcAft>
+                <a:spcPct val="0"/>
+              </a:spcAft>
+              <a:buClrTx/>
+              <a:buSzTx/>
+              <a:buFontTx/>
+              <a:buNone/>
+              <a:tabLst/>
+            </a:pPr>
+            <a:r>
+              <a:rPr kumimoji="0" lang="fr-CH" sz="1800" b="0" i="0" u="none" strike="noStrike" cap="none" normalizeH="0" baseline="0" dirty="0" smtClean="0">
+                <a:ln>
+                  <a:noFill/>
+                </a:ln>
+                <a:solidFill>
+                  <a:schemeClr val="tx1"/>
+                </a:solidFill>
+                <a:effectLst/>
+                <a:latin typeface="Arial" charset="0"/>
+              </a:rPr>
+              <a:t>Données du joueur </a:t>
+            </a:r>
+          </a:p>
+          <a:p>
+            <a:pPr marL="0" marR="0" indent="0" algn="ctr" defTabSz="914400" rtl="0" eaLnBrk="1" fontAlgn="base" latinLnBrk="0" hangingPunct="1">
+              <a:lnSpc>
+                <a:spcPct val="100000"/>
+              </a:lnSpc>
+              <a:spcBef>
+                <a:spcPct val="0"/>
+              </a:spcBef>
+              <a:spcAft>
+                <a:spcPct val="0"/>
+              </a:spcAft>
+              <a:buClrTx/>
+              <a:buSzTx/>
+              <a:buFontTx/>
+              <a:buNone/>
+              <a:tabLst/>
+            </a:pPr>
+            <a:r>
+              <a:rPr kumimoji="0" lang="fr-CH" sz="1800" b="0" i="0" u="none" strike="noStrike" cap="none" normalizeH="0" baseline="0" dirty="0" smtClean="0">
+                <a:ln>
+                  <a:noFill/>
+                </a:ln>
+                <a:solidFill>
+                  <a:schemeClr val="tx1"/>
+                </a:solidFill>
+                <a:effectLst/>
+                <a:latin typeface="Arial" charset="0"/>
+              </a:rPr>
+              <a:t>et de la partie</a:t>
+            </a:r>
+            <a:endParaRPr kumimoji="0" lang="fr-CH" sz="1800" b="0" i="0" u="none" strike="noStrike" cap="none" normalizeH="0" baseline="0" dirty="0" smtClean="0">
+              <a:ln>
+                <a:noFill/>
+              </a:ln>
+              <a:solidFill>
+                <a:schemeClr val="tx1"/>
+              </a:solidFill>
+              <a:effectLst/>
+              <a:latin typeface="Arial" charset="0"/>
+            </a:endParaRPr>
+          </a:p>
+        </p:txBody>
+      </p:sp>
+      <p:sp>
+        <p:nvSpPr>
+          <p:cNvPr id="18" name="Rectangle à coins arrondis 17"/>
+          <p:cNvSpPr/>
+          <p:nvPr/>
+        </p:nvSpPr>
+        <p:spPr bwMode="auto">
+          <a:xfrm>
+            <a:off x="6191292" y="5560657"/>
+            <a:ext cx="1411287" cy="424253"/>
+          </a:xfrm>
+          <a:prstGeom prst="roundRect">
+            <a:avLst/>
+          </a:prstGeom>
+          <a:solidFill>
+            <a:srgbClr val="BB27A6"/>
+          </a:solidFill>
+          <a:ln>
+            <a:headEnd type="none" w="med" len="med"/>
+            <a:tailEnd type="none" w="med" len="med"/>
+          </a:ln>
+        </p:spPr>
+        <p:style>
+          <a:lnRef idx="0">
+            <a:schemeClr val="accent2"/>
+          </a:lnRef>
+          <a:fillRef idx="3">
+            <a:schemeClr val="accent2"/>
+          </a:fillRef>
+          <a:effectRef idx="3">
+            <a:schemeClr val="accent2"/>
+          </a:effectRef>
+          <a:fontRef idx="minor">
+            <a:schemeClr val="lt1"/>
+          </a:fontRef>
+        </p:style>
+        <p:txBody>
+          <a:bodyPr vert="horz" wrap="square" lIns="91440" tIns="45720" rIns="91440" bIns="45720" numCol="1" rtlCol="0" anchor="t" anchorCtr="0" compatLnSpc="1">
+            <a:prstTxWarp prst="textNoShape">
+              <a:avLst/>
+            </a:prstTxWarp>
+          </a:bodyPr>
+          <a:lstStyle/>
+          <a:p>
+            <a:pPr marL="0" marR="0" indent="0" algn="ctr" defTabSz="914400" rtl="0" eaLnBrk="1" fontAlgn="base" latinLnBrk="0" hangingPunct="1">
+              <a:spcBef>
+                <a:spcPct val="0"/>
+              </a:spcBef>
+              <a:spcAft>
+                <a:spcPct val="0"/>
+              </a:spcAft>
+              <a:buClrTx/>
+              <a:buSzTx/>
+              <a:buFontTx/>
+              <a:buNone/>
+              <a:tabLst/>
+            </a:pPr>
+            <a:r>
+              <a:rPr kumimoji="0" lang="fr-CH" sz="1800" b="0" i="0" u="none" strike="noStrike" cap="none" normalizeH="0" baseline="0" dirty="0" smtClean="0">
+                <a:ln>
+                  <a:noFill/>
+                </a:ln>
+                <a:solidFill>
+                  <a:schemeClr val="tx1"/>
+                </a:solidFill>
+                <a:effectLst/>
+                <a:latin typeface="Arial" charset="0"/>
+              </a:rPr>
+              <a:t>Attaques</a:t>
+            </a:r>
+            <a:endParaRPr kumimoji="0" lang="fr-CH" sz="1800" b="0" i="0" u="none" strike="noStrike" cap="none" normalizeH="0" baseline="0" dirty="0" smtClean="0">
+              <a:ln>
+                <a:noFill/>
+              </a:ln>
+              <a:solidFill>
+                <a:schemeClr val="tx1"/>
+              </a:solidFill>
+              <a:effectLst/>
+              <a:latin typeface="Arial" charset="0"/>
+            </a:endParaRPr>
+          </a:p>
+        </p:txBody>
+      </p:sp>
+      <p:sp>
+        <p:nvSpPr>
+          <p:cNvPr id="31" name="Rectangle à coins arrondis 30"/>
+          <p:cNvSpPr/>
+          <p:nvPr/>
+        </p:nvSpPr>
+        <p:spPr bwMode="auto">
+          <a:xfrm>
+            <a:off x="1444641" y="4633929"/>
+            <a:ext cx="2130435" cy="433804"/>
+          </a:xfrm>
+          <a:prstGeom prst="roundRect">
+            <a:avLst/>
+          </a:prstGeom>
+          <a:solidFill>
+            <a:srgbClr val="B3F6FF"/>
+          </a:solidFill>
+          <a:ln>
+            <a:headEnd type="none" w="med" len="med"/>
+            <a:tailEnd type="none" w="med" len="med"/>
+          </a:ln>
+        </p:spPr>
+        <p:style>
+          <a:lnRef idx="0">
+            <a:schemeClr val="accent2"/>
+          </a:lnRef>
+          <a:fillRef idx="3">
+            <a:schemeClr val="accent2"/>
+          </a:fillRef>
+          <a:effectRef idx="3">
+            <a:schemeClr val="accent2"/>
+          </a:effectRef>
+          <a:fontRef idx="minor">
+            <a:schemeClr val="lt1"/>
+          </a:fontRef>
+        </p:style>
+        <p:txBody>
+          <a:bodyPr vert="horz" wrap="square" lIns="91440" tIns="45720" rIns="91440" bIns="45720" numCol="1" rtlCol="0" anchor="t" anchorCtr="0" compatLnSpc="1">
+            <a:prstTxWarp prst="textNoShape">
+              <a:avLst/>
+            </a:prstTxWarp>
+          </a:bodyPr>
+          <a:lstStyle/>
+          <a:p>
+            <a:pPr marL="0" marR="0" indent="0" algn="ctr" defTabSz="914400" rtl="0" eaLnBrk="1" fontAlgn="base" latinLnBrk="0" hangingPunct="1">
+              <a:lnSpc>
+                <a:spcPct val="100000"/>
+              </a:lnSpc>
+              <a:spcBef>
+                <a:spcPct val="0"/>
+              </a:spcBef>
+              <a:spcAft>
+                <a:spcPct val="0"/>
+              </a:spcAft>
+              <a:buClrTx/>
+              <a:buSzTx/>
+              <a:buFontTx/>
+              <a:buNone/>
+              <a:tabLst/>
+            </a:pPr>
+            <a:r>
+              <a:rPr kumimoji="0" lang="fr-CH" sz="1800" b="0" i="0" u="none" strike="noStrike" cap="none" normalizeH="0" baseline="0" dirty="0" smtClean="0">
+                <a:ln>
+                  <a:noFill/>
+                </a:ln>
+                <a:solidFill>
+                  <a:schemeClr val="tx1"/>
+                </a:solidFill>
+                <a:effectLst/>
+                <a:latin typeface="Arial" charset="0"/>
+              </a:rPr>
+              <a:t>Maillage Terrien</a:t>
+            </a:r>
+            <a:endParaRPr kumimoji="0" lang="fr-CH" sz="1800" b="0" i="0" u="none" strike="noStrike" cap="none" normalizeH="0" baseline="0" dirty="0" smtClean="0">
+              <a:ln>
+                <a:noFill/>
+              </a:ln>
+              <a:solidFill>
+                <a:schemeClr val="tx1"/>
+              </a:solidFill>
+              <a:effectLst/>
+              <a:latin typeface="Arial" charset="0"/>
+            </a:endParaRPr>
+          </a:p>
+        </p:txBody>
+      </p:sp>
+      <p:sp>
+        <p:nvSpPr>
+          <p:cNvPr id="32" name="Rectangle à coins arrondis 31"/>
+          <p:cNvSpPr/>
+          <p:nvPr/>
+        </p:nvSpPr>
+        <p:spPr bwMode="auto">
+          <a:xfrm>
+            <a:off x="1444641" y="5291163"/>
+            <a:ext cx="2130435" cy="408596"/>
+          </a:xfrm>
+          <a:prstGeom prst="roundRect">
+            <a:avLst/>
+          </a:prstGeom>
+          <a:solidFill>
+            <a:srgbClr val="B3F6FF"/>
+          </a:solidFill>
+          <a:ln>
+            <a:headEnd type="none" w="med" len="med"/>
+            <a:tailEnd type="none" w="med" len="med"/>
+          </a:ln>
+        </p:spPr>
+        <p:style>
+          <a:lnRef idx="0">
+            <a:schemeClr val="accent2"/>
+          </a:lnRef>
+          <a:fillRef idx="3">
+            <a:schemeClr val="accent2"/>
+          </a:fillRef>
+          <a:effectRef idx="3">
+            <a:schemeClr val="accent2"/>
+          </a:effectRef>
+          <a:fontRef idx="minor">
+            <a:schemeClr val="lt1"/>
+          </a:fontRef>
+        </p:style>
+        <p:txBody>
+          <a:bodyPr vert="horz" wrap="square" lIns="91440" tIns="45720" rIns="91440" bIns="45720" numCol="1" rtlCol="0" anchor="t" anchorCtr="0" compatLnSpc="1">
+            <a:prstTxWarp prst="textNoShape">
+              <a:avLst/>
+            </a:prstTxWarp>
+          </a:bodyPr>
+          <a:lstStyle/>
+          <a:p>
+            <a:pPr marL="0" marR="0" indent="0" algn="ctr" defTabSz="914400" rtl="0" eaLnBrk="1" fontAlgn="base" latinLnBrk="0" hangingPunct="1">
+              <a:lnSpc>
+                <a:spcPct val="100000"/>
+              </a:lnSpc>
+              <a:spcBef>
+                <a:spcPct val="0"/>
+              </a:spcBef>
+              <a:spcAft>
+                <a:spcPct val="0"/>
+              </a:spcAft>
+              <a:buClrTx/>
+              <a:buSzTx/>
+              <a:buFontTx/>
+              <a:buNone/>
+              <a:tabLst/>
+            </a:pPr>
+            <a:r>
+              <a:rPr kumimoji="0" lang="fr-CH" sz="1800" b="0" i="0" u="none" strike="noStrike" cap="none" normalizeH="0" baseline="0" dirty="0" smtClean="0">
+                <a:ln>
+                  <a:noFill/>
+                </a:ln>
+                <a:solidFill>
+                  <a:schemeClr val="tx1"/>
+                </a:solidFill>
+                <a:effectLst/>
+                <a:latin typeface="Arial" charset="0"/>
+              </a:rPr>
+              <a:t>Chemin aérien</a:t>
+            </a:r>
+            <a:endParaRPr kumimoji="0" lang="fr-CH" sz="1800" b="0" i="0" u="none" strike="noStrike" cap="none" normalizeH="0" baseline="0" dirty="0" smtClean="0">
+              <a:ln>
+                <a:noFill/>
+              </a:ln>
+              <a:solidFill>
+                <a:schemeClr val="tx1"/>
+              </a:solidFill>
+              <a:effectLst/>
+              <a:latin typeface="Arial" charset="0"/>
+            </a:endParaRPr>
+          </a:p>
+        </p:txBody>
+      </p:sp>
+      <p:sp>
+        <p:nvSpPr>
+          <p:cNvPr id="33" name="Rectangle à coins arrondis 32"/>
+          <p:cNvSpPr/>
+          <p:nvPr/>
+        </p:nvSpPr>
+        <p:spPr bwMode="auto">
+          <a:xfrm>
+            <a:off x="1444641" y="4013208"/>
+            <a:ext cx="2130435" cy="425552"/>
+          </a:xfrm>
+          <a:prstGeom prst="roundRect">
+            <a:avLst/>
+          </a:prstGeom>
+          <a:solidFill>
+            <a:srgbClr val="FFC000"/>
+          </a:solidFill>
+          <a:ln>
+            <a:headEnd type="none" w="med" len="med"/>
+            <a:tailEnd type="none" w="med" len="med"/>
+          </a:ln>
+        </p:spPr>
+        <p:style>
+          <a:lnRef idx="0">
+            <a:schemeClr val="accent2"/>
+          </a:lnRef>
+          <a:fillRef idx="3">
+            <a:schemeClr val="accent2"/>
+          </a:fillRef>
+          <a:effectRef idx="3">
+            <a:schemeClr val="accent2"/>
+          </a:effectRef>
+          <a:fontRef idx="minor">
+            <a:schemeClr val="lt1"/>
+          </a:fontRef>
+        </p:style>
+        <p:txBody>
+          <a:bodyPr vert="horz" wrap="square" lIns="91440" tIns="45720" rIns="91440" bIns="45720" numCol="1" rtlCol="0" anchor="t" anchorCtr="0" compatLnSpc="1">
+            <a:prstTxWarp prst="textNoShape">
+              <a:avLst/>
+            </a:prstTxWarp>
+          </a:bodyPr>
+          <a:lstStyle/>
+          <a:p>
+            <a:pPr marL="0" marR="0" indent="0" algn="ctr" defTabSz="914400" rtl="0" eaLnBrk="1" fontAlgn="base" latinLnBrk="0" hangingPunct="1">
+              <a:lnSpc>
+                <a:spcPct val="100000"/>
+              </a:lnSpc>
+              <a:spcBef>
+                <a:spcPct val="0"/>
+              </a:spcBef>
+              <a:spcAft>
+                <a:spcPct val="0"/>
+              </a:spcAft>
+              <a:buClrTx/>
+              <a:buSzTx/>
+              <a:buFontTx/>
+              <a:buNone/>
+              <a:tabLst/>
+            </a:pPr>
+            <a:r>
+              <a:rPr lang="fr-CH" u="none" dirty="0" smtClean="0">
+                <a:solidFill>
+                  <a:schemeClr val="tx1"/>
+                </a:solidFill>
+                <a:latin typeface="Arial" charset="0"/>
+              </a:rPr>
+              <a:t>Zones spéciales</a:t>
+            </a:r>
+            <a:endParaRPr kumimoji="0" lang="fr-CH" sz="1800" b="0" i="0" u="none" strike="noStrike" cap="none" normalizeH="0" baseline="0" dirty="0" smtClean="0">
+              <a:ln>
+                <a:noFill/>
+              </a:ln>
+              <a:solidFill>
+                <a:schemeClr val="tx1"/>
+              </a:solidFill>
+              <a:effectLst/>
+              <a:latin typeface="Arial" charset="0"/>
+            </a:endParaRPr>
+          </a:p>
+        </p:txBody>
+      </p:sp>
     </p:spTree>
   </p:cSld>
   <p:clrMapOvr>
     <a:masterClrMapping/>
   </p:clrMapOvr>
-  <p:transition>
-    <p:fade/>
-  </p:transition>
+  <p:transition/>
   <p:timing>
     <p:tnLst>
       <p:par>
-        <p:cTn id="1" dur="indefinite" restart="never" nodeType="tmRoot"/>
+        <p:cTn id="1" dur="indefinite" restart="never" nodeType="tmRoot">
+          <p:childTnLst>
+            <p:seq concurrent="1" nextAc="seek">
+              <p:cTn id="2" dur="indefinite" nodeType="mainSeq">
+                <p:childTnLst>
+                  <p:par>
+                    <p:cTn id="3" fill="hold">
+                      <p:stCondLst>
+                        <p:cond delay="indefinite"/>
+                      </p:stCondLst>
+                      <p:childTnLst>
+                        <p:par>
+                          <p:cTn id="4" fill="hold">
+                            <p:stCondLst>
+                              <p:cond delay="0"/>
+                            </p:stCondLst>
+                            <p:childTnLst>
+                              <p:par>
+                                <p:cTn id="5" presetID="55" presetClass="entr" presetSubtype="0" fill="hold" grpId="0" nodeType="clickEffect">
+                                  <p:stCondLst>
+                                    <p:cond delay="0"/>
+                                  </p:stCondLst>
+                                  <p:childTnLst>
+                                    <p:set>
+                                      <p:cBhvr>
+                                        <p:cTn id="6" dur="1" fill="hold">
+                                          <p:stCondLst>
+                                            <p:cond delay="0"/>
+                                          </p:stCondLst>
+                                        </p:cTn>
+                                        <p:tgtEl>
+                                          <p:spTgt spid="31"/>
+                                        </p:tgtEl>
+                                        <p:attrNameLst>
+                                          <p:attrName>style.visibility</p:attrName>
+                                        </p:attrNameLst>
+                                      </p:cBhvr>
+                                      <p:to>
+                                        <p:strVal val="visible"/>
+                                      </p:to>
+                                    </p:set>
+                                    <p:anim calcmode="lin" valueType="num">
+                                      <p:cBhvr>
+                                        <p:cTn id="7" dur="1000" fill="hold"/>
+                                        <p:tgtEl>
+                                          <p:spTgt spid="31"/>
+                                        </p:tgtEl>
+                                        <p:attrNameLst>
+                                          <p:attrName>ppt_w</p:attrName>
+                                        </p:attrNameLst>
+                                      </p:cBhvr>
+                                      <p:tavLst>
+                                        <p:tav tm="0">
+                                          <p:val>
+                                            <p:strVal val="#ppt_w*0.70"/>
+                                          </p:val>
+                                        </p:tav>
+                                        <p:tav tm="100000">
+                                          <p:val>
+                                            <p:strVal val="#ppt_w"/>
+                                          </p:val>
+                                        </p:tav>
+                                      </p:tavLst>
+                                    </p:anim>
+                                    <p:anim calcmode="lin" valueType="num">
+                                      <p:cBhvr>
+                                        <p:cTn id="8" dur="1000" fill="hold"/>
+                                        <p:tgtEl>
+                                          <p:spTgt spid="31"/>
+                                        </p:tgtEl>
+                                        <p:attrNameLst>
+                                          <p:attrName>ppt_h</p:attrName>
+                                        </p:attrNameLst>
+                                      </p:cBhvr>
+                                      <p:tavLst>
+                                        <p:tav tm="0">
+                                          <p:val>
+                                            <p:strVal val="#ppt_h"/>
+                                          </p:val>
+                                        </p:tav>
+                                        <p:tav tm="100000">
+                                          <p:val>
+                                            <p:strVal val="#ppt_h"/>
+                                          </p:val>
+                                        </p:tav>
+                                      </p:tavLst>
+                                    </p:anim>
+                                    <p:animEffect transition="in" filter="fade">
+                                      <p:cBhvr>
+                                        <p:cTn id="9" dur="1000"/>
+                                        <p:tgtEl>
+                                          <p:spTgt spid="31"/>
+                                        </p:tgtEl>
+                                      </p:cBhvr>
+                                    </p:animEffect>
+                                  </p:childTnLst>
+                                </p:cTn>
+                              </p:par>
+                              <p:par>
+                                <p:cTn id="10" presetID="55" presetClass="entr" presetSubtype="0" fill="hold" grpId="0" nodeType="withEffect">
+                                  <p:stCondLst>
+                                    <p:cond delay="0"/>
+                                  </p:stCondLst>
+                                  <p:childTnLst>
+                                    <p:set>
+                                      <p:cBhvr>
+                                        <p:cTn id="11" dur="1" fill="hold">
+                                          <p:stCondLst>
+                                            <p:cond delay="0"/>
+                                          </p:stCondLst>
+                                        </p:cTn>
+                                        <p:tgtEl>
+                                          <p:spTgt spid="32"/>
+                                        </p:tgtEl>
+                                        <p:attrNameLst>
+                                          <p:attrName>style.visibility</p:attrName>
+                                        </p:attrNameLst>
+                                      </p:cBhvr>
+                                      <p:to>
+                                        <p:strVal val="visible"/>
+                                      </p:to>
+                                    </p:set>
+                                    <p:anim calcmode="lin" valueType="num">
+                                      <p:cBhvr>
+                                        <p:cTn id="12" dur="1000" fill="hold"/>
+                                        <p:tgtEl>
+                                          <p:spTgt spid="32"/>
+                                        </p:tgtEl>
+                                        <p:attrNameLst>
+                                          <p:attrName>ppt_w</p:attrName>
+                                        </p:attrNameLst>
+                                      </p:cBhvr>
+                                      <p:tavLst>
+                                        <p:tav tm="0">
+                                          <p:val>
+                                            <p:strVal val="#ppt_w*0.70"/>
+                                          </p:val>
+                                        </p:tav>
+                                        <p:tav tm="100000">
+                                          <p:val>
+                                            <p:strVal val="#ppt_w"/>
+                                          </p:val>
+                                        </p:tav>
+                                      </p:tavLst>
+                                    </p:anim>
+                                    <p:anim calcmode="lin" valueType="num">
+                                      <p:cBhvr>
+                                        <p:cTn id="13" dur="1000" fill="hold"/>
+                                        <p:tgtEl>
+                                          <p:spTgt spid="32"/>
+                                        </p:tgtEl>
+                                        <p:attrNameLst>
+                                          <p:attrName>ppt_h</p:attrName>
+                                        </p:attrNameLst>
+                                      </p:cBhvr>
+                                      <p:tavLst>
+                                        <p:tav tm="0">
+                                          <p:val>
+                                            <p:strVal val="#ppt_h"/>
+                                          </p:val>
+                                        </p:tav>
+                                        <p:tav tm="100000">
+                                          <p:val>
+                                            <p:strVal val="#ppt_h"/>
+                                          </p:val>
+                                        </p:tav>
+                                      </p:tavLst>
+                                    </p:anim>
+                                    <p:animEffect transition="in" filter="fade">
+                                      <p:cBhvr>
+                                        <p:cTn id="14" dur="1000"/>
+                                        <p:tgtEl>
+                                          <p:spTgt spid="32"/>
+                                        </p:tgtEl>
+                                      </p:cBhvr>
+                                    </p:animEffect>
+                                  </p:childTnLst>
+                                </p:cTn>
+                              </p:par>
+                              <p:par>
+                                <p:cTn id="15" presetID="55" presetClass="entr" presetSubtype="0" fill="hold" grpId="0" nodeType="withEffect">
+                                  <p:stCondLst>
+                                    <p:cond delay="0"/>
+                                  </p:stCondLst>
+                                  <p:childTnLst>
+                                    <p:set>
+                                      <p:cBhvr>
+                                        <p:cTn id="16" dur="1" fill="hold">
+                                          <p:stCondLst>
+                                            <p:cond delay="0"/>
+                                          </p:stCondLst>
+                                        </p:cTn>
+                                        <p:tgtEl>
+                                          <p:spTgt spid="33"/>
+                                        </p:tgtEl>
+                                        <p:attrNameLst>
+                                          <p:attrName>style.visibility</p:attrName>
+                                        </p:attrNameLst>
+                                      </p:cBhvr>
+                                      <p:to>
+                                        <p:strVal val="visible"/>
+                                      </p:to>
+                                    </p:set>
+                                    <p:anim calcmode="lin" valueType="num">
+                                      <p:cBhvr>
+                                        <p:cTn id="17" dur="1000" fill="hold"/>
+                                        <p:tgtEl>
+                                          <p:spTgt spid="33"/>
+                                        </p:tgtEl>
+                                        <p:attrNameLst>
+                                          <p:attrName>ppt_w</p:attrName>
+                                        </p:attrNameLst>
+                                      </p:cBhvr>
+                                      <p:tavLst>
+                                        <p:tav tm="0">
+                                          <p:val>
+                                            <p:strVal val="#ppt_w*0.70"/>
+                                          </p:val>
+                                        </p:tav>
+                                        <p:tav tm="100000">
+                                          <p:val>
+                                            <p:strVal val="#ppt_w"/>
+                                          </p:val>
+                                        </p:tav>
+                                      </p:tavLst>
+                                    </p:anim>
+                                    <p:anim calcmode="lin" valueType="num">
+                                      <p:cBhvr>
+                                        <p:cTn id="18" dur="1000" fill="hold"/>
+                                        <p:tgtEl>
+                                          <p:spTgt spid="33"/>
+                                        </p:tgtEl>
+                                        <p:attrNameLst>
+                                          <p:attrName>ppt_h</p:attrName>
+                                        </p:attrNameLst>
+                                      </p:cBhvr>
+                                      <p:tavLst>
+                                        <p:tav tm="0">
+                                          <p:val>
+                                            <p:strVal val="#ppt_h"/>
+                                          </p:val>
+                                        </p:tav>
+                                        <p:tav tm="100000">
+                                          <p:val>
+                                            <p:strVal val="#ppt_h"/>
+                                          </p:val>
+                                        </p:tav>
+                                      </p:tavLst>
+                                    </p:anim>
+                                    <p:animEffect transition="in" filter="fade">
+                                      <p:cBhvr>
+                                        <p:cTn id="19" dur="1000"/>
+                                        <p:tgtEl>
+                                          <p:spTgt spid="33"/>
+                                        </p:tgtEl>
+                                      </p:cBhvr>
+                                    </p:animEffect>
+                                  </p:childTnLst>
+                                </p:cTn>
+                              </p:par>
+                            </p:childTnLst>
+                          </p:cTn>
+                        </p:par>
+                      </p:childTnLst>
+                    </p:cTn>
+                  </p:par>
+                  <p:par>
+                    <p:cTn id="20" fill="hold">
+                      <p:stCondLst>
+                        <p:cond delay="indefinite"/>
+                      </p:stCondLst>
+                      <p:childTnLst>
+                        <p:par>
+                          <p:cTn id="21" fill="hold">
+                            <p:stCondLst>
+                              <p:cond delay="0"/>
+                            </p:stCondLst>
+                            <p:childTnLst>
+                              <p:par>
+                                <p:cTn id="22" presetID="55" presetClass="entr" presetSubtype="0" fill="hold" grpId="0" nodeType="clickEffect">
+                                  <p:stCondLst>
+                                    <p:cond delay="0"/>
+                                  </p:stCondLst>
+                                  <p:childTnLst>
+                                    <p:set>
+                                      <p:cBhvr>
+                                        <p:cTn id="23" dur="1" fill="hold">
+                                          <p:stCondLst>
+                                            <p:cond delay="0"/>
+                                          </p:stCondLst>
+                                        </p:cTn>
+                                        <p:tgtEl>
+                                          <p:spTgt spid="16"/>
+                                        </p:tgtEl>
+                                        <p:attrNameLst>
+                                          <p:attrName>style.visibility</p:attrName>
+                                        </p:attrNameLst>
+                                      </p:cBhvr>
+                                      <p:to>
+                                        <p:strVal val="visible"/>
+                                      </p:to>
+                                    </p:set>
+                                    <p:anim calcmode="lin" valueType="num">
+                                      <p:cBhvr>
+                                        <p:cTn id="24" dur="1000" fill="hold"/>
+                                        <p:tgtEl>
+                                          <p:spTgt spid="16"/>
+                                        </p:tgtEl>
+                                        <p:attrNameLst>
+                                          <p:attrName>ppt_w</p:attrName>
+                                        </p:attrNameLst>
+                                      </p:cBhvr>
+                                      <p:tavLst>
+                                        <p:tav tm="0">
+                                          <p:val>
+                                            <p:strVal val="#ppt_w*0.70"/>
+                                          </p:val>
+                                        </p:tav>
+                                        <p:tav tm="100000">
+                                          <p:val>
+                                            <p:strVal val="#ppt_w"/>
+                                          </p:val>
+                                        </p:tav>
+                                      </p:tavLst>
+                                    </p:anim>
+                                    <p:anim calcmode="lin" valueType="num">
+                                      <p:cBhvr>
+                                        <p:cTn id="25" dur="1000" fill="hold"/>
+                                        <p:tgtEl>
+                                          <p:spTgt spid="16"/>
+                                        </p:tgtEl>
+                                        <p:attrNameLst>
+                                          <p:attrName>ppt_h</p:attrName>
+                                        </p:attrNameLst>
+                                      </p:cBhvr>
+                                      <p:tavLst>
+                                        <p:tav tm="0">
+                                          <p:val>
+                                            <p:strVal val="#ppt_h"/>
+                                          </p:val>
+                                        </p:tav>
+                                        <p:tav tm="100000">
+                                          <p:val>
+                                            <p:strVal val="#ppt_h"/>
+                                          </p:val>
+                                        </p:tav>
+                                      </p:tavLst>
+                                    </p:anim>
+                                    <p:animEffect transition="in" filter="fade">
+                                      <p:cBhvr>
+                                        <p:cTn id="26" dur="1000"/>
+                                        <p:tgtEl>
+                                          <p:spTgt spid="16"/>
+                                        </p:tgtEl>
+                                      </p:cBhvr>
+                                    </p:animEffect>
+                                  </p:childTnLst>
+                                </p:cTn>
+                              </p:par>
+                              <p:par>
+                                <p:cTn id="27" presetID="55" presetClass="entr" presetSubtype="0" fill="hold" grpId="0" nodeType="withEffect">
+                                  <p:stCondLst>
+                                    <p:cond delay="0"/>
+                                  </p:stCondLst>
+                                  <p:childTnLst>
+                                    <p:set>
+                                      <p:cBhvr>
+                                        <p:cTn id="28" dur="1" fill="hold">
+                                          <p:stCondLst>
+                                            <p:cond delay="0"/>
+                                          </p:stCondLst>
+                                        </p:cTn>
+                                        <p:tgtEl>
+                                          <p:spTgt spid="14"/>
+                                        </p:tgtEl>
+                                        <p:attrNameLst>
+                                          <p:attrName>style.visibility</p:attrName>
+                                        </p:attrNameLst>
+                                      </p:cBhvr>
+                                      <p:to>
+                                        <p:strVal val="visible"/>
+                                      </p:to>
+                                    </p:set>
+                                    <p:anim calcmode="lin" valueType="num">
+                                      <p:cBhvr>
+                                        <p:cTn id="29" dur="1000" fill="hold"/>
+                                        <p:tgtEl>
+                                          <p:spTgt spid="14"/>
+                                        </p:tgtEl>
+                                        <p:attrNameLst>
+                                          <p:attrName>ppt_w</p:attrName>
+                                        </p:attrNameLst>
+                                      </p:cBhvr>
+                                      <p:tavLst>
+                                        <p:tav tm="0">
+                                          <p:val>
+                                            <p:strVal val="#ppt_w*0.70"/>
+                                          </p:val>
+                                        </p:tav>
+                                        <p:tav tm="100000">
+                                          <p:val>
+                                            <p:strVal val="#ppt_w"/>
+                                          </p:val>
+                                        </p:tav>
+                                      </p:tavLst>
+                                    </p:anim>
+                                    <p:anim calcmode="lin" valueType="num">
+                                      <p:cBhvr>
+                                        <p:cTn id="30" dur="1000" fill="hold"/>
+                                        <p:tgtEl>
+                                          <p:spTgt spid="14"/>
+                                        </p:tgtEl>
+                                        <p:attrNameLst>
+                                          <p:attrName>ppt_h</p:attrName>
+                                        </p:attrNameLst>
+                                      </p:cBhvr>
+                                      <p:tavLst>
+                                        <p:tav tm="0">
+                                          <p:val>
+                                            <p:strVal val="#ppt_h"/>
+                                          </p:val>
+                                        </p:tav>
+                                        <p:tav tm="100000">
+                                          <p:val>
+                                            <p:strVal val="#ppt_h"/>
+                                          </p:val>
+                                        </p:tav>
+                                      </p:tavLst>
+                                    </p:anim>
+                                    <p:animEffect transition="in" filter="fade">
+                                      <p:cBhvr>
+                                        <p:cTn id="31" dur="1000"/>
+                                        <p:tgtEl>
+                                          <p:spTgt spid="14"/>
+                                        </p:tgtEl>
+                                      </p:cBhvr>
+                                    </p:animEffect>
+                                  </p:childTnLst>
+                                </p:cTn>
+                              </p:par>
+                              <p:par>
+                                <p:cTn id="32" presetID="55" presetClass="entr" presetSubtype="0" fill="hold" grpId="0" nodeType="withEffect">
+                                  <p:stCondLst>
+                                    <p:cond delay="0"/>
+                                  </p:stCondLst>
+                                  <p:childTnLst>
+                                    <p:set>
+                                      <p:cBhvr>
+                                        <p:cTn id="33" dur="1" fill="hold">
+                                          <p:stCondLst>
+                                            <p:cond delay="0"/>
+                                          </p:stCondLst>
+                                        </p:cTn>
+                                        <p:tgtEl>
+                                          <p:spTgt spid="15"/>
+                                        </p:tgtEl>
+                                        <p:attrNameLst>
+                                          <p:attrName>style.visibility</p:attrName>
+                                        </p:attrNameLst>
+                                      </p:cBhvr>
+                                      <p:to>
+                                        <p:strVal val="visible"/>
+                                      </p:to>
+                                    </p:set>
+                                    <p:anim calcmode="lin" valueType="num">
+                                      <p:cBhvr>
+                                        <p:cTn id="34" dur="1000" fill="hold"/>
+                                        <p:tgtEl>
+                                          <p:spTgt spid="15"/>
+                                        </p:tgtEl>
+                                        <p:attrNameLst>
+                                          <p:attrName>ppt_w</p:attrName>
+                                        </p:attrNameLst>
+                                      </p:cBhvr>
+                                      <p:tavLst>
+                                        <p:tav tm="0">
+                                          <p:val>
+                                            <p:strVal val="#ppt_w*0.70"/>
+                                          </p:val>
+                                        </p:tav>
+                                        <p:tav tm="100000">
+                                          <p:val>
+                                            <p:strVal val="#ppt_w"/>
+                                          </p:val>
+                                        </p:tav>
+                                      </p:tavLst>
+                                    </p:anim>
+                                    <p:anim calcmode="lin" valueType="num">
+                                      <p:cBhvr>
+                                        <p:cTn id="35" dur="1000" fill="hold"/>
+                                        <p:tgtEl>
+                                          <p:spTgt spid="15"/>
+                                        </p:tgtEl>
+                                        <p:attrNameLst>
+                                          <p:attrName>ppt_h</p:attrName>
+                                        </p:attrNameLst>
+                                      </p:cBhvr>
+                                      <p:tavLst>
+                                        <p:tav tm="0">
+                                          <p:val>
+                                            <p:strVal val="#ppt_h"/>
+                                          </p:val>
+                                        </p:tav>
+                                        <p:tav tm="100000">
+                                          <p:val>
+                                            <p:strVal val="#ppt_h"/>
+                                          </p:val>
+                                        </p:tav>
+                                      </p:tavLst>
+                                    </p:anim>
+                                    <p:animEffect transition="in" filter="fade">
+                                      <p:cBhvr>
+                                        <p:cTn id="36" dur="1000"/>
+                                        <p:tgtEl>
+                                          <p:spTgt spid="15"/>
+                                        </p:tgtEl>
+                                      </p:cBhvr>
+                                    </p:animEffect>
+                                  </p:childTnLst>
+                                </p:cTn>
+                              </p:par>
+                              <p:par>
+                                <p:cTn id="37" presetID="55" presetClass="entr" presetSubtype="0" fill="hold" grpId="0" nodeType="withEffect">
+                                  <p:stCondLst>
+                                    <p:cond delay="0"/>
+                                  </p:stCondLst>
+                                  <p:childTnLst>
+                                    <p:set>
+                                      <p:cBhvr>
+                                        <p:cTn id="38" dur="1" fill="hold">
+                                          <p:stCondLst>
+                                            <p:cond delay="0"/>
+                                          </p:stCondLst>
+                                        </p:cTn>
+                                        <p:tgtEl>
+                                          <p:spTgt spid="13"/>
+                                        </p:tgtEl>
+                                        <p:attrNameLst>
+                                          <p:attrName>style.visibility</p:attrName>
+                                        </p:attrNameLst>
+                                      </p:cBhvr>
+                                      <p:to>
+                                        <p:strVal val="visible"/>
+                                      </p:to>
+                                    </p:set>
+                                    <p:anim calcmode="lin" valueType="num">
+                                      <p:cBhvr>
+                                        <p:cTn id="39" dur="1000" fill="hold"/>
+                                        <p:tgtEl>
+                                          <p:spTgt spid="13"/>
+                                        </p:tgtEl>
+                                        <p:attrNameLst>
+                                          <p:attrName>ppt_w</p:attrName>
+                                        </p:attrNameLst>
+                                      </p:cBhvr>
+                                      <p:tavLst>
+                                        <p:tav tm="0">
+                                          <p:val>
+                                            <p:strVal val="#ppt_w*0.70"/>
+                                          </p:val>
+                                        </p:tav>
+                                        <p:tav tm="100000">
+                                          <p:val>
+                                            <p:strVal val="#ppt_w"/>
+                                          </p:val>
+                                        </p:tav>
+                                      </p:tavLst>
+                                    </p:anim>
+                                    <p:anim calcmode="lin" valueType="num">
+                                      <p:cBhvr>
+                                        <p:cTn id="40" dur="1000" fill="hold"/>
+                                        <p:tgtEl>
+                                          <p:spTgt spid="13"/>
+                                        </p:tgtEl>
+                                        <p:attrNameLst>
+                                          <p:attrName>ppt_h</p:attrName>
+                                        </p:attrNameLst>
+                                      </p:cBhvr>
+                                      <p:tavLst>
+                                        <p:tav tm="0">
+                                          <p:val>
+                                            <p:strVal val="#ppt_h"/>
+                                          </p:val>
+                                        </p:tav>
+                                        <p:tav tm="100000">
+                                          <p:val>
+                                            <p:strVal val="#ppt_h"/>
+                                          </p:val>
+                                        </p:tav>
+                                      </p:tavLst>
+                                    </p:anim>
+                                    <p:animEffect transition="in" filter="fade">
+                                      <p:cBhvr>
+                                        <p:cTn id="41" dur="1000"/>
+                                        <p:tgtEl>
+                                          <p:spTgt spid="13"/>
+                                        </p:tgtEl>
+                                      </p:cBhvr>
+                                    </p:animEffect>
+                                  </p:childTnLst>
+                                </p:cTn>
+                              </p:par>
+                              <p:par>
+                                <p:cTn id="42" presetID="55" presetClass="entr" presetSubtype="0" fill="hold" grpId="0" nodeType="withEffect">
+                                  <p:stCondLst>
+                                    <p:cond delay="0"/>
+                                  </p:stCondLst>
+                                  <p:childTnLst>
+                                    <p:set>
+                                      <p:cBhvr>
+                                        <p:cTn id="43" dur="1" fill="hold">
+                                          <p:stCondLst>
+                                            <p:cond delay="0"/>
+                                          </p:stCondLst>
+                                        </p:cTn>
+                                        <p:tgtEl>
+                                          <p:spTgt spid="18"/>
+                                        </p:tgtEl>
+                                        <p:attrNameLst>
+                                          <p:attrName>style.visibility</p:attrName>
+                                        </p:attrNameLst>
+                                      </p:cBhvr>
+                                      <p:to>
+                                        <p:strVal val="visible"/>
+                                      </p:to>
+                                    </p:set>
+                                    <p:anim calcmode="lin" valueType="num">
+                                      <p:cBhvr>
+                                        <p:cTn id="44" dur="1000" fill="hold"/>
+                                        <p:tgtEl>
+                                          <p:spTgt spid="18"/>
+                                        </p:tgtEl>
+                                        <p:attrNameLst>
+                                          <p:attrName>ppt_w</p:attrName>
+                                        </p:attrNameLst>
+                                      </p:cBhvr>
+                                      <p:tavLst>
+                                        <p:tav tm="0">
+                                          <p:val>
+                                            <p:strVal val="#ppt_w*0.70"/>
+                                          </p:val>
+                                        </p:tav>
+                                        <p:tav tm="100000">
+                                          <p:val>
+                                            <p:strVal val="#ppt_w"/>
+                                          </p:val>
+                                        </p:tav>
+                                      </p:tavLst>
+                                    </p:anim>
+                                    <p:anim calcmode="lin" valueType="num">
+                                      <p:cBhvr>
+                                        <p:cTn id="45" dur="1000" fill="hold"/>
+                                        <p:tgtEl>
+                                          <p:spTgt spid="18"/>
+                                        </p:tgtEl>
+                                        <p:attrNameLst>
+                                          <p:attrName>ppt_h</p:attrName>
+                                        </p:attrNameLst>
+                                      </p:cBhvr>
+                                      <p:tavLst>
+                                        <p:tav tm="0">
+                                          <p:val>
+                                            <p:strVal val="#ppt_h"/>
+                                          </p:val>
+                                        </p:tav>
+                                        <p:tav tm="100000">
+                                          <p:val>
+                                            <p:strVal val="#ppt_h"/>
+                                          </p:val>
+                                        </p:tav>
+                                      </p:tavLst>
+                                    </p:anim>
+                                    <p:animEffect transition="in" filter="fade">
+                                      <p:cBhvr>
+                                        <p:cTn id="46" dur="1000"/>
+                                        <p:tgtEl>
+                                          <p:spTgt spid="18"/>
+                                        </p:tgtEl>
+                                      </p:cBhvr>
+                                    </p:animEffect>
+                                  </p:childTnLst>
+                                </p:cTn>
+                              </p:par>
+                            </p:childTnLst>
+                          </p:cTn>
+                        </p:par>
+                      </p:childTnLst>
+                    </p:cTn>
+                  </p:par>
+                </p:childTnLst>
+              </p:cTn>
+              <p:prevCondLst>
+                <p:cond evt="onPrev" delay="0">
+                  <p:tgtEl>
+                    <p:sldTgt/>
+                  </p:tgtEl>
+                </p:cond>
+              </p:prevCondLst>
+              <p:nextCondLst>
+                <p:cond evt="onNext" delay="0">
+                  <p:tgtEl>
+                    <p:sldTgt/>
+                  </p:tgtEl>
+                </p:cond>
+              </p:nextCondLst>
+            </p:seq>
+          </p:childTnLst>
+        </p:cTn>
       </p:par>
     </p:tnLst>
+    <p:bldLst>
+      <p:bldP spid="16" grpId="0" animBg="1"/>
+      <p:bldP spid="14" grpId="0" animBg="1"/>
+      <p:bldP spid="15" grpId="0" animBg="1"/>
+      <p:bldP spid="13" grpId="0" animBg="1"/>
+      <p:bldP spid="18" grpId="0" animBg="1"/>
+      <p:bldP spid="31" grpId="0" animBg="1"/>
+      <p:bldP spid="32" grpId="0" animBg="1"/>
+      <p:bldP spid="33" grpId="0" animBg="1"/>
+    </p:bldLst>
   </p:timing>
 </p:sld>
 </file>
@@ -8426,7 +10142,7 @@
           <a:bodyPr wrap="none" anchor="ctr"/>
           <a:lstStyle/>
           <a:p>
-            <a:endParaRPr lang="fr-CH"/>
+            <a:endParaRPr lang="fr-CH" dirty="0"/>
           </a:p>
         </p:txBody>
       </p:sp>
@@ -8463,7 +10179,7 @@
           <a:p>
             <a:pPr algn="ctr"/>
             <a:r>
-              <a:rPr lang="fr-CH" sz="2000" b="1" u="none">
+              <a:rPr lang="fr-CH" sz="2000" b="1" u="none" dirty="0">
                 <a:solidFill>
                   <a:schemeClr val="bg1"/>
                 </a:solidFill>
@@ -8476,7 +10192,7 @@
               </a:rPr>
               <a:t>CONCLUSION</a:t>
             </a:r>
-            <a:endParaRPr lang="fr-FR" sz="2000" b="1" u="none">
+            <a:endParaRPr lang="fr-FR" sz="2000" b="1" u="none" dirty="0">
               <a:solidFill>
                 <a:schemeClr val="bg1"/>
               </a:solidFill>
@@ -8521,7 +10237,7 @@
           </a:bodyPr>
           <a:lstStyle/>
           <a:p>
-            <a:endParaRPr lang="fr-FR" u="none">
+            <a:endParaRPr lang="fr-FR" u="none" dirty="0">
               <a:latin typeface="Trebuchet MS" pitchFamily="34" charset="0"/>
             </a:endParaRPr>
           </a:p>
@@ -8568,7 +10284,7 @@
           <a:bodyPr wrap="none" anchor="ctr"/>
           <a:lstStyle/>
           <a:p>
-            <a:endParaRPr lang="fr-CH"/>
+            <a:endParaRPr lang="fr-CH" dirty="0"/>
           </a:p>
         </p:txBody>
       </p:sp>
@@ -8613,7 +10329,7 @@
           <a:bodyPr wrap="none" anchor="ctr"/>
           <a:lstStyle/>
           <a:p>
-            <a:endParaRPr lang="fr-CH"/>
+            <a:endParaRPr lang="fr-CH" dirty="0"/>
           </a:p>
         </p:txBody>
       </p:sp>
@@ -8650,7 +10366,7 @@
               <a:t>11</a:t>
             </a:fld>
             <a:r>
-              <a:rPr lang="fr-FR" smtClean="0">
+              <a:rPr lang="fr-FR" dirty="0" smtClean="0">
                 <a:solidFill>
                   <a:schemeClr val="tx1">
                     <a:lumMod val="65000"/>
@@ -8735,7 +10451,7 @@
           <a:lstStyle/>
           <a:p>
             <a:r>
-              <a:rPr lang="fr-FR" smtClean="0">
+              <a:rPr lang="fr-FR" dirty="0" smtClean="0">
                 <a:solidFill>
                   <a:schemeClr val="tx1">
                     <a:lumMod val="65000"/>
@@ -8745,7 +10461,7 @@
               </a:rPr>
               <a:t>ADO - PPZ - LFH</a:t>
             </a:r>
-            <a:endParaRPr lang="fr-FR">
+            <a:endParaRPr lang="fr-FR" dirty="0">
               <a:solidFill>
                 <a:schemeClr val="tx1">
                   <a:lumMod val="65000"/>
@@ -9268,7 +10984,7 @@
           <a:bodyPr wrap="none" anchor="ctr"/>
           <a:lstStyle/>
           <a:p>
-            <a:endParaRPr lang="fr-CH"/>
+            <a:endParaRPr lang="fr-CH" dirty="0"/>
           </a:p>
         </p:txBody>
       </p:sp>
@@ -9316,7 +11032,7 @@
                 </a:effectLst>
                 <a:latin typeface="Trebuchet MS" pitchFamily="34" charset="0"/>
               </a:rPr>
-              <a:t>DEMONSTRATION [AURELIEN]</a:t>
+              <a:t>DEMONSTRATION</a:t>
             </a:r>
             <a:endParaRPr lang="fr-FR" sz="2000" b="1" u="none" dirty="0">
               <a:solidFill>
@@ -9363,7 +11079,7 @@
           </a:bodyPr>
           <a:lstStyle/>
           <a:p>
-            <a:endParaRPr lang="fr-FR" u="none">
+            <a:endParaRPr lang="fr-FR" u="none" dirty="0">
               <a:latin typeface="Trebuchet MS" pitchFamily="34" charset="0"/>
             </a:endParaRPr>
           </a:p>
@@ -9410,7 +11126,7 @@
           <a:bodyPr wrap="none" anchor="ctr"/>
           <a:lstStyle/>
           <a:p>
-            <a:endParaRPr lang="fr-CH"/>
+            <a:endParaRPr lang="fr-CH" dirty="0"/>
           </a:p>
         </p:txBody>
       </p:sp>
@@ -9455,7 +11171,7 @@
           <a:bodyPr wrap="none" anchor="ctr"/>
           <a:lstStyle/>
           <a:p>
-            <a:endParaRPr lang="fr-CH"/>
+            <a:endParaRPr lang="fr-CH" dirty="0"/>
           </a:p>
         </p:txBody>
       </p:sp>
@@ -9500,7 +11216,7 @@
                   </a:schemeClr>
                 </a:solidFill>
               </a:rPr>
-              <a:t>/11</a:t>
+              <a:t>/13</a:t>
             </a:r>
             <a:endParaRPr lang="fr-FR" dirty="0">
               <a:solidFill>
@@ -9577,7 +11293,7 @@
           <a:lstStyle/>
           <a:p>
             <a:r>
-              <a:rPr lang="fr-FR" smtClean="0">
+              <a:rPr lang="fr-FR" dirty="0" smtClean="0">
                 <a:solidFill>
                   <a:schemeClr val="tx1">
                     <a:lumMod val="65000"/>
@@ -9587,7 +11303,7 @@
               </a:rPr>
               <a:t>ADO - PPZ - LFH</a:t>
             </a:r>
-            <a:endParaRPr lang="fr-FR">
+            <a:endParaRPr lang="fr-FR" dirty="0">
               <a:solidFill>
                 <a:schemeClr val="tx1">
                   <a:lumMod val="65000"/>
@@ -9699,7 +11415,7 @@
           <a:bodyPr wrap="none" anchor="ctr"/>
           <a:lstStyle/>
           <a:p>
-            <a:endParaRPr lang="fr-CH"/>
+            <a:endParaRPr lang="fr-CH" dirty="0"/>
           </a:p>
         </p:txBody>
       </p:sp>
@@ -9736,7 +11452,7 @@
           <a:p>
             <a:pPr algn="ctr"/>
             <a:r>
-              <a:rPr lang="fr-CH" sz="2000" b="1" u="none">
+              <a:rPr lang="fr-CH" sz="2000" b="1" u="none" dirty="0">
                 <a:solidFill>
                   <a:schemeClr val="bg1"/>
                 </a:solidFill>
@@ -9749,7 +11465,7 @@
               </a:rPr>
               <a:t>QUESTIONS ?</a:t>
             </a:r>
-            <a:endParaRPr lang="fr-FR" sz="2000" b="1" u="none">
+            <a:endParaRPr lang="fr-FR" sz="2000" b="1" u="none" dirty="0">
               <a:solidFill>
                 <a:schemeClr val="bg1"/>
               </a:solidFill>
@@ -9804,7 +11520,7 @@
           <a:bodyPr wrap="none" anchor="ctr"/>
           <a:lstStyle/>
           <a:p>
-            <a:endParaRPr lang="fr-CH"/>
+            <a:endParaRPr lang="fr-CH" dirty="0"/>
           </a:p>
         </p:txBody>
       </p:sp>
@@ -9849,7 +11565,7 @@
           <a:bodyPr wrap="none" anchor="ctr"/>
           <a:lstStyle/>
           <a:p>
-            <a:endParaRPr lang="fr-CH"/>
+            <a:endParaRPr lang="fr-CH" dirty="0"/>
           </a:p>
         </p:txBody>
       </p:sp>
@@ -9901,7 +11617,7 @@
             <a:lstStyle/>
             <a:p>
               <a:r>
-                <a:rPr lang="fr-CH" sz="4000" b="1" u="none">
+                <a:rPr lang="fr-CH" sz="4000" b="1" u="none" dirty="0">
                   <a:solidFill>
                     <a:srgbClr val="5F5F5F"/>
                   </a:solidFill>
@@ -9914,7 +11630,7 @@
                 </a:rPr>
                 <a:t>?</a:t>
               </a:r>
-              <a:endParaRPr lang="fr-FR" sz="4000" b="1" u="none">
+              <a:endParaRPr lang="fr-FR" sz="4000" b="1" u="none" dirty="0">
                 <a:solidFill>
                   <a:srgbClr val="5F5F5F"/>
                 </a:solidFill>
@@ -9960,7 +11676,7 @@
             <a:lstStyle/>
             <a:p>
               <a:r>
-                <a:rPr lang="fr-CH" sz="4400" b="1" u="none">
+                <a:rPr lang="fr-CH" sz="4400" b="1" u="none" dirty="0">
                   <a:solidFill>
                     <a:srgbClr val="5F5F5F"/>
                   </a:solidFill>
@@ -9973,7 +11689,7 @@
                 </a:rPr>
                 <a:t>?</a:t>
               </a:r>
-              <a:endParaRPr lang="fr-FR" sz="4400" b="1" u="none">
+              <a:endParaRPr lang="fr-FR" sz="4400" b="1" u="none" dirty="0">
                 <a:solidFill>
                   <a:srgbClr val="5F5F5F"/>
                 </a:solidFill>
@@ -10019,7 +11735,7 @@
             <a:lstStyle/>
             <a:p>
               <a:r>
-                <a:rPr lang="fr-CH" b="1" u="none">
+                <a:rPr lang="fr-CH" b="1" u="none" dirty="0">
                   <a:solidFill>
                     <a:srgbClr val="5F5F5F"/>
                   </a:solidFill>
@@ -10032,7 +11748,7 @@
                 </a:rPr>
                 <a:t>?</a:t>
               </a:r>
-              <a:endParaRPr lang="fr-FR" b="1" u="none">
+              <a:endParaRPr lang="fr-FR" b="1" u="none" dirty="0">
                 <a:solidFill>
                   <a:srgbClr val="5F5F5F"/>
                 </a:solidFill>
@@ -10196,7 +11912,7 @@
             <a:lstStyle/>
             <a:p>
               <a:r>
-                <a:rPr lang="fr-CH" sz="8000" b="1" u="none">
+                <a:rPr lang="fr-CH" sz="8000" b="1" u="none" dirty="0">
                   <a:solidFill>
                     <a:srgbClr val="5F5F5F"/>
                   </a:solidFill>
@@ -10209,7 +11925,7 @@
                 </a:rPr>
                 <a:t>?</a:t>
               </a:r>
-              <a:endParaRPr lang="fr-FR" sz="8000" b="1" u="none">
+              <a:endParaRPr lang="fr-FR" sz="8000" b="1" u="none" dirty="0">
                 <a:solidFill>
                   <a:srgbClr val="5F5F5F"/>
                 </a:solidFill>
@@ -10314,7 +12030,7 @@
             <a:lstStyle/>
             <a:p>
               <a:r>
-                <a:rPr lang="fr-CH" sz="5400" b="1" u="none">
+                <a:rPr lang="fr-CH" sz="5400" b="1" u="none" dirty="0">
                   <a:solidFill>
                     <a:srgbClr val="5F5F5F"/>
                   </a:solidFill>
@@ -10327,7 +12043,7 @@
                 </a:rPr>
                 <a:t>?</a:t>
               </a:r>
-              <a:endParaRPr lang="fr-FR" sz="5400" b="1" u="none">
+              <a:endParaRPr lang="fr-FR" sz="5400" b="1" u="none" dirty="0">
                 <a:solidFill>
                   <a:srgbClr val="5F5F5F"/>
                 </a:solidFill>
@@ -10373,7 +12089,7 @@
             <a:lstStyle/>
             <a:p>
               <a:r>
-                <a:rPr lang="fr-CH" b="1" u="none">
+                <a:rPr lang="fr-CH" b="1" u="none" dirty="0">
                   <a:solidFill>
                     <a:srgbClr val="5F5F5F"/>
                   </a:solidFill>
@@ -10386,7 +12102,7 @@
                 </a:rPr>
                 <a:t>?</a:t>
               </a:r>
-              <a:endParaRPr lang="fr-FR" b="1" u="none">
+              <a:endParaRPr lang="fr-FR" b="1" u="none" dirty="0">
                 <a:solidFill>
                   <a:srgbClr val="5F5F5F"/>
                 </a:solidFill>
@@ -10432,7 +12148,7 @@
             <a:lstStyle/>
             <a:p>
               <a:r>
-                <a:rPr lang="fr-CH" sz="4000" b="1" u="none">
+                <a:rPr lang="fr-CH" sz="4000" b="1" u="none" dirty="0">
                   <a:solidFill>
                     <a:srgbClr val="5F5F5F"/>
                   </a:solidFill>
@@ -10445,7 +12161,7 @@
                 </a:rPr>
                 <a:t>?</a:t>
               </a:r>
-              <a:endParaRPr lang="fr-FR" sz="4000" b="1" u="none">
+              <a:endParaRPr lang="fr-FR" sz="4000" b="1" u="none" dirty="0">
                 <a:solidFill>
                   <a:srgbClr val="5F5F5F"/>
                 </a:solidFill>
@@ -10491,7 +12207,7 @@
             <a:lstStyle/>
             <a:p>
               <a:r>
-                <a:rPr lang="fr-CH" b="1" u="none">
+                <a:rPr lang="fr-CH" b="1" u="none" dirty="0">
                   <a:solidFill>
                     <a:srgbClr val="5F5F5F"/>
                   </a:solidFill>
@@ -10504,7 +12220,7 @@
                 </a:rPr>
                 <a:t>?</a:t>
               </a:r>
-              <a:endParaRPr lang="fr-FR" b="1" u="none">
+              <a:endParaRPr lang="fr-FR" b="1" u="none" dirty="0">
                 <a:solidFill>
                   <a:srgbClr val="5F5F5F"/>
                 </a:solidFill>
@@ -10723,7 +12439,7 @@
               <a:pPr/>
               <a:t>19.01.2010</a:t>
             </a:fld>
-            <a:endParaRPr lang="fr-FR">
+            <a:endParaRPr lang="fr-FR" dirty="0">
               <a:solidFill>
                 <a:schemeClr val="tx1">
                   <a:lumMod val="65000"/>
@@ -10755,7 +12471,7 @@
           <a:lstStyle/>
           <a:p>
             <a:r>
-              <a:rPr lang="fr-FR" smtClean="0">
+              <a:rPr lang="fr-FR" dirty="0" smtClean="0">
                 <a:solidFill>
                   <a:schemeClr val="tx1">
                     <a:lumMod val="65000"/>
@@ -10765,7 +12481,7 @@
               </a:rPr>
               <a:t>ADO - PPZ - LFH</a:t>
             </a:r>
-            <a:endParaRPr lang="fr-FR">
+            <a:endParaRPr lang="fr-FR" dirty="0">
               <a:solidFill>
                 <a:schemeClr val="tx1">
                   <a:lumMod val="65000"/>
@@ -14085,7 +15801,15 @@
             </a:pPr>
             <a:r>
               <a:rPr lang="fr-CH" u="none" dirty="0" smtClean="0"/>
-              <a:t> Très largement rependu dans l’industrie et toutes les applications incluant des </a:t>
+              <a:t> Très largement </a:t>
+            </a:r>
+            <a:r>
+              <a:rPr lang="fr-CH" u="none" dirty="0" smtClean="0"/>
+              <a:t>répandu dans </a:t>
+            </a:r>
+            <a:r>
+              <a:rPr lang="fr-CH" u="none" dirty="0" smtClean="0"/>
+              <a:t>l’industrie et toutes les applications incluant des </a:t>
             </a:r>
             <a:r>
               <a:rPr lang="fr-CH" b="1" u="none" dirty="0" smtClean="0"/>
@@ -18239,6 +19963,13 @@
   <p:transition>
     <p:fade/>
   </p:transition>
+  <p:timing>
+    <p:tnLst>
+      <p:par>
+        <p:cTn id="1" dur="indefinite" restart="never" nodeType="tmRoot"/>
+      </p:par>
+    </p:tnLst>
+  </p:timing>
 </p:sld>
 </file>
 
@@ -18575,7 +20306,21 @@
                 </a:effectLst>
                 <a:latin typeface="Trebuchet MS" pitchFamily="34" charset="0"/>
               </a:rPr>
-              <a:t>MODELE MVC [AURELIEN]</a:t>
+              <a:t>MODELE </a:t>
+            </a:r>
+            <a:r>
+              <a:rPr lang="fr-FR" sz="2000" b="1" u="none" dirty="0" smtClean="0">
+                <a:solidFill>
+                  <a:schemeClr val="bg1"/>
+                </a:solidFill>
+                <a:effectLst>
+                  <a:outerShdw blurRad="38100" dist="38100" dir="2700000" algn="tl">
+                    <a:srgbClr val="C0C0C0"/>
+                  </a:outerShdw>
+                </a:effectLst>
+                <a:latin typeface="Trebuchet MS" pitchFamily="34" charset="0"/>
+              </a:rPr>
+              <a:t>MVC</a:t>
             </a:r>
             <a:endParaRPr lang="fr-FR" sz="2000" b="1" u="none" dirty="0">
               <a:solidFill>
@@ -18591,6 +20336,38 @@
           </a:p>
         </p:txBody>
       </p:sp>
+      <p:pic>
+        <p:nvPicPr>
+          <p:cNvPr id="1027" name="Picture 3"/>
+          <p:cNvPicPr>
+            <a:picLocks noChangeAspect="1" noChangeArrowheads="1"/>
+          </p:cNvPicPr>
+          <p:nvPr/>
+        </p:nvPicPr>
+        <p:blipFill>
+          <a:blip r:embed="rId2" cstate="print"/>
+          <a:srcRect/>
+          <a:stretch>
+            <a:fillRect/>
+          </a:stretch>
+        </p:blipFill>
+        <p:spPr bwMode="auto">
+          <a:xfrm>
+            <a:off x="153927" y="2653930"/>
+            <a:ext cx="8686800" cy="2272103"/>
+          </a:xfrm>
+          <a:prstGeom prst="rect">
+            <a:avLst/>
+          </a:prstGeom>
+          <a:noFill/>
+          <a:ln w="9525">
+            <a:noFill/>
+            <a:miter lim="800000"/>
+            <a:headEnd/>
+            <a:tailEnd/>
+          </a:ln>
+        </p:spPr>
+      </p:pic>
     </p:spTree>
   </p:cSld>
   <p:clrMapOvr>
